--- a/teste0/01. Pre-Classic/03. rd-132211/Vertices.pptx
+++ b/teste0/01. Pre-Classic/03. rd-132211/Vertices.pptx
@@ -6,11 +6,12 @@
   </p:sldMasterIdLst>
   <p:sldIdLst>
     <p:sldId id="256" r:id="rId2"/>
-    <p:sldId id="257" r:id="rId3"/>
-    <p:sldId id="258" r:id="rId4"/>
-    <p:sldId id="259" r:id="rId5"/>
-    <p:sldId id="261" r:id="rId6"/>
-    <p:sldId id="260" r:id="rId7"/>
+    <p:sldId id="260" r:id="rId3"/>
+    <p:sldId id="257" r:id="rId4"/>
+    <p:sldId id="258" r:id="rId5"/>
+    <p:sldId id="259" r:id="rId6"/>
+    <p:sldId id="261" r:id="rId7"/>
+    <p:sldId id="262" r:id="rId8"/>
   </p:sldIdLst>
   <p:sldSz cx="12192000" cy="6858000"/>
   <p:notesSz cx="6858000" cy="9144000"/>
@@ -264,7 +265,7 @@
           <a:p>
             <a:fld id="{B707E8A8-90E3-4A67-A068-63B2F13060B5}" type="datetimeFigureOut">
               <a:rPr lang="pt-BR" smtClean="0"/>
-              <a:t>22/02/2025</a:t>
+              <a:t>24/02/2025</a:t>
             </a:fld>
             <a:endParaRPr lang="pt-BR"/>
           </a:p>
@@ -462,7 +463,7 @@
           <a:p>
             <a:fld id="{B707E8A8-90E3-4A67-A068-63B2F13060B5}" type="datetimeFigureOut">
               <a:rPr lang="pt-BR" smtClean="0"/>
-              <a:t>22/02/2025</a:t>
+              <a:t>24/02/2025</a:t>
             </a:fld>
             <a:endParaRPr lang="pt-BR"/>
           </a:p>
@@ -670,7 +671,7 @@
           <a:p>
             <a:fld id="{B707E8A8-90E3-4A67-A068-63B2F13060B5}" type="datetimeFigureOut">
               <a:rPr lang="pt-BR" smtClean="0"/>
-              <a:t>22/02/2025</a:t>
+              <a:t>24/02/2025</a:t>
             </a:fld>
             <a:endParaRPr lang="pt-BR"/>
           </a:p>
@@ -868,7 +869,7 @@
           <a:p>
             <a:fld id="{B707E8A8-90E3-4A67-A068-63B2F13060B5}" type="datetimeFigureOut">
               <a:rPr lang="pt-BR" smtClean="0"/>
-              <a:t>22/02/2025</a:t>
+              <a:t>24/02/2025</a:t>
             </a:fld>
             <a:endParaRPr lang="pt-BR"/>
           </a:p>
@@ -1143,7 +1144,7 @@
           <a:p>
             <a:fld id="{B707E8A8-90E3-4A67-A068-63B2F13060B5}" type="datetimeFigureOut">
               <a:rPr lang="pt-BR" smtClean="0"/>
-              <a:t>22/02/2025</a:t>
+              <a:t>24/02/2025</a:t>
             </a:fld>
             <a:endParaRPr lang="pt-BR"/>
           </a:p>
@@ -1408,7 +1409,7 @@
           <a:p>
             <a:fld id="{B707E8A8-90E3-4A67-A068-63B2F13060B5}" type="datetimeFigureOut">
               <a:rPr lang="pt-BR" smtClean="0"/>
-              <a:t>22/02/2025</a:t>
+              <a:t>24/02/2025</a:t>
             </a:fld>
             <a:endParaRPr lang="pt-BR"/>
           </a:p>
@@ -1820,7 +1821,7 @@
           <a:p>
             <a:fld id="{B707E8A8-90E3-4A67-A068-63B2F13060B5}" type="datetimeFigureOut">
               <a:rPr lang="pt-BR" smtClean="0"/>
-              <a:t>22/02/2025</a:t>
+              <a:t>24/02/2025</a:t>
             </a:fld>
             <a:endParaRPr lang="pt-BR"/>
           </a:p>
@@ -1961,7 +1962,7 @@
           <a:p>
             <a:fld id="{B707E8A8-90E3-4A67-A068-63B2F13060B5}" type="datetimeFigureOut">
               <a:rPr lang="pt-BR" smtClean="0"/>
-              <a:t>22/02/2025</a:t>
+              <a:t>24/02/2025</a:t>
             </a:fld>
             <a:endParaRPr lang="pt-BR"/>
           </a:p>
@@ -2074,7 +2075,7 @@
           <a:p>
             <a:fld id="{B707E8A8-90E3-4A67-A068-63B2F13060B5}" type="datetimeFigureOut">
               <a:rPr lang="pt-BR" smtClean="0"/>
-              <a:t>22/02/2025</a:t>
+              <a:t>24/02/2025</a:t>
             </a:fld>
             <a:endParaRPr lang="pt-BR"/>
           </a:p>
@@ -2385,7 +2386,7 @@
           <a:p>
             <a:fld id="{B707E8A8-90E3-4A67-A068-63B2F13060B5}" type="datetimeFigureOut">
               <a:rPr lang="pt-BR" smtClean="0"/>
-              <a:t>22/02/2025</a:t>
+              <a:t>24/02/2025</a:t>
             </a:fld>
             <a:endParaRPr lang="pt-BR"/>
           </a:p>
@@ -2673,7 +2674,7 @@
           <a:p>
             <a:fld id="{B707E8A8-90E3-4A67-A068-63B2F13060B5}" type="datetimeFigureOut">
               <a:rPr lang="pt-BR" smtClean="0"/>
-              <a:t>22/02/2025</a:t>
+              <a:t>24/02/2025</a:t>
             </a:fld>
             <a:endParaRPr lang="pt-BR"/>
           </a:p>
@@ -2914,7 +2915,7 @@
           <a:p>
             <a:fld id="{B707E8A8-90E3-4A67-A068-63B2F13060B5}" type="datetimeFigureOut">
               <a:rPr lang="pt-BR" smtClean="0"/>
-              <a:t>22/02/2025</a:t>
+              <a:t>24/02/2025</a:t>
             </a:fld>
             <a:endParaRPr lang="pt-BR"/>
           </a:p>
@@ -3317,17 +3318,6 @@
 <file path=ppt/slides/slide1.xml><?xml version="1.0" encoding="utf-8"?>
 <p:sld xmlns:a="http://schemas.openxmlformats.org/drawingml/2006/main" xmlns:r="http://schemas.openxmlformats.org/officeDocument/2006/relationships" xmlns:p="http://schemas.openxmlformats.org/presentationml/2006/main">
   <p:cSld>
-    <p:bg>
-      <p:bgPr>
-        <a:solidFill>
-          <a:schemeClr val="tx1">
-            <a:lumMod val="95000"/>
-            <a:lumOff val="5000"/>
-          </a:schemeClr>
-        </a:solidFill>
-        <a:effectLst/>
-      </p:bgPr>
-    </p:bg>
     <p:spTree>
       <p:nvGrpSpPr>
         <p:cNvPr id="1" name=""/>
@@ -3358,17 +3348,97 @@
 <file path=ppt/slides/slide2.xml><?xml version="1.0" encoding="utf-8"?>
 <p:sld xmlns:a="http://schemas.openxmlformats.org/drawingml/2006/main" xmlns:r="http://schemas.openxmlformats.org/officeDocument/2006/relationships" xmlns:p="http://schemas.openxmlformats.org/presentationml/2006/main">
   <p:cSld>
-    <p:bg>
-      <p:bgPr>
-        <a:solidFill>
-          <a:schemeClr val="tx1">
-            <a:lumMod val="95000"/>
-            <a:lumOff val="5000"/>
-          </a:schemeClr>
-        </a:solidFill>
-        <a:effectLst/>
-      </p:bgPr>
-    </p:bg>
+    <p:spTree>
+      <p:nvGrpSpPr>
+        <p:cNvPr id="1" name="">
+          <a:extLst>
+            <a:ext uri="{FF2B5EF4-FFF2-40B4-BE49-F238E27FC236}">
+              <a16:creationId xmlns:a16="http://schemas.microsoft.com/office/drawing/2014/main" id="{1BB3F174-9C98-9804-BF71-BE8A6E3143D7}"/>
+            </a:ext>
+          </a:extLst>
+        </p:cNvPr>
+        <p:cNvGrpSpPr/>
+        <p:nvPr/>
+      </p:nvGrpSpPr>
+      <p:grpSpPr>
+        <a:xfrm>
+          <a:off x="0" y="0"/>
+          <a:ext cx="0" cy="0"/>
+          <a:chOff x="0" y="0"/>
+          <a:chExt cx="0" cy="0"/>
+        </a:xfrm>
+      </p:grpSpPr>
+      <p:sp>
+        <p:nvSpPr>
+          <p:cNvPr id="2" name="Retângulo 1">
+            <a:extLst>
+              <a:ext uri="{FF2B5EF4-FFF2-40B4-BE49-F238E27FC236}">
+                <a16:creationId xmlns:a16="http://schemas.microsoft.com/office/drawing/2014/main" id="{8D49D1F0-1714-6942-4C86-04BF46AF1572}"/>
+              </a:ext>
+            </a:extLst>
+          </p:cNvPr>
+          <p:cNvSpPr/>
+          <p:nvPr/>
+        </p:nvSpPr>
+        <p:spPr>
+          <a:xfrm>
+            <a:off x="0" y="0"/>
+            <a:ext cx="12192000" cy="6858000"/>
+          </a:xfrm>
+          <a:prstGeom prst="rect">
+            <a:avLst/>
+          </a:prstGeom>
+          <a:solidFill>
+            <a:schemeClr val="tx1">
+              <a:lumMod val="95000"/>
+              <a:lumOff val="5000"/>
+            </a:schemeClr>
+          </a:solidFill>
+          <a:ln>
+            <a:noFill/>
+          </a:ln>
+        </p:spPr>
+        <p:style>
+          <a:lnRef idx="2">
+            <a:schemeClr val="accent1">
+              <a:shade val="15000"/>
+            </a:schemeClr>
+          </a:lnRef>
+          <a:fillRef idx="1">
+            <a:schemeClr val="accent1"/>
+          </a:fillRef>
+          <a:effectRef idx="0">
+            <a:schemeClr val="accent1"/>
+          </a:effectRef>
+          <a:fontRef idx="minor">
+            <a:schemeClr val="lt1"/>
+          </a:fontRef>
+        </p:style>
+        <p:txBody>
+          <a:bodyPr rtlCol="0" anchor="ctr"/>
+          <a:lstStyle/>
+          <a:p>
+            <a:pPr algn="ctr"/>
+            <a:endParaRPr lang="pt-BR"/>
+          </a:p>
+        </p:txBody>
+      </p:sp>
+    </p:spTree>
+    <p:extLst>
+      <p:ext uri="{BB962C8B-B14F-4D97-AF65-F5344CB8AC3E}">
+        <p14:creationId xmlns:p14="http://schemas.microsoft.com/office/powerpoint/2010/main" val="981600637"/>
+      </p:ext>
+    </p:extLst>
+  </p:cSld>
+  <p:clrMapOvr>
+    <a:masterClrMapping/>
+  </p:clrMapOvr>
+</p:sld>
+</file>
+
+<file path=ppt/slides/slide3.xml><?xml version="1.0" encoding="utf-8"?>
+<p:sld xmlns:a="http://schemas.openxmlformats.org/drawingml/2006/main" xmlns:r="http://schemas.openxmlformats.org/officeDocument/2006/relationships" xmlns:p="http://schemas.openxmlformats.org/presentationml/2006/main">
+  <p:cSld>
     <p:spTree>
       <p:nvGrpSpPr>
         <p:cNvPr id="1" name="">
@@ -3389,6 +3459,61 @@
           <a:chExt cx="0" cy="0"/>
         </a:xfrm>
       </p:grpSpPr>
+      <p:sp>
+        <p:nvSpPr>
+          <p:cNvPr id="2" name="Retângulo 1">
+            <a:extLst>
+              <a:ext uri="{FF2B5EF4-FFF2-40B4-BE49-F238E27FC236}">
+                <a16:creationId xmlns:a16="http://schemas.microsoft.com/office/drawing/2014/main" id="{DF361A6D-6C13-4982-FE7E-F9B750F4D282}"/>
+              </a:ext>
+            </a:extLst>
+          </p:cNvPr>
+          <p:cNvSpPr/>
+          <p:nvPr/>
+        </p:nvSpPr>
+        <p:spPr>
+          <a:xfrm>
+            <a:off x="0" y="0"/>
+            <a:ext cx="12192000" cy="6858000"/>
+          </a:xfrm>
+          <a:prstGeom prst="rect">
+            <a:avLst/>
+          </a:prstGeom>
+          <a:solidFill>
+            <a:schemeClr val="tx1">
+              <a:lumMod val="95000"/>
+              <a:lumOff val="5000"/>
+            </a:schemeClr>
+          </a:solidFill>
+          <a:ln>
+            <a:noFill/>
+          </a:ln>
+        </p:spPr>
+        <p:style>
+          <a:lnRef idx="2">
+            <a:schemeClr val="accent1">
+              <a:shade val="15000"/>
+            </a:schemeClr>
+          </a:lnRef>
+          <a:fillRef idx="1">
+            <a:schemeClr val="accent1"/>
+          </a:fillRef>
+          <a:effectRef idx="0">
+            <a:schemeClr val="accent1"/>
+          </a:effectRef>
+          <a:fontRef idx="minor">
+            <a:schemeClr val="lt1"/>
+          </a:fontRef>
+        </p:style>
+        <p:txBody>
+          <a:bodyPr rtlCol="0" anchor="ctr"/>
+          <a:lstStyle/>
+          <a:p>
+            <a:pPr algn="ctr"/>
+            <a:endParaRPr lang="pt-BR"/>
+          </a:p>
+        </p:txBody>
+      </p:sp>
       <p:pic>
         <p:nvPicPr>
           <p:cNvPr id="3" name="Imagem 2" descr="Forma, Retângulo&#10;&#10;O conteúdo gerado por IA pode estar incorreto.">
@@ -3604,20 +3729,9 @@
 </p:sld>
 </file>
 
-<file path=ppt/slides/slide3.xml><?xml version="1.0" encoding="utf-8"?>
+<file path=ppt/slides/slide4.xml><?xml version="1.0" encoding="utf-8"?>
 <p:sld xmlns:a="http://schemas.openxmlformats.org/drawingml/2006/main" xmlns:r="http://schemas.openxmlformats.org/officeDocument/2006/relationships" xmlns:p="http://schemas.openxmlformats.org/presentationml/2006/main">
   <p:cSld>
-    <p:bg>
-      <p:bgPr>
-        <a:solidFill>
-          <a:schemeClr val="tx1">
-            <a:lumMod val="95000"/>
-            <a:lumOff val="5000"/>
-          </a:schemeClr>
-        </a:solidFill>
-        <a:effectLst/>
-      </p:bgPr>
-    </p:bg>
     <p:spTree>
       <p:nvGrpSpPr>
         <p:cNvPr id="1" name="">
@@ -3638,6 +3752,61 @@
           <a:chExt cx="0" cy="0"/>
         </a:xfrm>
       </p:grpSpPr>
+      <p:sp>
+        <p:nvSpPr>
+          <p:cNvPr id="2" name="Retângulo 1">
+            <a:extLst>
+              <a:ext uri="{FF2B5EF4-FFF2-40B4-BE49-F238E27FC236}">
+                <a16:creationId xmlns:a16="http://schemas.microsoft.com/office/drawing/2014/main" id="{38803BB5-7D4A-10BA-C0F9-58DA2F820E5F}"/>
+              </a:ext>
+            </a:extLst>
+          </p:cNvPr>
+          <p:cNvSpPr/>
+          <p:nvPr/>
+        </p:nvSpPr>
+        <p:spPr>
+          <a:xfrm>
+            <a:off x="0" y="0"/>
+            <a:ext cx="12192000" cy="6858000"/>
+          </a:xfrm>
+          <a:prstGeom prst="rect">
+            <a:avLst/>
+          </a:prstGeom>
+          <a:solidFill>
+            <a:schemeClr val="tx1">
+              <a:lumMod val="95000"/>
+              <a:lumOff val="5000"/>
+            </a:schemeClr>
+          </a:solidFill>
+          <a:ln>
+            <a:noFill/>
+          </a:ln>
+        </p:spPr>
+        <p:style>
+          <a:lnRef idx="2">
+            <a:schemeClr val="accent1">
+              <a:shade val="15000"/>
+            </a:schemeClr>
+          </a:lnRef>
+          <a:fillRef idx="1">
+            <a:schemeClr val="accent1"/>
+          </a:fillRef>
+          <a:effectRef idx="0">
+            <a:schemeClr val="accent1"/>
+          </a:effectRef>
+          <a:fontRef idx="minor">
+            <a:schemeClr val="lt1"/>
+          </a:fontRef>
+        </p:style>
+        <p:txBody>
+          <a:bodyPr rtlCol="0" anchor="ctr"/>
+          <a:lstStyle/>
+          <a:p>
+            <a:pPr algn="ctr"/>
+            <a:endParaRPr lang="pt-BR"/>
+          </a:p>
+        </p:txBody>
+      </p:sp>
       <p:grpSp>
         <p:nvGrpSpPr>
           <p:cNvPr id="8" name="Agrupar 7">
@@ -3971,20 +4140,9 @@
 </p:sld>
 </file>
 
-<file path=ppt/slides/slide4.xml><?xml version="1.0" encoding="utf-8"?>
+<file path=ppt/slides/slide5.xml><?xml version="1.0" encoding="utf-8"?>
 <p:sld xmlns:a="http://schemas.openxmlformats.org/drawingml/2006/main" xmlns:r="http://schemas.openxmlformats.org/officeDocument/2006/relationships" xmlns:p="http://schemas.openxmlformats.org/presentationml/2006/main">
   <p:cSld>
-    <p:bg>
-      <p:bgPr>
-        <a:solidFill>
-          <a:schemeClr val="tx1">
-            <a:lumMod val="95000"/>
-            <a:lumOff val="5000"/>
-          </a:schemeClr>
-        </a:solidFill>
-        <a:effectLst/>
-      </p:bgPr>
-    </p:bg>
     <p:spTree>
       <p:nvGrpSpPr>
         <p:cNvPr id="1" name="">
@@ -4005,6 +4163,61 @@
           <a:chExt cx="0" cy="0"/>
         </a:xfrm>
       </p:grpSpPr>
+      <p:sp>
+        <p:nvSpPr>
+          <p:cNvPr id="2" name="Retângulo 1">
+            <a:extLst>
+              <a:ext uri="{FF2B5EF4-FFF2-40B4-BE49-F238E27FC236}">
+                <a16:creationId xmlns:a16="http://schemas.microsoft.com/office/drawing/2014/main" id="{A9756296-B2D9-348E-2CBD-1E25485233CC}"/>
+              </a:ext>
+            </a:extLst>
+          </p:cNvPr>
+          <p:cNvSpPr/>
+          <p:nvPr/>
+        </p:nvSpPr>
+        <p:spPr>
+          <a:xfrm>
+            <a:off x="0" y="0"/>
+            <a:ext cx="12192000" cy="6858000"/>
+          </a:xfrm>
+          <a:prstGeom prst="rect">
+            <a:avLst/>
+          </a:prstGeom>
+          <a:solidFill>
+            <a:schemeClr val="tx1">
+              <a:lumMod val="95000"/>
+              <a:lumOff val="5000"/>
+            </a:schemeClr>
+          </a:solidFill>
+          <a:ln>
+            <a:noFill/>
+          </a:ln>
+        </p:spPr>
+        <p:style>
+          <a:lnRef idx="2">
+            <a:schemeClr val="accent1">
+              <a:shade val="15000"/>
+            </a:schemeClr>
+          </a:lnRef>
+          <a:fillRef idx="1">
+            <a:schemeClr val="accent1"/>
+          </a:fillRef>
+          <a:effectRef idx="0">
+            <a:schemeClr val="accent1"/>
+          </a:effectRef>
+          <a:fontRef idx="minor">
+            <a:schemeClr val="lt1"/>
+          </a:fontRef>
+        </p:style>
+        <p:txBody>
+          <a:bodyPr rtlCol="0" anchor="ctr"/>
+          <a:lstStyle/>
+          <a:p>
+            <a:pPr algn="ctr"/>
+            <a:endParaRPr lang="pt-BR"/>
+          </a:p>
+        </p:txBody>
+      </p:sp>
       <p:pic>
         <p:nvPicPr>
           <p:cNvPr id="3" name="Imagem 2">
@@ -4427,20 +4640,9 @@
 </p:sld>
 </file>
 
-<file path=ppt/slides/slide5.xml><?xml version="1.0" encoding="utf-8"?>
+<file path=ppt/slides/slide6.xml><?xml version="1.0" encoding="utf-8"?>
 <p:sld xmlns:a="http://schemas.openxmlformats.org/drawingml/2006/main" xmlns:r="http://schemas.openxmlformats.org/officeDocument/2006/relationships" xmlns:p="http://schemas.openxmlformats.org/presentationml/2006/main">
   <p:cSld>
-    <p:bg>
-      <p:bgPr>
-        <a:solidFill>
-          <a:schemeClr val="tx1">
-            <a:lumMod val="95000"/>
-            <a:lumOff val="5000"/>
-          </a:schemeClr>
-        </a:solidFill>
-        <a:effectLst/>
-      </p:bgPr>
-    </p:bg>
     <p:spTree>
       <p:nvGrpSpPr>
         <p:cNvPr id="1" name="">
@@ -4461,6 +4663,61 @@
           <a:chExt cx="0" cy="0"/>
         </a:xfrm>
       </p:grpSpPr>
+      <p:sp>
+        <p:nvSpPr>
+          <p:cNvPr id="2" name="Retângulo 1">
+            <a:extLst>
+              <a:ext uri="{FF2B5EF4-FFF2-40B4-BE49-F238E27FC236}">
+                <a16:creationId xmlns:a16="http://schemas.microsoft.com/office/drawing/2014/main" id="{DBF5EEA4-21CA-FC9A-C905-E176AD03E38D}"/>
+              </a:ext>
+            </a:extLst>
+          </p:cNvPr>
+          <p:cNvSpPr/>
+          <p:nvPr/>
+        </p:nvSpPr>
+        <p:spPr>
+          <a:xfrm>
+            <a:off x="0" y="0"/>
+            <a:ext cx="12192000" cy="6858000"/>
+          </a:xfrm>
+          <a:prstGeom prst="rect">
+            <a:avLst/>
+          </a:prstGeom>
+          <a:solidFill>
+            <a:schemeClr val="tx1">
+              <a:lumMod val="95000"/>
+              <a:lumOff val="5000"/>
+            </a:schemeClr>
+          </a:solidFill>
+          <a:ln>
+            <a:noFill/>
+          </a:ln>
+        </p:spPr>
+        <p:style>
+          <a:lnRef idx="2">
+            <a:schemeClr val="accent1">
+              <a:shade val="15000"/>
+            </a:schemeClr>
+          </a:lnRef>
+          <a:fillRef idx="1">
+            <a:schemeClr val="accent1"/>
+          </a:fillRef>
+          <a:effectRef idx="0">
+            <a:schemeClr val="accent1"/>
+          </a:effectRef>
+          <a:fontRef idx="minor">
+            <a:schemeClr val="lt1"/>
+          </a:fontRef>
+        </p:style>
+        <p:txBody>
+          <a:bodyPr rtlCol="0" anchor="ctr"/>
+          <a:lstStyle/>
+          <a:p>
+            <a:pPr algn="ctr"/>
+            <a:endParaRPr lang="pt-BR"/>
+          </a:p>
+        </p:txBody>
+      </p:sp>
       <p:grpSp>
         <p:nvGrpSpPr>
           <p:cNvPr id="9" name="Agrupar 8">
@@ -5275,26 +5532,15 @@
 </p:sld>
 </file>
 
-<file path=ppt/slides/slide6.xml><?xml version="1.0" encoding="utf-8"?>
+<file path=ppt/slides/slide7.xml><?xml version="1.0" encoding="utf-8"?>
 <p:sld xmlns:a="http://schemas.openxmlformats.org/drawingml/2006/main" xmlns:r="http://schemas.openxmlformats.org/officeDocument/2006/relationships" xmlns:p="http://schemas.openxmlformats.org/presentationml/2006/main">
   <p:cSld>
-    <p:bg>
-      <p:bgPr>
-        <a:solidFill>
-          <a:schemeClr val="tx1">
-            <a:lumMod val="95000"/>
-            <a:lumOff val="5000"/>
-          </a:schemeClr>
-        </a:solidFill>
-        <a:effectLst/>
-      </p:bgPr>
-    </p:bg>
     <p:spTree>
       <p:nvGrpSpPr>
         <p:cNvPr id="1" name="">
           <a:extLst>
             <a:ext uri="{FF2B5EF4-FFF2-40B4-BE49-F238E27FC236}">
-              <a16:creationId xmlns:a16="http://schemas.microsoft.com/office/drawing/2014/main" id="{1BB3F174-9C98-9804-BF71-BE8A6E3143D7}"/>
+              <a16:creationId xmlns:a16="http://schemas.microsoft.com/office/drawing/2014/main" id="{99052162-7F62-341C-BB74-9B11F2C4F6D1}"/>
             </a:ext>
           </a:extLst>
         </p:cNvPr>
@@ -5309,10 +5555,65 @@
           <a:chExt cx="0" cy="0"/>
         </a:xfrm>
       </p:grpSpPr>
+      <p:sp>
+        <p:nvSpPr>
+          <p:cNvPr id="2" name="Retângulo 1">
+            <a:extLst>
+              <a:ext uri="{FF2B5EF4-FFF2-40B4-BE49-F238E27FC236}">
+                <a16:creationId xmlns:a16="http://schemas.microsoft.com/office/drawing/2014/main" id="{01211219-6E4C-2DE9-1AB0-CFEEF27F8D03}"/>
+              </a:ext>
+            </a:extLst>
+          </p:cNvPr>
+          <p:cNvSpPr/>
+          <p:nvPr/>
+        </p:nvSpPr>
+        <p:spPr>
+          <a:xfrm>
+            <a:off x="0" y="0"/>
+            <a:ext cx="12192000" cy="6858000"/>
+          </a:xfrm>
+          <a:prstGeom prst="rect">
+            <a:avLst/>
+          </a:prstGeom>
+          <a:solidFill>
+            <a:schemeClr val="tx1">
+              <a:lumMod val="95000"/>
+              <a:lumOff val="5000"/>
+            </a:schemeClr>
+          </a:solidFill>
+          <a:ln>
+            <a:noFill/>
+          </a:ln>
+        </p:spPr>
+        <p:style>
+          <a:lnRef idx="2">
+            <a:schemeClr val="accent1">
+              <a:shade val="15000"/>
+            </a:schemeClr>
+          </a:lnRef>
+          <a:fillRef idx="1">
+            <a:schemeClr val="accent1"/>
+          </a:fillRef>
+          <a:effectRef idx="0">
+            <a:schemeClr val="accent1"/>
+          </a:effectRef>
+          <a:fontRef idx="minor">
+            <a:schemeClr val="lt1"/>
+          </a:fontRef>
+        </p:style>
+        <p:txBody>
+          <a:bodyPr rtlCol="0" anchor="ctr"/>
+          <a:lstStyle/>
+          <a:p>
+            <a:pPr algn="ctr"/>
+            <a:endParaRPr lang="pt-BR"/>
+          </a:p>
+        </p:txBody>
+      </p:sp>
     </p:spTree>
     <p:extLst>
       <p:ext uri="{BB962C8B-B14F-4D97-AF65-F5344CB8AC3E}">
-        <p14:creationId xmlns:p14="http://schemas.microsoft.com/office/powerpoint/2010/main" val="981600637"/>
+        <p14:creationId xmlns:p14="http://schemas.microsoft.com/office/powerpoint/2010/main" val="3206107953"/>
       </p:ext>
     </p:extLst>
   </p:cSld>

--- a/teste0/01. Pre-Classic/03. rd-132211/Vertices.pptx
+++ b/teste0/01. Pre-Classic/03. rd-132211/Vertices.pptx
@@ -7,11 +7,23 @@
   <p:sldIdLst>
     <p:sldId id="256" r:id="rId2"/>
     <p:sldId id="260" r:id="rId3"/>
-    <p:sldId id="257" r:id="rId4"/>
+    <p:sldId id="271" r:id="rId4"/>
     <p:sldId id="258" r:id="rId5"/>
-    <p:sldId id="259" r:id="rId6"/>
-    <p:sldId id="261" r:id="rId7"/>
-    <p:sldId id="262" r:id="rId8"/>
+    <p:sldId id="275" r:id="rId6"/>
+    <p:sldId id="259" r:id="rId7"/>
+    <p:sldId id="270" r:id="rId8"/>
+    <p:sldId id="269" r:id="rId9"/>
+    <p:sldId id="274" r:id="rId10"/>
+    <p:sldId id="261" r:id="rId11"/>
+    <p:sldId id="266" r:id="rId12"/>
+    <p:sldId id="265" r:id="rId13"/>
+    <p:sldId id="267" r:id="rId14"/>
+    <p:sldId id="268" r:id="rId15"/>
+    <p:sldId id="264" r:id="rId16"/>
+    <p:sldId id="263" r:id="rId17"/>
+    <p:sldId id="273" r:id="rId18"/>
+    <p:sldId id="272" r:id="rId19"/>
+    <p:sldId id="262" r:id="rId20"/>
   </p:sldIdLst>
   <p:sldSz cx="12192000" cy="6858000"/>
   <p:notesSz cx="6858000" cy="9144000"/>
@@ -265,7 +277,7 @@
           <a:p>
             <a:fld id="{B707E8A8-90E3-4A67-A068-63B2F13060B5}" type="datetimeFigureOut">
               <a:rPr lang="pt-BR" smtClean="0"/>
-              <a:t>24/02/2025</a:t>
+              <a:t>25/02/2025</a:t>
             </a:fld>
             <a:endParaRPr lang="pt-BR"/>
           </a:p>
@@ -463,7 +475,7 @@
           <a:p>
             <a:fld id="{B707E8A8-90E3-4A67-A068-63B2F13060B5}" type="datetimeFigureOut">
               <a:rPr lang="pt-BR" smtClean="0"/>
-              <a:t>24/02/2025</a:t>
+              <a:t>25/02/2025</a:t>
             </a:fld>
             <a:endParaRPr lang="pt-BR"/>
           </a:p>
@@ -671,7 +683,7 @@
           <a:p>
             <a:fld id="{B707E8A8-90E3-4A67-A068-63B2F13060B5}" type="datetimeFigureOut">
               <a:rPr lang="pt-BR" smtClean="0"/>
-              <a:t>24/02/2025</a:t>
+              <a:t>25/02/2025</a:t>
             </a:fld>
             <a:endParaRPr lang="pt-BR"/>
           </a:p>
@@ -869,7 +881,7 @@
           <a:p>
             <a:fld id="{B707E8A8-90E3-4A67-A068-63B2F13060B5}" type="datetimeFigureOut">
               <a:rPr lang="pt-BR" smtClean="0"/>
-              <a:t>24/02/2025</a:t>
+              <a:t>25/02/2025</a:t>
             </a:fld>
             <a:endParaRPr lang="pt-BR"/>
           </a:p>
@@ -1144,7 +1156,7 @@
           <a:p>
             <a:fld id="{B707E8A8-90E3-4A67-A068-63B2F13060B5}" type="datetimeFigureOut">
               <a:rPr lang="pt-BR" smtClean="0"/>
-              <a:t>24/02/2025</a:t>
+              <a:t>25/02/2025</a:t>
             </a:fld>
             <a:endParaRPr lang="pt-BR"/>
           </a:p>
@@ -1409,7 +1421,7 @@
           <a:p>
             <a:fld id="{B707E8A8-90E3-4A67-A068-63B2F13060B5}" type="datetimeFigureOut">
               <a:rPr lang="pt-BR" smtClean="0"/>
-              <a:t>24/02/2025</a:t>
+              <a:t>25/02/2025</a:t>
             </a:fld>
             <a:endParaRPr lang="pt-BR"/>
           </a:p>
@@ -1821,7 +1833,7 @@
           <a:p>
             <a:fld id="{B707E8A8-90E3-4A67-A068-63B2F13060B5}" type="datetimeFigureOut">
               <a:rPr lang="pt-BR" smtClean="0"/>
-              <a:t>24/02/2025</a:t>
+              <a:t>25/02/2025</a:t>
             </a:fld>
             <a:endParaRPr lang="pt-BR"/>
           </a:p>
@@ -1962,7 +1974,7 @@
           <a:p>
             <a:fld id="{B707E8A8-90E3-4A67-A068-63B2F13060B5}" type="datetimeFigureOut">
               <a:rPr lang="pt-BR" smtClean="0"/>
-              <a:t>24/02/2025</a:t>
+              <a:t>25/02/2025</a:t>
             </a:fld>
             <a:endParaRPr lang="pt-BR"/>
           </a:p>
@@ -2075,7 +2087,7 @@
           <a:p>
             <a:fld id="{B707E8A8-90E3-4A67-A068-63B2F13060B5}" type="datetimeFigureOut">
               <a:rPr lang="pt-BR" smtClean="0"/>
-              <a:t>24/02/2025</a:t>
+              <a:t>25/02/2025</a:t>
             </a:fld>
             <a:endParaRPr lang="pt-BR"/>
           </a:p>
@@ -2386,7 +2398,7 @@
           <a:p>
             <a:fld id="{B707E8A8-90E3-4A67-A068-63B2F13060B5}" type="datetimeFigureOut">
               <a:rPr lang="pt-BR" smtClean="0"/>
-              <a:t>24/02/2025</a:t>
+              <a:t>25/02/2025</a:t>
             </a:fld>
             <a:endParaRPr lang="pt-BR"/>
           </a:p>
@@ -2674,7 +2686,7 @@
           <a:p>
             <a:fld id="{B707E8A8-90E3-4A67-A068-63B2F13060B5}" type="datetimeFigureOut">
               <a:rPr lang="pt-BR" smtClean="0"/>
-              <a:t>24/02/2025</a:t>
+              <a:t>25/02/2025</a:t>
             </a:fld>
             <a:endParaRPr lang="pt-BR"/>
           </a:p>
@@ -2915,7 +2927,7 @@
           <a:p>
             <a:fld id="{B707E8A8-90E3-4A67-A068-63B2F13060B5}" type="datetimeFigureOut">
               <a:rPr lang="pt-BR" smtClean="0"/>
-              <a:t>24/02/2025</a:t>
+              <a:t>25/02/2025</a:t>
             </a:fld>
             <a:endParaRPr lang="pt-BR"/>
           </a:p>
@@ -3345,6 +3357,6423 @@
 </p:sld>
 </file>
 
+<file path=ppt/slides/slide10.xml><?xml version="1.0" encoding="utf-8"?>
+<p:sld xmlns:a="http://schemas.openxmlformats.org/drawingml/2006/main" xmlns:r="http://schemas.openxmlformats.org/officeDocument/2006/relationships" xmlns:p="http://schemas.openxmlformats.org/presentationml/2006/main">
+  <p:cSld>
+    <p:spTree>
+      <p:nvGrpSpPr>
+        <p:cNvPr id="1" name="">
+          <a:extLst>
+            <a:ext uri="{FF2B5EF4-FFF2-40B4-BE49-F238E27FC236}">
+              <a16:creationId xmlns:a16="http://schemas.microsoft.com/office/drawing/2014/main" id="{AF28524F-21D1-3D22-AA46-D8CD603AD24D}"/>
+            </a:ext>
+          </a:extLst>
+        </p:cNvPr>
+        <p:cNvGrpSpPr/>
+        <p:nvPr/>
+      </p:nvGrpSpPr>
+      <p:grpSpPr>
+        <a:xfrm>
+          <a:off x="0" y="0"/>
+          <a:ext cx="0" cy="0"/>
+          <a:chOff x="0" y="0"/>
+          <a:chExt cx="0" cy="0"/>
+        </a:xfrm>
+      </p:grpSpPr>
+      <p:sp>
+        <p:nvSpPr>
+          <p:cNvPr id="2" name="Retângulo 1">
+            <a:extLst>
+              <a:ext uri="{FF2B5EF4-FFF2-40B4-BE49-F238E27FC236}">
+                <a16:creationId xmlns:a16="http://schemas.microsoft.com/office/drawing/2014/main" id="{DBF5EEA4-21CA-FC9A-C905-E176AD03E38D}"/>
+              </a:ext>
+            </a:extLst>
+          </p:cNvPr>
+          <p:cNvSpPr/>
+          <p:nvPr/>
+        </p:nvSpPr>
+        <p:spPr>
+          <a:xfrm>
+            <a:off x="0" y="0"/>
+            <a:ext cx="12192000" cy="6858000"/>
+          </a:xfrm>
+          <a:prstGeom prst="rect">
+            <a:avLst/>
+          </a:prstGeom>
+          <a:solidFill>
+            <a:schemeClr val="tx1">
+              <a:lumMod val="95000"/>
+              <a:lumOff val="5000"/>
+            </a:schemeClr>
+          </a:solidFill>
+          <a:ln>
+            <a:noFill/>
+          </a:ln>
+        </p:spPr>
+        <p:style>
+          <a:lnRef idx="2">
+            <a:schemeClr val="accent1">
+              <a:shade val="15000"/>
+            </a:schemeClr>
+          </a:lnRef>
+          <a:fillRef idx="1">
+            <a:schemeClr val="accent1"/>
+          </a:fillRef>
+          <a:effectRef idx="0">
+            <a:schemeClr val="accent1"/>
+          </a:effectRef>
+          <a:fontRef idx="minor">
+            <a:schemeClr val="lt1"/>
+          </a:fontRef>
+        </p:style>
+        <p:txBody>
+          <a:bodyPr rtlCol="0" anchor="ctr"/>
+          <a:lstStyle/>
+          <a:p>
+            <a:pPr algn="ctr"/>
+            <a:endParaRPr lang="pt-BR"/>
+          </a:p>
+        </p:txBody>
+      </p:sp>
+      <p:grpSp>
+        <p:nvGrpSpPr>
+          <p:cNvPr id="9" name="Agrupar 8">
+            <a:extLst>
+              <a:ext uri="{FF2B5EF4-FFF2-40B4-BE49-F238E27FC236}">
+                <a16:creationId xmlns:a16="http://schemas.microsoft.com/office/drawing/2014/main" id="{99AFF929-1835-C70D-3A5E-74517AC0791C}"/>
+              </a:ext>
+            </a:extLst>
+          </p:cNvPr>
+          <p:cNvGrpSpPr/>
+          <p:nvPr/>
+        </p:nvGrpSpPr>
+        <p:grpSpPr>
+          <a:xfrm>
+            <a:off x="4314954" y="914141"/>
+            <a:ext cx="4080574" cy="3933844"/>
+            <a:chOff x="3625838" y="1138732"/>
+            <a:chExt cx="4080574" cy="3933844"/>
+          </a:xfrm>
+        </p:grpSpPr>
+        <p:pic>
+          <p:nvPicPr>
+            <p:cNvPr id="10" name="Imagem 9" descr="Uma imagem contendo Código QR&#10;&#10;O conteúdo gerado por IA pode estar incorreto.">
+              <a:extLst>
+                <a:ext uri="{FF2B5EF4-FFF2-40B4-BE49-F238E27FC236}">
+                  <a16:creationId xmlns:a16="http://schemas.microsoft.com/office/drawing/2014/main" id="{91BC7403-CA59-BBE3-954D-D99703710F04}"/>
+                </a:ext>
+              </a:extLst>
+            </p:cNvPr>
+            <p:cNvPicPr>
+              <a:picLocks noChangeAspect="1"/>
+            </p:cNvPicPr>
+            <p:nvPr/>
+          </p:nvPicPr>
+          <p:blipFill>
+            <a:blip r:embed="rId2">
+              <a:extLst>
+                <a:ext uri="{28A0092B-C50C-407E-A947-70E740481C1C}">
+                  <a14:useLocalDpi xmlns:a14="http://schemas.microsoft.com/office/drawing/2010/main" val="0"/>
+                </a:ext>
+              </a:extLst>
+            </a:blip>
+            <a:stretch>
+              <a:fillRect/>
+            </a:stretch>
+          </p:blipFill>
+          <p:spPr>
+            <a:xfrm>
+              <a:off x="3625838" y="2633836"/>
+              <a:ext cx="2438740" cy="2438740"/>
+            </a:xfrm>
+            <a:prstGeom prst="rect">
+              <a:avLst/>
+            </a:prstGeom>
+            <a:scene3d>
+              <a:camera prst="isometricOffAxis2Left"/>
+              <a:lightRig rig="threePt" dir="t"/>
+            </a:scene3d>
+          </p:spPr>
+        </p:pic>
+        <p:pic>
+          <p:nvPicPr>
+            <p:cNvPr id="11" name="Imagem 10" descr="Uma imagem contendo Código QR&#10;&#10;O conteúdo gerado por IA pode estar incorreto.">
+              <a:extLst>
+                <a:ext uri="{FF2B5EF4-FFF2-40B4-BE49-F238E27FC236}">
+                  <a16:creationId xmlns:a16="http://schemas.microsoft.com/office/drawing/2014/main" id="{31B8E787-0977-1D4C-8FFB-D3F91ED19FB9}"/>
+                </a:ext>
+              </a:extLst>
+            </p:cNvPr>
+            <p:cNvPicPr>
+              <a:picLocks noChangeAspect="1"/>
+            </p:cNvPicPr>
+            <p:nvPr/>
+          </p:nvPicPr>
+          <p:blipFill>
+            <a:blip r:embed="rId2">
+              <a:extLst>
+                <a:ext uri="{28A0092B-C50C-407E-A947-70E740481C1C}">
+                  <a14:useLocalDpi xmlns:a14="http://schemas.microsoft.com/office/drawing/2010/main" val="0"/>
+                </a:ext>
+              </a:extLst>
+            </a:blip>
+            <a:stretch>
+              <a:fillRect/>
+            </a:stretch>
+          </p:blipFill>
+          <p:spPr>
+            <a:xfrm>
+              <a:off x="5267672" y="2446871"/>
+              <a:ext cx="2438740" cy="2438740"/>
+            </a:xfrm>
+            <a:prstGeom prst="rect">
+              <a:avLst/>
+            </a:prstGeom>
+            <a:scene3d>
+              <a:camera prst="isometricOffAxis2Right"/>
+              <a:lightRig rig="threePt" dir="t"/>
+            </a:scene3d>
+          </p:spPr>
+        </p:pic>
+        <p:pic>
+          <p:nvPicPr>
+            <p:cNvPr id="12" name="Imagem 11" descr="Padrão do plano de fundo&#10;&#10;O conteúdo gerado por IA pode estar incorreto.">
+              <a:extLst>
+                <a:ext uri="{FF2B5EF4-FFF2-40B4-BE49-F238E27FC236}">
+                  <a16:creationId xmlns:a16="http://schemas.microsoft.com/office/drawing/2014/main" id="{59AFE966-C763-378C-0E47-E2E189788332}"/>
+                </a:ext>
+              </a:extLst>
+            </p:cNvPr>
+            <p:cNvPicPr>
+              <a:picLocks noChangeAspect="1"/>
+            </p:cNvPicPr>
+            <p:nvPr/>
+          </p:nvPicPr>
+          <p:blipFill>
+            <a:blip r:embed="rId3">
+              <a:extLst>
+                <a:ext uri="{28A0092B-C50C-407E-A947-70E740481C1C}">
+                  <a14:useLocalDpi xmlns:a14="http://schemas.microsoft.com/office/drawing/2010/main" val="0"/>
+                </a:ext>
+              </a:extLst>
+            </a:blip>
+            <a:stretch>
+              <a:fillRect/>
+            </a:stretch>
+          </p:blipFill>
+          <p:spPr>
+            <a:xfrm>
+              <a:off x="4160193" y="1138732"/>
+              <a:ext cx="2438740" cy="2438740"/>
+            </a:xfrm>
+            <a:prstGeom prst="rect">
+              <a:avLst/>
+            </a:prstGeom>
+            <a:scene3d>
+              <a:camera prst="isometricOffAxis2Top"/>
+              <a:lightRig rig="threePt" dir="t"/>
+            </a:scene3d>
+          </p:spPr>
+        </p:pic>
+      </p:grpSp>
+      <p:sp>
+        <p:nvSpPr>
+          <p:cNvPr id="13" name="Elipse 12">
+            <a:extLst>
+              <a:ext uri="{FF2B5EF4-FFF2-40B4-BE49-F238E27FC236}">
+                <a16:creationId xmlns:a16="http://schemas.microsoft.com/office/drawing/2014/main" id="{401A8F18-858F-25D0-4669-E3FB98C31338}"/>
+              </a:ext>
+            </a:extLst>
+          </p:cNvPr>
+          <p:cNvSpPr>
+            <a:spLocks noChangeAspect="1"/>
+          </p:cNvSpPr>
+          <p:nvPr/>
+        </p:nvSpPr>
+        <p:spPr>
+          <a:xfrm>
+            <a:off x="4324381" y="4523885"/>
+            <a:ext cx="180000" cy="180000"/>
+          </a:xfrm>
+          <a:prstGeom prst="ellipse">
+            <a:avLst/>
+          </a:prstGeom>
+          <a:solidFill>
+            <a:srgbClr val="C00000"/>
+          </a:solidFill>
+          <a:ln>
+            <a:noFill/>
+          </a:ln>
+        </p:spPr>
+        <p:style>
+          <a:lnRef idx="2">
+            <a:schemeClr val="accent1">
+              <a:shade val="15000"/>
+            </a:schemeClr>
+          </a:lnRef>
+          <a:fillRef idx="1">
+            <a:schemeClr val="accent1"/>
+          </a:fillRef>
+          <a:effectRef idx="0">
+            <a:schemeClr val="accent1"/>
+          </a:effectRef>
+          <a:fontRef idx="minor">
+            <a:schemeClr val="lt1"/>
+          </a:fontRef>
+        </p:style>
+        <p:txBody>
+          <a:bodyPr rtlCol="0" anchor="ctr"/>
+          <a:lstStyle/>
+          <a:p>
+            <a:pPr algn="ctr"/>
+            <a:endParaRPr lang="pt-BR"/>
+          </a:p>
+        </p:txBody>
+      </p:sp>
+      <p:sp>
+        <p:nvSpPr>
+          <p:cNvPr id="14" name="Elipse 13">
+            <a:extLst>
+              <a:ext uri="{FF2B5EF4-FFF2-40B4-BE49-F238E27FC236}">
+                <a16:creationId xmlns:a16="http://schemas.microsoft.com/office/drawing/2014/main" id="{355FE64F-BF2A-CAAA-98CF-26783D5BCA51}"/>
+              </a:ext>
+            </a:extLst>
+          </p:cNvPr>
+          <p:cNvSpPr>
+            <a:spLocks noChangeAspect="1"/>
+          </p:cNvSpPr>
+          <p:nvPr/>
+        </p:nvSpPr>
+        <p:spPr>
+          <a:xfrm>
+            <a:off x="6573694" y="4854950"/>
+            <a:ext cx="180000" cy="180000"/>
+          </a:xfrm>
+          <a:prstGeom prst="ellipse">
+            <a:avLst/>
+          </a:prstGeom>
+          <a:solidFill>
+            <a:srgbClr val="C00000"/>
+          </a:solidFill>
+          <a:ln>
+            <a:noFill/>
+          </a:ln>
+        </p:spPr>
+        <p:style>
+          <a:lnRef idx="2">
+            <a:schemeClr val="accent1">
+              <a:shade val="15000"/>
+            </a:schemeClr>
+          </a:lnRef>
+          <a:fillRef idx="1">
+            <a:schemeClr val="accent1"/>
+          </a:fillRef>
+          <a:effectRef idx="0">
+            <a:schemeClr val="accent1"/>
+          </a:effectRef>
+          <a:fontRef idx="minor">
+            <a:schemeClr val="lt1"/>
+          </a:fontRef>
+        </p:style>
+        <p:txBody>
+          <a:bodyPr rtlCol="0" anchor="ctr"/>
+          <a:lstStyle/>
+          <a:p>
+            <a:pPr algn="ctr"/>
+            <a:endParaRPr lang="pt-BR"/>
+          </a:p>
+        </p:txBody>
+      </p:sp>
+      <p:sp>
+        <p:nvSpPr>
+          <p:cNvPr id="18" name="Elipse 17">
+            <a:extLst>
+              <a:ext uri="{FF2B5EF4-FFF2-40B4-BE49-F238E27FC236}">
+                <a16:creationId xmlns:a16="http://schemas.microsoft.com/office/drawing/2014/main" id="{6A79A0D2-641D-9E89-731F-645D95DB917A}"/>
+              </a:ext>
+            </a:extLst>
+          </p:cNvPr>
+          <p:cNvSpPr>
+            <a:spLocks noChangeAspect="1"/>
+          </p:cNvSpPr>
+          <p:nvPr/>
+        </p:nvSpPr>
+        <p:spPr>
+          <a:xfrm>
+            <a:off x="4314954" y="2213890"/>
+            <a:ext cx="180000" cy="180000"/>
+          </a:xfrm>
+          <a:prstGeom prst="ellipse">
+            <a:avLst/>
+          </a:prstGeom>
+          <a:solidFill>
+            <a:srgbClr val="C00000"/>
+          </a:solidFill>
+          <a:ln>
+            <a:noFill/>
+          </a:ln>
+        </p:spPr>
+        <p:style>
+          <a:lnRef idx="2">
+            <a:schemeClr val="accent1">
+              <a:shade val="15000"/>
+            </a:schemeClr>
+          </a:lnRef>
+          <a:fillRef idx="1">
+            <a:schemeClr val="accent1"/>
+          </a:fillRef>
+          <a:effectRef idx="0">
+            <a:schemeClr val="accent1"/>
+          </a:effectRef>
+          <a:fontRef idx="minor">
+            <a:schemeClr val="lt1"/>
+          </a:fontRef>
+        </p:style>
+        <p:txBody>
+          <a:bodyPr rtlCol="0" anchor="ctr"/>
+          <a:lstStyle/>
+          <a:p>
+            <a:pPr algn="ctr"/>
+            <a:endParaRPr lang="pt-BR"/>
+          </a:p>
+        </p:txBody>
+      </p:sp>
+      <p:sp>
+        <p:nvSpPr>
+          <p:cNvPr id="19" name="Elipse 18">
+            <a:extLst>
+              <a:ext uri="{FF2B5EF4-FFF2-40B4-BE49-F238E27FC236}">
+                <a16:creationId xmlns:a16="http://schemas.microsoft.com/office/drawing/2014/main" id="{F69D45F8-2D88-B8CA-68BF-B7B270BFFD9D}"/>
+              </a:ext>
+            </a:extLst>
+          </p:cNvPr>
+          <p:cNvSpPr>
+            <a:spLocks noChangeAspect="1"/>
+          </p:cNvSpPr>
+          <p:nvPr/>
+        </p:nvSpPr>
+        <p:spPr>
+          <a:xfrm>
+            <a:off x="6564267" y="2544955"/>
+            <a:ext cx="180000" cy="180000"/>
+          </a:xfrm>
+          <a:prstGeom prst="ellipse">
+            <a:avLst/>
+          </a:prstGeom>
+          <a:solidFill>
+            <a:srgbClr val="C00000"/>
+          </a:solidFill>
+          <a:ln>
+            <a:noFill/>
+          </a:ln>
+        </p:spPr>
+        <p:style>
+          <a:lnRef idx="2">
+            <a:schemeClr val="accent1">
+              <a:shade val="15000"/>
+            </a:schemeClr>
+          </a:lnRef>
+          <a:fillRef idx="1">
+            <a:schemeClr val="accent1"/>
+          </a:fillRef>
+          <a:effectRef idx="0">
+            <a:schemeClr val="accent1"/>
+          </a:effectRef>
+          <a:fontRef idx="minor">
+            <a:schemeClr val="lt1"/>
+          </a:fontRef>
+        </p:style>
+        <p:txBody>
+          <a:bodyPr rtlCol="0" anchor="ctr"/>
+          <a:lstStyle/>
+          <a:p>
+            <a:pPr algn="ctr"/>
+            <a:endParaRPr lang="pt-BR"/>
+          </a:p>
+        </p:txBody>
+      </p:sp>
+      <p:sp>
+        <p:nvSpPr>
+          <p:cNvPr id="20" name="Elipse 19">
+            <a:extLst>
+              <a:ext uri="{FF2B5EF4-FFF2-40B4-BE49-F238E27FC236}">
+                <a16:creationId xmlns:a16="http://schemas.microsoft.com/office/drawing/2014/main" id="{349582DA-5837-C733-C6E6-4131BADF3056}"/>
+              </a:ext>
+            </a:extLst>
+          </p:cNvPr>
+          <p:cNvSpPr>
+            <a:spLocks noChangeAspect="1"/>
+          </p:cNvSpPr>
+          <p:nvPr/>
+        </p:nvSpPr>
+        <p:spPr>
+          <a:xfrm>
+            <a:off x="5393091" y="1514869"/>
+            <a:ext cx="180000" cy="180000"/>
+          </a:xfrm>
+          <a:prstGeom prst="ellipse">
+            <a:avLst/>
+          </a:prstGeom>
+          <a:solidFill>
+            <a:srgbClr val="C00000"/>
+          </a:solidFill>
+          <a:ln>
+            <a:noFill/>
+          </a:ln>
+        </p:spPr>
+        <p:style>
+          <a:lnRef idx="2">
+            <a:schemeClr val="accent1">
+              <a:shade val="15000"/>
+            </a:schemeClr>
+          </a:lnRef>
+          <a:fillRef idx="1">
+            <a:schemeClr val="accent1"/>
+          </a:fillRef>
+          <a:effectRef idx="0">
+            <a:schemeClr val="accent1"/>
+          </a:effectRef>
+          <a:fontRef idx="minor">
+            <a:schemeClr val="lt1"/>
+          </a:fontRef>
+        </p:style>
+        <p:txBody>
+          <a:bodyPr rtlCol="0" anchor="ctr"/>
+          <a:lstStyle/>
+          <a:p>
+            <a:pPr algn="ctr"/>
+            <a:endParaRPr lang="pt-BR"/>
+          </a:p>
+        </p:txBody>
+      </p:sp>
+      <p:sp>
+        <p:nvSpPr>
+          <p:cNvPr id="21" name="Elipse 20">
+            <a:extLst>
+              <a:ext uri="{FF2B5EF4-FFF2-40B4-BE49-F238E27FC236}">
+                <a16:creationId xmlns:a16="http://schemas.microsoft.com/office/drawing/2014/main" id="{95D3BA02-B553-9479-9B8A-0FF872BD3A16}"/>
+              </a:ext>
+            </a:extLst>
+          </p:cNvPr>
+          <p:cNvSpPr>
+            <a:spLocks noChangeAspect="1"/>
+          </p:cNvSpPr>
+          <p:nvPr/>
+        </p:nvSpPr>
+        <p:spPr>
+          <a:xfrm>
+            <a:off x="7642404" y="1845934"/>
+            <a:ext cx="180000" cy="180000"/>
+          </a:xfrm>
+          <a:prstGeom prst="ellipse">
+            <a:avLst/>
+          </a:prstGeom>
+          <a:solidFill>
+            <a:srgbClr val="C00000"/>
+          </a:solidFill>
+          <a:ln>
+            <a:noFill/>
+          </a:ln>
+        </p:spPr>
+        <p:style>
+          <a:lnRef idx="2">
+            <a:schemeClr val="accent1">
+              <a:shade val="15000"/>
+            </a:schemeClr>
+          </a:lnRef>
+          <a:fillRef idx="1">
+            <a:schemeClr val="accent1"/>
+          </a:fillRef>
+          <a:effectRef idx="0">
+            <a:schemeClr val="accent1"/>
+          </a:effectRef>
+          <a:fontRef idx="minor">
+            <a:schemeClr val="lt1"/>
+          </a:fontRef>
+        </p:style>
+        <p:txBody>
+          <a:bodyPr rtlCol="0" anchor="ctr"/>
+          <a:lstStyle/>
+          <a:p>
+            <a:pPr algn="ctr"/>
+            <a:endParaRPr lang="pt-BR"/>
+          </a:p>
+        </p:txBody>
+      </p:sp>
+      <p:sp>
+        <p:nvSpPr>
+          <p:cNvPr id="22" name="Elipse 21">
+            <a:extLst>
+              <a:ext uri="{FF2B5EF4-FFF2-40B4-BE49-F238E27FC236}">
+                <a16:creationId xmlns:a16="http://schemas.microsoft.com/office/drawing/2014/main" id="{FC4AA287-9575-6C73-A09B-F3E406AC93B8}"/>
+              </a:ext>
+            </a:extLst>
+          </p:cNvPr>
+          <p:cNvSpPr>
+            <a:spLocks noChangeAspect="1"/>
+          </p:cNvSpPr>
+          <p:nvPr/>
+        </p:nvSpPr>
+        <p:spPr>
+          <a:xfrm>
+            <a:off x="7647568" y="4196645"/>
+            <a:ext cx="180000" cy="180000"/>
+          </a:xfrm>
+          <a:prstGeom prst="ellipse">
+            <a:avLst/>
+          </a:prstGeom>
+          <a:solidFill>
+            <a:srgbClr val="C00000"/>
+          </a:solidFill>
+          <a:ln>
+            <a:noFill/>
+          </a:ln>
+        </p:spPr>
+        <p:style>
+          <a:lnRef idx="2">
+            <a:schemeClr val="accent1">
+              <a:shade val="15000"/>
+            </a:schemeClr>
+          </a:lnRef>
+          <a:fillRef idx="1">
+            <a:schemeClr val="accent1"/>
+          </a:fillRef>
+          <a:effectRef idx="0">
+            <a:schemeClr val="accent1"/>
+          </a:effectRef>
+          <a:fontRef idx="minor">
+            <a:schemeClr val="lt1"/>
+          </a:fontRef>
+        </p:style>
+        <p:txBody>
+          <a:bodyPr rtlCol="0" anchor="ctr"/>
+          <a:lstStyle/>
+          <a:p>
+            <a:pPr algn="ctr"/>
+            <a:endParaRPr lang="pt-BR"/>
+          </a:p>
+        </p:txBody>
+      </p:sp>
+      <p:sp>
+        <p:nvSpPr>
+          <p:cNvPr id="23" name="CaixaDeTexto 22">
+            <a:extLst>
+              <a:ext uri="{FF2B5EF4-FFF2-40B4-BE49-F238E27FC236}">
+                <a16:creationId xmlns:a16="http://schemas.microsoft.com/office/drawing/2014/main" id="{F8B2583E-1C31-4159-C72D-06C7DA9D4E5B}"/>
+              </a:ext>
+            </a:extLst>
+          </p:cNvPr>
+          <p:cNvSpPr txBox="1"/>
+          <p:nvPr/>
+        </p:nvSpPr>
+        <p:spPr>
+          <a:xfrm>
+            <a:off x="2965090" y="4625654"/>
+            <a:ext cx="1451039" cy="369332"/>
+          </a:xfrm>
+          <a:prstGeom prst="rect">
+            <a:avLst/>
+          </a:prstGeom>
+          <a:noFill/>
+        </p:spPr>
+        <p:txBody>
+          <a:bodyPr wrap="none" rtlCol="0">
+            <a:spAutoFit/>
+          </a:bodyPr>
+          <a:lstStyle/>
+          <a:p>
+            <a:pPr algn="r"/>
+            <a:r>
+              <a:rPr lang="pt-BR" dirty="0">
+                <a:solidFill>
+                  <a:schemeClr val="bg1"/>
+                </a:solidFill>
+                <a:latin typeface="Consolas" panose="020B0609020204030204" pitchFamily="49" charset="0"/>
+              </a:rPr>
+              <a:t>x0, y0, z1</a:t>
+            </a:r>
+          </a:p>
+        </p:txBody>
+      </p:sp>
+      <p:sp>
+        <p:nvSpPr>
+          <p:cNvPr id="24" name="CaixaDeTexto 23">
+            <a:extLst>
+              <a:ext uri="{FF2B5EF4-FFF2-40B4-BE49-F238E27FC236}">
+                <a16:creationId xmlns:a16="http://schemas.microsoft.com/office/drawing/2014/main" id="{E377BFF3-6A70-A396-0FB8-F46941B388EC}"/>
+              </a:ext>
+            </a:extLst>
+          </p:cNvPr>
+          <p:cNvSpPr txBox="1"/>
+          <p:nvPr/>
+        </p:nvSpPr>
+        <p:spPr>
+          <a:xfrm>
+            <a:off x="2933801" y="1927550"/>
+            <a:ext cx="1451039" cy="369332"/>
+          </a:xfrm>
+          <a:prstGeom prst="rect">
+            <a:avLst/>
+          </a:prstGeom>
+          <a:noFill/>
+        </p:spPr>
+        <p:txBody>
+          <a:bodyPr wrap="none" rtlCol="0" anchor="b">
+            <a:spAutoFit/>
+          </a:bodyPr>
+          <a:lstStyle/>
+          <a:p>
+            <a:pPr algn="r"/>
+            <a:r>
+              <a:rPr lang="pt-BR" dirty="0">
+                <a:solidFill>
+                  <a:schemeClr val="bg1"/>
+                </a:solidFill>
+                <a:latin typeface="Consolas" panose="020B0609020204030204" pitchFamily="49" charset="0"/>
+              </a:rPr>
+              <a:t>x0, y1, z1</a:t>
+            </a:r>
+          </a:p>
+        </p:txBody>
+      </p:sp>
+      <p:sp>
+        <p:nvSpPr>
+          <p:cNvPr id="25" name="CaixaDeTexto 24">
+            <a:extLst>
+              <a:ext uri="{FF2B5EF4-FFF2-40B4-BE49-F238E27FC236}">
+                <a16:creationId xmlns:a16="http://schemas.microsoft.com/office/drawing/2014/main" id="{8668C6B8-9992-989D-EAAA-59A3EF275203}"/>
+              </a:ext>
+            </a:extLst>
+          </p:cNvPr>
+          <p:cNvSpPr txBox="1"/>
+          <p:nvPr/>
+        </p:nvSpPr>
+        <p:spPr>
+          <a:xfrm>
+            <a:off x="6667315" y="4968356"/>
+            <a:ext cx="1451038" cy="369332"/>
+          </a:xfrm>
+          <a:prstGeom prst="rect">
+            <a:avLst/>
+          </a:prstGeom>
+          <a:noFill/>
+        </p:spPr>
+        <p:txBody>
+          <a:bodyPr wrap="none" rtlCol="0">
+            <a:spAutoFit/>
+          </a:bodyPr>
+          <a:lstStyle/>
+          <a:p>
+            <a:r>
+              <a:rPr lang="pt-BR" dirty="0">
+                <a:solidFill>
+                  <a:schemeClr val="bg1"/>
+                </a:solidFill>
+                <a:latin typeface="Consolas" panose="020B0609020204030204" pitchFamily="49" charset="0"/>
+              </a:rPr>
+              <a:t>x1, y0, z1</a:t>
+            </a:r>
+          </a:p>
+        </p:txBody>
+      </p:sp>
+      <p:sp>
+        <p:nvSpPr>
+          <p:cNvPr id="26" name="CaixaDeTexto 25">
+            <a:extLst>
+              <a:ext uri="{FF2B5EF4-FFF2-40B4-BE49-F238E27FC236}">
+                <a16:creationId xmlns:a16="http://schemas.microsoft.com/office/drawing/2014/main" id="{833AC2D8-ED0A-75F8-940E-A5AF95DAD9EA}"/>
+              </a:ext>
+            </a:extLst>
+          </p:cNvPr>
+          <p:cNvSpPr txBox="1"/>
+          <p:nvPr/>
+        </p:nvSpPr>
+        <p:spPr>
+          <a:xfrm>
+            <a:off x="6663694" y="2252209"/>
+            <a:ext cx="1451038" cy="369332"/>
+          </a:xfrm>
+          <a:prstGeom prst="rect">
+            <a:avLst/>
+          </a:prstGeom>
+          <a:noFill/>
+        </p:spPr>
+        <p:txBody>
+          <a:bodyPr wrap="none" rtlCol="0" anchor="b">
+            <a:spAutoFit/>
+          </a:bodyPr>
+          <a:lstStyle/>
+          <a:p>
+            <a:r>
+              <a:rPr lang="pt-BR" dirty="0">
+                <a:solidFill>
+                  <a:schemeClr val="bg1"/>
+                </a:solidFill>
+                <a:latin typeface="Consolas" panose="020B0609020204030204" pitchFamily="49" charset="0"/>
+              </a:rPr>
+              <a:t>x1, y1, z1</a:t>
+            </a:r>
+          </a:p>
+        </p:txBody>
+      </p:sp>
+      <p:sp>
+        <p:nvSpPr>
+          <p:cNvPr id="27" name="CaixaDeTexto 26">
+            <a:extLst>
+              <a:ext uri="{FF2B5EF4-FFF2-40B4-BE49-F238E27FC236}">
+                <a16:creationId xmlns:a16="http://schemas.microsoft.com/office/drawing/2014/main" id="{96A6282A-9F3E-1B25-CF1A-D2D84197ACC7}"/>
+              </a:ext>
+            </a:extLst>
+          </p:cNvPr>
+          <p:cNvSpPr txBox="1"/>
+          <p:nvPr/>
+        </p:nvSpPr>
+        <p:spPr>
+          <a:xfrm>
+            <a:off x="4020708" y="1227525"/>
+            <a:ext cx="1451039" cy="369332"/>
+          </a:xfrm>
+          <a:prstGeom prst="rect">
+            <a:avLst/>
+          </a:prstGeom>
+          <a:noFill/>
+        </p:spPr>
+        <p:txBody>
+          <a:bodyPr wrap="none" rtlCol="0" anchor="b">
+            <a:spAutoFit/>
+          </a:bodyPr>
+          <a:lstStyle/>
+          <a:p>
+            <a:pPr algn="r"/>
+            <a:r>
+              <a:rPr lang="pt-BR" dirty="0">
+                <a:solidFill>
+                  <a:schemeClr val="bg1"/>
+                </a:solidFill>
+                <a:latin typeface="Consolas" panose="020B0609020204030204" pitchFamily="49" charset="0"/>
+              </a:rPr>
+              <a:t>x0, y1, z0</a:t>
+            </a:r>
+          </a:p>
+        </p:txBody>
+      </p:sp>
+      <p:sp>
+        <p:nvSpPr>
+          <p:cNvPr id="28" name="CaixaDeTexto 27">
+            <a:extLst>
+              <a:ext uri="{FF2B5EF4-FFF2-40B4-BE49-F238E27FC236}">
+                <a16:creationId xmlns:a16="http://schemas.microsoft.com/office/drawing/2014/main" id="{11E24A0D-532E-AC12-3B55-0DE34B7C3636}"/>
+              </a:ext>
+            </a:extLst>
+          </p:cNvPr>
+          <p:cNvSpPr txBox="1"/>
+          <p:nvPr/>
+        </p:nvSpPr>
+        <p:spPr>
+          <a:xfrm>
+            <a:off x="7754222" y="4268331"/>
+            <a:ext cx="1451038" cy="369332"/>
+          </a:xfrm>
+          <a:prstGeom prst="rect">
+            <a:avLst/>
+          </a:prstGeom>
+          <a:noFill/>
+        </p:spPr>
+        <p:txBody>
+          <a:bodyPr wrap="none" rtlCol="0">
+            <a:spAutoFit/>
+          </a:bodyPr>
+          <a:lstStyle/>
+          <a:p>
+            <a:r>
+              <a:rPr lang="pt-BR" dirty="0">
+                <a:solidFill>
+                  <a:schemeClr val="bg1"/>
+                </a:solidFill>
+                <a:latin typeface="Consolas" panose="020B0609020204030204" pitchFamily="49" charset="0"/>
+              </a:rPr>
+              <a:t>x1, y0, z0</a:t>
+            </a:r>
+          </a:p>
+        </p:txBody>
+      </p:sp>
+      <p:sp>
+        <p:nvSpPr>
+          <p:cNvPr id="29" name="CaixaDeTexto 28">
+            <a:extLst>
+              <a:ext uri="{FF2B5EF4-FFF2-40B4-BE49-F238E27FC236}">
+                <a16:creationId xmlns:a16="http://schemas.microsoft.com/office/drawing/2014/main" id="{5BA67BCA-997B-6CE3-63A5-6115359573C7}"/>
+              </a:ext>
+            </a:extLst>
+          </p:cNvPr>
+          <p:cNvSpPr txBox="1"/>
+          <p:nvPr/>
+        </p:nvSpPr>
+        <p:spPr>
+          <a:xfrm>
+            <a:off x="7750601" y="1552184"/>
+            <a:ext cx="1451038" cy="369332"/>
+          </a:xfrm>
+          <a:prstGeom prst="rect">
+            <a:avLst/>
+          </a:prstGeom>
+          <a:noFill/>
+        </p:spPr>
+        <p:txBody>
+          <a:bodyPr wrap="none" rtlCol="0" anchor="b">
+            <a:spAutoFit/>
+          </a:bodyPr>
+          <a:lstStyle/>
+          <a:p>
+            <a:r>
+              <a:rPr lang="pt-BR" dirty="0">
+                <a:solidFill>
+                  <a:schemeClr val="bg1"/>
+                </a:solidFill>
+                <a:latin typeface="Consolas" panose="020B0609020204030204" pitchFamily="49" charset="0"/>
+              </a:rPr>
+              <a:t>x1, y1, z0</a:t>
+            </a:r>
+          </a:p>
+        </p:txBody>
+      </p:sp>
+    </p:spTree>
+    <p:extLst>
+      <p:ext uri="{BB962C8B-B14F-4D97-AF65-F5344CB8AC3E}">
+        <p14:creationId xmlns:p14="http://schemas.microsoft.com/office/powerpoint/2010/main" val="4281992643"/>
+      </p:ext>
+    </p:extLst>
+  </p:cSld>
+  <p:clrMapOvr>
+    <a:masterClrMapping/>
+  </p:clrMapOvr>
+</p:sld>
+</file>
+
+<file path=ppt/slides/slide11.xml><?xml version="1.0" encoding="utf-8"?>
+<p:sld xmlns:a="http://schemas.openxmlformats.org/drawingml/2006/main" xmlns:r="http://schemas.openxmlformats.org/officeDocument/2006/relationships" xmlns:p="http://schemas.openxmlformats.org/presentationml/2006/main">
+  <p:cSld>
+    <p:spTree>
+      <p:nvGrpSpPr>
+        <p:cNvPr id="1" name="">
+          <a:extLst>
+            <a:ext uri="{FF2B5EF4-FFF2-40B4-BE49-F238E27FC236}">
+              <a16:creationId xmlns:a16="http://schemas.microsoft.com/office/drawing/2014/main" id="{77075376-FB59-E3BB-2E28-06D45A3AE2B4}"/>
+            </a:ext>
+          </a:extLst>
+        </p:cNvPr>
+        <p:cNvGrpSpPr/>
+        <p:nvPr/>
+      </p:nvGrpSpPr>
+      <p:grpSpPr>
+        <a:xfrm>
+          <a:off x="0" y="0"/>
+          <a:ext cx="0" cy="0"/>
+          <a:chOff x="0" y="0"/>
+          <a:chExt cx="0" cy="0"/>
+        </a:xfrm>
+      </p:grpSpPr>
+      <p:sp>
+        <p:nvSpPr>
+          <p:cNvPr id="2" name="Retângulo 1">
+            <a:extLst>
+              <a:ext uri="{FF2B5EF4-FFF2-40B4-BE49-F238E27FC236}">
+                <a16:creationId xmlns:a16="http://schemas.microsoft.com/office/drawing/2014/main" id="{59B12A2F-BC40-6AE7-032B-7B2AC57449EC}"/>
+              </a:ext>
+            </a:extLst>
+          </p:cNvPr>
+          <p:cNvSpPr/>
+          <p:nvPr/>
+        </p:nvSpPr>
+        <p:spPr>
+          <a:xfrm>
+            <a:off x="0" y="0"/>
+            <a:ext cx="12192000" cy="6858000"/>
+          </a:xfrm>
+          <a:prstGeom prst="rect">
+            <a:avLst/>
+          </a:prstGeom>
+          <a:solidFill>
+            <a:schemeClr val="tx1">
+              <a:lumMod val="95000"/>
+              <a:lumOff val="5000"/>
+            </a:schemeClr>
+          </a:solidFill>
+          <a:ln>
+            <a:noFill/>
+          </a:ln>
+        </p:spPr>
+        <p:style>
+          <a:lnRef idx="2">
+            <a:schemeClr val="accent1">
+              <a:shade val="15000"/>
+            </a:schemeClr>
+          </a:lnRef>
+          <a:fillRef idx="1">
+            <a:schemeClr val="accent1"/>
+          </a:fillRef>
+          <a:effectRef idx="0">
+            <a:schemeClr val="accent1"/>
+          </a:effectRef>
+          <a:fontRef idx="minor">
+            <a:schemeClr val="lt1"/>
+          </a:fontRef>
+        </p:style>
+        <p:txBody>
+          <a:bodyPr rtlCol="0" anchor="ctr"/>
+          <a:lstStyle/>
+          <a:p>
+            <a:pPr algn="ctr"/>
+            <a:endParaRPr lang="pt-BR" dirty="0"/>
+          </a:p>
+        </p:txBody>
+      </p:sp>
+      <p:pic>
+        <p:nvPicPr>
+          <p:cNvPr id="3" name="Imagem 2" descr="Uma imagem contendo Código QR&#10;&#10;O conteúdo gerado por IA pode estar incorreto.">
+            <a:extLst>
+              <a:ext uri="{FF2B5EF4-FFF2-40B4-BE49-F238E27FC236}">
+                <a16:creationId xmlns:a16="http://schemas.microsoft.com/office/drawing/2014/main" id="{A4C703ED-AF00-B207-44E6-2BF654227D33}"/>
+              </a:ext>
+            </a:extLst>
+          </p:cNvPr>
+          <p:cNvPicPr>
+            <a:picLocks noChangeAspect="1"/>
+          </p:cNvPicPr>
+          <p:nvPr/>
+        </p:nvPicPr>
+        <p:blipFill>
+          <a:blip r:embed="rId2">
+            <a:extLst>
+              <a:ext uri="{28A0092B-C50C-407E-A947-70E740481C1C}">
+                <a14:useLocalDpi xmlns:a14="http://schemas.microsoft.com/office/drawing/2010/main" val="0"/>
+              </a:ext>
+            </a:extLst>
+          </a:blip>
+          <a:stretch>
+            <a:fillRect/>
+          </a:stretch>
+        </p:blipFill>
+        <p:spPr>
+          <a:xfrm>
+            <a:off x="3751257" y="1914944"/>
+            <a:ext cx="2438740" cy="2438740"/>
+          </a:xfrm>
+          <a:prstGeom prst="rect">
+            <a:avLst/>
+          </a:prstGeom>
+          <a:scene3d>
+            <a:camera prst="isometricOffAxis2Right"/>
+            <a:lightRig rig="threePt" dir="t"/>
+          </a:scene3d>
+        </p:spPr>
+      </p:pic>
+      <p:grpSp>
+        <p:nvGrpSpPr>
+          <p:cNvPr id="9" name="Agrupar 8">
+            <a:extLst>
+              <a:ext uri="{FF2B5EF4-FFF2-40B4-BE49-F238E27FC236}">
+                <a16:creationId xmlns:a16="http://schemas.microsoft.com/office/drawing/2014/main" id="{96F795DF-730D-6D3F-BF1C-4610CB7BB367}"/>
+              </a:ext>
+            </a:extLst>
+          </p:cNvPr>
+          <p:cNvGrpSpPr/>
+          <p:nvPr/>
+        </p:nvGrpSpPr>
+        <p:grpSpPr>
+          <a:xfrm>
+            <a:off x="4314954" y="914141"/>
+            <a:ext cx="4080574" cy="3933844"/>
+            <a:chOff x="3625838" y="1138732"/>
+            <a:chExt cx="4080574" cy="3933844"/>
+          </a:xfrm>
+        </p:grpSpPr>
+        <p:pic>
+          <p:nvPicPr>
+            <p:cNvPr id="10" name="Imagem 9" descr="Uma imagem contendo Código QR&#10;&#10;O conteúdo gerado por IA pode estar incorreto.">
+              <a:extLst>
+                <a:ext uri="{FF2B5EF4-FFF2-40B4-BE49-F238E27FC236}">
+                  <a16:creationId xmlns:a16="http://schemas.microsoft.com/office/drawing/2014/main" id="{36140511-708E-BE8C-2581-230F04A0080B}"/>
+                </a:ext>
+              </a:extLst>
+            </p:cNvPr>
+            <p:cNvPicPr>
+              <a:picLocks noChangeAspect="1"/>
+            </p:cNvPicPr>
+            <p:nvPr/>
+          </p:nvPicPr>
+          <p:blipFill>
+            <a:blip r:embed="rId2">
+              <a:alphaModFix amt="25000"/>
+              <a:extLst>
+                <a:ext uri="{28A0092B-C50C-407E-A947-70E740481C1C}">
+                  <a14:useLocalDpi xmlns:a14="http://schemas.microsoft.com/office/drawing/2010/main" val="0"/>
+                </a:ext>
+              </a:extLst>
+            </a:blip>
+            <a:stretch>
+              <a:fillRect/>
+            </a:stretch>
+          </p:blipFill>
+          <p:spPr>
+            <a:xfrm>
+              <a:off x="3625838" y="2633836"/>
+              <a:ext cx="2438740" cy="2438740"/>
+            </a:xfrm>
+            <a:prstGeom prst="rect">
+              <a:avLst/>
+            </a:prstGeom>
+            <a:scene3d>
+              <a:camera prst="isometricOffAxis2Left"/>
+              <a:lightRig rig="threePt" dir="t"/>
+            </a:scene3d>
+          </p:spPr>
+        </p:pic>
+        <p:pic>
+          <p:nvPicPr>
+            <p:cNvPr id="11" name="Imagem 10" descr="Uma imagem contendo Código QR&#10;&#10;O conteúdo gerado por IA pode estar incorreto.">
+              <a:extLst>
+                <a:ext uri="{FF2B5EF4-FFF2-40B4-BE49-F238E27FC236}">
+                  <a16:creationId xmlns:a16="http://schemas.microsoft.com/office/drawing/2014/main" id="{33F35972-EF18-E066-BBB1-B9B2092E1CC9}"/>
+                </a:ext>
+              </a:extLst>
+            </p:cNvPr>
+            <p:cNvPicPr>
+              <a:picLocks noChangeAspect="1"/>
+            </p:cNvPicPr>
+            <p:nvPr/>
+          </p:nvPicPr>
+          <p:blipFill>
+            <a:blip r:embed="rId2">
+              <a:alphaModFix amt="25000"/>
+              <a:extLst>
+                <a:ext uri="{28A0092B-C50C-407E-A947-70E740481C1C}">
+                  <a14:useLocalDpi xmlns:a14="http://schemas.microsoft.com/office/drawing/2010/main" val="0"/>
+                </a:ext>
+              </a:extLst>
+            </a:blip>
+            <a:stretch>
+              <a:fillRect/>
+            </a:stretch>
+          </p:blipFill>
+          <p:spPr>
+            <a:xfrm>
+              <a:off x="5267672" y="2446871"/>
+              <a:ext cx="2438740" cy="2438740"/>
+            </a:xfrm>
+            <a:prstGeom prst="rect">
+              <a:avLst/>
+            </a:prstGeom>
+            <a:scene3d>
+              <a:camera prst="isometricOffAxis2Right"/>
+              <a:lightRig rig="threePt" dir="t"/>
+            </a:scene3d>
+          </p:spPr>
+        </p:pic>
+        <p:pic>
+          <p:nvPicPr>
+            <p:cNvPr id="12" name="Imagem 11" descr="Padrão do plano de fundo&#10;&#10;O conteúdo gerado por IA pode estar incorreto.">
+              <a:extLst>
+                <a:ext uri="{FF2B5EF4-FFF2-40B4-BE49-F238E27FC236}">
+                  <a16:creationId xmlns:a16="http://schemas.microsoft.com/office/drawing/2014/main" id="{BF208202-6165-329C-D693-294C82E6A92E}"/>
+                </a:ext>
+              </a:extLst>
+            </p:cNvPr>
+            <p:cNvPicPr>
+              <a:picLocks noChangeAspect="1"/>
+            </p:cNvPicPr>
+            <p:nvPr/>
+          </p:nvPicPr>
+          <p:blipFill>
+            <a:blip r:embed="rId3">
+              <a:alphaModFix amt="25000"/>
+              <a:extLst>
+                <a:ext uri="{28A0092B-C50C-407E-A947-70E740481C1C}">
+                  <a14:useLocalDpi xmlns:a14="http://schemas.microsoft.com/office/drawing/2010/main" val="0"/>
+                </a:ext>
+              </a:extLst>
+            </a:blip>
+            <a:stretch>
+              <a:fillRect/>
+            </a:stretch>
+          </p:blipFill>
+          <p:spPr>
+            <a:xfrm>
+              <a:off x="4160193" y="1138732"/>
+              <a:ext cx="2438740" cy="2438740"/>
+            </a:xfrm>
+            <a:prstGeom prst="rect">
+              <a:avLst/>
+            </a:prstGeom>
+            <a:scene3d>
+              <a:camera prst="isometricOffAxis2Top"/>
+              <a:lightRig rig="threePt" dir="t"/>
+            </a:scene3d>
+          </p:spPr>
+        </p:pic>
+      </p:grpSp>
+      <p:sp>
+        <p:nvSpPr>
+          <p:cNvPr id="14" name="Elipse 13">
+            <a:extLst>
+              <a:ext uri="{FF2B5EF4-FFF2-40B4-BE49-F238E27FC236}">
+                <a16:creationId xmlns:a16="http://schemas.microsoft.com/office/drawing/2014/main" id="{BF62F7B0-157E-19E7-E3A5-30DAC27B1ADA}"/>
+              </a:ext>
+            </a:extLst>
+          </p:cNvPr>
+          <p:cNvSpPr>
+            <a:spLocks noChangeAspect="1"/>
+          </p:cNvSpPr>
+          <p:nvPr/>
+        </p:nvSpPr>
+        <p:spPr>
+          <a:xfrm>
+            <a:off x="4338641" y="4531444"/>
+            <a:ext cx="180000" cy="180000"/>
+          </a:xfrm>
+          <a:prstGeom prst="ellipse">
+            <a:avLst/>
+          </a:prstGeom>
+          <a:solidFill>
+            <a:srgbClr val="C00000"/>
+          </a:solidFill>
+          <a:ln>
+            <a:noFill/>
+          </a:ln>
+        </p:spPr>
+        <p:style>
+          <a:lnRef idx="2">
+            <a:schemeClr val="accent1">
+              <a:shade val="15000"/>
+            </a:schemeClr>
+          </a:lnRef>
+          <a:fillRef idx="1">
+            <a:schemeClr val="accent1"/>
+          </a:fillRef>
+          <a:effectRef idx="0">
+            <a:schemeClr val="accent1"/>
+          </a:effectRef>
+          <a:fontRef idx="minor">
+            <a:schemeClr val="lt1"/>
+          </a:fontRef>
+        </p:style>
+        <p:txBody>
+          <a:bodyPr rtlCol="0" anchor="ctr"/>
+          <a:lstStyle/>
+          <a:p>
+            <a:pPr algn="ctr"/>
+            <a:endParaRPr lang="pt-BR"/>
+          </a:p>
+        </p:txBody>
+      </p:sp>
+      <p:sp>
+        <p:nvSpPr>
+          <p:cNvPr id="19" name="Elipse 18">
+            <a:extLst>
+              <a:ext uri="{FF2B5EF4-FFF2-40B4-BE49-F238E27FC236}">
+                <a16:creationId xmlns:a16="http://schemas.microsoft.com/office/drawing/2014/main" id="{82EEFAB2-1D12-3ECD-327D-77693FF3167E}"/>
+              </a:ext>
+            </a:extLst>
+          </p:cNvPr>
+          <p:cNvSpPr>
+            <a:spLocks noChangeAspect="1"/>
+          </p:cNvSpPr>
+          <p:nvPr/>
+        </p:nvSpPr>
+        <p:spPr>
+          <a:xfrm>
+            <a:off x="4329214" y="2221449"/>
+            <a:ext cx="180000" cy="180000"/>
+          </a:xfrm>
+          <a:prstGeom prst="ellipse">
+            <a:avLst/>
+          </a:prstGeom>
+          <a:solidFill>
+            <a:srgbClr val="C00000"/>
+          </a:solidFill>
+          <a:ln>
+            <a:noFill/>
+          </a:ln>
+        </p:spPr>
+        <p:style>
+          <a:lnRef idx="2">
+            <a:schemeClr val="accent1">
+              <a:shade val="15000"/>
+            </a:schemeClr>
+          </a:lnRef>
+          <a:fillRef idx="1">
+            <a:schemeClr val="accent1"/>
+          </a:fillRef>
+          <a:effectRef idx="0">
+            <a:schemeClr val="accent1"/>
+          </a:effectRef>
+          <a:fontRef idx="minor">
+            <a:schemeClr val="lt1"/>
+          </a:fontRef>
+        </p:style>
+        <p:txBody>
+          <a:bodyPr rtlCol="0" anchor="ctr"/>
+          <a:lstStyle/>
+          <a:p>
+            <a:pPr algn="ctr"/>
+            <a:endParaRPr lang="pt-BR"/>
+          </a:p>
+        </p:txBody>
+      </p:sp>
+      <p:sp>
+        <p:nvSpPr>
+          <p:cNvPr id="21" name="Elipse 20">
+            <a:extLst>
+              <a:ext uri="{FF2B5EF4-FFF2-40B4-BE49-F238E27FC236}">
+                <a16:creationId xmlns:a16="http://schemas.microsoft.com/office/drawing/2014/main" id="{58E176AD-8BCB-F903-ACCF-F42087C0995A}"/>
+              </a:ext>
+            </a:extLst>
+          </p:cNvPr>
+          <p:cNvSpPr>
+            <a:spLocks noChangeAspect="1"/>
+          </p:cNvSpPr>
+          <p:nvPr/>
+        </p:nvSpPr>
+        <p:spPr>
+          <a:xfrm>
+            <a:off x="5407351" y="1522428"/>
+            <a:ext cx="180000" cy="180000"/>
+          </a:xfrm>
+          <a:prstGeom prst="ellipse">
+            <a:avLst/>
+          </a:prstGeom>
+          <a:solidFill>
+            <a:srgbClr val="C00000"/>
+          </a:solidFill>
+          <a:ln>
+            <a:noFill/>
+          </a:ln>
+        </p:spPr>
+        <p:style>
+          <a:lnRef idx="2">
+            <a:schemeClr val="accent1">
+              <a:shade val="15000"/>
+            </a:schemeClr>
+          </a:lnRef>
+          <a:fillRef idx="1">
+            <a:schemeClr val="accent1"/>
+          </a:fillRef>
+          <a:effectRef idx="0">
+            <a:schemeClr val="accent1"/>
+          </a:effectRef>
+          <a:fontRef idx="minor">
+            <a:schemeClr val="lt1"/>
+          </a:fontRef>
+        </p:style>
+        <p:txBody>
+          <a:bodyPr rtlCol="0" anchor="ctr"/>
+          <a:lstStyle/>
+          <a:p>
+            <a:pPr algn="ctr"/>
+            <a:endParaRPr lang="pt-BR"/>
+          </a:p>
+        </p:txBody>
+      </p:sp>
+      <p:sp>
+        <p:nvSpPr>
+          <p:cNvPr id="22" name="Elipse 21">
+            <a:extLst>
+              <a:ext uri="{FF2B5EF4-FFF2-40B4-BE49-F238E27FC236}">
+                <a16:creationId xmlns:a16="http://schemas.microsoft.com/office/drawing/2014/main" id="{E0CB41FD-7259-CFDD-D3CE-2F2B1CA1DFAB}"/>
+              </a:ext>
+            </a:extLst>
+          </p:cNvPr>
+          <p:cNvSpPr>
+            <a:spLocks noChangeAspect="1"/>
+          </p:cNvSpPr>
+          <p:nvPr/>
+        </p:nvSpPr>
+        <p:spPr>
+          <a:xfrm>
+            <a:off x="5412515" y="3873139"/>
+            <a:ext cx="180000" cy="180000"/>
+          </a:xfrm>
+          <a:prstGeom prst="ellipse">
+            <a:avLst/>
+          </a:prstGeom>
+          <a:solidFill>
+            <a:srgbClr val="C00000"/>
+          </a:solidFill>
+          <a:ln>
+            <a:noFill/>
+          </a:ln>
+        </p:spPr>
+        <p:style>
+          <a:lnRef idx="2">
+            <a:schemeClr val="accent1">
+              <a:shade val="15000"/>
+            </a:schemeClr>
+          </a:lnRef>
+          <a:fillRef idx="1">
+            <a:schemeClr val="accent1"/>
+          </a:fillRef>
+          <a:effectRef idx="0">
+            <a:schemeClr val="accent1"/>
+          </a:effectRef>
+          <a:fontRef idx="minor">
+            <a:schemeClr val="lt1"/>
+          </a:fontRef>
+        </p:style>
+        <p:txBody>
+          <a:bodyPr rtlCol="0" anchor="ctr"/>
+          <a:lstStyle/>
+          <a:p>
+            <a:pPr algn="ctr"/>
+            <a:endParaRPr lang="pt-BR"/>
+          </a:p>
+        </p:txBody>
+      </p:sp>
+      <p:sp>
+        <p:nvSpPr>
+          <p:cNvPr id="28" name="CaixaDeTexto 27">
+            <a:extLst>
+              <a:ext uri="{FF2B5EF4-FFF2-40B4-BE49-F238E27FC236}">
+                <a16:creationId xmlns:a16="http://schemas.microsoft.com/office/drawing/2014/main" id="{EB392910-FAA3-DDC8-4C7B-7DFE72480212}"/>
+              </a:ext>
+            </a:extLst>
+          </p:cNvPr>
+          <p:cNvSpPr txBox="1"/>
+          <p:nvPr/>
+        </p:nvSpPr>
+        <p:spPr>
+          <a:xfrm>
+            <a:off x="5519169" y="3944825"/>
+            <a:ext cx="1451038" cy="369332"/>
+          </a:xfrm>
+          <a:prstGeom prst="rect">
+            <a:avLst/>
+          </a:prstGeom>
+          <a:noFill/>
+        </p:spPr>
+        <p:txBody>
+          <a:bodyPr wrap="none" rtlCol="0">
+            <a:spAutoFit/>
+          </a:bodyPr>
+          <a:lstStyle/>
+          <a:p>
+            <a:r>
+              <a:rPr lang="pt-BR" dirty="0">
+                <a:solidFill>
+                  <a:schemeClr val="bg1"/>
+                </a:solidFill>
+                <a:latin typeface="Consolas" panose="020B0609020204030204" pitchFamily="49" charset="0"/>
+              </a:rPr>
+              <a:t>x0, y0, z0</a:t>
+            </a:r>
+          </a:p>
+        </p:txBody>
+      </p:sp>
+      <p:sp>
+        <p:nvSpPr>
+          <p:cNvPr id="29" name="CaixaDeTexto 28">
+            <a:extLst>
+              <a:ext uri="{FF2B5EF4-FFF2-40B4-BE49-F238E27FC236}">
+                <a16:creationId xmlns:a16="http://schemas.microsoft.com/office/drawing/2014/main" id="{9992E85E-A442-5646-0AFB-82A84CDA9EE6}"/>
+              </a:ext>
+            </a:extLst>
+          </p:cNvPr>
+          <p:cNvSpPr txBox="1"/>
+          <p:nvPr/>
+        </p:nvSpPr>
+        <p:spPr>
+          <a:xfrm>
+            <a:off x="5515548" y="1228678"/>
+            <a:ext cx="1451038" cy="369332"/>
+          </a:xfrm>
+          <a:prstGeom prst="rect">
+            <a:avLst/>
+          </a:prstGeom>
+          <a:noFill/>
+        </p:spPr>
+        <p:txBody>
+          <a:bodyPr wrap="none" rtlCol="0" anchor="b">
+            <a:spAutoFit/>
+          </a:bodyPr>
+          <a:lstStyle/>
+          <a:p>
+            <a:r>
+              <a:rPr lang="pt-BR" dirty="0">
+                <a:solidFill>
+                  <a:schemeClr val="bg1"/>
+                </a:solidFill>
+                <a:latin typeface="Consolas" panose="020B0609020204030204" pitchFamily="49" charset="0"/>
+              </a:rPr>
+              <a:t>x0, y1, z0</a:t>
+            </a:r>
+          </a:p>
+        </p:txBody>
+      </p:sp>
+      <p:sp>
+        <p:nvSpPr>
+          <p:cNvPr id="4" name="CaixaDeTexto 3">
+            <a:extLst>
+              <a:ext uri="{FF2B5EF4-FFF2-40B4-BE49-F238E27FC236}">
+                <a16:creationId xmlns:a16="http://schemas.microsoft.com/office/drawing/2014/main" id="{85C1B4F0-56C3-70D8-0270-681A329AB2CD}"/>
+              </a:ext>
+            </a:extLst>
+          </p:cNvPr>
+          <p:cNvSpPr txBox="1"/>
+          <p:nvPr/>
+        </p:nvSpPr>
+        <p:spPr>
+          <a:xfrm>
+            <a:off x="2965090" y="4625654"/>
+            <a:ext cx="1451039" cy="369332"/>
+          </a:xfrm>
+          <a:prstGeom prst="rect">
+            <a:avLst/>
+          </a:prstGeom>
+          <a:noFill/>
+        </p:spPr>
+        <p:txBody>
+          <a:bodyPr wrap="none" rtlCol="0">
+            <a:spAutoFit/>
+          </a:bodyPr>
+          <a:lstStyle/>
+          <a:p>
+            <a:pPr algn="r"/>
+            <a:r>
+              <a:rPr lang="pt-BR" dirty="0">
+                <a:solidFill>
+                  <a:schemeClr val="bg1"/>
+                </a:solidFill>
+                <a:latin typeface="Consolas" panose="020B0609020204030204" pitchFamily="49" charset="0"/>
+              </a:rPr>
+              <a:t>x0, y0, z1</a:t>
+            </a:r>
+          </a:p>
+        </p:txBody>
+      </p:sp>
+      <p:sp>
+        <p:nvSpPr>
+          <p:cNvPr id="5" name="CaixaDeTexto 4">
+            <a:extLst>
+              <a:ext uri="{FF2B5EF4-FFF2-40B4-BE49-F238E27FC236}">
+                <a16:creationId xmlns:a16="http://schemas.microsoft.com/office/drawing/2014/main" id="{715E5913-9C13-7BEF-1F9E-45C25883069F}"/>
+              </a:ext>
+            </a:extLst>
+          </p:cNvPr>
+          <p:cNvSpPr txBox="1"/>
+          <p:nvPr/>
+        </p:nvSpPr>
+        <p:spPr>
+          <a:xfrm>
+            <a:off x="2933801" y="1927550"/>
+            <a:ext cx="1451039" cy="369332"/>
+          </a:xfrm>
+          <a:prstGeom prst="rect">
+            <a:avLst/>
+          </a:prstGeom>
+          <a:noFill/>
+        </p:spPr>
+        <p:txBody>
+          <a:bodyPr wrap="none" rtlCol="0" anchor="b">
+            <a:spAutoFit/>
+          </a:bodyPr>
+          <a:lstStyle/>
+          <a:p>
+            <a:pPr algn="r"/>
+            <a:r>
+              <a:rPr lang="pt-BR" dirty="0">
+                <a:solidFill>
+                  <a:schemeClr val="bg1"/>
+                </a:solidFill>
+                <a:latin typeface="Consolas" panose="020B0609020204030204" pitchFamily="49" charset="0"/>
+              </a:rPr>
+              <a:t>x0, y1, z1</a:t>
+            </a:r>
+          </a:p>
+        </p:txBody>
+      </p:sp>
+      <p:sp>
+        <p:nvSpPr>
+          <p:cNvPr id="6" name="CaixaDeTexto 5">
+            <a:extLst>
+              <a:ext uri="{FF2B5EF4-FFF2-40B4-BE49-F238E27FC236}">
+                <a16:creationId xmlns:a16="http://schemas.microsoft.com/office/drawing/2014/main" id="{1546BF9E-36F3-367D-EF0F-52B206F38BA1}"/>
+              </a:ext>
+            </a:extLst>
+          </p:cNvPr>
+          <p:cNvSpPr txBox="1"/>
+          <p:nvPr/>
+        </p:nvSpPr>
+        <p:spPr>
+          <a:xfrm>
+            <a:off x="0" y="0"/>
+            <a:ext cx="2717411" cy="2031325"/>
+          </a:xfrm>
+          <a:prstGeom prst="rect">
+            <a:avLst/>
+          </a:prstGeom>
+          <a:noFill/>
+        </p:spPr>
+        <p:txBody>
+          <a:bodyPr wrap="none" rtlCol="0">
+            <a:spAutoFit/>
+          </a:bodyPr>
+          <a:lstStyle/>
+          <a:p>
+            <a:r>
+              <a:rPr lang="pt-BR" dirty="0">
+                <a:solidFill>
+                  <a:schemeClr val="accent3"/>
+                </a:solidFill>
+                <a:latin typeface="Consolas" panose="020B0609020204030204" pitchFamily="49" charset="0"/>
+              </a:rPr>
+              <a:t>// x0</a:t>
+            </a:r>
+          </a:p>
+          <a:p>
+            <a:r>
+              <a:rPr lang="pt-BR" dirty="0" err="1">
+                <a:solidFill>
+                  <a:schemeClr val="bg1"/>
+                </a:solidFill>
+                <a:latin typeface="Consolas" panose="020B0609020204030204" pitchFamily="49" charset="0"/>
+              </a:rPr>
+              <a:t>float</a:t>
+            </a:r>
+            <a:r>
+              <a:rPr lang="pt-BR" dirty="0">
+                <a:solidFill>
+                  <a:schemeClr val="bg1"/>
+                </a:solidFill>
+                <a:latin typeface="Consolas" panose="020B0609020204030204" pitchFamily="49" charset="0"/>
+              </a:rPr>
+              <a:t>[] </a:t>
+            </a:r>
+            <a:r>
+              <a:rPr lang="pt-BR" dirty="0" err="1">
+                <a:solidFill>
+                  <a:schemeClr val="bg1"/>
+                </a:solidFill>
+                <a:latin typeface="Consolas" panose="020B0609020204030204" pitchFamily="49" charset="0"/>
+              </a:rPr>
+              <a:t>vertices</a:t>
+            </a:r>
+            <a:r>
+              <a:rPr lang="pt-BR" dirty="0">
+                <a:solidFill>
+                  <a:schemeClr val="bg1"/>
+                </a:solidFill>
+                <a:latin typeface="Consolas" panose="020B0609020204030204" pitchFamily="49" charset="0"/>
+              </a:rPr>
+              <a:t> = {</a:t>
+            </a:r>
+          </a:p>
+          <a:p>
+            <a:r>
+              <a:rPr lang="pt-BR" dirty="0">
+                <a:solidFill>
+                  <a:schemeClr val="bg1"/>
+                </a:solidFill>
+                <a:latin typeface="Consolas" panose="020B0609020204030204" pitchFamily="49" charset="0"/>
+              </a:rPr>
+              <a:t>    x0, y0, z0,</a:t>
+            </a:r>
+            <a:endParaRPr lang="pt-BR" dirty="0">
+              <a:solidFill>
+                <a:schemeClr val="accent3"/>
+              </a:solidFill>
+              <a:latin typeface="Consolas" panose="020B0609020204030204" pitchFamily="49" charset="0"/>
+            </a:endParaRPr>
+          </a:p>
+          <a:p>
+            <a:r>
+              <a:rPr lang="pt-BR" dirty="0">
+                <a:solidFill>
+                  <a:schemeClr val="bg1"/>
+                </a:solidFill>
+                <a:latin typeface="Consolas" panose="020B0609020204030204" pitchFamily="49" charset="0"/>
+              </a:rPr>
+              <a:t>    x0, y0, z1,</a:t>
+            </a:r>
+          </a:p>
+          <a:p>
+            <a:r>
+              <a:rPr lang="pt-BR" dirty="0">
+                <a:solidFill>
+                  <a:schemeClr val="bg1"/>
+                </a:solidFill>
+                <a:latin typeface="Consolas" panose="020B0609020204030204" pitchFamily="49" charset="0"/>
+              </a:rPr>
+              <a:t>    x0, y1, z1,</a:t>
+            </a:r>
+          </a:p>
+          <a:p>
+            <a:r>
+              <a:rPr lang="pt-BR" dirty="0">
+                <a:solidFill>
+                  <a:schemeClr val="bg1"/>
+                </a:solidFill>
+                <a:latin typeface="Consolas" panose="020B0609020204030204" pitchFamily="49" charset="0"/>
+              </a:rPr>
+              <a:t>    x0, y1, z0</a:t>
+            </a:r>
+            <a:endParaRPr lang="pt-BR" dirty="0">
+              <a:solidFill>
+                <a:schemeClr val="accent3"/>
+              </a:solidFill>
+              <a:latin typeface="Consolas" panose="020B0609020204030204" pitchFamily="49" charset="0"/>
+            </a:endParaRPr>
+          </a:p>
+          <a:p>
+            <a:r>
+              <a:rPr lang="pt-BR" dirty="0">
+                <a:solidFill>
+                  <a:schemeClr val="bg1"/>
+                </a:solidFill>
+                <a:latin typeface="Consolas" panose="020B0609020204030204" pitchFamily="49" charset="0"/>
+              </a:rPr>
+              <a:t>};</a:t>
+            </a:r>
+          </a:p>
+        </p:txBody>
+      </p:sp>
+    </p:spTree>
+    <p:extLst>
+      <p:ext uri="{BB962C8B-B14F-4D97-AF65-F5344CB8AC3E}">
+        <p14:creationId xmlns:p14="http://schemas.microsoft.com/office/powerpoint/2010/main" val="1220575520"/>
+      </p:ext>
+    </p:extLst>
+  </p:cSld>
+  <p:clrMapOvr>
+    <a:masterClrMapping/>
+  </p:clrMapOvr>
+</p:sld>
+</file>
+
+<file path=ppt/slides/slide12.xml><?xml version="1.0" encoding="utf-8"?>
+<p:sld xmlns:a="http://schemas.openxmlformats.org/drawingml/2006/main" xmlns:r="http://schemas.openxmlformats.org/officeDocument/2006/relationships" xmlns:p="http://schemas.openxmlformats.org/presentationml/2006/main">
+  <p:cSld>
+    <p:spTree>
+      <p:nvGrpSpPr>
+        <p:cNvPr id="1" name="">
+          <a:extLst>
+            <a:ext uri="{FF2B5EF4-FFF2-40B4-BE49-F238E27FC236}">
+              <a16:creationId xmlns:a16="http://schemas.microsoft.com/office/drawing/2014/main" id="{CD307E03-885B-95AA-6C9D-FA364E649139}"/>
+            </a:ext>
+          </a:extLst>
+        </p:cNvPr>
+        <p:cNvGrpSpPr/>
+        <p:nvPr/>
+      </p:nvGrpSpPr>
+      <p:grpSpPr>
+        <a:xfrm>
+          <a:off x="0" y="0"/>
+          <a:ext cx="0" cy="0"/>
+          <a:chOff x="0" y="0"/>
+          <a:chExt cx="0" cy="0"/>
+        </a:xfrm>
+      </p:grpSpPr>
+      <p:sp>
+        <p:nvSpPr>
+          <p:cNvPr id="2" name="Retângulo 1">
+            <a:extLst>
+              <a:ext uri="{FF2B5EF4-FFF2-40B4-BE49-F238E27FC236}">
+                <a16:creationId xmlns:a16="http://schemas.microsoft.com/office/drawing/2014/main" id="{9F48C241-15BD-2EB8-372C-76D313D1E764}"/>
+              </a:ext>
+            </a:extLst>
+          </p:cNvPr>
+          <p:cNvSpPr/>
+          <p:nvPr/>
+        </p:nvSpPr>
+        <p:spPr>
+          <a:xfrm>
+            <a:off x="0" y="0"/>
+            <a:ext cx="12192000" cy="6858000"/>
+          </a:xfrm>
+          <a:prstGeom prst="rect">
+            <a:avLst/>
+          </a:prstGeom>
+          <a:solidFill>
+            <a:schemeClr val="tx1">
+              <a:lumMod val="95000"/>
+              <a:lumOff val="5000"/>
+            </a:schemeClr>
+          </a:solidFill>
+          <a:ln>
+            <a:noFill/>
+          </a:ln>
+        </p:spPr>
+        <p:style>
+          <a:lnRef idx="2">
+            <a:schemeClr val="accent1">
+              <a:shade val="15000"/>
+            </a:schemeClr>
+          </a:lnRef>
+          <a:fillRef idx="1">
+            <a:schemeClr val="accent1"/>
+          </a:fillRef>
+          <a:effectRef idx="0">
+            <a:schemeClr val="accent1"/>
+          </a:effectRef>
+          <a:fontRef idx="minor">
+            <a:schemeClr val="lt1"/>
+          </a:fontRef>
+        </p:style>
+        <p:txBody>
+          <a:bodyPr rtlCol="0" anchor="ctr"/>
+          <a:lstStyle/>
+          <a:p>
+            <a:pPr algn="ctr"/>
+            <a:endParaRPr lang="pt-BR"/>
+          </a:p>
+        </p:txBody>
+      </p:sp>
+      <p:grpSp>
+        <p:nvGrpSpPr>
+          <p:cNvPr id="9" name="Agrupar 8">
+            <a:extLst>
+              <a:ext uri="{FF2B5EF4-FFF2-40B4-BE49-F238E27FC236}">
+                <a16:creationId xmlns:a16="http://schemas.microsoft.com/office/drawing/2014/main" id="{8D96E2AC-14A1-770F-F996-A7AF1815E76A}"/>
+              </a:ext>
+            </a:extLst>
+          </p:cNvPr>
+          <p:cNvGrpSpPr/>
+          <p:nvPr/>
+        </p:nvGrpSpPr>
+        <p:grpSpPr>
+          <a:xfrm>
+            <a:off x="4314954" y="914141"/>
+            <a:ext cx="4080574" cy="3933844"/>
+            <a:chOff x="3625838" y="1138732"/>
+            <a:chExt cx="4080574" cy="3933844"/>
+          </a:xfrm>
+        </p:grpSpPr>
+        <p:pic>
+          <p:nvPicPr>
+            <p:cNvPr id="10" name="Imagem 9" descr="Uma imagem contendo Código QR&#10;&#10;O conteúdo gerado por IA pode estar incorreto.">
+              <a:extLst>
+                <a:ext uri="{FF2B5EF4-FFF2-40B4-BE49-F238E27FC236}">
+                  <a16:creationId xmlns:a16="http://schemas.microsoft.com/office/drawing/2014/main" id="{C77A9B51-1756-53C2-8D5D-1F59BD56D413}"/>
+                </a:ext>
+              </a:extLst>
+            </p:cNvPr>
+            <p:cNvPicPr>
+              <a:picLocks noChangeAspect="1"/>
+            </p:cNvPicPr>
+            <p:nvPr/>
+          </p:nvPicPr>
+          <p:blipFill>
+            <a:blip r:embed="rId2">
+              <a:alphaModFix amt="25000"/>
+              <a:extLst>
+                <a:ext uri="{28A0092B-C50C-407E-A947-70E740481C1C}">
+                  <a14:useLocalDpi xmlns:a14="http://schemas.microsoft.com/office/drawing/2010/main" val="0"/>
+                </a:ext>
+              </a:extLst>
+            </a:blip>
+            <a:stretch>
+              <a:fillRect/>
+            </a:stretch>
+          </p:blipFill>
+          <p:spPr>
+            <a:xfrm>
+              <a:off x="3625838" y="2633836"/>
+              <a:ext cx="2438740" cy="2438740"/>
+            </a:xfrm>
+            <a:prstGeom prst="rect">
+              <a:avLst/>
+            </a:prstGeom>
+            <a:scene3d>
+              <a:camera prst="isometricOffAxis2Left"/>
+              <a:lightRig rig="threePt" dir="t"/>
+            </a:scene3d>
+          </p:spPr>
+        </p:pic>
+        <p:pic>
+          <p:nvPicPr>
+            <p:cNvPr id="11" name="Imagem 10" descr="Uma imagem contendo Código QR&#10;&#10;O conteúdo gerado por IA pode estar incorreto.">
+              <a:extLst>
+                <a:ext uri="{FF2B5EF4-FFF2-40B4-BE49-F238E27FC236}">
+                  <a16:creationId xmlns:a16="http://schemas.microsoft.com/office/drawing/2014/main" id="{1BE48CEE-B3CA-68B8-2088-E9287755D107}"/>
+                </a:ext>
+              </a:extLst>
+            </p:cNvPr>
+            <p:cNvPicPr>
+              <a:picLocks noChangeAspect="1"/>
+            </p:cNvPicPr>
+            <p:nvPr/>
+          </p:nvPicPr>
+          <p:blipFill>
+            <a:blip r:embed="rId2">
+              <a:extLst>
+                <a:ext uri="{28A0092B-C50C-407E-A947-70E740481C1C}">
+                  <a14:useLocalDpi xmlns:a14="http://schemas.microsoft.com/office/drawing/2010/main" val="0"/>
+                </a:ext>
+              </a:extLst>
+            </a:blip>
+            <a:stretch>
+              <a:fillRect/>
+            </a:stretch>
+          </p:blipFill>
+          <p:spPr>
+            <a:xfrm>
+              <a:off x="5267672" y="2446871"/>
+              <a:ext cx="2438740" cy="2438740"/>
+            </a:xfrm>
+            <a:prstGeom prst="rect">
+              <a:avLst/>
+            </a:prstGeom>
+            <a:scene3d>
+              <a:camera prst="isometricOffAxis2Right"/>
+              <a:lightRig rig="threePt" dir="t"/>
+            </a:scene3d>
+          </p:spPr>
+        </p:pic>
+        <p:pic>
+          <p:nvPicPr>
+            <p:cNvPr id="12" name="Imagem 11" descr="Padrão do plano de fundo&#10;&#10;O conteúdo gerado por IA pode estar incorreto.">
+              <a:extLst>
+                <a:ext uri="{FF2B5EF4-FFF2-40B4-BE49-F238E27FC236}">
+                  <a16:creationId xmlns:a16="http://schemas.microsoft.com/office/drawing/2014/main" id="{880D1FEA-D532-8CE9-48C7-65C7FE98B67E}"/>
+                </a:ext>
+              </a:extLst>
+            </p:cNvPr>
+            <p:cNvPicPr>
+              <a:picLocks noChangeAspect="1"/>
+            </p:cNvPicPr>
+            <p:nvPr/>
+          </p:nvPicPr>
+          <p:blipFill>
+            <a:blip r:embed="rId3">
+              <a:alphaModFix amt="25000"/>
+              <a:extLst>
+                <a:ext uri="{28A0092B-C50C-407E-A947-70E740481C1C}">
+                  <a14:useLocalDpi xmlns:a14="http://schemas.microsoft.com/office/drawing/2010/main" val="0"/>
+                </a:ext>
+              </a:extLst>
+            </a:blip>
+            <a:stretch>
+              <a:fillRect/>
+            </a:stretch>
+          </p:blipFill>
+          <p:spPr>
+            <a:xfrm>
+              <a:off x="4160193" y="1138732"/>
+              <a:ext cx="2438740" cy="2438740"/>
+            </a:xfrm>
+            <a:prstGeom prst="rect">
+              <a:avLst/>
+            </a:prstGeom>
+            <a:scene3d>
+              <a:camera prst="isometricOffAxis2Top"/>
+              <a:lightRig rig="threePt" dir="t"/>
+            </a:scene3d>
+          </p:spPr>
+        </p:pic>
+      </p:grpSp>
+      <p:sp>
+        <p:nvSpPr>
+          <p:cNvPr id="14" name="Elipse 13">
+            <a:extLst>
+              <a:ext uri="{FF2B5EF4-FFF2-40B4-BE49-F238E27FC236}">
+                <a16:creationId xmlns:a16="http://schemas.microsoft.com/office/drawing/2014/main" id="{AEB818C9-5CDB-44C9-7333-BCE77FF49965}"/>
+              </a:ext>
+            </a:extLst>
+          </p:cNvPr>
+          <p:cNvSpPr>
+            <a:spLocks noChangeAspect="1"/>
+          </p:cNvSpPr>
+          <p:nvPr/>
+        </p:nvSpPr>
+        <p:spPr>
+          <a:xfrm>
+            <a:off x="6573694" y="4854950"/>
+            <a:ext cx="180000" cy="180000"/>
+          </a:xfrm>
+          <a:prstGeom prst="ellipse">
+            <a:avLst/>
+          </a:prstGeom>
+          <a:solidFill>
+            <a:srgbClr val="C00000"/>
+          </a:solidFill>
+          <a:ln>
+            <a:noFill/>
+          </a:ln>
+        </p:spPr>
+        <p:style>
+          <a:lnRef idx="2">
+            <a:schemeClr val="accent1">
+              <a:shade val="15000"/>
+            </a:schemeClr>
+          </a:lnRef>
+          <a:fillRef idx="1">
+            <a:schemeClr val="accent1"/>
+          </a:fillRef>
+          <a:effectRef idx="0">
+            <a:schemeClr val="accent1"/>
+          </a:effectRef>
+          <a:fontRef idx="minor">
+            <a:schemeClr val="lt1"/>
+          </a:fontRef>
+        </p:style>
+        <p:txBody>
+          <a:bodyPr rtlCol="0" anchor="ctr"/>
+          <a:lstStyle/>
+          <a:p>
+            <a:pPr algn="ctr"/>
+            <a:endParaRPr lang="pt-BR"/>
+          </a:p>
+        </p:txBody>
+      </p:sp>
+      <p:sp>
+        <p:nvSpPr>
+          <p:cNvPr id="19" name="Elipse 18">
+            <a:extLst>
+              <a:ext uri="{FF2B5EF4-FFF2-40B4-BE49-F238E27FC236}">
+                <a16:creationId xmlns:a16="http://schemas.microsoft.com/office/drawing/2014/main" id="{67F33EEF-F46F-DFAD-014F-A849C93DC99A}"/>
+              </a:ext>
+            </a:extLst>
+          </p:cNvPr>
+          <p:cNvSpPr>
+            <a:spLocks noChangeAspect="1"/>
+          </p:cNvSpPr>
+          <p:nvPr/>
+        </p:nvSpPr>
+        <p:spPr>
+          <a:xfrm>
+            <a:off x="6564267" y="2544955"/>
+            <a:ext cx="180000" cy="180000"/>
+          </a:xfrm>
+          <a:prstGeom prst="ellipse">
+            <a:avLst/>
+          </a:prstGeom>
+          <a:solidFill>
+            <a:srgbClr val="C00000"/>
+          </a:solidFill>
+          <a:ln>
+            <a:noFill/>
+          </a:ln>
+        </p:spPr>
+        <p:style>
+          <a:lnRef idx="2">
+            <a:schemeClr val="accent1">
+              <a:shade val="15000"/>
+            </a:schemeClr>
+          </a:lnRef>
+          <a:fillRef idx="1">
+            <a:schemeClr val="accent1"/>
+          </a:fillRef>
+          <a:effectRef idx="0">
+            <a:schemeClr val="accent1"/>
+          </a:effectRef>
+          <a:fontRef idx="minor">
+            <a:schemeClr val="lt1"/>
+          </a:fontRef>
+        </p:style>
+        <p:txBody>
+          <a:bodyPr rtlCol="0" anchor="ctr"/>
+          <a:lstStyle/>
+          <a:p>
+            <a:pPr algn="ctr"/>
+            <a:endParaRPr lang="pt-BR"/>
+          </a:p>
+        </p:txBody>
+      </p:sp>
+      <p:sp>
+        <p:nvSpPr>
+          <p:cNvPr id="21" name="Elipse 20">
+            <a:extLst>
+              <a:ext uri="{FF2B5EF4-FFF2-40B4-BE49-F238E27FC236}">
+                <a16:creationId xmlns:a16="http://schemas.microsoft.com/office/drawing/2014/main" id="{501888DF-294A-5B34-E098-D5568F58DB46}"/>
+              </a:ext>
+            </a:extLst>
+          </p:cNvPr>
+          <p:cNvSpPr>
+            <a:spLocks noChangeAspect="1"/>
+          </p:cNvSpPr>
+          <p:nvPr/>
+        </p:nvSpPr>
+        <p:spPr>
+          <a:xfrm>
+            <a:off x="7642404" y="1845934"/>
+            <a:ext cx="180000" cy="180000"/>
+          </a:xfrm>
+          <a:prstGeom prst="ellipse">
+            <a:avLst/>
+          </a:prstGeom>
+          <a:solidFill>
+            <a:srgbClr val="C00000"/>
+          </a:solidFill>
+          <a:ln>
+            <a:noFill/>
+          </a:ln>
+        </p:spPr>
+        <p:style>
+          <a:lnRef idx="2">
+            <a:schemeClr val="accent1">
+              <a:shade val="15000"/>
+            </a:schemeClr>
+          </a:lnRef>
+          <a:fillRef idx="1">
+            <a:schemeClr val="accent1"/>
+          </a:fillRef>
+          <a:effectRef idx="0">
+            <a:schemeClr val="accent1"/>
+          </a:effectRef>
+          <a:fontRef idx="minor">
+            <a:schemeClr val="lt1"/>
+          </a:fontRef>
+        </p:style>
+        <p:txBody>
+          <a:bodyPr rtlCol="0" anchor="ctr"/>
+          <a:lstStyle/>
+          <a:p>
+            <a:pPr algn="ctr"/>
+            <a:endParaRPr lang="pt-BR"/>
+          </a:p>
+        </p:txBody>
+      </p:sp>
+      <p:sp>
+        <p:nvSpPr>
+          <p:cNvPr id="22" name="Elipse 21">
+            <a:extLst>
+              <a:ext uri="{FF2B5EF4-FFF2-40B4-BE49-F238E27FC236}">
+                <a16:creationId xmlns:a16="http://schemas.microsoft.com/office/drawing/2014/main" id="{13D3F565-A541-1F8F-889D-6D046A40BAB4}"/>
+              </a:ext>
+            </a:extLst>
+          </p:cNvPr>
+          <p:cNvSpPr>
+            <a:spLocks noChangeAspect="1"/>
+          </p:cNvSpPr>
+          <p:nvPr/>
+        </p:nvSpPr>
+        <p:spPr>
+          <a:xfrm>
+            <a:off x="7647568" y="4196645"/>
+            <a:ext cx="180000" cy="180000"/>
+          </a:xfrm>
+          <a:prstGeom prst="ellipse">
+            <a:avLst/>
+          </a:prstGeom>
+          <a:solidFill>
+            <a:srgbClr val="C00000"/>
+          </a:solidFill>
+          <a:ln>
+            <a:noFill/>
+          </a:ln>
+        </p:spPr>
+        <p:style>
+          <a:lnRef idx="2">
+            <a:schemeClr val="accent1">
+              <a:shade val="15000"/>
+            </a:schemeClr>
+          </a:lnRef>
+          <a:fillRef idx="1">
+            <a:schemeClr val="accent1"/>
+          </a:fillRef>
+          <a:effectRef idx="0">
+            <a:schemeClr val="accent1"/>
+          </a:effectRef>
+          <a:fontRef idx="minor">
+            <a:schemeClr val="lt1"/>
+          </a:fontRef>
+        </p:style>
+        <p:txBody>
+          <a:bodyPr rtlCol="0" anchor="ctr"/>
+          <a:lstStyle/>
+          <a:p>
+            <a:pPr algn="ctr"/>
+            <a:endParaRPr lang="pt-BR"/>
+          </a:p>
+        </p:txBody>
+      </p:sp>
+      <p:sp>
+        <p:nvSpPr>
+          <p:cNvPr id="25" name="CaixaDeTexto 24">
+            <a:extLst>
+              <a:ext uri="{FF2B5EF4-FFF2-40B4-BE49-F238E27FC236}">
+                <a16:creationId xmlns:a16="http://schemas.microsoft.com/office/drawing/2014/main" id="{3DF6C74E-D690-5296-F8B8-B430667E3BD6}"/>
+              </a:ext>
+            </a:extLst>
+          </p:cNvPr>
+          <p:cNvSpPr txBox="1"/>
+          <p:nvPr/>
+        </p:nvSpPr>
+        <p:spPr>
+          <a:xfrm>
+            <a:off x="5202638" y="4965233"/>
+            <a:ext cx="1451038" cy="369332"/>
+          </a:xfrm>
+          <a:prstGeom prst="rect">
+            <a:avLst/>
+          </a:prstGeom>
+          <a:noFill/>
+        </p:spPr>
+        <p:txBody>
+          <a:bodyPr wrap="none" rtlCol="0">
+            <a:spAutoFit/>
+          </a:bodyPr>
+          <a:lstStyle/>
+          <a:p>
+            <a:pPr algn="r"/>
+            <a:r>
+              <a:rPr lang="pt-BR" dirty="0">
+                <a:solidFill>
+                  <a:schemeClr val="bg1"/>
+                </a:solidFill>
+                <a:latin typeface="Consolas" panose="020B0609020204030204" pitchFamily="49" charset="0"/>
+              </a:rPr>
+              <a:t>x1, y0, z1</a:t>
+            </a:r>
+          </a:p>
+        </p:txBody>
+      </p:sp>
+      <p:sp>
+        <p:nvSpPr>
+          <p:cNvPr id="26" name="CaixaDeTexto 25">
+            <a:extLst>
+              <a:ext uri="{FF2B5EF4-FFF2-40B4-BE49-F238E27FC236}">
+                <a16:creationId xmlns:a16="http://schemas.microsoft.com/office/drawing/2014/main" id="{5BD1C458-D4A5-C37C-C179-17596790DD13}"/>
+              </a:ext>
+            </a:extLst>
+          </p:cNvPr>
+          <p:cNvSpPr txBox="1"/>
+          <p:nvPr/>
+        </p:nvSpPr>
+        <p:spPr>
+          <a:xfrm>
+            <a:off x="5199017" y="2249086"/>
+            <a:ext cx="1451038" cy="369332"/>
+          </a:xfrm>
+          <a:prstGeom prst="rect">
+            <a:avLst/>
+          </a:prstGeom>
+          <a:noFill/>
+        </p:spPr>
+        <p:txBody>
+          <a:bodyPr wrap="none" rtlCol="0" anchor="b">
+            <a:spAutoFit/>
+          </a:bodyPr>
+          <a:lstStyle/>
+          <a:p>
+            <a:pPr algn="r"/>
+            <a:r>
+              <a:rPr lang="pt-BR" dirty="0">
+                <a:solidFill>
+                  <a:schemeClr val="bg1"/>
+                </a:solidFill>
+                <a:latin typeface="Consolas" panose="020B0609020204030204" pitchFamily="49" charset="0"/>
+              </a:rPr>
+              <a:t>x1, y1, z1</a:t>
+            </a:r>
+          </a:p>
+        </p:txBody>
+      </p:sp>
+      <p:sp>
+        <p:nvSpPr>
+          <p:cNvPr id="28" name="CaixaDeTexto 27">
+            <a:extLst>
+              <a:ext uri="{FF2B5EF4-FFF2-40B4-BE49-F238E27FC236}">
+                <a16:creationId xmlns:a16="http://schemas.microsoft.com/office/drawing/2014/main" id="{E588A5DE-BF76-5D51-69DD-7EC41CA59633}"/>
+              </a:ext>
+            </a:extLst>
+          </p:cNvPr>
+          <p:cNvSpPr txBox="1"/>
+          <p:nvPr/>
+        </p:nvSpPr>
+        <p:spPr>
+          <a:xfrm>
+            <a:off x="7754222" y="4268331"/>
+            <a:ext cx="1451038" cy="369332"/>
+          </a:xfrm>
+          <a:prstGeom prst="rect">
+            <a:avLst/>
+          </a:prstGeom>
+          <a:noFill/>
+        </p:spPr>
+        <p:txBody>
+          <a:bodyPr wrap="none" rtlCol="0">
+            <a:spAutoFit/>
+          </a:bodyPr>
+          <a:lstStyle/>
+          <a:p>
+            <a:r>
+              <a:rPr lang="pt-BR" dirty="0">
+                <a:solidFill>
+                  <a:schemeClr val="bg1"/>
+                </a:solidFill>
+                <a:latin typeface="Consolas" panose="020B0609020204030204" pitchFamily="49" charset="0"/>
+              </a:rPr>
+              <a:t>x1, y0, z0</a:t>
+            </a:r>
+          </a:p>
+        </p:txBody>
+      </p:sp>
+      <p:sp>
+        <p:nvSpPr>
+          <p:cNvPr id="29" name="CaixaDeTexto 28">
+            <a:extLst>
+              <a:ext uri="{FF2B5EF4-FFF2-40B4-BE49-F238E27FC236}">
+                <a16:creationId xmlns:a16="http://schemas.microsoft.com/office/drawing/2014/main" id="{5C4B7E78-EAC9-6A5E-5AE8-74AE06C672E9}"/>
+              </a:ext>
+            </a:extLst>
+          </p:cNvPr>
+          <p:cNvSpPr txBox="1"/>
+          <p:nvPr/>
+        </p:nvSpPr>
+        <p:spPr>
+          <a:xfrm>
+            <a:off x="7750601" y="1552184"/>
+            <a:ext cx="1451038" cy="369332"/>
+          </a:xfrm>
+          <a:prstGeom prst="rect">
+            <a:avLst/>
+          </a:prstGeom>
+          <a:noFill/>
+        </p:spPr>
+        <p:txBody>
+          <a:bodyPr wrap="none" rtlCol="0" anchor="b">
+            <a:spAutoFit/>
+          </a:bodyPr>
+          <a:lstStyle/>
+          <a:p>
+            <a:r>
+              <a:rPr lang="pt-BR" dirty="0">
+                <a:solidFill>
+                  <a:schemeClr val="bg1"/>
+                </a:solidFill>
+                <a:latin typeface="Consolas" panose="020B0609020204030204" pitchFamily="49" charset="0"/>
+              </a:rPr>
+              <a:t>x1, y1, z0</a:t>
+            </a:r>
+          </a:p>
+        </p:txBody>
+      </p:sp>
+      <p:sp>
+        <p:nvSpPr>
+          <p:cNvPr id="3" name="CaixaDeTexto 2">
+            <a:extLst>
+              <a:ext uri="{FF2B5EF4-FFF2-40B4-BE49-F238E27FC236}">
+                <a16:creationId xmlns:a16="http://schemas.microsoft.com/office/drawing/2014/main" id="{5E586F3B-F337-5910-DB7D-EE1046ED5548}"/>
+              </a:ext>
+            </a:extLst>
+          </p:cNvPr>
+          <p:cNvSpPr txBox="1"/>
+          <p:nvPr/>
+        </p:nvSpPr>
+        <p:spPr>
+          <a:xfrm>
+            <a:off x="0" y="0"/>
+            <a:ext cx="2717411" cy="2308324"/>
+          </a:xfrm>
+          <a:prstGeom prst="rect">
+            <a:avLst/>
+          </a:prstGeom>
+          <a:noFill/>
+        </p:spPr>
+        <p:txBody>
+          <a:bodyPr wrap="none" rtlCol="0">
+            <a:spAutoFit/>
+          </a:bodyPr>
+          <a:lstStyle/>
+          <a:p>
+            <a:r>
+              <a:rPr lang="pt-BR" dirty="0">
+                <a:solidFill>
+                  <a:schemeClr val="accent3"/>
+                </a:solidFill>
+                <a:latin typeface="Consolas" panose="020B0609020204030204" pitchFamily="49" charset="0"/>
+              </a:rPr>
+              <a:t>// x1</a:t>
+            </a:r>
+          </a:p>
+          <a:p>
+            <a:r>
+              <a:rPr lang="pt-BR" dirty="0" err="1">
+                <a:solidFill>
+                  <a:schemeClr val="bg1"/>
+                </a:solidFill>
+                <a:latin typeface="Consolas" panose="020B0609020204030204" pitchFamily="49" charset="0"/>
+              </a:rPr>
+              <a:t>float</a:t>
+            </a:r>
+            <a:r>
+              <a:rPr lang="pt-BR" dirty="0">
+                <a:solidFill>
+                  <a:schemeClr val="bg1"/>
+                </a:solidFill>
+                <a:latin typeface="Consolas" panose="020B0609020204030204" pitchFamily="49" charset="0"/>
+              </a:rPr>
+              <a:t>[] </a:t>
+            </a:r>
+            <a:r>
+              <a:rPr lang="pt-BR" dirty="0" err="1">
+                <a:solidFill>
+                  <a:schemeClr val="bg1"/>
+                </a:solidFill>
+                <a:latin typeface="Consolas" panose="020B0609020204030204" pitchFamily="49" charset="0"/>
+              </a:rPr>
+              <a:t>vertices</a:t>
+            </a:r>
+            <a:r>
+              <a:rPr lang="pt-BR" dirty="0">
+                <a:solidFill>
+                  <a:schemeClr val="bg1"/>
+                </a:solidFill>
+                <a:latin typeface="Consolas" panose="020B0609020204030204" pitchFamily="49" charset="0"/>
+              </a:rPr>
+              <a:t> = {</a:t>
+            </a:r>
+          </a:p>
+          <a:p>
+            <a:r>
+              <a:rPr lang="pt-BR" dirty="0">
+                <a:solidFill>
+                  <a:schemeClr val="bg1"/>
+                </a:solidFill>
+                <a:latin typeface="Consolas" panose="020B0609020204030204" pitchFamily="49" charset="0"/>
+              </a:rPr>
+              <a:t>    x1, y0, z1,</a:t>
+            </a:r>
+            <a:endParaRPr lang="pt-BR" dirty="0">
+              <a:solidFill>
+                <a:schemeClr val="accent3"/>
+              </a:solidFill>
+              <a:latin typeface="Consolas" panose="020B0609020204030204" pitchFamily="49" charset="0"/>
+            </a:endParaRPr>
+          </a:p>
+          <a:p>
+            <a:r>
+              <a:rPr lang="pt-BR" dirty="0">
+                <a:solidFill>
+                  <a:schemeClr val="bg1"/>
+                </a:solidFill>
+                <a:latin typeface="Consolas" panose="020B0609020204030204" pitchFamily="49" charset="0"/>
+              </a:rPr>
+              <a:t>    x1, y0, z0,</a:t>
+            </a:r>
+          </a:p>
+          <a:p>
+            <a:r>
+              <a:rPr lang="pt-BR" dirty="0">
+                <a:solidFill>
+                  <a:schemeClr val="bg1"/>
+                </a:solidFill>
+                <a:latin typeface="Consolas" panose="020B0609020204030204" pitchFamily="49" charset="0"/>
+              </a:rPr>
+              <a:t>    x1, y1, z0,</a:t>
+            </a:r>
+          </a:p>
+          <a:p>
+            <a:r>
+              <a:rPr lang="pt-BR" dirty="0">
+                <a:solidFill>
+                  <a:schemeClr val="bg1"/>
+                </a:solidFill>
+                <a:latin typeface="Consolas" panose="020B0609020204030204" pitchFamily="49" charset="0"/>
+              </a:rPr>
+              <a:t>    x1, y1, z1</a:t>
+            </a:r>
+            <a:endParaRPr lang="pt-BR" dirty="0">
+              <a:solidFill>
+                <a:schemeClr val="accent3"/>
+              </a:solidFill>
+              <a:latin typeface="Consolas" panose="020B0609020204030204" pitchFamily="49" charset="0"/>
+            </a:endParaRPr>
+          </a:p>
+          <a:p>
+            <a:r>
+              <a:rPr lang="pt-BR" dirty="0">
+                <a:solidFill>
+                  <a:schemeClr val="bg1"/>
+                </a:solidFill>
+                <a:latin typeface="Consolas" panose="020B0609020204030204" pitchFamily="49" charset="0"/>
+              </a:rPr>
+              <a:t>};</a:t>
+            </a:r>
+          </a:p>
+          <a:p>
+            <a:endParaRPr lang="pt-BR" dirty="0">
+              <a:solidFill>
+                <a:schemeClr val="accent3"/>
+              </a:solidFill>
+              <a:latin typeface="Consolas" panose="020B0609020204030204" pitchFamily="49" charset="0"/>
+            </a:endParaRPr>
+          </a:p>
+        </p:txBody>
+      </p:sp>
+    </p:spTree>
+    <p:extLst>
+      <p:ext uri="{BB962C8B-B14F-4D97-AF65-F5344CB8AC3E}">
+        <p14:creationId xmlns:p14="http://schemas.microsoft.com/office/powerpoint/2010/main" val="314883030"/>
+      </p:ext>
+    </p:extLst>
+  </p:cSld>
+  <p:clrMapOvr>
+    <a:masterClrMapping/>
+  </p:clrMapOvr>
+</p:sld>
+</file>
+
+<file path=ppt/slides/slide13.xml><?xml version="1.0" encoding="utf-8"?>
+<p:sld xmlns:a="http://schemas.openxmlformats.org/drawingml/2006/main" xmlns:r="http://schemas.openxmlformats.org/officeDocument/2006/relationships" xmlns:p="http://schemas.openxmlformats.org/presentationml/2006/main">
+  <p:cSld>
+    <p:spTree>
+      <p:nvGrpSpPr>
+        <p:cNvPr id="1" name="">
+          <a:extLst>
+            <a:ext uri="{FF2B5EF4-FFF2-40B4-BE49-F238E27FC236}">
+              <a16:creationId xmlns:a16="http://schemas.microsoft.com/office/drawing/2014/main" id="{E7D88F10-1820-C430-24C9-D2D89462A7B2}"/>
+            </a:ext>
+          </a:extLst>
+        </p:cNvPr>
+        <p:cNvGrpSpPr/>
+        <p:nvPr/>
+      </p:nvGrpSpPr>
+      <p:grpSpPr>
+        <a:xfrm>
+          <a:off x="0" y="0"/>
+          <a:ext cx="0" cy="0"/>
+          <a:chOff x="0" y="0"/>
+          <a:chExt cx="0" cy="0"/>
+        </a:xfrm>
+      </p:grpSpPr>
+      <p:sp>
+        <p:nvSpPr>
+          <p:cNvPr id="2" name="Retângulo 1">
+            <a:extLst>
+              <a:ext uri="{FF2B5EF4-FFF2-40B4-BE49-F238E27FC236}">
+                <a16:creationId xmlns:a16="http://schemas.microsoft.com/office/drawing/2014/main" id="{CE8161B5-574C-B720-8B00-BE3C713FE7B8}"/>
+              </a:ext>
+            </a:extLst>
+          </p:cNvPr>
+          <p:cNvSpPr/>
+          <p:nvPr/>
+        </p:nvSpPr>
+        <p:spPr>
+          <a:xfrm>
+            <a:off x="0" y="0"/>
+            <a:ext cx="12192000" cy="6858000"/>
+          </a:xfrm>
+          <a:prstGeom prst="rect">
+            <a:avLst/>
+          </a:prstGeom>
+          <a:solidFill>
+            <a:schemeClr val="tx1">
+              <a:lumMod val="95000"/>
+              <a:lumOff val="5000"/>
+            </a:schemeClr>
+          </a:solidFill>
+          <a:ln>
+            <a:noFill/>
+          </a:ln>
+        </p:spPr>
+        <p:style>
+          <a:lnRef idx="2">
+            <a:schemeClr val="accent1">
+              <a:shade val="15000"/>
+            </a:schemeClr>
+          </a:lnRef>
+          <a:fillRef idx="1">
+            <a:schemeClr val="accent1"/>
+          </a:fillRef>
+          <a:effectRef idx="0">
+            <a:schemeClr val="accent1"/>
+          </a:effectRef>
+          <a:fontRef idx="minor">
+            <a:schemeClr val="lt1"/>
+          </a:fontRef>
+        </p:style>
+        <p:txBody>
+          <a:bodyPr rtlCol="0" anchor="ctr"/>
+          <a:lstStyle/>
+          <a:p>
+            <a:pPr algn="ctr"/>
+            <a:endParaRPr lang="pt-BR"/>
+          </a:p>
+        </p:txBody>
+      </p:sp>
+      <p:pic>
+        <p:nvPicPr>
+          <p:cNvPr id="3" name="Imagem 2">
+            <a:extLst>
+              <a:ext uri="{FF2B5EF4-FFF2-40B4-BE49-F238E27FC236}">
+                <a16:creationId xmlns:a16="http://schemas.microsoft.com/office/drawing/2014/main" id="{EEC720CE-FED9-0C38-D2BC-9E9B9BF5FC4B}"/>
+              </a:ext>
+            </a:extLst>
+          </p:cNvPr>
+          <p:cNvPicPr>
+            <a:picLocks noChangeAspect="1"/>
+          </p:cNvPicPr>
+          <p:nvPr/>
+        </p:nvPicPr>
+        <p:blipFill>
+          <a:blip r:embed="rId2">
+            <a:extLst>
+              <a:ext uri="{28A0092B-C50C-407E-A947-70E740481C1C}">
+                <a14:useLocalDpi xmlns:a14="http://schemas.microsoft.com/office/drawing/2010/main" val="0"/>
+              </a:ext>
+            </a:extLst>
+          </a:blip>
+          <a:srcRect/>
+          <a:stretch/>
+        </p:blipFill>
+        <p:spPr>
+          <a:xfrm>
+            <a:off x="4849309" y="3208827"/>
+            <a:ext cx="2438740" cy="2438740"/>
+          </a:xfrm>
+          <a:prstGeom prst="rect">
+            <a:avLst/>
+          </a:prstGeom>
+          <a:scene3d>
+            <a:camera prst="isometricOffAxis2Top"/>
+            <a:lightRig rig="threePt" dir="t"/>
+          </a:scene3d>
+        </p:spPr>
+      </p:pic>
+      <p:grpSp>
+        <p:nvGrpSpPr>
+          <p:cNvPr id="9" name="Agrupar 8">
+            <a:extLst>
+              <a:ext uri="{FF2B5EF4-FFF2-40B4-BE49-F238E27FC236}">
+                <a16:creationId xmlns:a16="http://schemas.microsoft.com/office/drawing/2014/main" id="{27E540D1-E364-3213-610C-C3FB6336A4EB}"/>
+              </a:ext>
+            </a:extLst>
+          </p:cNvPr>
+          <p:cNvGrpSpPr/>
+          <p:nvPr/>
+        </p:nvGrpSpPr>
+        <p:grpSpPr>
+          <a:xfrm>
+            <a:off x="4314954" y="914141"/>
+            <a:ext cx="4080574" cy="3933844"/>
+            <a:chOff x="3625838" y="1138732"/>
+            <a:chExt cx="4080574" cy="3933844"/>
+          </a:xfrm>
+        </p:grpSpPr>
+        <p:pic>
+          <p:nvPicPr>
+            <p:cNvPr id="10" name="Imagem 9" descr="Uma imagem contendo Código QR&#10;&#10;O conteúdo gerado por IA pode estar incorreto.">
+              <a:extLst>
+                <a:ext uri="{FF2B5EF4-FFF2-40B4-BE49-F238E27FC236}">
+                  <a16:creationId xmlns:a16="http://schemas.microsoft.com/office/drawing/2014/main" id="{6BD8551F-0185-6D3B-4454-D8D05B22EDDC}"/>
+                </a:ext>
+              </a:extLst>
+            </p:cNvPr>
+            <p:cNvPicPr>
+              <a:picLocks noChangeAspect="1"/>
+            </p:cNvPicPr>
+            <p:nvPr/>
+          </p:nvPicPr>
+          <p:blipFill>
+            <a:blip r:embed="rId3">
+              <a:alphaModFix amt="25000"/>
+              <a:extLst>
+                <a:ext uri="{28A0092B-C50C-407E-A947-70E740481C1C}">
+                  <a14:useLocalDpi xmlns:a14="http://schemas.microsoft.com/office/drawing/2010/main" val="0"/>
+                </a:ext>
+              </a:extLst>
+            </a:blip>
+            <a:stretch>
+              <a:fillRect/>
+            </a:stretch>
+          </p:blipFill>
+          <p:spPr>
+            <a:xfrm>
+              <a:off x="3625838" y="2633836"/>
+              <a:ext cx="2438740" cy="2438740"/>
+            </a:xfrm>
+            <a:prstGeom prst="rect">
+              <a:avLst/>
+            </a:prstGeom>
+            <a:scene3d>
+              <a:camera prst="isometricOffAxis2Left"/>
+              <a:lightRig rig="threePt" dir="t"/>
+            </a:scene3d>
+          </p:spPr>
+        </p:pic>
+        <p:pic>
+          <p:nvPicPr>
+            <p:cNvPr id="11" name="Imagem 10" descr="Uma imagem contendo Código QR&#10;&#10;O conteúdo gerado por IA pode estar incorreto.">
+              <a:extLst>
+                <a:ext uri="{FF2B5EF4-FFF2-40B4-BE49-F238E27FC236}">
+                  <a16:creationId xmlns:a16="http://schemas.microsoft.com/office/drawing/2014/main" id="{E7253C29-99F8-525B-807B-3AE0CF0935CB}"/>
+                </a:ext>
+              </a:extLst>
+            </p:cNvPr>
+            <p:cNvPicPr>
+              <a:picLocks noChangeAspect="1"/>
+            </p:cNvPicPr>
+            <p:nvPr/>
+          </p:nvPicPr>
+          <p:blipFill>
+            <a:blip r:embed="rId3">
+              <a:alphaModFix amt="25000"/>
+              <a:extLst>
+                <a:ext uri="{28A0092B-C50C-407E-A947-70E740481C1C}">
+                  <a14:useLocalDpi xmlns:a14="http://schemas.microsoft.com/office/drawing/2010/main" val="0"/>
+                </a:ext>
+              </a:extLst>
+            </a:blip>
+            <a:stretch>
+              <a:fillRect/>
+            </a:stretch>
+          </p:blipFill>
+          <p:spPr>
+            <a:xfrm>
+              <a:off x="5267672" y="2446871"/>
+              <a:ext cx="2438740" cy="2438740"/>
+            </a:xfrm>
+            <a:prstGeom prst="rect">
+              <a:avLst/>
+            </a:prstGeom>
+            <a:scene3d>
+              <a:camera prst="isometricOffAxis2Right"/>
+              <a:lightRig rig="threePt" dir="t"/>
+            </a:scene3d>
+          </p:spPr>
+        </p:pic>
+        <p:pic>
+          <p:nvPicPr>
+            <p:cNvPr id="12" name="Imagem 11" descr="Padrão do plano de fundo&#10;&#10;O conteúdo gerado por IA pode estar incorreto.">
+              <a:extLst>
+                <a:ext uri="{FF2B5EF4-FFF2-40B4-BE49-F238E27FC236}">
+                  <a16:creationId xmlns:a16="http://schemas.microsoft.com/office/drawing/2014/main" id="{D5EEF92E-8317-9A4F-C6AA-FE0EB3660E9E}"/>
+                </a:ext>
+              </a:extLst>
+            </p:cNvPr>
+            <p:cNvPicPr>
+              <a:picLocks noChangeAspect="1"/>
+            </p:cNvPicPr>
+            <p:nvPr/>
+          </p:nvPicPr>
+          <p:blipFill>
+            <a:blip r:embed="rId4">
+              <a:alphaModFix amt="25000"/>
+              <a:extLst>
+                <a:ext uri="{28A0092B-C50C-407E-A947-70E740481C1C}">
+                  <a14:useLocalDpi xmlns:a14="http://schemas.microsoft.com/office/drawing/2010/main" val="0"/>
+                </a:ext>
+              </a:extLst>
+            </a:blip>
+            <a:stretch>
+              <a:fillRect/>
+            </a:stretch>
+          </p:blipFill>
+          <p:spPr>
+            <a:xfrm>
+              <a:off x="4160193" y="1138732"/>
+              <a:ext cx="2438740" cy="2438740"/>
+            </a:xfrm>
+            <a:prstGeom prst="rect">
+              <a:avLst/>
+            </a:prstGeom>
+            <a:scene3d>
+              <a:camera prst="isometricOffAxis2Top"/>
+              <a:lightRig rig="threePt" dir="t"/>
+            </a:scene3d>
+          </p:spPr>
+        </p:pic>
+      </p:grpSp>
+      <p:sp>
+        <p:nvSpPr>
+          <p:cNvPr id="18" name="Elipse 17">
+            <a:extLst>
+              <a:ext uri="{FF2B5EF4-FFF2-40B4-BE49-F238E27FC236}">
+                <a16:creationId xmlns:a16="http://schemas.microsoft.com/office/drawing/2014/main" id="{81CF393A-537F-750A-1744-E82CF988E3BC}"/>
+              </a:ext>
+            </a:extLst>
+          </p:cNvPr>
+          <p:cNvSpPr>
+            <a:spLocks noChangeAspect="1"/>
+          </p:cNvSpPr>
+          <p:nvPr/>
+        </p:nvSpPr>
+        <p:spPr>
+          <a:xfrm>
+            <a:off x="4324381" y="4517614"/>
+            <a:ext cx="180000" cy="180000"/>
+          </a:xfrm>
+          <a:prstGeom prst="ellipse">
+            <a:avLst/>
+          </a:prstGeom>
+          <a:solidFill>
+            <a:srgbClr val="C00000"/>
+          </a:solidFill>
+          <a:ln>
+            <a:noFill/>
+          </a:ln>
+        </p:spPr>
+        <p:style>
+          <a:lnRef idx="2">
+            <a:schemeClr val="accent1">
+              <a:shade val="15000"/>
+            </a:schemeClr>
+          </a:lnRef>
+          <a:fillRef idx="1">
+            <a:schemeClr val="accent1"/>
+          </a:fillRef>
+          <a:effectRef idx="0">
+            <a:schemeClr val="accent1"/>
+          </a:effectRef>
+          <a:fontRef idx="minor">
+            <a:schemeClr val="lt1"/>
+          </a:fontRef>
+        </p:style>
+        <p:txBody>
+          <a:bodyPr rtlCol="0" anchor="ctr"/>
+          <a:lstStyle/>
+          <a:p>
+            <a:pPr algn="ctr"/>
+            <a:endParaRPr lang="pt-BR"/>
+          </a:p>
+        </p:txBody>
+      </p:sp>
+      <p:sp>
+        <p:nvSpPr>
+          <p:cNvPr id="19" name="Elipse 18">
+            <a:extLst>
+              <a:ext uri="{FF2B5EF4-FFF2-40B4-BE49-F238E27FC236}">
+                <a16:creationId xmlns:a16="http://schemas.microsoft.com/office/drawing/2014/main" id="{CBFC7302-1688-A8AE-9C49-10DA7ADDC8EA}"/>
+              </a:ext>
+            </a:extLst>
+          </p:cNvPr>
+          <p:cNvSpPr>
+            <a:spLocks noChangeAspect="1"/>
+          </p:cNvSpPr>
+          <p:nvPr/>
+        </p:nvSpPr>
+        <p:spPr>
+          <a:xfrm>
+            <a:off x="6573694" y="4848679"/>
+            <a:ext cx="180000" cy="180000"/>
+          </a:xfrm>
+          <a:prstGeom prst="ellipse">
+            <a:avLst/>
+          </a:prstGeom>
+          <a:solidFill>
+            <a:srgbClr val="C00000"/>
+          </a:solidFill>
+          <a:ln>
+            <a:noFill/>
+          </a:ln>
+        </p:spPr>
+        <p:style>
+          <a:lnRef idx="2">
+            <a:schemeClr val="accent1">
+              <a:shade val="15000"/>
+            </a:schemeClr>
+          </a:lnRef>
+          <a:fillRef idx="1">
+            <a:schemeClr val="accent1"/>
+          </a:fillRef>
+          <a:effectRef idx="0">
+            <a:schemeClr val="accent1"/>
+          </a:effectRef>
+          <a:fontRef idx="minor">
+            <a:schemeClr val="lt1"/>
+          </a:fontRef>
+        </p:style>
+        <p:txBody>
+          <a:bodyPr rtlCol="0" anchor="ctr"/>
+          <a:lstStyle/>
+          <a:p>
+            <a:pPr algn="ctr"/>
+            <a:endParaRPr lang="pt-BR"/>
+          </a:p>
+        </p:txBody>
+      </p:sp>
+      <p:sp>
+        <p:nvSpPr>
+          <p:cNvPr id="20" name="Elipse 19">
+            <a:extLst>
+              <a:ext uri="{FF2B5EF4-FFF2-40B4-BE49-F238E27FC236}">
+                <a16:creationId xmlns:a16="http://schemas.microsoft.com/office/drawing/2014/main" id="{D5070459-5090-4CFB-42AE-6665EF3AF796}"/>
+              </a:ext>
+            </a:extLst>
+          </p:cNvPr>
+          <p:cNvSpPr>
+            <a:spLocks noChangeAspect="1"/>
+          </p:cNvSpPr>
+          <p:nvPr/>
+        </p:nvSpPr>
+        <p:spPr>
+          <a:xfrm>
+            <a:off x="5402518" y="3818593"/>
+            <a:ext cx="180000" cy="180000"/>
+          </a:xfrm>
+          <a:prstGeom prst="ellipse">
+            <a:avLst/>
+          </a:prstGeom>
+          <a:solidFill>
+            <a:srgbClr val="C00000"/>
+          </a:solidFill>
+          <a:ln>
+            <a:noFill/>
+          </a:ln>
+        </p:spPr>
+        <p:style>
+          <a:lnRef idx="2">
+            <a:schemeClr val="accent1">
+              <a:shade val="15000"/>
+            </a:schemeClr>
+          </a:lnRef>
+          <a:fillRef idx="1">
+            <a:schemeClr val="accent1"/>
+          </a:fillRef>
+          <a:effectRef idx="0">
+            <a:schemeClr val="accent1"/>
+          </a:effectRef>
+          <a:fontRef idx="minor">
+            <a:schemeClr val="lt1"/>
+          </a:fontRef>
+        </p:style>
+        <p:txBody>
+          <a:bodyPr rtlCol="0" anchor="ctr"/>
+          <a:lstStyle/>
+          <a:p>
+            <a:pPr algn="ctr"/>
+            <a:endParaRPr lang="pt-BR"/>
+          </a:p>
+        </p:txBody>
+      </p:sp>
+      <p:sp>
+        <p:nvSpPr>
+          <p:cNvPr id="21" name="Elipse 20">
+            <a:extLst>
+              <a:ext uri="{FF2B5EF4-FFF2-40B4-BE49-F238E27FC236}">
+                <a16:creationId xmlns:a16="http://schemas.microsoft.com/office/drawing/2014/main" id="{1C9108C4-8DC9-70D6-CF66-F7B201625664}"/>
+              </a:ext>
+            </a:extLst>
+          </p:cNvPr>
+          <p:cNvSpPr>
+            <a:spLocks noChangeAspect="1"/>
+          </p:cNvSpPr>
+          <p:nvPr/>
+        </p:nvSpPr>
+        <p:spPr>
+          <a:xfrm>
+            <a:off x="7651831" y="4149658"/>
+            <a:ext cx="180000" cy="180000"/>
+          </a:xfrm>
+          <a:prstGeom prst="ellipse">
+            <a:avLst/>
+          </a:prstGeom>
+          <a:solidFill>
+            <a:srgbClr val="C00000"/>
+          </a:solidFill>
+          <a:ln>
+            <a:noFill/>
+          </a:ln>
+        </p:spPr>
+        <p:style>
+          <a:lnRef idx="2">
+            <a:schemeClr val="accent1">
+              <a:shade val="15000"/>
+            </a:schemeClr>
+          </a:lnRef>
+          <a:fillRef idx="1">
+            <a:schemeClr val="accent1"/>
+          </a:fillRef>
+          <a:effectRef idx="0">
+            <a:schemeClr val="accent1"/>
+          </a:effectRef>
+          <a:fontRef idx="minor">
+            <a:schemeClr val="lt1"/>
+          </a:fontRef>
+        </p:style>
+        <p:txBody>
+          <a:bodyPr rtlCol="0" anchor="ctr"/>
+          <a:lstStyle/>
+          <a:p>
+            <a:pPr algn="ctr"/>
+            <a:endParaRPr lang="pt-BR"/>
+          </a:p>
+        </p:txBody>
+      </p:sp>
+      <p:sp>
+        <p:nvSpPr>
+          <p:cNvPr id="24" name="CaixaDeTexto 23">
+            <a:extLst>
+              <a:ext uri="{FF2B5EF4-FFF2-40B4-BE49-F238E27FC236}">
+                <a16:creationId xmlns:a16="http://schemas.microsoft.com/office/drawing/2014/main" id="{38D9E289-C17A-C4CF-9C78-25B043CC4926}"/>
+              </a:ext>
+            </a:extLst>
+          </p:cNvPr>
+          <p:cNvSpPr txBox="1"/>
+          <p:nvPr/>
+        </p:nvSpPr>
+        <p:spPr>
+          <a:xfrm>
+            <a:off x="2939329" y="4624494"/>
+            <a:ext cx="1451039" cy="369332"/>
+          </a:xfrm>
+          <a:prstGeom prst="rect">
+            <a:avLst/>
+          </a:prstGeom>
+          <a:noFill/>
+        </p:spPr>
+        <p:txBody>
+          <a:bodyPr wrap="none" rtlCol="0" anchor="b">
+            <a:spAutoFit/>
+          </a:bodyPr>
+          <a:lstStyle/>
+          <a:p>
+            <a:pPr algn="r"/>
+            <a:r>
+              <a:rPr lang="pt-BR" dirty="0">
+                <a:solidFill>
+                  <a:schemeClr val="bg1"/>
+                </a:solidFill>
+                <a:latin typeface="Consolas" panose="020B0609020204030204" pitchFamily="49" charset="0"/>
+              </a:rPr>
+              <a:t>x0, y0, z1</a:t>
+            </a:r>
+          </a:p>
+        </p:txBody>
+      </p:sp>
+      <p:sp>
+        <p:nvSpPr>
+          <p:cNvPr id="26" name="CaixaDeTexto 25">
+            <a:extLst>
+              <a:ext uri="{FF2B5EF4-FFF2-40B4-BE49-F238E27FC236}">
+                <a16:creationId xmlns:a16="http://schemas.microsoft.com/office/drawing/2014/main" id="{AF1213A1-D728-49B8-D05B-CB6DBE76A5A9}"/>
+              </a:ext>
+            </a:extLst>
+          </p:cNvPr>
+          <p:cNvSpPr txBox="1"/>
+          <p:nvPr/>
+        </p:nvSpPr>
+        <p:spPr>
+          <a:xfrm>
+            <a:off x="6669222" y="4949153"/>
+            <a:ext cx="1451038" cy="369332"/>
+          </a:xfrm>
+          <a:prstGeom prst="rect">
+            <a:avLst/>
+          </a:prstGeom>
+          <a:noFill/>
+        </p:spPr>
+        <p:txBody>
+          <a:bodyPr wrap="none" rtlCol="0" anchor="b">
+            <a:spAutoFit/>
+          </a:bodyPr>
+          <a:lstStyle/>
+          <a:p>
+            <a:r>
+              <a:rPr lang="pt-BR" dirty="0">
+                <a:solidFill>
+                  <a:schemeClr val="bg1"/>
+                </a:solidFill>
+                <a:latin typeface="Consolas" panose="020B0609020204030204" pitchFamily="49" charset="0"/>
+              </a:rPr>
+              <a:t>x1, y0, z1</a:t>
+            </a:r>
+          </a:p>
+        </p:txBody>
+      </p:sp>
+      <p:sp>
+        <p:nvSpPr>
+          <p:cNvPr id="27" name="CaixaDeTexto 26">
+            <a:extLst>
+              <a:ext uri="{FF2B5EF4-FFF2-40B4-BE49-F238E27FC236}">
+                <a16:creationId xmlns:a16="http://schemas.microsoft.com/office/drawing/2014/main" id="{F3A6B79E-6FB0-C2D3-ED19-B37DEA58F46E}"/>
+              </a:ext>
+            </a:extLst>
+          </p:cNvPr>
+          <p:cNvSpPr txBox="1"/>
+          <p:nvPr/>
+        </p:nvSpPr>
+        <p:spPr>
+          <a:xfrm>
+            <a:off x="4030135" y="3531249"/>
+            <a:ext cx="1451039" cy="369332"/>
+          </a:xfrm>
+          <a:prstGeom prst="rect">
+            <a:avLst/>
+          </a:prstGeom>
+          <a:noFill/>
+        </p:spPr>
+        <p:txBody>
+          <a:bodyPr wrap="none" rtlCol="0" anchor="b">
+            <a:spAutoFit/>
+          </a:bodyPr>
+          <a:lstStyle/>
+          <a:p>
+            <a:pPr algn="r"/>
+            <a:r>
+              <a:rPr lang="pt-BR" dirty="0">
+                <a:solidFill>
+                  <a:schemeClr val="bg1"/>
+                </a:solidFill>
+                <a:latin typeface="Consolas" panose="020B0609020204030204" pitchFamily="49" charset="0"/>
+              </a:rPr>
+              <a:t>x0, y0, z0</a:t>
+            </a:r>
+          </a:p>
+        </p:txBody>
+      </p:sp>
+      <p:sp>
+        <p:nvSpPr>
+          <p:cNvPr id="29" name="CaixaDeTexto 28">
+            <a:extLst>
+              <a:ext uri="{FF2B5EF4-FFF2-40B4-BE49-F238E27FC236}">
+                <a16:creationId xmlns:a16="http://schemas.microsoft.com/office/drawing/2014/main" id="{AEDAB80C-23B1-A637-8A57-F5EBD56B69BF}"/>
+              </a:ext>
+            </a:extLst>
+          </p:cNvPr>
+          <p:cNvSpPr txBox="1"/>
+          <p:nvPr/>
+        </p:nvSpPr>
+        <p:spPr>
+          <a:xfrm>
+            <a:off x="7760028" y="3855908"/>
+            <a:ext cx="1451038" cy="369332"/>
+          </a:xfrm>
+          <a:prstGeom prst="rect">
+            <a:avLst/>
+          </a:prstGeom>
+          <a:noFill/>
+        </p:spPr>
+        <p:txBody>
+          <a:bodyPr wrap="none" rtlCol="0" anchor="b">
+            <a:spAutoFit/>
+          </a:bodyPr>
+          <a:lstStyle/>
+          <a:p>
+            <a:r>
+              <a:rPr lang="pt-BR" dirty="0">
+                <a:solidFill>
+                  <a:schemeClr val="bg1"/>
+                </a:solidFill>
+                <a:latin typeface="Consolas" panose="020B0609020204030204" pitchFamily="49" charset="0"/>
+              </a:rPr>
+              <a:t>x1, y0, z0</a:t>
+            </a:r>
+          </a:p>
+        </p:txBody>
+      </p:sp>
+      <p:sp>
+        <p:nvSpPr>
+          <p:cNvPr id="4" name="CaixaDeTexto 3">
+            <a:extLst>
+              <a:ext uri="{FF2B5EF4-FFF2-40B4-BE49-F238E27FC236}">
+                <a16:creationId xmlns:a16="http://schemas.microsoft.com/office/drawing/2014/main" id="{B68ABBC7-E9A4-B405-247B-7275F6069671}"/>
+              </a:ext>
+            </a:extLst>
+          </p:cNvPr>
+          <p:cNvSpPr txBox="1"/>
+          <p:nvPr/>
+        </p:nvSpPr>
+        <p:spPr>
+          <a:xfrm>
+            <a:off x="0" y="0"/>
+            <a:ext cx="2717411" cy="2308324"/>
+          </a:xfrm>
+          <a:prstGeom prst="rect">
+            <a:avLst/>
+          </a:prstGeom>
+          <a:noFill/>
+        </p:spPr>
+        <p:txBody>
+          <a:bodyPr wrap="none" rtlCol="0">
+            <a:spAutoFit/>
+          </a:bodyPr>
+          <a:lstStyle/>
+          <a:p>
+            <a:r>
+              <a:rPr lang="pt-BR" dirty="0">
+                <a:solidFill>
+                  <a:schemeClr val="accent3"/>
+                </a:solidFill>
+                <a:latin typeface="Consolas" panose="020B0609020204030204" pitchFamily="49" charset="0"/>
+              </a:rPr>
+              <a:t>// y0</a:t>
+            </a:r>
+          </a:p>
+          <a:p>
+            <a:r>
+              <a:rPr lang="pt-BR" dirty="0" err="1">
+                <a:solidFill>
+                  <a:schemeClr val="bg1"/>
+                </a:solidFill>
+                <a:latin typeface="Consolas" panose="020B0609020204030204" pitchFamily="49" charset="0"/>
+              </a:rPr>
+              <a:t>float</a:t>
+            </a:r>
+            <a:r>
+              <a:rPr lang="pt-BR" dirty="0">
+                <a:solidFill>
+                  <a:schemeClr val="bg1"/>
+                </a:solidFill>
+                <a:latin typeface="Consolas" panose="020B0609020204030204" pitchFamily="49" charset="0"/>
+              </a:rPr>
+              <a:t>[] </a:t>
+            </a:r>
+            <a:r>
+              <a:rPr lang="pt-BR" dirty="0" err="1">
+                <a:solidFill>
+                  <a:schemeClr val="bg1"/>
+                </a:solidFill>
+                <a:latin typeface="Consolas" panose="020B0609020204030204" pitchFamily="49" charset="0"/>
+              </a:rPr>
+              <a:t>vertices</a:t>
+            </a:r>
+            <a:r>
+              <a:rPr lang="pt-BR" dirty="0">
+                <a:solidFill>
+                  <a:schemeClr val="bg1"/>
+                </a:solidFill>
+                <a:latin typeface="Consolas" panose="020B0609020204030204" pitchFamily="49" charset="0"/>
+              </a:rPr>
+              <a:t> = {</a:t>
+            </a:r>
+          </a:p>
+          <a:p>
+            <a:r>
+              <a:rPr lang="pt-BR" dirty="0">
+                <a:solidFill>
+                  <a:schemeClr val="bg1"/>
+                </a:solidFill>
+                <a:latin typeface="Consolas" panose="020B0609020204030204" pitchFamily="49" charset="0"/>
+              </a:rPr>
+              <a:t>    x0, y0, z0,</a:t>
+            </a:r>
+            <a:endParaRPr lang="pt-BR" dirty="0">
+              <a:solidFill>
+                <a:schemeClr val="accent3"/>
+              </a:solidFill>
+              <a:latin typeface="Consolas" panose="020B0609020204030204" pitchFamily="49" charset="0"/>
+            </a:endParaRPr>
+          </a:p>
+          <a:p>
+            <a:r>
+              <a:rPr lang="pt-BR" dirty="0">
+                <a:solidFill>
+                  <a:schemeClr val="bg1"/>
+                </a:solidFill>
+                <a:latin typeface="Consolas" panose="020B0609020204030204" pitchFamily="49" charset="0"/>
+              </a:rPr>
+              <a:t>    x1, y0, z0,</a:t>
+            </a:r>
+          </a:p>
+          <a:p>
+            <a:r>
+              <a:rPr lang="pt-BR" dirty="0">
+                <a:solidFill>
+                  <a:schemeClr val="bg1"/>
+                </a:solidFill>
+                <a:latin typeface="Consolas" panose="020B0609020204030204" pitchFamily="49" charset="0"/>
+              </a:rPr>
+              <a:t>    x1, y0, z1,</a:t>
+            </a:r>
+          </a:p>
+          <a:p>
+            <a:r>
+              <a:rPr lang="pt-BR" dirty="0">
+                <a:solidFill>
+                  <a:schemeClr val="bg1"/>
+                </a:solidFill>
+                <a:latin typeface="Consolas" panose="020B0609020204030204" pitchFamily="49" charset="0"/>
+              </a:rPr>
+              <a:t>    x0, y0, z1</a:t>
+            </a:r>
+            <a:endParaRPr lang="pt-BR" dirty="0">
+              <a:solidFill>
+                <a:schemeClr val="accent3"/>
+              </a:solidFill>
+              <a:latin typeface="Consolas" panose="020B0609020204030204" pitchFamily="49" charset="0"/>
+            </a:endParaRPr>
+          </a:p>
+          <a:p>
+            <a:r>
+              <a:rPr lang="pt-BR" dirty="0">
+                <a:solidFill>
+                  <a:schemeClr val="bg1"/>
+                </a:solidFill>
+                <a:latin typeface="Consolas" panose="020B0609020204030204" pitchFamily="49" charset="0"/>
+              </a:rPr>
+              <a:t>};</a:t>
+            </a:r>
+          </a:p>
+          <a:p>
+            <a:endParaRPr lang="pt-BR" dirty="0">
+              <a:solidFill>
+                <a:schemeClr val="accent3"/>
+              </a:solidFill>
+              <a:latin typeface="Consolas" panose="020B0609020204030204" pitchFamily="49" charset="0"/>
+            </a:endParaRPr>
+          </a:p>
+        </p:txBody>
+      </p:sp>
+    </p:spTree>
+    <p:extLst>
+      <p:ext uri="{BB962C8B-B14F-4D97-AF65-F5344CB8AC3E}">
+        <p14:creationId xmlns:p14="http://schemas.microsoft.com/office/powerpoint/2010/main" val="176789304"/>
+      </p:ext>
+    </p:extLst>
+  </p:cSld>
+  <p:clrMapOvr>
+    <a:masterClrMapping/>
+  </p:clrMapOvr>
+</p:sld>
+</file>
+
+<file path=ppt/slides/slide14.xml><?xml version="1.0" encoding="utf-8"?>
+<p:sld xmlns:a="http://schemas.openxmlformats.org/drawingml/2006/main" xmlns:r="http://schemas.openxmlformats.org/officeDocument/2006/relationships" xmlns:p="http://schemas.openxmlformats.org/presentationml/2006/main">
+  <p:cSld>
+    <p:spTree>
+      <p:nvGrpSpPr>
+        <p:cNvPr id="1" name="">
+          <a:extLst>
+            <a:ext uri="{FF2B5EF4-FFF2-40B4-BE49-F238E27FC236}">
+              <a16:creationId xmlns:a16="http://schemas.microsoft.com/office/drawing/2014/main" id="{C2658D07-878E-9E88-FEFB-5DE57003DCA1}"/>
+            </a:ext>
+          </a:extLst>
+        </p:cNvPr>
+        <p:cNvGrpSpPr/>
+        <p:nvPr/>
+      </p:nvGrpSpPr>
+      <p:grpSpPr>
+        <a:xfrm>
+          <a:off x="0" y="0"/>
+          <a:ext cx="0" cy="0"/>
+          <a:chOff x="0" y="0"/>
+          <a:chExt cx="0" cy="0"/>
+        </a:xfrm>
+      </p:grpSpPr>
+      <p:sp>
+        <p:nvSpPr>
+          <p:cNvPr id="2" name="Retângulo 1">
+            <a:extLst>
+              <a:ext uri="{FF2B5EF4-FFF2-40B4-BE49-F238E27FC236}">
+                <a16:creationId xmlns:a16="http://schemas.microsoft.com/office/drawing/2014/main" id="{76F350AF-54BF-3E4D-D244-01B9EB011C05}"/>
+              </a:ext>
+            </a:extLst>
+          </p:cNvPr>
+          <p:cNvSpPr/>
+          <p:nvPr/>
+        </p:nvSpPr>
+        <p:spPr>
+          <a:xfrm>
+            <a:off x="0" y="0"/>
+            <a:ext cx="12192000" cy="6858000"/>
+          </a:xfrm>
+          <a:prstGeom prst="rect">
+            <a:avLst/>
+          </a:prstGeom>
+          <a:solidFill>
+            <a:schemeClr val="tx1">
+              <a:lumMod val="95000"/>
+              <a:lumOff val="5000"/>
+            </a:schemeClr>
+          </a:solidFill>
+          <a:ln>
+            <a:noFill/>
+          </a:ln>
+        </p:spPr>
+        <p:style>
+          <a:lnRef idx="2">
+            <a:schemeClr val="accent1">
+              <a:shade val="15000"/>
+            </a:schemeClr>
+          </a:lnRef>
+          <a:fillRef idx="1">
+            <a:schemeClr val="accent1"/>
+          </a:fillRef>
+          <a:effectRef idx="0">
+            <a:schemeClr val="accent1"/>
+          </a:effectRef>
+          <a:fontRef idx="minor">
+            <a:schemeClr val="lt1"/>
+          </a:fontRef>
+        </p:style>
+        <p:txBody>
+          <a:bodyPr rtlCol="0" anchor="ctr"/>
+          <a:lstStyle/>
+          <a:p>
+            <a:pPr algn="ctr"/>
+            <a:endParaRPr lang="pt-BR"/>
+          </a:p>
+        </p:txBody>
+      </p:sp>
+      <p:grpSp>
+        <p:nvGrpSpPr>
+          <p:cNvPr id="9" name="Agrupar 8">
+            <a:extLst>
+              <a:ext uri="{FF2B5EF4-FFF2-40B4-BE49-F238E27FC236}">
+                <a16:creationId xmlns:a16="http://schemas.microsoft.com/office/drawing/2014/main" id="{4321AB89-07E6-E227-6BC9-019F02C3EC9F}"/>
+              </a:ext>
+            </a:extLst>
+          </p:cNvPr>
+          <p:cNvGrpSpPr/>
+          <p:nvPr/>
+        </p:nvGrpSpPr>
+        <p:grpSpPr>
+          <a:xfrm>
+            <a:off x="4314954" y="914141"/>
+            <a:ext cx="4080574" cy="3933844"/>
+            <a:chOff x="3625838" y="1138732"/>
+            <a:chExt cx="4080574" cy="3933844"/>
+          </a:xfrm>
+        </p:grpSpPr>
+        <p:pic>
+          <p:nvPicPr>
+            <p:cNvPr id="10" name="Imagem 9" descr="Uma imagem contendo Código QR&#10;&#10;O conteúdo gerado por IA pode estar incorreto.">
+              <a:extLst>
+                <a:ext uri="{FF2B5EF4-FFF2-40B4-BE49-F238E27FC236}">
+                  <a16:creationId xmlns:a16="http://schemas.microsoft.com/office/drawing/2014/main" id="{838875E5-0162-8AD6-E650-50AFCE122218}"/>
+                </a:ext>
+              </a:extLst>
+            </p:cNvPr>
+            <p:cNvPicPr>
+              <a:picLocks noChangeAspect="1"/>
+            </p:cNvPicPr>
+            <p:nvPr/>
+          </p:nvPicPr>
+          <p:blipFill>
+            <a:blip r:embed="rId2">
+              <a:alphaModFix amt="25000"/>
+              <a:extLst>
+                <a:ext uri="{28A0092B-C50C-407E-A947-70E740481C1C}">
+                  <a14:useLocalDpi xmlns:a14="http://schemas.microsoft.com/office/drawing/2010/main" val="0"/>
+                </a:ext>
+              </a:extLst>
+            </a:blip>
+            <a:stretch>
+              <a:fillRect/>
+            </a:stretch>
+          </p:blipFill>
+          <p:spPr>
+            <a:xfrm>
+              <a:off x="3625838" y="2633836"/>
+              <a:ext cx="2438740" cy="2438740"/>
+            </a:xfrm>
+            <a:prstGeom prst="rect">
+              <a:avLst/>
+            </a:prstGeom>
+            <a:scene3d>
+              <a:camera prst="isometricOffAxis2Left"/>
+              <a:lightRig rig="threePt" dir="t"/>
+            </a:scene3d>
+          </p:spPr>
+        </p:pic>
+        <p:pic>
+          <p:nvPicPr>
+            <p:cNvPr id="11" name="Imagem 10" descr="Uma imagem contendo Código QR&#10;&#10;O conteúdo gerado por IA pode estar incorreto.">
+              <a:extLst>
+                <a:ext uri="{FF2B5EF4-FFF2-40B4-BE49-F238E27FC236}">
+                  <a16:creationId xmlns:a16="http://schemas.microsoft.com/office/drawing/2014/main" id="{7F9DB6EF-6C15-AC59-803F-B3FD9D887F61}"/>
+                </a:ext>
+              </a:extLst>
+            </p:cNvPr>
+            <p:cNvPicPr>
+              <a:picLocks noChangeAspect="1"/>
+            </p:cNvPicPr>
+            <p:nvPr/>
+          </p:nvPicPr>
+          <p:blipFill>
+            <a:blip r:embed="rId2">
+              <a:alphaModFix amt="25000"/>
+              <a:extLst>
+                <a:ext uri="{28A0092B-C50C-407E-A947-70E740481C1C}">
+                  <a14:useLocalDpi xmlns:a14="http://schemas.microsoft.com/office/drawing/2010/main" val="0"/>
+                </a:ext>
+              </a:extLst>
+            </a:blip>
+            <a:stretch>
+              <a:fillRect/>
+            </a:stretch>
+          </p:blipFill>
+          <p:spPr>
+            <a:xfrm>
+              <a:off x="5267672" y="2446871"/>
+              <a:ext cx="2438740" cy="2438740"/>
+            </a:xfrm>
+            <a:prstGeom prst="rect">
+              <a:avLst/>
+            </a:prstGeom>
+            <a:scene3d>
+              <a:camera prst="isometricOffAxis2Right"/>
+              <a:lightRig rig="threePt" dir="t"/>
+            </a:scene3d>
+          </p:spPr>
+        </p:pic>
+        <p:pic>
+          <p:nvPicPr>
+            <p:cNvPr id="12" name="Imagem 11" descr="Padrão do plano de fundo&#10;&#10;O conteúdo gerado por IA pode estar incorreto.">
+              <a:extLst>
+                <a:ext uri="{FF2B5EF4-FFF2-40B4-BE49-F238E27FC236}">
+                  <a16:creationId xmlns:a16="http://schemas.microsoft.com/office/drawing/2014/main" id="{C13C9234-0B8D-AE11-E23D-8C9FF6070F63}"/>
+                </a:ext>
+              </a:extLst>
+            </p:cNvPr>
+            <p:cNvPicPr>
+              <a:picLocks noChangeAspect="1"/>
+            </p:cNvPicPr>
+            <p:nvPr/>
+          </p:nvPicPr>
+          <p:blipFill>
+            <a:blip r:embed="rId3">
+              <a:extLst>
+                <a:ext uri="{28A0092B-C50C-407E-A947-70E740481C1C}">
+                  <a14:useLocalDpi xmlns:a14="http://schemas.microsoft.com/office/drawing/2010/main" val="0"/>
+                </a:ext>
+              </a:extLst>
+            </a:blip>
+            <a:stretch>
+              <a:fillRect/>
+            </a:stretch>
+          </p:blipFill>
+          <p:spPr>
+            <a:xfrm>
+              <a:off x="4160193" y="1138732"/>
+              <a:ext cx="2438740" cy="2438740"/>
+            </a:xfrm>
+            <a:prstGeom prst="rect">
+              <a:avLst/>
+            </a:prstGeom>
+            <a:scene3d>
+              <a:camera prst="isometricOffAxis2Top"/>
+              <a:lightRig rig="threePt" dir="t"/>
+            </a:scene3d>
+          </p:spPr>
+        </p:pic>
+      </p:grpSp>
+      <p:sp>
+        <p:nvSpPr>
+          <p:cNvPr id="18" name="Elipse 17">
+            <a:extLst>
+              <a:ext uri="{FF2B5EF4-FFF2-40B4-BE49-F238E27FC236}">
+                <a16:creationId xmlns:a16="http://schemas.microsoft.com/office/drawing/2014/main" id="{D6987BFB-0766-DA1E-FA70-460635A844DB}"/>
+              </a:ext>
+            </a:extLst>
+          </p:cNvPr>
+          <p:cNvSpPr>
+            <a:spLocks noChangeAspect="1"/>
+          </p:cNvSpPr>
+          <p:nvPr/>
+        </p:nvSpPr>
+        <p:spPr>
+          <a:xfrm>
+            <a:off x="4314954" y="2213890"/>
+            <a:ext cx="180000" cy="180000"/>
+          </a:xfrm>
+          <a:prstGeom prst="ellipse">
+            <a:avLst/>
+          </a:prstGeom>
+          <a:solidFill>
+            <a:srgbClr val="C00000"/>
+          </a:solidFill>
+          <a:ln>
+            <a:noFill/>
+          </a:ln>
+        </p:spPr>
+        <p:style>
+          <a:lnRef idx="2">
+            <a:schemeClr val="accent1">
+              <a:shade val="15000"/>
+            </a:schemeClr>
+          </a:lnRef>
+          <a:fillRef idx="1">
+            <a:schemeClr val="accent1"/>
+          </a:fillRef>
+          <a:effectRef idx="0">
+            <a:schemeClr val="accent1"/>
+          </a:effectRef>
+          <a:fontRef idx="minor">
+            <a:schemeClr val="lt1"/>
+          </a:fontRef>
+        </p:style>
+        <p:txBody>
+          <a:bodyPr rtlCol="0" anchor="ctr"/>
+          <a:lstStyle/>
+          <a:p>
+            <a:pPr algn="ctr"/>
+            <a:endParaRPr lang="pt-BR"/>
+          </a:p>
+        </p:txBody>
+      </p:sp>
+      <p:sp>
+        <p:nvSpPr>
+          <p:cNvPr id="19" name="Elipse 18">
+            <a:extLst>
+              <a:ext uri="{FF2B5EF4-FFF2-40B4-BE49-F238E27FC236}">
+                <a16:creationId xmlns:a16="http://schemas.microsoft.com/office/drawing/2014/main" id="{BA5E5D29-250D-D006-F8F6-783E3638FA5B}"/>
+              </a:ext>
+            </a:extLst>
+          </p:cNvPr>
+          <p:cNvSpPr>
+            <a:spLocks noChangeAspect="1"/>
+          </p:cNvSpPr>
+          <p:nvPr/>
+        </p:nvSpPr>
+        <p:spPr>
+          <a:xfrm>
+            <a:off x="6564267" y="2544955"/>
+            <a:ext cx="180000" cy="180000"/>
+          </a:xfrm>
+          <a:prstGeom prst="ellipse">
+            <a:avLst/>
+          </a:prstGeom>
+          <a:solidFill>
+            <a:srgbClr val="C00000"/>
+          </a:solidFill>
+          <a:ln>
+            <a:noFill/>
+          </a:ln>
+        </p:spPr>
+        <p:style>
+          <a:lnRef idx="2">
+            <a:schemeClr val="accent1">
+              <a:shade val="15000"/>
+            </a:schemeClr>
+          </a:lnRef>
+          <a:fillRef idx="1">
+            <a:schemeClr val="accent1"/>
+          </a:fillRef>
+          <a:effectRef idx="0">
+            <a:schemeClr val="accent1"/>
+          </a:effectRef>
+          <a:fontRef idx="minor">
+            <a:schemeClr val="lt1"/>
+          </a:fontRef>
+        </p:style>
+        <p:txBody>
+          <a:bodyPr rtlCol="0" anchor="ctr"/>
+          <a:lstStyle/>
+          <a:p>
+            <a:pPr algn="ctr"/>
+            <a:endParaRPr lang="pt-BR"/>
+          </a:p>
+        </p:txBody>
+      </p:sp>
+      <p:sp>
+        <p:nvSpPr>
+          <p:cNvPr id="20" name="Elipse 19">
+            <a:extLst>
+              <a:ext uri="{FF2B5EF4-FFF2-40B4-BE49-F238E27FC236}">
+                <a16:creationId xmlns:a16="http://schemas.microsoft.com/office/drawing/2014/main" id="{D300649E-03FB-95D3-8A5A-D3D645F3C145}"/>
+              </a:ext>
+            </a:extLst>
+          </p:cNvPr>
+          <p:cNvSpPr>
+            <a:spLocks noChangeAspect="1"/>
+          </p:cNvSpPr>
+          <p:nvPr/>
+        </p:nvSpPr>
+        <p:spPr>
+          <a:xfrm>
+            <a:off x="5393091" y="1514869"/>
+            <a:ext cx="180000" cy="180000"/>
+          </a:xfrm>
+          <a:prstGeom prst="ellipse">
+            <a:avLst/>
+          </a:prstGeom>
+          <a:solidFill>
+            <a:srgbClr val="C00000"/>
+          </a:solidFill>
+          <a:ln>
+            <a:noFill/>
+          </a:ln>
+        </p:spPr>
+        <p:style>
+          <a:lnRef idx="2">
+            <a:schemeClr val="accent1">
+              <a:shade val="15000"/>
+            </a:schemeClr>
+          </a:lnRef>
+          <a:fillRef idx="1">
+            <a:schemeClr val="accent1"/>
+          </a:fillRef>
+          <a:effectRef idx="0">
+            <a:schemeClr val="accent1"/>
+          </a:effectRef>
+          <a:fontRef idx="minor">
+            <a:schemeClr val="lt1"/>
+          </a:fontRef>
+        </p:style>
+        <p:txBody>
+          <a:bodyPr rtlCol="0" anchor="ctr"/>
+          <a:lstStyle/>
+          <a:p>
+            <a:pPr algn="ctr"/>
+            <a:endParaRPr lang="pt-BR"/>
+          </a:p>
+        </p:txBody>
+      </p:sp>
+      <p:sp>
+        <p:nvSpPr>
+          <p:cNvPr id="21" name="Elipse 20">
+            <a:extLst>
+              <a:ext uri="{FF2B5EF4-FFF2-40B4-BE49-F238E27FC236}">
+                <a16:creationId xmlns:a16="http://schemas.microsoft.com/office/drawing/2014/main" id="{21098E27-B3AC-63CF-19D2-4C18A9C0E9BC}"/>
+              </a:ext>
+            </a:extLst>
+          </p:cNvPr>
+          <p:cNvSpPr>
+            <a:spLocks noChangeAspect="1"/>
+          </p:cNvSpPr>
+          <p:nvPr/>
+        </p:nvSpPr>
+        <p:spPr>
+          <a:xfrm>
+            <a:off x="7642404" y="1845934"/>
+            <a:ext cx="180000" cy="180000"/>
+          </a:xfrm>
+          <a:prstGeom prst="ellipse">
+            <a:avLst/>
+          </a:prstGeom>
+          <a:solidFill>
+            <a:srgbClr val="C00000"/>
+          </a:solidFill>
+          <a:ln>
+            <a:noFill/>
+          </a:ln>
+        </p:spPr>
+        <p:style>
+          <a:lnRef idx="2">
+            <a:schemeClr val="accent1">
+              <a:shade val="15000"/>
+            </a:schemeClr>
+          </a:lnRef>
+          <a:fillRef idx="1">
+            <a:schemeClr val="accent1"/>
+          </a:fillRef>
+          <a:effectRef idx="0">
+            <a:schemeClr val="accent1"/>
+          </a:effectRef>
+          <a:fontRef idx="minor">
+            <a:schemeClr val="lt1"/>
+          </a:fontRef>
+        </p:style>
+        <p:txBody>
+          <a:bodyPr rtlCol="0" anchor="ctr"/>
+          <a:lstStyle/>
+          <a:p>
+            <a:pPr algn="ctr"/>
+            <a:endParaRPr lang="pt-BR"/>
+          </a:p>
+        </p:txBody>
+      </p:sp>
+      <p:sp>
+        <p:nvSpPr>
+          <p:cNvPr id="24" name="CaixaDeTexto 23">
+            <a:extLst>
+              <a:ext uri="{FF2B5EF4-FFF2-40B4-BE49-F238E27FC236}">
+                <a16:creationId xmlns:a16="http://schemas.microsoft.com/office/drawing/2014/main" id="{9A58C2A3-3650-7FFF-E4FC-CF3C0211ED6C}"/>
+              </a:ext>
+            </a:extLst>
+          </p:cNvPr>
+          <p:cNvSpPr txBox="1"/>
+          <p:nvPr/>
+        </p:nvSpPr>
+        <p:spPr>
+          <a:xfrm>
+            <a:off x="2929902" y="2320770"/>
+            <a:ext cx="1451039" cy="369332"/>
+          </a:xfrm>
+          <a:prstGeom prst="rect">
+            <a:avLst/>
+          </a:prstGeom>
+          <a:noFill/>
+        </p:spPr>
+        <p:txBody>
+          <a:bodyPr wrap="none" rtlCol="0" anchor="b">
+            <a:spAutoFit/>
+          </a:bodyPr>
+          <a:lstStyle/>
+          <a:p>
+            <a:pPr algn="r"/>
+            <a:r>
+              <a:rPr lang="pt-BR" dirty="0">
+                <a:solidFill>
+                  <a:schemeClr val="bg1"/>
+                </a:solidFill>
+                <a:latin typeface="Consolas" panose="020B0609020204030204" pitchFamily="49" charset="0"/>
+              </a:rPr>
+              <a:t>x0, y1, z1</a:t>
+            </a:r>
+          </a:p>
+        </p:txBody>
+      </p:sp>
+      <p:sp>
+        <p:nvSpPr>
+          <p:cNvPr id="26" name="CaixaDeTexto 25">
+            <a:extLst>
+              <a:ext uri="{FF2B5EF4-FFF2-40B4-BE49-F238E27FC236}">
+                <a16:creationId xmlns:a16="http://schemas.microsoft.com/office/drawing/2014/main" id="{F7725F41-6B55-49EB-EE0D-B112A73F3D67}"/>
+              </a:ext>
+            </a:extLst>
+          </p:cNvPr>
+          <p:cNvSpPr txBox="1"/>
+          <p:nvPr/>
+        </p:nvSpPr>
+        <p:spPr>
+          <a:xfrm>
+            <a:off x="6659795" y="2645429"/>
+            <a:ext cx="1451038" cy="369332"/>
+          </a:xfrm>
+          <a:prstGeom prst="rect">
+            <a:avLst/>
+          </a:prstGeom>
+          <a:noFill/>
+        </p:spPr>
+        <p:txBody>
+          <a:bodyPr wrap="none" rtlCol="0" anchor="b">
+            <a:spAutoFit/>
+          </a:bodyPr>
+          <a:lstStyle/>
+          <a:p>
+            <a:r>
+              <a:rPr lang="pt-BR" dirty="0">
+                <a:solidFill>
+                  <a:schemeClr val="bg1"/>
+                </a:solidFill>
+                <a:latin typeface="Consolas" panose="020B0609020204030204" pitchFamily="49" charset="0"/>
+              </a:rPr>
+              <a:t>x1, y1, z1</a:t>
+            </a:r>
+          </a:p>
+        </p:txBody>
+      </p:sp>
+      <p:sp>
+        <p:nvSpPr>
+          <p:cNvPr id="27" name="CaixaDeTexto 26">
+            <a:extLst>
+              <a:ext uri="{FF2B5EF4-FFF2-40B4-BE49-F238E27FC236}">
+                <a16:creationId xmlns:a16="http://schemas.microsoft.com/office/drawing/2014/main" id="{39465ABD-C7D8-ADA6-6101-DB968512C82C}"/>
+              </a:ext>
+            </a:extLst>
+          </p:cNvPr>
+          <p:cNvSpPr txBox="1"/>
+          <p:nvPr/>
+        </p:nvSpPr>
+        <p:spPr>
+          <a:xfrm>
+            <a:off x="4020708" y="1227525"/>
+            <a:ext cx="1451039" cy="369332"/>
+          </a:xfrm>
+          <a:prstGeom prst="rect">
+            <a:avLst/>
+          </a:prstGeom>
+          <a:noFill/>
+        </p:spPr>
+        <p:txBody>
+          <a:bodyPr wrap="none" rtlCol="0" anchor="b">
+            <a:spAutoFit/>
+          </a:bodyPr>
+          <a:lstStyle/>
+          <a:p>
+            <a:pPr algn="r"/>
+            <a:r>
+              <a:rPr lang="pt-BR" dirty="0">
+                <a:solidFill>
+                  <a:schemeClr val="bg1"/>
+                </a:solidFill>
+                <a:latin typeface="Consolas" panose="020B0609020204030204" pitchFamily="49" charset="0"/>
+              </a:rPr>
+              <a:t>x0, y1, z0</a:t>
+            </a:r>
+          </a:p>
+        </p:txBody>
+      </p:sp>
+      <p:sp>
+        <p:nvSpPr>
+          <p:cNvPr id="29" name="CaixaDeTexto 28">
+            <a:extLst>
+              <a:ext uri="{FF2B5EF4-FFF2-40B4-BE49-F238E27FC236}">
+                <a16:creationId xmlns:a16="http://schemas.microsoft.com/office/drawing/2014/main" id="{2E6ADB6A-13A2-FA89-B256-F568D376D779}"/>
+              </a:ext>
+            </a:extLst>
+          </p:cNvPr>
+          <p:cNvSpPr txBox="1"/>
+          <p:nvPr/>
+        </p:nvSpPr>
+        <p:spPr>
+          <a:xfrm>
+            <a:off x="7750601" y="1552184"/>
+            <a:ext cx="1451038" cy="369332"/>
+          </a:xfrm>
+          <a:prstGeom prst="rect">
+            <a:avLst/>
+          </a:prstGeom>
+          <a:noFill/>
+        </p:spPr>
+        <p:txBody>
+          <a:bodyPr wrap="none" rtlCol="0" anchor="b">
+            <a:spAutoFit/>
+          </a:bodyPr>
+          <a:lstStyle/>
+          <a:p>
+            <a:r>
+              <a:rPr lang="pt-BR" dirty="0">
+                <a:solidFill>
+                  <a:schemeClr val="bg1"/>
+                </a:solidFill>
+                <a:latin typeface="Consolas" panose="020B0609020204030204" pitchFamily="49" charset="0"/>
+              </a:rPr>
+              <a:t>x1, y1, z0</a:t>
+            </a:r>
+          </a:p>
+        </p:txBody>
+      </p:sp>
+      <p:sp>
+        <p:nvSpPr>
+          <p:cNvPr id="3" name="CaixaDeTexto 2">
+            <a:extLst>
+              <a:ext uri="{FF2B5EF4-FFF2-40B4-BE49-F238E27FC236}">
+                <a16:creationId xmlns:a16="http://schemas.microsoft.com/office/drawing/2014/main" id="{70CA67D2-BE78-EA75-C09F-29CBFDE5A3D1}"/>
+              </a:ext>
+            </a:extLst>
+          </p:cNvPr>
+          <p:cNvSpPr txBox="1"/>
+          <p:nvPr/>
+        </p:nvSpPr>
+        <p:spPr>
+          <a:xfrm>
+            <a:off x="0" y="0"/>
+            <a:ext cx="2717411" cy="2308324"/>
+          </a:xfrm>
+          <a:prstGeom prst="rect">
+            <a:avLst/>
+          </a:prstGeom>
+          <a:noFill/>
+        </p:spPr>
+        <p:txBody>
+          <a:bodyPr wrap="none" rtlCol="0">
+            <a:spAutoFit/>
+          </a:bodyPr>
+          <a:lstStyle/>
+          <a:p>
+            <a:r>
+              <a:rPr lang="pt-BR" dirty="0">
+                <a:solidFill>
+                  <a:schemeClr val="accent3"/>
+                </a:solidFill>
+                <a:latin typeface="Consolas" panose="020B0609020204030204" pitchFamily="49" charset="0"/>
+              </a:rPr>
+              <a:t>// y1</a:t>
+            </a:r>
+          </a:p>
+          <a:p>
+            <a:r>
+              <a:rPr lang="pt-BR" dirty="0" err="1">
+                <a:solidFill>
+                  <a:schemeClr val="bg1"/>
+                </a:solidFill>
+                <a:latin typeface="Consolas" panose="020B0609020204030204" pitchFamily="49" charset="0"/>
+              </a:rPr>
+              <a:t>float</a:t>
+            </a:r>
+            <a:r>
+              <a:rPr lang="pt-BR" dirty="0">
+                <a:solidFill>
+                  <a:schemeClr val="bg1"/>
+                </a:solidFill>
+                <a:latin typeface="Consolas" panose="020B0609020204030204" pitchFamily="49" charset="0"/>
+              </a:rPr>
+              <a:t>[] </a:t>
+            </a:r>
+            <a:r>
+              <a:rPr lang="pt-BR" dirty="0" err="1">
+                <a:solidFill>
+                  <a:schemeClr val="bg1"/>
+                </a:solidFill>
+                <a:latin typeface="Consolas" panose="020B0609020204030204" pitchFamily="49" charset="0"/>
+              </a:rPr>
+              <a:t>vertices</a:t>
+            </a:r>
+            <a:r>
+              <a:rPr lang="pt-BR" dirty="0">
+                <a:solidFill>
+                  <a:schemeClr val="bg1"/>
+                </a:solidFill>
+                <a:latin typeface="Consolas" panose="020B0609020204030204" pitchFamily="49" charset="0"/>
+              </a:rPr>
+              <a:t> = {</a:t>
+            </a:r>
+          </a:p>
+          <a:p>
+            <a:r>
+              <a:rPr lang="pt-BR" dirty="0">
+                <a:solidFill>
+                  <a:schemeClr val="bg1"/>
+                </a:solidFill>
+                <a:latin typeface="Consolas" panose="020B0609020204030204" pitchFamily="49" charset="0"/>
+              </a:rPr>
+              <a:t>    x0, y1, z1,</a:t>
+            </a:r>
+            <a:endParaRPr lang="pt-BR" dirty="0">
+              <a:solidFill>
+                <a:schemeClr val="accent3"/>
+              </a:solidFill>
+              <a:latin typeface="Consolas" panose="020B0609020204030204" pitchFamily="49" charset="0"/>
+            </a:endParaRPr>
+          </a:p>
+          <a:p>
+            <a:r>
+              <a:rPr lang="pt-BR" dirty="0">
+                <a:solidFill>
+                  <a:schemeClr val="bg1"/>
+                </a:solidFill>
+                <a:latin typeface="Consolas" panose="020B0609020204030204" pitchFamily="49" charset="0"/>
+              </a:rPr>
+              <a:t>    x1, y1, z1,</a:t>
+            </a:r>
+          </a:p>
+          <a:p>
+            <a:r>
+              <a:rPr lang="pt-BR" dirty="0">
+                <a:solidFill>
+                  <a:schemeClr val="bg1"/>
+                </a:solidFill>
+                <a:latin typeface="Consolas" panose="020B0609020204030204" pitchFamily="49" charset="0"/>
+              </a:rPr>
+              <a:t>    x1, y1, z0,</a:t>
+            </a:r>
+          </a:p>
+          <a:p>
+            <a:r>
+              <a:rPr lang="pt-BR" dirty="0">
+                <a:solidFill>
+                  <a:schemeClr val="bg1"/>
+                </a:solidFill>
+                <a:latin typeface="Consolas" panose="020B0609020204030204" pitchFamily="49" charset="0"/>
+              </a:rPr>
+              <a:t>    x0, y1, z0</a:t>
+            </a:r>
+            <a:endParaRPr lang="pt-BR" dirty="0">
+              <a:solidFill>
+                <a:schemeClr val="accent3"/>
+              </a:solidFill>
+              <a:latin typeface="Consolas" panose="020B0609020204030204" pitchFamily="49" charset="0"/>
+            </a:endParaRPr>
+          </a:p>
+          <a:p>
+            <a:r>
+              <a:rPr lang="pt-BR" dirty="0">
+                <a:solidFill>
+                  <a:schemeClr val="bg1"/>
+                </a:solidFill>
+                <a:latin typeface="Consolas" panose="020B0609020204030204" pitchFamily="49" charset="0"/>
+              </a:rPr>
+              <a:t>};</a:t>
+            </a:r>
+          </a:p>
+          <a:p>
+            <a:endParaRPr lang="pt-BR" dirty="0">
+              <a:solidFill>
+                <a:schemeClr val="accent3"/>
+              </a:solidFill>
+              <a:latin typeface="Consolas" panose="020B0609020204030204" pitchFamily="49" charset="0"/>
+            </a:endParaRPr>
+          </a:p>
+        </p:txBody>
+      </p:sp>
+    </p:spTree>
+    <p:extLst>
+      <p:ext uri="{BB962C8B-B14F-4D97-AF65-F5344CB8AC3E}">
+        <p14:creationId xmlns:p14="http://schemas.microsoft.com/office/powerpoint/2010/main" val="2059011423"/>
+      </p:ext>
+    </p:extLst>
+  </p:cSld>
+  <p:clrMapOvr>
+    <a:masterClrMapping/>
+  </p:clrMapOvr>
+</p:sld>
+</file>
+
+<file path=ppt/slides/slide15.xml><?xml version="1.0" encoding="utf-8"?>
+<p:sld xmlns:a="http://schemas.openxmlformats.org/drawingml/2006/main" xmlns:r="http://schemas.openxmlformats.org/officeDocument/2006/relationships" xmlns:p="http://schemas.openxmlformats.org/presentationml/2006/main">
+  <p:cSld>
+    <p:spTree>
+      <p:nvGrpSpPr>
+        <p:cNvPr id="1" name="">
+          <a:extLst>
+            <a:ext uri="{FF2B5EF4-FFF2-40B4-BE49-F238E27FC236}">
+              <a16:creationId xmlns:a16="http://schemas.microsoft.com/office/drawing/2014/main" id="{2E0E3E23-0AFB-F150-2975-4B44D4A030E3}"/>
+            </a:ext>
+          </a:extLst>
+        </p:cNvPr>
+        <p:cNvGrpSpPr/>
+        <p:nvPr/>
+      </p:nvGrpSpPr>
+      <p:grpSpPr>
+        <a:xfrm>
+          <a:off x="0" y="0"/>
+          <a:ext cx="0" cy="0"/>
+          <a:chOff x="0" y="0"/>
+          <a:chExt cx="0" cy="0"/>
+        </a:xfrm>
+      </p:grpSpPr>
+      <p:sp>
+        <p:nvSpPr>
+          <p:cNvPr id="2" name="Retângulo 1">
+            <a:extLst>
+              <a:ext uri="{FF2B5EF4-FFF2-40B4-BE49-F238E27FC236}">
+                <a16:creationId xmlns:a16="http://schemas.microsoft.com/office/drawing/2014/main" id="{F8C1157D-58A6-BD22-017A-BFF0350B7909}"/>
+              </a:ext>
+            </a:extLst>
+          </p:cNvPr>
+          <p:cNvSpPr/>
+          <p:nvPr/>
+        </p:nvSpPr>
+        <p:spPr>
+          <a:xfrm>
+            <a:off x="0" y="0"/>
+            <a:ext cx="12192000" cy="6858000"/>
+          </a:xfrm>
+          <a:prstGeom prst="rect">
+            <a:avLst/>
+          </a:prstGeom>
+          <a:solidFill>
+            <a:schemeClr val="tx1">
+              <a:lumMod val="95000"/>
+              <a:lumOff val="5000"/>
+            </a:schemeClr>
+          </a:solidFill>
+          <a:ln>
+            <a:noFill/>
+          </a:ln>
+        </p:spPr>
+        <p:style>
+          <a:lnRef idx="2">
+            <a:schemeClr val="accent1">
+              <a:shade val="15000"/>
+            </a:schemeClr>
+          </a:lnRef>
+          <a:fillRef idx="1">
+            <a:schemeClr val="accent1"/>
+          </a:fillRef>
+          <a:effectRef idx="0">
+            <a:schemeClr val="accent1"/>
+          </a:effectRef>
+          <a:fontRef idx="minor">
+            <a:schemeClr val="lt1"/>
+          </a:fontRef>
+        </p:style>
+        <p:txBody>
+          <a:bodyPr rtlCol="0" anchor="ctr"/>
+          <a:lstStyle/>
+          <a:p>
+            <a:pPr algn="ctr"/>
+            <a:endParaRPr lang="pt-BR"/>
+          </a:p>
+        </p:txBody>
+      </p:sp>
+      <p:pic>
+        <p:nvPicPr>
+          <p:cNvPr id="3" name="Imagem 2" descr="Uma imagem contendo Código QR&#10;&#10;O conteúdo gerado por IA pode estar incorreto.">
+            <a:extLst>
+              <a:ext uri="{FF2B5EF4-FFF2-40B4-BE49-F238E27FC236}">
+                <a16:creationId xmlns:a16="http://schemas.microsoft.com/office/drawing/2014/main" id="{B042D8C8-E022-9E6A-2042-937B98E316CE}"/>
+              </a:ext>
+            </a:extLst>
+          </p:cNvPr>
+          <p:cNvPicPr>
+            <a:picLocks noChangeAspect="1"/>
+          </p:cNvPicPr>
+          <p:nvPr/>
+        </p:nvPicPr>
+        <p:blipFill>
+          <a:blip r:embed="rId2">
+            <a:extLst>
+              <a:ext uri="{28A0092B-C50C-407E-A947-70E740481C1C}">
+                <a14:useLocalDpi xmlns:a14="http://schemas.microsoft.com/office/drawing/2010/main" val="0"/>
+              </a:ext>
+            </a:extLst>
+          </a:blip>
+          <a:stretch>
+            <a:fillRect/>
+          </a:stretch>
+        </p:blipFill>
+        <p:spPr>
+          <a:xfrm>
+            <a:off x="5383664" y="1730235"/>
+            <a:ext cx="2438740" cy="2438740"/>
+          </a:xfrm>
+          <a:prstGeom prst="rect">
+            <a:avLst/>
+          </a:prstGeom>
+          <a:scene3d>
+            <a:camera prst="isometricOffAxis2Left"/>
+            <a:lightRig rig="threePt" dir="t"/>
+          </a:scene3d>
+        </p:spPr>
+      </p:pic>
+      <p:grpSp>
+        <p:nvGrpSpPr>
+          <p:cNvPr id="9" name="Agrupar 8">
+            <a:extLst>
+              <a:ext uri="{FF2B5EF4-FFF2-40B4-BE49-F238E27FC236}">
+                <a16:creationId xmlns:a16="http://schemas.microsoft.com/office/drawing/2014/main" id="{7A7949DE-E41C-6ECE-DCD0-CA34A9B90A97}"/>
+              </a:ext>
+            </a:extLst>
+          </p:cNvPr>
+          <p:cNvGrpSpPr/>
+          <p:nvPr/>
+        </p:nvGrpSpPr>
+        <p:grpSpPr>
+          <a:xfrm>
+            <a:off x="4314954" y="914141"/>
+            <a:ext cx="4080574" cy="3933844"/>
+            <a:chOff x="3625838" y="1138732"/>
+            <a:chExt cx="4080574" cy="3933844"/>
+          </a:xfrm>
+        </p:grpSpPr>
+        <p:pic>
+          <p:nvPicPr>
+            <p:cNvPr id="10" name="Imagem 9" descr="Uma imagem contendo Código QR&#10;&#10;O conteúdo gerado por IA pode estar incorreto.">
+              <a:extLst>
+                <a:ext uri="{FF2B5EF4-FFF2-40B4-BE49-F238E27FC236}">
+                  <a16:creationId xmlns:a16="http://schemas.microsoft.com/office/drawing/2014/main" id="{C3B85A07-2BEB-B68B-E5CD-9BE3DB65F028}"/>
+                </a:ext>
+              </a:extLst>
+            </p:cNvPr>
+            <p:cNvPicPr>
+              <a:picLocks noChangeAspect="1"/>
+            </p:cNvPicPr>
+            <p:nvPr/>
+          </p:nvPicPr>
+          <p:blipFill>
+            <a:blip r:embed="rId2">
+              <a:alphaModFix amt="25000"/>
+              <a:extLst>
+                <a:ext uri="{28A0092B-C50C-407E-A947-70E740481C1C}">
+                  <a14:useLocalDpi xmlns:a14="http://schemas.microsoft.com/office/drawing/2010/main" val="0"/>
+                </a:ext>
+              </a:extLst>
+            </a:blip>
+            <a:stretch>
+              <a:fillRect/>
+            </a:stretch>
+          </p:blipFill>
+          <p:spPr>
+            <a:xfrm>
+              <a:off x="3625838" y="2633836"/>
+              <a:ext cx="2438740" cy="2438740"/>
+            </a:xfrm>
+            <a:prstGeom prst="rect">
+              <a:avLst/>
+            </a:prstGeom>
+            <a:scene3d>
+              <a:camera prst="isometricOffAxis2Left"/>
+              <a:lightRig rig="threePt" dir="t"/>
+            </a:scene3d>
+          </p:spPr>
+        </p:pic>
+        <p:pic>
+          <p:nvPicPr>
+            <p:cNvPr id="11" name="Imagem 10" descr="Uma imagem contendo Código QR&#10;&#10;O conteúdo gerado por IA pode estar incorreto.">
+              <a:extLst>
+                <a:ext uri="{FF2B5EF4-FFF2-40B4-BE49-F238E27FC236}">
+                  <a16:creationId xmlns:a16="http://schemas.microsoft.com/office/drawing/2014/main" id="{BC579C33-6F1B-3C62-4084-74065FED0EB0}"/>
+                </a:ext>
+              </a:extLst>
+            </p:cNvPr>
+            <p:cNvPicPr>
+              <a:picLocks noChangeAspect="1"/>
+            </p:cNvPicPr>
+            <p:nvPr/>
+          </p:nvPicPr>
+          <p:blipFill>
+            <a:blip r:embed="rId2">
+              <a:alphaModFix amt="25000"/>
+              <a:extLst>
+                <a:ext uri="{28A0092B-C50C-407E-A947-70E740481C1C}">
+                  <a14:useLocalDpi xmlns:a14="http://schemas.microsoft.com/office/drawing/2010/main" val="0"/>
+                </a:ext>
+              </a:extLst>
+            </a:blip>
+            <a:stretch>
+              <a:fillRect/>
+            </a:stretch>
+          </p:blipFill>
+          <p:spPr>
+            <a:xfrm>
+              <a:off x="5267672" y="2446871"/>
+              <a:ext cx="2438740" cy="2438740"/>
+            </a:xfrm>
+            <a:prstGeom prst="rect">
+              <a:avLst/>
+            </a:prstGeom>
+            <a:scene3d>
+              <a:camera prst="isometricOffAxis2Right"/>
+              <a:lightRig rig="threePt" dir="t"/>
+            </a:scene3d>
+          </p:spPr>
+        </p:pic>
+        <p:pic>
+          <p:nvPicPr>
+            <p:cNvPr id="12" name="Imagem 11" descr="Padrão do plano de fundo&#10;&#10;O conteúdo gerado por IA pode estar incorreto.">
+              <a:extLst>
+                <a:ext uri="{FF2B5EF4-FFF2-40B4-BE49-F238E27FC236}">
+                  <a16:creationId xmlns:a16="http://schemas.microsoft.com/office/drawing/2014/main" id="{A20F263E-7F7A-289E-552E-73C655096729}"/>
+                </a:ext>
+              </a:extLst>
+            </p:cNvPr>
+            <p:cNvPicPr>
+              <a:picLocks noChangeAspect="1"/>
+            </p:cNvPicPr>
+            <p:nvPr/>
+          </p:nvPicPr>
+          <p:blipFill>
+            <a:blip r:embed="rId3">
+              <a:alphaModFix amt="25000"/>
+              <a:extLst>
+                <a:ext uri="{28A0092B-C50C-407E-A947-70E740481C1C}">
+                  <a14:useLocalDpi xmlns:a14="http://schemas.microsoft.com/office/drawing/2010/main" val="0"/>
+                </a:ext>
+              </a:extLst>
+            </a:blip>
+            <a:stretch>
+              <a:fillRect/>
+            </a:stretch>
+          </p:blipFill>
+          <p:spPr>
+            <a:xfrm>
+              <a:off x="4160193" y="1138732"/>
+              <a:ext cx="2438740" cy="2438740"/>
+            </a:xfrm>
+            <a:prstGeom prst="rect">
+              <a:avLst/>
+            </a:prstGeom>
+            <a:scene3d>
+              <a:camera prst="isometricOffAxis2Top"/>
+              <a:lightRig rig="threePt" dir="t"/>
+            </a:scene3d>
+          </p:spPr>
+        </p:pic>
+      </p:grpSp>
+      <p:sp>
+        <p:nvSpPr>
+          <p:cNvPr id="13" name="Elipse 12">
+            <a:extLst>
+              <a:ext uri="{FF2B5EF4-FFF2-40B4-BE49-F238E27FC236}">
+                <a16:creationId xmlns:a16="http://schemas.microsoft.com/office/drawing/2014/main" id="{67EDFB77-FA7F-B6CF-591F-0B4B419D768A}"/>
+              </a:ext>
+            </a:extLst>
+          </p:cNvPr>
+          <p:cNvSpPr>
+            <a:spLocks noChangeAspect="1"/>
+          </p:cNvSpPr>
+          <p:nvPr/>
+        </p:nvSpPr>
+        <p:spPr>
+          <a:xfrm>
+            <a:off x="5383664" y="3851891"/>
+            <a:ext cx="180000" cy="180000"/>
+          </a:xfrm>
+          <a:prstGeom prst="ellipse">
+            <a:avLst/>
+          </a:prstGeom>
+          <a:solidFill>
+            <a:srgbClr val="C00000"/>
+          </a:solidFill>
+          <a:ln>
+            <a:noFill/>
+          </a:ln>
+        </p:spPr>
+        <p:style>
+          <a:lnRef idx="2">
+            <a:schemeClr val="accent1">
+              <a:shade val="15000"/>
+            </a:schemeClr>
+          </a:lnRef>
+          <a:fillRef idx="1">
+            <a:schemeClr val="accent1"/>
+          </a:fillRef>
+          <a:effectRef idx="0">
+            <a:schemeClr val="accent1"/>
+          </a:effectRef>
+          <a:fontRef idx="minor">
+            <a:schemeClr val="lt1"/>
+          </a:fontRef>
+        </p:style>
+        <p:txBody>
+          <a:bodyPr rtlCol="0" anchor="ctr"/>
+          <a:lstStyle/>
+          <a:p>
+            <a:pPr algn="ctr"/>
+            <a:endParaRPr lang="pt-BR"/>
+          </a:p>
+        </p:txBody>
+      </p:sp>
+      <p:sp>
+        <p:nvSpPr>
+          <p:cNvPr id="14" name="Elipse 13">
+            <a:extLst>
+              <a:ext uri="{FF2B5EF4-FFF2-40B4-BE49-F238E27FC236}">
+                <a16:creationId xmlns:a16="http://schemas.microsoft.com/office/drawing/2014/main" id="{37D66953-073C-669C-653C-613776F34C09}"/>
+              </a:ext>
+            </a:extLst>
+          </p:cNvPr>
+          <p:cNvSpPr>
+            <a:spLocks noChangeAspect="1"/>
+          </p:cNvSpPr>
+          <p:nvPr/>
+        </p:nvSpPr>
+        <p:spPr>
+          <a:xfrm>
+            <a:off x="7632977" y="4182956"/>
+            <a:ext cx="180000" cy="180000"/>
+          </a:xfrm>
+          <a:prstGeom prst="ellipse">
+            <a:avLst/>
+          </a:prstGeom>
+          <a:solidFill>
+            <a:srgbClr val="C00000"/>
+          </a:solidFill>
+          <a:ln>
+            <a:noFill/>
+          </a:ln>
+        </p:spPr>
+        <p:style>
+          <a:lnRef idx="2">
+            <a:schemeClr val="accent1">
+              <a:shade val="15000"/>
+            </a:schemeClr>
+          </a:lnRef>
+          <a:fillRef idx="1">
+            <a:schemeClr val="accent1"/>
+          </a:fillRef>
+          <a:effectRef idx="0">
+            <a:schemeClr val="accent1"/>
+          </a:effectRef>
+          <a:fontRef idx="minor">
+            <a:schemeClr val="lt1"/>
+          </a:fontRef>
+        </p:style>
+        <p:txBody>
+          <a:bodyPr rtlCol="0" anchor="ctr"/>
+          <a:lstStyle/>
+          <a:p>
+            <a:pPr algn="ctr"/>
+            <a:endParaRPr lang="pt-BR"/>
+          </a:p>
+        </p:txBody>
+      </p:sp>
+      <p:sp>
+        <p:nvSpPr>
+          <p:cNvPr id="18" name="Elipse 17">
+            <a:extLst>
+              <a:ext uri="{FF2B5EF4-FFF2-40B4-BE49-F238E27FC236}">
+                <a16:creationId xmlns:a16="http://schemas.microsoft.com/office/drawing/2014/main" id="{116DE6EB-24C8-588A-D4B2-74F0CFCBB09E}"/>
+              </a:ext>
+            </a:extLst>
+          </p:cNvPr>
+          <p:cNvSpPr>
+            <a:spLocks noChangeAspect="1"/>
+          </p:cNvSpPr>
+          <p:nvPr/>
+        </p:nvSpPr>
+        <p:spPr>
+          <a:xfrm>
+            <a:off x="5374237" y="1541896"/>
+            <a:ext cx="180000" cy="180000"/>
+          </a:xfrm>
+          <a:prstGeom prst="ellipse">
+            <a:avLst/>
+          </a:prstGeom>
+          <a:solidFill>
+            <a:srgbClr val="C00000"/>
+          </a:solidFill>
+          <a:ln>
+            <a:noFill/>
+          </a:ln>
+        </p:spPr>
+        <p:style>
+          <a:lnRef idx="2">
+            <a:schemeClr val="accent1">
+              <a:shade val="15000"/>
+            </a:schemeClr>
+          </a:lnRef>
+          <a:fillRef idx="1">
+            <a:schemeClr val="accent1"/>
+          </a:fillRef>
+          <a:effectRef idx="0">
+            <a:schemeClr val="accent1"/>
+          </a:effectRef>
+          <a:fontRef idx="minor">
+            <a:schemeClr val="lt1"/>
+          </a:fontRef>
+        </p:style>
+        <p:txBody>
+          <a:bodyPr rtlCol="0" anchor="ctr"/>
+          <a:lstStyle/>
+          <a:p>
+            <a:pPr algn="ctr"/>
+            <a:endParaRPr lang="pt-BR"/>
+          </a:p>
+        </p:txBody>
+      </p:sp>
+      <p:sp>
+        <p:nvSpPr>
+          <p:cNvPr id="19" name="Elipse 18">
+            <a:extLst>
+              <a:ext uri="{FF2B5EF4-FFF2-40B4-BE49-F238E27FC236}">
+                <a16:creationId xmlns:a16="http://schemas.microsoft.com/office/drawing/2014/main" id="{8220C31A-486E-D8F1-0F61-4E616F513C08}"/>
+              </a:ext>
+            </a:extLst>
+          </p:cNvPr>
+          <p:cNvSpPr>
+            <a:spLocks noChangeAspect="1"/>
+          </p:cNvSpPr>
+          <p:nvPr/>
+        </p:nvSpPr>
+        <p:spPr>
+          <a:xfrm>
+            <a:off x="7623550" y="1872961"/>
+            <a:ext cx="180000" cy="180000"/>
+          </a:xfrm>
+          <a:prstGeom prst="ellipse">
+            <a:avLst/>
+          </a:prstGeom>
+          <a:solidFill>
+            <a:srgbClr val="C00000"/>
+          </a:solidFill>
+          <a:ln>
+            <a:noFill/>
+          </a:ln>
+        </p:spPr>
+        <p:style>
+          <a:lnRef idx="2">
+            <a:schemeClr val="accent1">
+              <a:shade val="15000"/>
+            </a:schemeClr>
+          </a:lnRef>
+          <a:fillRef idx="1">
+            <a:schemeClr val="accent1"/>
+          </a:fillRef>
+          <a:effectRef idx="0">
+            <a:schemeClr val="accent1"/>
+          </a:effectRef>
+          <a:fontRef idx="minor">
+            <a:schemeClr val="lt1"/>
+          </a:fontRef>
+        </p:style>
+        <p:txBody>
+          <a:bodyPr rtlCol="0" anchor="ctr"/>
+          <a:lstStyle/>
+          <a:p>
+            <a:pPr algn="ctr"/>
+            <a:endParaRPr lang="pt-BR"/>
+          </a:p>
+        </p:txBody>
+      </p:sp>
+      <p:sp>
+        <p:nvSpPr>
+          <p:cNvPr id="23" name="CaixaDeTexto 22">
+            <a:extLst>
+              <a:ext uri="{FF2B5EF4-FFF2-40B4-BE49-F238E27FC236}">
+                <a16:creationId xmlns:a16="http://schemas.microsoft.com/office/drawing/2014/main" id="{BB53983D-65A7-143A-ABFA-A52C2D328D4C}"/>
+              </a:ext>
+            </a:extLst>
+          </p:cNvPr>
+          <p:cNvSpPr txBox="1"/>
+          <p:nvPr/>
+        </p:nvSpPr>
+        <p:spPr>
+          <a:xfrm>
+            <a:off x="4024373" y="3953660"/>
+            <a:ext cx="1451039" cy="369332"/>
+          </a:xfrm>
+          <a:prstGeom prst="rect">
+            <a:avLst/>
+          </a:prstGeom>
+          <a:noFill/>
+        </p:spPr>
+        <p:txBody>
+          <a:bodyPr wrap="none" rtlCol="0">
+            <a:spAutoFit/>
+          </a:bodyPr>
+          <a:lstStyle/>
+          <a:p>
+            <a:pPr algn="r"/>
+            <a:r>
+              <a:rPr lang="pt-BR" dirty="0">
+                <a:solidFill>
+                  <a:schemeClr val="bg1"/>
+                </a:solidFill>
+                <a:latin typeface="Consolas" panose="020B0609020204030204" pitchFamily="49" charset="0"/>
+              </a:rPr>
+              <a:t>x0, y0, z0</a:t>
+            </a:r>
+          </a:p>
+        </p:txBody>
+      </p:sp>
+      <p:sp>
+        <p:nvSpPr>
+          <p:cNvPr id="24" name="CaixaDeTexto 23">
+            <a:extLst>
+              <a:ext uri="{FF2B5EF4-FFF2-40B4-BE49-F238E27FC236}">
+                <a16:creationId xmlns:a16="http://schemas.microsoft.com/office/drawing/2014/main" id="{6D441074-E2CD-6E41-59D5-BE9E688BD480}"/>
+              </a:ext>
+            </a:extLst>
+          </p:cNvPr>
+          <p:cNvSpPr txBox="1"/>
+          <p:nvPr/>
+        </p:nvSpPr>
+        <p:spPr>
+          <a:xfrm>
+            <a:off x="3993084" y="1255556"/>
+            <a:ext cx="1451039" cy="369332"/>
+          </a:xfrm>
+          <a:prstGeom prst="rect">
+            <a:avLst/>
+          </a:prstGeom>
+          <a:noFill/>
+        </p:spPr>
+        <p:txBody>
+          <a:bodyPr wrap="none" rtlCol="0" anchor="b">
+            <a:spAutoFit/>
+          </a:bodyPr>
+          <a:lstStyle/>
+          <a:p>
+            <a:pPr algn="r"/>
+            <a:r>
+              <a:rPr lang="pt-BR" dirty="0">
+                <a:solidFill>
+                  <a:schemeClr val="bg1"/>
+                </a:solidFill>
+                <a:latin typeface="Consolas" panose="020B0609020204030204" pitchFamily="49" charset="0"/>
+              </a:rPr>
+              <a:t>x0, y1, z0</a:t>
+            </a:r>
+          </a:p>
+        </p:txBody>
+      </p:sp>
+      <p:sp>
+        <p:nvSpPr>
+          <p:cNvPr id="25" name="CaixaDeTexto 24">
+            <a:extLst>
+              <a:ext uri="{FF2B5EF4-FFF2-40B4-BE49-F238E27FC236}">
+                <a16:creationId xmlns:a16="http://schemas.microsoft.com/office/drawing/2014/main" id="{FF4492DE-E805-8602-2B92-D76B9B9A1374}"/>
+              </a:ext>
+            </a:extLst>
+          </p:cNvPr>
+          <p:cNvSpPr txBox="1"/>
+          <p:nvPr/>
+        </p:nvSpPr>
+        <p:spPr>
+          <a:xfrm>
+            <a:off x="7726598" y="4296362"/>
+            <a:ext cx="1451038" cy="369332"/>
+          </a:xfrm>
+          <a:prstGeom prst="rect">
+            <a:avLst/>
+          </a:prstGeom>
+          <a:noFill/>
+        </p:spPr>
+        <p:txBody>
+          <a:bodyPr wrap="none" rtlCol="0">
+            <a:spAutoFit/>
+          </a:bodyPr>
+          <a:lstStyle/>
+          <a:p>
+            <a:r>
+              <a:rPr lang="pt-BR" dirty="0">
+                <a:solidFill>
+                  <a:schemeClr val="bg1"/>
+                </a:solidFill>
+                <a:latin typeface="Consolas" panose="020B0609020204030204" pitchFamily="49" charset="0"/>
+              </a:rPr>
+              <a:t>x1, y0, z0</a:t>
+            </a:r>
+          </a:p>
+        </p:txBody>
+      </p:sp>
+      <p:sp>
+        <p:nvSpPr>
+          <p:cNvPr id="26" name="CaixaDeTexto 25">
+            <a:extLst>
+              <a:ext uri="{FF2B5EF4-FFF2-40B4-BE49-F238E27FC236}">
+                <a16:creationId xmlns:a16="http://schemas.microsoft.com/office/drawing/2014/main" id="{E9845D7C-8958-A183-1435-9FFAF113CC65}"/>
+              </a:ext>
+            </a:extLst>
+          </p:cNvPr>
+          <p:cNvSpPr txBox="1"/>
+          <p:nvPr/>
+        </p:nvSpPr>
+        <p:spPr>
+          <a:xfrm>
+            <a:off x="7722977" y="1580215"/>
+            <a:ext cx="1451038" cy="369332"/>
+          </a:xfrm>
+          <a:prstGeom prst="rect">
+            <a:avLst/>
+          </a:prstGeom>
+          <a:noFill/>
+        </p:spPr>
+        <p:txBody>
+          <a:bodyPr wrap="none" rtlCol="0" anchor="b">
+            <a:spAutoFit/>
+          </a:bodyPr>
+          <a:lstStyle/>
+          <a:p>
+            <a:r>
+              <a:rPr lang="pt-BR" dirty="0">
+                <a:solidFill>
+                  <a:schemeClr val="bg1"/>
+                </a:solidFill>
+                <a:latin typeface="Consolas" panose="020B0609020204030204" pitchFamily="49" charset="0"/>
+              </a:rPr>
+              <a:t>x1, y1, z0</a:t>
+            </a:r>
+          </a:p>
+        </p:txBody>
+      </p:sp>
+      <p:sp>
+        <p:nvSpPr>
+          <p:cNvPr id="4" name="CaixaDeTexto 3">
+            <a:extLst>
+              <a:ext uri="{FF2B5EF4-FFF2-40B4-BE49-F238E27FC236}">
+                <a16:creationId xmlns:a16="http://schemas.microsoft.com/office/drawing/2014/main" id="{CC0A1A26-9B3A-BF42-F864-63217382943C}"/>
+              </a:ext>
+            </a:extLst>
+          </p:cNvPr>
+          <p:cNvSpPr txBox="1"/>
+          <p:nvPr/>
+        </p:nvSpPr>
+        <p:spPr>
+          <a:xfrm>
+            <a:off x="0" y="0"/>
+            <a:ext cx="2717411" cy="2308324"/>
+          </a:xfrm>
+          <a:prstGeom prst="rect">
+            <a:avLst/>
+          </a:prstGeom>
+          <a:noFill/>
+        </p:spPr>
+        <p:txBody>
+          <a:bodyPr wrap="none" rtlCol="0">
+            <a:spAutoFit/>
+          </a:bodyPr>
+          <a:lstStyle/>
+          <a:p>
+            <a:r>
+              <a:rPr lang="pt-BR" dirty="0">
+                <a:solidFill>
+                  <a:schemeClr val="accent3"/>
+                </a:solidFill>
+                <a:latin typeface="Consolas" panose="020B0609020204030204" pitchFamily="49" charset="0"/>
+              </a:rPr>
+              <a:t>// z0</a:t>
+            </a:r>
+          </a:p>
+          <a:p>
+            <a:r>
+              <a:rPr lang="pt-BR" dirty="0" err="1">
+                <a:solidFill>
+                  <a:schemeClr val="bg1"/>
+                </a:solidFill>
+                <a:latin typeface="Consolas" panose="020B0609020204030204" pitchFamily="49" charset="0"/>
+              </a:rPr>
+              <a:t>float</a:t>
+            </a:r>
+            <a:r>
+              <a:rPr lang="pt-BR" dirty="0">
+                <a:solidFill>
+                  <a:schemeClr val="bg1"/>
+                </a:solidFill>
+                <a:latin typeface="Consolas" panose="020B0609020204030204" pitchFamily="49" charset="0"/>
+              </a:rPr>
+              <a:t>[] </a:t>
+            </a:r>
+            <a:r>
+              <a:rPr lang="pt-BR" dirty="0" err="1">
+                <a:solidFill>
+                  <a:schemeClr val="bg1"/>
+                </a:solidFill>
+                <a:latin typeface="Consolas" panose="020B0609020204030204" pitchFamily="49" charset="0"/>
+              </a:rPr>
+              <a:t>vertices</a:t>
+            </a:r>
+            <a:r>
+              <a:rPr lang="pt-BR" dirty="0">
+                <a:solidFill>
+                  <a:schemeClr val="bg1"/>
+                </a:solidFill>
+                <a:latin typeface="Consolas" panose="020B0609020204030204" pitchFamily="49" charset="0"/>
+              </a:rPr>
+              <a:t> = {</a:t>
+            </a:r>
+          </a:p>
+          <a:p>
+            <a:r>
+              <a:rPr lang="pt-BR" dirty="0">
+                <a:solidFill>
+                  <a:schemeClr val="bg1"/>
+                </a:solidFill>
+                <a:latin typeface="Consolas" panose="020B0609020204030204" pitchFamily="49" charset="0"/>
+              </a:rPr>
+              <a:t>    x1, y0, z0,</a:t>
+            </a:r>
+            <a:endParaRPr lang="pt-BR" dirty="0">
+              <a:solidFill>
+                <a:schemeClr val="accent3"/>
+              </a:solidFill>
+              <a:latin typeface="Consolas" panose="020B0609020204030204" pitchFamily="49" charset="0"/>
+            </a:endParaRPr>
+          </a:p>
+          <a:p>
+            <a:r>
+              <a:rPr lang="pt-BR" dirty="0">
+                <a:solidFill>
+                  <a:schemeClr val="bg1"/>
+                </a:solidFill>
+                <a:latin typeface="Consolas" panose="020B0609020204030204" pitchFamily="49" charset="0"/>
+              </a:rPr>
+              <a:t>    x0, y0, z0,</a:t>
+            </a:r>
+          </a:p>
+          <a:p>
+            <a:r>
+              <a:rPr lang="pt-BR" dirty="0">
+                <a:solidFill>
+                  <a:schemeClr val="bg1"/>
+                </a:solidFill>
+                <a:latin typeface="Consolas" panose="020B0609020204030204" pitchFamily="49" charset="0"/>
+              </a:rPr>
+              <a:t>    x0, y1, z0,</a:t>
+            </a:r>
+          </a:p>
+          <a:p>
+            <a:r>
+              <a:rPr lang="pt-BR" dirty="0">
+                <a:solidFill>
+                  <a:schemeClr val="bg1"/>
+                </a:solidFill>
+                <a:latin typeface="Consolas" panose="020B0609020204030204" pitchFamily="49" charset="0"/>
+              </a:rPr>
+              <a:t>    x1, y1, z0</a:t>
+            </a:r>
+            <a:endParaRPr lang="pt-BR" dirty="0">
+              <a:solidFill>
+                <a:schemeClr val="accent3"/>
+              </a:solidFill>
+              <a:latin typeface="Consolas" panose="020B0609020204030204" pitchFamily="49" charset="0"/>
+            </a:endParaRPr>
+          </a:p>
+          <a:p>
+            <a:r>
+              <a:rPr lang="pt-BR" dirty="0">
+                <a:solidFill>
+                  <a:schemeClr val="bg1"/>
+                </a:solidFill>
+                <a:latin typeface="Consolas" panose="020B0609020204030204" pitchFamily="49" charset="0"/>
+              </a:rPr>
+              <a:t>};</a:t>
+            </a:r>
+          </a:p>
+          <a:p>
+            <a:endParaRPr lang="pt-BR" dirty="0">
+              <a:solidFill>
+                <a:schemeClr val="accent3"/>
+              </a:solidFill>
+              <a:latin typeface="Consolas" panose="020B0609020204030204" pitchFamily="49" charset="0"/>
+            </a:endParaRPr>
+          </a:p>
+        </p:txBody>
+      </p:sp>
+    </p:spTree>
+    <p:extLst>
+      <p:ext uri="{BB962C8B-B14F-4D97-AF65-F5344CB8AC3E}">
+        <p14:creationId xmlns:p14="http://schemas.microsoft.com/office/powerpoint/2010/main" val="948788930"/>
+      </p:ext>
+    </p:extLst>
+  </p:cSld>
+  <p:clrMapOvr>
+    <a:masterClrMapping/>
+  </p:clrMapOvr>
+</p:sld>
+</file>
+
+<file path=ppt/slides/slide16.xml><?xml version="1.0" encoding="utf-8"?>
+<p:sld xmlns:a="http://schemas.openxmlformats.org/drawingml/2006/main" xmlns:r="http://schemas.openxmlformats.org/officeDocument/2006/relationships" xmlns:p="http://schemas.openxmlformats.org/presentationml/2006/main">
+  <p:cSld>
+    <p:spTree>
+      <p:nvGrpSpPr>
+        <p:cNvPr id="1" name="">
+          <a:extLst>
+            <a:ext uri="{FF2B5EF4-FFF2-40B4-BE49-F238E27FC236}">
+              <a16:creationId xmlns:a16="http://schemas.microsoft.com/office/drawing/2014/main" id="{E88BFF68-5A6B-DD2E-E5FC-5DC31C13AF92}"/>
+            </a:ext>
+          </a:extLst>
+        </p:cNvPr>
+        <p:cNvGrpSpPr/>
+        <p:nvPr/>
+      </p:nvGrpSpPr>
+      <p:grpSpPr>
+        <a:xfrm>
+          <a:off x="0" y="0"/>
+          <a:ext cx="0" cy="0"/>
+          <a:chOff x="0" y="0"/>
+          <a:chExt cx="0" cy="0"/>
+        </a:xfrm>
+      </p:grpSpPr>
+      <p:sp>
+        <p:nvSpPr>
+          <p:cNvPr id="2" name="Retângulo 1">
+            <a:extLst>
+              <a:ext uri="{FF2B5EF4-FFF2-40B4-BE49-F238E27FC236}">
+                <a16:creationId xmlns:a16="http://schemas.microsoft.com/office/drawing/2014/main" id="{D39DE497-58E1-C33E-BD2A-1010D6B74076}"/>
+              </a:ext>
+            </a:extLst>
+          </p:cNvPr>
+          <p:cNvSpPr/>
+          <p:nvPr/>
+        </p:nvSpPr>
+        <p:spPr>
+          <a:xfrm>
+            <a:off x="0" y="0"/>
+            <a:ext cx="12192000" cy="6858000"/>
+          </a:xfrm>
+          <a:prstGeom prst="rect">
+            <a:avLst/>
+          </a:prstGeom>
+          <a:solidFill>
+            <a:schemeClr val="tx1">
+              <a:lumMod val="95000"/>
+              <a:lumOff val="5000"/>
+            </a:schemeClr>
+          </a:solidFill>
+          <a:ln>
+            <a:noFill/>
+          </a:ln>
+        </p:spPr>
+        <p:style>
+          <a:lnRef idx="2">
+            <a:schemeClr val="accent1">
+              <a:shade val="15000"/>
+            </a:schemeClr>
+          </a:lnRef>
+          <a:fillRef idx="1">
+            <a:schemeClr val="accent1"/>
+          </a:fillRef>
+          <a:effectRef idx="0">
+            <a:schemeClr val="accent1"/>
+          </a:effectRef>
+          <a:fontRef idx="minor">
+            <a:schemeClr val="lt1"/>
+          </a:fontRef>
+        </p:style>
+        <p:txBody>
+          <a:bodyPr rtlCol="0" anchor="ctr"/>
+          <a:lstStyle/>
+          <a:p>
+            <a:pPr algn="ctr"/>
+            <a:endParaRPr lang="pt-BR"/>
+          </a:p>
+        </p:txBody>
+      </p:sp>
+      <p:grpSp>
+        <p:nvGrpSpPr>
+          <p:cNvPr id="9" name="Agrupar 8">
+            <a:extLst>
+              <a:ext uri="{FF2B5EF4-FFF2-40B4-BE49-F238E27FC236}">
+                <a16:creationId xmlns:a16="http://schemas.microsoft.com/office/drawing/2014/main" id="{46EACB91-C26E-E36B-3684-D37BCFD72883}"/>
+              </a:ext>
+            </a:extLst>
+          </p:cNvPr>
+          <p:cNvGrpSpPr/>
+          <p:nvPr/>
+        </p:nvGrpSpPr>
+        <p:grpSpPr>
+          <a:xfrm>
+            <a:off x="4314954" y="914141"/>
+            <a:ext cx="4080574" cy="3933844"/>
+            <a:chOff x="3625838" y="1138732"/>
+            <a:chExt cx="4080574" cy="3933844"/>
+          </a:xfrm>
+        </p:grpSpPr>
+        <p:pic>
+          <p:nvPicPr>
+            <p:cNvPr id="10" name="Imagem 9" descr="Uma imagem contendo Código QR&#10;&#10;O conteúdo gerado por IA pode estar incorreto.">
+              <a:extLst>
+                <a:ext uri="{FF2B5EF4-FFF2-40B4-BE49-F238E27FC236}">
+                  <a16:creationId xmlns:a16="http://schemas.microsoft.com/office/drawing/2014/main" id="{57C17C30-9A5D-721F-C8A2-18E4C4075DBC}"/>
+                </a:ext>
+              </a:extLst>
+            </p:cNvPr>
+            <p:cNvPicPr>
+              <a:picLocks noChangeAspect="1"/>
+            </p:cNvPicPr>
+            <p:nvPr/>
+          </p:nvPicPr>
+          <p:blipFill>
+            <a:blip r:embed="rId2">
+              <a:extLst>
+                <a:ext uri="{28A0092B-C50C-407E-A947-70E740481C1C}">
+                  <a14:useLocalDpi xmlns:a14="http://schemas.microsoft.com/office/drawing/2010/main" val="0"/>
+                </a:ext>
+              </a:extLst>
+            </a:blip>
+            <a:stretch>
+              <a:fillRect/>
+            </a:stretch>
+          </p:blipFill>
+          <p:spPr>
+            <a:xfrm>
+              <a:off x="3625838" y="2633836"/>
+              <a:ext cx="2438740" cy="2438740"/>
+            </a:xfrm>
+            <a:prstGeom prst="rect">
+              <a:avLst/>
+            </a:prstGeom>
+            <a:scene3d>
+              <a:camera prst="isometricOffAxis2Left"/>
+              <a:lightRig rig="threePt" dir="t"/>
+            </a:scene3d>
+          </p:spPr>
+        </p:pic>
+        <p:pic>
+          <p:nvPicPr>
+            <p:cNvPr id="11" name="Imagem 10" descr="Uma imagem contendo Código QR&#10;&#10;O conteúdo gerado por IA pode estar incorreto.">
+              <a:extLst>
+                <a:ext uri="{FF2B5EF4-FFF2-40B4-BE49-F238E27FC236}">
+                  <a16:creationId xmlns:a16="http://schemas.microsoft.com/office/drawing/2014/main" id="{5BAC45F3-BBD8-47EF-513A-9A0D2F3757B8}"/>
+                </a:ext>
+              </a:extLst>
+            </p:cNvPr>
+            <p:cNvPicPr>
+              <a:picLocks noChangeAspect="1"/>
+            </p:cNvPicPr>
+            <p:nvPr/>
+          </p:nvPicPr>
+          <p:blipFill>
+            <a:blip r:embed="rId2">
+              <a:alphaModFix amt="25000"/>
+              <a:extLst>
+                <a:ext uri="{28A0092B-C50C-407E-A947-70E740481C1C}">
+                  <a14:useLocalDpi xmlns:a14="http://schemas.microsoft.com/office/drawing/2010/main" val="0"/>
+                </a:ext>
+              </a:extLst>
+            </a:blip>
+            <a:stretch>
+              <a:fillRect/>
+            </a:stretch>
+          </p:blipFill>
+          <p:spPr>
+            <a:xfrm>
+              <a:off x="5267672" y="2446871"/>
+              <a:ext cx="2438740" cy="2438740"/>
+            </a:xfrm>
+            <a:prstGeom prst="rect">
+              <a:avLst/>
+            </a:prstGeom>
+            <a:scene3d>
+              <a:camera prst="isometricOffAxis2Right"/>
+              <a:lightRig rig="threePt" dir="t"/>
+            </a:scene3d>
+          </p:spPr>
+        </p:pic>
+        <p:pic>
+          <p:nvPicPr>
+            <p:cNvPr id="12" name="Imagem 11" descr="Padrão do plano de fundo&#10;&#10;O conteúdo gerado por IA pode estar incorreto.">
+              <a:extLst>
+                <a:ext uri="{FF2B5EF4-FFF2-40B4-BE49-F238E27FC236}">
+                  <a16:creationId xmlns:a16="http://schemas.microsoft.com/office/drawing/2014/main" id="{AD5914C4-1A83-D773-D944-8B0A1DE032E2}"/>
+                </a:ext>
+              </a:extLst>
+            </p:cNvPr>
+            <p:cNvPicPr>
+              <a:picLocks noChangeAspect="1"/>
+            </p:cNvPicPr>
+            <p:nvPr/>
+          </p:nvPicPr>
+          <p:blipFill>
+            <a:blip r:embed="rId3">
+              <a:alphaModFix amt="25000"/>
+              <a:extLst>
+                <a:ext uri="{28A0092B-C50C-407E-A947-70E740481C1C}">
+                  <a14:useLocalDpi xmlns:a14="http://schemas.microsoft.com/office/drawing/2010/main" val="0"/>
+                </a:ext>
+              </a:extLst>
+            </a:blip>
+            <a:stretch>
+              <a:fillRect/>
+            </a:stretch>
+          </p:blipFill>
+          <p:spPr>
+            <a:xfrm>
+              <a:off x="4160193" y="1138732"/>
+              <a:ext cx="2438740" cy="2438740"/>
+            </a:xfrm>
+            <a:prstGeom prst="rect">
+              <a:avLst/>
+            </a:prstGeom>
+            <a:scene3d>
+              <a:camera prst="isometricOffAxis2Top"/>
+              <a:lightRig rig="threePt" dir="t"/>
+            </a:scene3d>
+          </p:spPr>
+        </p:pic>
+      </p:grpSp>
+      <p:sp>
+        <p:nvSpPr>
+          <p:cNvPr id="13" name="Elipse 12">
+            <a:extLst>
+              <a:ext uri="{FF2B5EF4-FFF2-40B4-BE49-F238E27FC236}">
+                <a16:creationId xmlns:a16="http://schemas.microsoft.com/office/drawing/2014/main" id="{0FFFAAF0-3A10-BA0A-59AA-FBFFDA460BAF}"/>
+              </a:ext>
+            </a:extLst>
+          </p:cNvPr>
+          <p:cNvSpPr>
+            <a:spLocks noChangeAspect="1"/>
+          </p:cNvSpPr>
+          <p:nvPr/>
+        </p:nvSpPr>
+        <p:spPr>
+          <a:xfrm>
+            <a:off x="4324381" y="4523885"/>
+            <a:ext cx="180000" cy="180000"/>
+          </a:xfrm>
+          <a:prstGeom prst="ellipse">
+            <a:avLst/>
+          </a:prstGeom>
+          <a:solidFill>
+            <a:srgbClr val="C00000"/>
+          </a:solidFill>
+          <a:ln>
+            <a:noFill/>
+          </a:ln>
+        </p:spPr>
+        <p:style>
+          <a:lnRef idx="2">
+            <a:schemeClr val="accent1">
+              <a:shade val="15000"/>
+            </a:schemeClr>
+          </a:lnRef>
+          <a:fillRef idx="1">
+            <a:schemeClr val="accent1"/>
+          </a:fillRef>
+          <a:effectRef idx="0">
+            <a:schemeClr val="accent1"/>
+          </a:effectRef>
+          <a:fontRef idx="minor">
+            <a:schemeClr val="lt1"/>
+          </a:fontRef>
+        </p:style>
+        <p:txBody>
+          <a:bodyPr rtlCol="0" anchor="ctr"/>
+          <a:lstStyle/>
+          <a:p>
+            <a:pPr algn="ctr"/>
+            <a:endParaRPr lang="pt-BR"/>
+          </a:p>
+        </p:txBody>
+      </p:sp>
+      <p:sp>
+        <p:nvSpPr>
+          <p:cNvPr id="14" name="Elipse 13">
+            <a:extLst>
+              <a:ext uri="{FF2B5EF4-FFF2-40B4-BE49-F238E27FC236}">
+                <a16:creationId xmlns:a16="http://schemas.microsoft.com/office/drawing/2014/main" id="{49196338-102B-67CD-1587-FA23559C2792}"/>
+              </a:ext>
+            </a:extLst>
+          </p:cNvPr>
+          <p:cNvSpPr>
+            <a:spLocks noChangeAspect="1"/>
+          </p:cNvSpPr>
+          <p:nvPr/>
+        </p:nvSpPr>
+        <p:spPr>
+          <a:xfrm>
+            <a:off x="6573694" y="4854950"/>
+            <a:ext cx="180000" cy="180000"/>
+          </a:xfrm>
+          <a:prstGeom prst="ellipse">
+            <a:avLst/>
+          </a:prstGeom>
+          <a:solidFill>
+            <a:srgbClr val="C00000"/>
+          </a:solidFill>
+          <a:ln>
+            <a:noFill/>
+          </a:ln>
+        </p:spPr>
+        <p:style>
+          <a:lnRef idx="2">
+            <a:schemeClr val="accent1">
+              <a:shade val="15000"/>
+            </a:schemeClr>
+          </a:lnRef>
+          <a:fillRef idx="1">
+            <a:schemeClr val="accent1"/>
+          </a:fillRef>
+          <a:effectRef idx="0">
+            <a:schemeClr val="accent1"/>
+          </a:effectRef>
+          <a:fontRef idx="minor">
+            <a:schemeClr val="lt1"/>
+          </a:fontRef>
+        </p:style>
+        <p:txBody>
+          <a:bodyPr rtlCol="0" anchor="ctr"/>
+          <a:lstStyle/>
+          <a:p>
+            <a:pPr algn="ctr"/>
+            <a:endParaRPr lang="pt-BR"/>
+          </a:p>
+        </p:txBody>
+      </p:sp>
+      <p:sp>
+        <p:nvSpPr>
+          <p:cNvPr id="18" name="Elipse 17">
+            <a:extLst>
+              <a:ext uri="{FF2B5EF4-FFF2-40B4-BE49-F238E27FC236}">
+                <a16:creationId xmlns:a16="http://schemas.microsoft.com/office/drawing/2014/main" id="{CBD979DF-7EBE-23A4-5609-7793B3EEA254}"/>
+              </a:ext>
+            </a:extLst>
+          </p:cNvPr>
+          <p:cNvSpPr>
+            <a:spLocks noChangeAspect="1"/>
+          </p:cNvSpPr>
+          <p:nvPr/>
+        </p:nvSpPr>
+        <p:spPr>
+          <a:xfrm>
+            <a:off x="4314954" y="2213890"/>
+            <a:ext cx="180000" cy="180000"/>
+          </a:xfrm>
+          <a:prstGeom prst="ellipse">
+            <a:avLst/>
+          </a:prstGeom>
+          <a:solidFill>
+            <a:srgbClr val="C00000"/>
+          </a:solidFill>
+          <a:ln>
+            <a:noFill/>
+          </a:ln>
+        </p:spPr>
+        <p:style>
+          <a:lnRef idx="2">
+            <a:schemeClr val="accent1">
+              <a:shade val="15000"/>
+            </a:schemeClr>
+          </a:lnRef>
+          <a:fillRef idx="1">
+            <a:schemeClr val="accent1"/>
+          </a:fillRef>
+          <a:effectRef idx="0">
+            <a:schemeClr val="accent1"/>
+          </a:effectRef>
+          <a:fontRef idx="minor">
+            <a:schemeClr val="lt1"/>
+          </a:fontRef>
+        </p:style>
+        <p:txBody>
+          <a:bodyPr rtlCol="0" anchor="ctr"/>
+          <a:lstStyle/>
+          <a:p>
+            <a:pPr algn="ctr"/>
+            <a:endParaRPr lang="pt-BR"/>
+          </a:p>
+        </p:txBody>
+      </p:sp>
+      <p:sp>
+        <p:nvSpPr>
+          <p:cNvPr id="19" name="Elipse 18">
+            <a:extLst>
+              <a:ext uri="{FF2B5EF4-FFF2-40B4-BE49-F238E27FC236}">
+                <a16:creationId xmlns:a16="http://schemas.microsoft.com/office/drawing/2014/main" id="{1664140D-6233-5AA9-887F-A13BF2A88B09}"/>
+              </a:ext>
+            </a:extLst>
+          </p:cNvPr>
+          <p:cNvSpPr>
+            <a:spLocks noChangeAspect="1"/>
+          </p:cNvSpPr>
+          <p:nvPr/>
+        </p:nvSpPr>
+        <p:spPr>
+          <a:xfrm>
+            <a:off x="6564267" y="2544955"/>
+            <a:ext cx="180000" cy="180000"/>
+          </a:xfrm>
+          <a:prstGeom prst="ellipse">
+            <a:avLst/>
+          </a:prstGeom>
+          <a:solidFill>
+            <a:srgbClr val="C00000"/>
+          </a:solidFill>
+          <a:ln>
+            <a:noFill/>
+          </a:ln>
+        </p:spPr>
+        <p:style>
+          <a:lnRef idx="2">
+            <a:schemeClr val="accent1">
+              <a:shade val="15000"/>
+            </a:schemeClr>
+          </a:lnRef>
+          <a:fillRef idx="1">
+            <a:schemeClr val="accent1"/>
+          </a:fillRef>
+          <a:effectRef idx="0">
+            <a:schemeClr val="accent1"/>
+          </a:effectRef>
+          <a:fontRef idx="minor">
+            <a:schemeClr val="lt1"/>
+          </a:fontRef>
+        </p:style>
+        <p:txBody>
+          <a:bodyPr rtlCol="0" anchor="ctr"/>
+          <a:lstStyle/>
+          <a:p>
+            <a:pPr algn="ctr"/>
+            <a:endParaRPr lang="pt-BR"/>
+          </a:p>
+        </p:txBody>
+      </p:sp>
+      <p:sp>
+        <p:nvSpPr>
+          <p:cNvPr id="23" name="CaixaDeTexto 22">
+            <a:extLst>
+              <a:ext uri="{FF2B5EF4-FFF2-40B4-BE49-F238E27FC236}">
+                <a16:creationId xmlns:a16="http://schemas.microsoft.com/office/drawing/2014/main" id="{9EF7EE98-D1C4-CD3C-1F97-08E91E66223F}"/>
+              </a:ext>
+            </a:extLst>
+          </p:cNvPr>
+          <p:cNvSpPr txBox="1"/>
+          <p:nvPr/>
+        </p:nvSpPr>
+        <p:spPr>
+          <a:xfrm>
+            <a:off x="2965090" y="4625654"/>
+            <a:ext cx="1451039" cy="369332"/>
+          </a:xfrm>
+          <a:prstGeom prst="rect">
+            <a:avLst/>
+          </a:prstGeom>
+          <a:noFill/>
+        </p:spPr>
+        <p:txBody>
+          <a:bodyPr wrap="none" rtlCol="0">
+            <a:spAutoFit/>
+          </a:bodyPr>
+          <a:lstStyle/>
+          <a:p>
+            <a:pPr algn="r"/>
+            <a:r>
+              <a:rPr lang="pt-BR" dirty="0">
+                <a:solidFill>
+                  <a:schemeClr val="bg1"/>
+                </a:solidFill>
+                <a:latin typeface="Consolas" panose="020B0609020204030204" pitchFamily="49" charset="0"/>
+              </a:rPr>
+              <a:t>x0, y0, z1</a:t>
+            </a:r>
+          </a:p>
+        </p:txBody>
+      </p:sp>
+      <p:sp>
+        <p:nvSpPr>
+          <p:cNvPr id="24" name="CaixaDeTexto 23">
+            <a:extLst>
+              <a:ext uri="{FF2B5EF4-FFF2-40B4-BE49-F238E27FC236}">
+                <a16:creationId xmlns:a16="http://schemas.microsoft.com/office/drawing/2014/main" id="{596E441F-5B71-E51B-1F99-0C83CC2AF882}"/>
+              </a:ext>
+            </a:extLst>
+          </p:cNvPr>
+          <p:cNvSpPr txBox="1"/>
+          <p:nvPr/>
+        </p:nvSpPr>
+        <p:spPr>
+          <a:xfrm>
+            <a:off x="2933801" y="1927550"/>
+            <a:ext cx="1451039" cy="369332"/>
+          </a:xfrm>
+          <a:prstGeom prst="rect">
+            <a:avLst/>
+          </a:prstGeom>
+          <a:noFill/>
+        </p:spPr>
+        <p:txBody>
+          <a:bodyPr wrap="none" rtlCol="0" anchor="b">
+            <a:spAutoFit/>
+          </a:bodyPr>
+          <a:lstStyle/>
+          <a:p>
+            <a:pPr algn="r"/>
+            <a:r>
+              <a:rPr lang="pt-BR" dirty="0">
+                <a:solidFill>
+                  <a:schemeClr val="bg1"/>
+                </a:solidFill>
+                <a:latin typeface="Consolas" panose="020B0609020204030204" pitchFamily="49" charset="0"/>
+              </a:rPr>
+              <a:t>x0, y1, z1</a:t>
+            </a:r>
+          </a:p>
+        </p:txBody>
+      </p:sp>
+      <p:sp>
+        <p:nvSpPr>
+          <p:cNvPr id="25" name="CaixaDeTexto 24">
+            <a:extLst>
+              <a:ext uri="{FF2B5EF4-FFF2-40B4-BE49-F238E27FC236}">
+                <a16:creationId xmlns:a16="http://schemas.microsoft.com/office/drawing/2014/main" id="{0E604AD3-1153-A45E-7CF0-3A8246CAFEED}"/>
+              </a:ext>
+            </a:extLst>
+          </p:cNvPr>
+          <p:cNvSpPr txBox="1"/>
+          <p:nvPr/>
+        </p:nvSpPr>
+        <p:spPr>
+          <a:xfrm>
+            <a:off x="6667315" y="4968356"/>
+            <a:ext cx="1451038" cy="369332"/>
+          </a:xfrm>
+          <a:prstGeom prst="rect">
+            <a:avLst/>
+          </a:prstGeom>
+          <a:noFill/>
+        </p:spPr>
+        <p:txBody>
+          <a:bodyPr wrap="none" rtlCol="0">
+            <a:spAutoFit/>
+          </a:bodyPr>
+          <a:lstStyle/>
+          <a:p>
+            <a:r>
+              <a:rPr lang="pt-BR" dirty="0">
+                <a:solidFill>
+                  <a:schemeClr val="bg1"/>
+                </a:solidFill>
+                <a:latin typeface="Consolas" panose="020B0609020204030204" pitchFamily="49" charset="0"/>
+              </a:rPr>
+              <a:t>x1, y0, z1</a:t>
+            </a:r>
+          </a:p>
+        </p:txBody>
+      </p:sp>
+      <p:sp>
+        <p:nvSpPr>
+          <p:cNvPr id="26" name="CaixaDeTexto 25">
+            <a:extLst>
+              <a:ext uri="{FF2B5EF4-FFF2-40B4-BE49-F238E27FC236}">
+                <a16:creationId xmlns:a16="http://schemas.microsoft.com/office/drawing/2014/main" id="{43915333-E9B0-E4A0-C463-A35EE73F86FB}"/>
+              </a:ext>
+            </a:extLst>
+          </p:cNvPr>
+          <p:cNvSpPr txBox="1"/>
+          <p:nvPr/>
+        </p:nvSpPr>
+        <p:spPr>
+          <a:xfrm>
+            <a:off x="6663694" y="2252209"/>
+            <a:ext cx="1451038" cy="369332"/>
+          </a:xfrm>
+          <a:prstGeom prst="rect">
+            <a:avLst/>
+          </a:prstGeom>
+          <a:noFill/>
+        </p:spPr>
+        <p:txBody>
+          <a:bodyPr wrap="none" rtlCol="0" anchor="b">
+            <a:spAutoFit/>
+          </a:bodyPr>
+          <a:lstStyle/>
+          <a:p>
+            <a:r>
+              <a:rPr lang="pt-BR" dirty="0">
+                <a:solidFill>
+                  <a:schemeClr val="bg1"/>
+                </a:solidFill>
+                <a:latin typeface="Consolas" panose="020B0609020204030204" pitchFamily="49" charset="0"/>
+              </a:rPr>
+              <a:t>x1, y1, z1</a:t>
+            </a:r>
+          </a:p>
+        </p:txBody>
+      </p:sp>
+      <p:sp>
+        <p:nvSpPr>
+          <p:cNvPr id="3" name="CaixaDeTexto 2">
+            <a:extLst>
+              <a:ext uri="{FF2B5EF4-FFF2-40B4-BE49-F238E27FC236}">
+                <a16:creationId xmlns:a16="http://schemas.microsoft.com/office/drawing/2014/main" id="{E3D4D8FB-B8A0-BCC5-31B0-9082C223C0A1}"/>
+              </a:ext>
+            </a:extLst>
+          </p:cNvPr>
+          <p:cNvSpPr txBox="1"/>
+          <p:nvPr/>
+        </p:nvSpPr>
+        <p:spPr>
+          <a:xfrm>
+            <a:off x="0" y="0"/>
+            <a:ext cx="2717411" cy="2308324"/>
+          </a:xfrm>
+          <a:prstGeom prst="rect">
+            <a:avLst/>
+          </a:prstGeom>
+          <a:noFill/>
+        </p:spPr>
+        <p:txBody>
+          <a:bodyPr wrap="none" rtlCol="0">
+            <a:spAutoFit/>
+          </a:bodyPr>
+          <a:lstStyle/>
+          <a:p>
+            <a:r>
+              <a:rPr lang="pt-BR" dirty="0">
+                <a:solidFill>
+                  <a:schemeClr val="accent3"/>
+                </a:solidFill>
+                <a:latin typeface="Consolas" panose="020B0609020204030204" pitchFamily="49" charset="0"/>
+              </a:rPr>
+              <a:t>// z1</a:t>
+            </a:r>
+          </a:p>
+          <a:p>
+            <a:r>
+              <a:rPr lang="pt-BR" dirty="0" err="1">
+                <a:solidFill>
+                  <a:schemeClr val="bg1"/>
+                </a:solidFill>
+                <a:latin typeface="Consolas" panose="020B0609020204030204" pitchFamily="49" charset="0"/>
+              </a:rPr>
+              <a:t>float</a:t>
+            </a:r>
+            <a:r>
+              <a:rPr lang="pt-BR" dirty="0">
+                <a:solidFill>
+                  <a:schemeClr val="bg1"/>
+                </a:solidFill>
+                <a:latin typeface="Consolas" panose="020B0609020204030204" pitchFamily="49" charset="0"/>
+              </a:rPr>
+              <a:t>[] </a:t>
+            </a:r>
+            <a:r>
+              <a:rPr lang="pt-BR" dirty="0" err="1">
+                <a:solidFill>
+                  <a:schemeClr val="bg1"/>
+                </a:solidFill>
+                <a:latin typeface="Consolas" panose="020B0609020204030204" pitchFamily="49" charset="0"/>
+              </a:rPr>
+              <a:t>vertices</a:t>
+            </a:r>
+            <a:r>
+              <a:rPr lang="pt-BR" dirty="0">
+                <a:solidFill>
+                  <a:schemeClr val="bg1"/>
+                </a:solidFill>
+                <a:latin typeface="Consolas" panose="020B0609020204030204" pitchFamily="49" charset="0"/>
+              </a:rPr>
+              <a:t> = {</a:t>
+            </a:r>
+          </a:p>
+          <a:p>
+            <a:r>
+              <a:rPr lang="pt-BR" dirty="0">
+                <a:solidFill>
+                  <a:schemeClr val="bg1"/>
+                </a:solidFill>
+                <a:latin typeface="Consolas" panose="020B0609020204030204" pitchFamily="49" charset="0"/>
+              </a:rPr>
+              <a:t>    x0, y0, z1,</a:t>
+            </a:r>
+            <a:endParaRPr lang="pt-BR" dirty="0">
+              <a:solidFill>
+                <a:schemeClr val="accent3"/>
+              </a:solidFill>
+              <a:latin typeface="Consolas" panose="020B0609020204030204" pitchFamily="49" charset="0"/>
+            </a:endParaRPr>
+          </a:p>
+          <a:p>
+            <a:r>
+              <a:rPr lang="pt-BR" dirty="0">
+                <a:solidFill>
+                  <a:schemeClr val="bg1"/>
+                </a:solidFill>
+                <a:latin typeface="Consolas" panose="020B0609020204030204" pitchFamily="49" charset="0"/>
+              </a:rPr>
+              <a:t>    x1, y0, z1,</a:t>
+            </a:r>
+          </a:p>
+          <a:p>
+            <a:r>
+              <a:rPr lang="pt-BR" dirty="0">
+                <a:solidFill>
+                  <a:schemeClr val="bg1"/>
+                </a:solidFill>
+                <a:latin typeface="Consolas" panose="020B0609020204030204" pitchFamily="49" charset="0"/>
+              </a:rPr>
+              <a:t>    x1, y1, z1,</a:t>
+            </a:r>
+          </a:p>
+          <a:p>
+            <a:r>
+              <a:rPr lang="pt-BR" dirty="0">
+                <a:solidFill>
+                  <a:schemeClr val="bg1"/>
+                </a:solidFill>
+                <a:latin typeface="Consolas" panose="020B0609020204030204" pitchFamily="49" charset="0"/>
+              </a:rPr>
+              <a:t>    x0, y1, z1</a:t>
+            </a:r>
+            <a:endParaRPr lang="pt-BR" dirty="0">
+              <a:solidFill>
+                <a:schemeClr val="accent3"/>
+              </a:solidFill>
+              <a:latin typeface="Consolas" panose="020B0609020204030204" pitchFamily="49" charset="0"/>
+            </a:endParaRPr>
+          </a:p>
+          <a:p>
+            <a:r>
+              <a:rPr lang="pt-BR" dirty="0">
+                <a:solidFill>
+                  <a:schemeClr val="bg1"/>
+                </a:solidFill>
+                <a:latin typeface="Consolas" panose="020B0609020204030204" pitchFamily="49" charset="0"/>
+              </a:rPr>
+              <a:t>};</a:t>
+            </a:r>
+          </a:p>
+          <a:p>
+            <a:endParaRPr lang="pt-BR" dirty="0">
+              <a:solidFill>
+                <a:schemeClr val="accent3"/>
+              </a:solidFill>
+              <a:latin typeface="Consolas" panose="020B0609020204030204" pitchFamily="49" charset="0"/>
+            </a:endParaRPr>
+          </a:p>
+        </p:txBody>
+      </p:sp>
+    </p:spTree>
+    <p:extLst>
+      <p:ext uri="{BB962C8B-B14F-4D97-AF65-F5344CB8AC3E}">
+        <p14:creationId xmlns:p14="http://schemas.microsoft.com/office/powerpoint/2010/main" val="3276320856"/>
+      </p:ext>
+    </p:extLst>
+  </p:cSld>
+  <p:clrMapOvr>
+    <a:masterClrMapping/>
+  </p:clrMapOvr>
+</p:sld>
+</file>
+
+<file path=ppt/slides/slide17.xml><?xml version="1.0" encoding="utf-8"?>
+<p:sld xmlns:a="http://schemas.openxmlformats.org/drawingml/2006/main" xmlns:r="http://schemas.openxmlformats.org/officeDocument/2006/relationships" xmlns:p="http://schemas.openxmlformats.org/presentationml/2006/main">
+  <p:cSld>
+    <p:spTree>
+      <p:nvGrpSpPr>
+        <p:cNvPr id="1" name="">
+          <a:extLst>
+            <a:ext uri="{FF2B5EF4-FFF2-40B4-BE49-F238E27FC236}">
+              <a16:creationId xmlns:a16="http://schemas.microsoft.com/office/drawing/2014/main" id="{6823ABC3-EB7A-BB6C-C786-8C57A7C01554}"/>
+            </a:ext>
+          </a:extLst>
+        </p:cNvPr>
+        <p:cNvGrpSpPr/>
+        <p:nvPr/>
+      </p:nvGrpSpPr>
+      <p:grpSpPr>
+        <a:xfrm>
+          <a:off x="0" y="0"/>
+          <a:ext cx="0" cy="0"/>
+          <a:chOff x="0" y="0"/>
+          <a:chExt cx="0" cy="0"/>
+        </a:xfrm>
+      </p:grpSpPr>
+      <p:sp>
+        <p:nvSpPr>
+          <p:cNvPr id="2" name="Retângulo 1">
+            <a:extLst>
+              <a:ext uri="{FF2B5EF4-FFF2-40B4-BE49-F238E27FC236}">
+                <a16:creationId xmlns:a16="http://schemas.microsoft.com/office/drawing/2014/main" id="{485E8AAD-2648-153E-2AFF-F43A82B8B554}"/>
+              </a:ext>
+            </a:extLst>
+          </p:cNvPr>
+          <p:cNvSpPr/>
+          <p:nvPr/>
+        </p:nvSpPr>
+        <p:spPr>
+          <a:xfrm>
+            <a:off x="0" y="0"/>
+            <a:ext cx="12192000" cy="6858000"/>
+          </a:xfrm>
+          <a:prstGeom prst="rect">
+            <a:avLst/>
+          </a:prstGeom>
+          <a:solidFill>
+            <a:schemeClr val="tx1">
+              <a:lumMod val="95000"/>
+              <a:lumOff val="5000"/>
+            </a:schemeClr>
+          </a:solidFill>
+          <a:ln>
+            <a:noFill/>
+          </a:ln>
+        </p:spPr>
+        <p:style>
+          <a:lnRef idx="2">
+            <a:schemeClr val="accent1">
+              <a:shade val="15000"/>
+            </a:schemeClr>
+          </a:lnRef>
+          <a:fillRef idx="1">
+            <a:schemeClr val="accent1"/>
+          </a:fillRef>
+          <a:effectRef idx="0">
+            <a:schemeClr val="accent1"/>
+          </a:effectRef>
+          <a:fontRef idx="minor">
+            <a:schemeClr val="lt1"/>
+          </a:fontRef>
+        </p:style>
+        <p:txBody>
+          <a:bodyPr rtlCol="0" anchor="ctr"/>
+          <a:lstStyle/>
+          <a:p>
+            <a:pPr algn="ctr"/>
+            <a:endParaRPr lang="pt-BR"/>
+          </a:p>
+        </p:txBody>
+      </p:sp>
+    </p:spTree>
+    <p:extLst>
+      <p:ext uri="{BB962C8B-B14F-4D97-AF65-F5344CB8AC3E}">
+        <p14:creationId xmlns:p14="http://schemas.microsoft.com/office/powerpoint/2010/main" val="796524399"/>
+      </p:ext>
+    </p:extLst>
+  </p:cSld>
+  <p:clrMapOvr>
+    <a:masterClrMapping/>
+  </p:clrMapOvr>
+</p:sld>
+</file>
+
+<file path=ppt/slides/slide18.xml><?xml version="1.0" encoding="utf-8"?>
+<p:sld xmlns:a="http://schemas.openxmlformats.org/drawingml/2006/main" xmlns:r="http://schemas.openxmlformats.org/officeDocument/2006/relationships" xmlns:p="http://schemas.openxmlformats.org/presentationml/2006/main">
+  <p:cSld>
+    <p:spTree>
+      <p:nvGrpSpPr>
+        <p:cNvPr id="1" name="">
+          <a:extLst>
+            <a:ext uri="{FF2B5EF4-FFF2-40B4-BE49-F238E27FC236}">
+              <a16:creationId xmlns:a16="http://schemas.microsoft.com/office/drawing/2014/main" id="{8611C9B7-9544-3BA9-EE55-D6CDF59760E2}"/>
+            </a:ext>
+          </a:extLst>
+        </p:cNvPr>
+        <p:cNvGrpSpPr/>
+        <p:nvPr/>
+      </p:nvGrpSpPr>
+      <p:grpSpPr>
+        <a:xfrm>
+          <a:off x="0" y="0"/>
+          <a:ext cx="0" cy="0"/>
+          <a:chOff x="0" y="0"/>
+          <a:chExt cx="0" cy="0"/>
+        </a:xfrm>
+      </p:grpSpPr>
+      <p:sp>
+        <p:nvSpPr>
+          <p:cNvPr id="2" name="Retângulo 1">
+            <a:extLst>
+              <a:ext uri="{FF2B5EF4-FFF2-40B4-BE49-F238E27FC236}">
+                <a16:creationId xmlns:a16="http://schemas.microsoft.com/office/drawing/2014/main" id="{FC49C744-9EF5-9F2D-2C1A-5C0FC465BC02}"/>
+              </a:ext>
+            </a:extLst>
+          </p:cNvPr>
+          <p:cNvSpPr/>
+          <p:nvPr/>
+        </p:nvSpPr>
+        <p:spPr>
+          <a:xfrm>
+            <a:off x="0" y="0"/>
+            <a:ext cx="12192000" cy="6858000"/>
+          </a:xfrm>
+          <a:prstGeom prst="rect">
+            <a:avLst/>
+          </a:prstGeom>
+          <a:solidFill>
+            <a:schemeClr val="tx1">
+              <a:lumMod val="95000"/>
+              <a:lumOff val="5000"/>
+            </a:schemeClr>
+          </a:solidFill>
+          <a:ln>
+            <a:noFill/>
+          </a:ln>
+        </p:spPr>
+        <p:style>
+          <a:lnRef idx="2">
+            <a:schemeClr val="accent1">
+              <a:shade val="15000"/>
+            </a:schemeClr>
+          </a:lnRef>
+          <a:fillRef idx="1">
+            <a:schemeClr val="accent1"/>
+          </a:fillRef>
+          <a:effectRef idx="0">
+            <a:schemeClr val="accent1"/>
+          </a:effectRef>
+          <a:fontRef idx="minor">
+            <a:schemeClr val="lt1"/>
+          </a:fontRef>
+        </p:style>
+        <p:txBody>
+          <a:bodyPr rtlCol="0" anchor="ctr"/>
+          <a:lstStyle/>
+          <a:p>
+            <a:pPr algn="ctr"/>
+            <a:endParaRPr lang="pt-BR"/>
+          </a:p>
+        </p:txBody>
+      </p:sp>
+      <p:pic>
+        <p:nvPicPr>
+          <p:cNvPr id="3" name="Imagem 2">
+            <a:extLst>
+              <a:ext uri="{FF2B5EF4-FFF2-40B4-BE49-F238E27FC236}">
+                <a16:creationId xmlns:a16="http://schemas.microsoft.com/office/drawing/2014/main" id="{35972ED4-E209-8B9A-0A77-93F0EA75961E}"/>
+              </a:ext>
+            </a:extLst>
+          </p:cNvPr>
+          <p:cNvPicPr>
+            <a:picLocks noChangeAspect="1"/>
+          </p:cNvPicPr>
+          <p:nvPr/>
+        </p:nvPicPr>
+        <p:blipFill>
+          <a:blip r:embed="rId2">
+            <a:extLst>
+              <a:ext uri="{28A0092B-C50C-407E-A947-70E740481C1C}">
+                <a14:useLocalDpi xmlns:a14="http://schemas.microsoft.com/office/drawing/2010/main" val="0"/>
+              </a:ext>
+            </a:extLst>
+          </a:blip>
+          <a:srcRect/>
+          <a:stretch/>
+        </p:blipFill>
+        <p:spPr>
+          <a:xfrm>
+            <a:off x="4876630" y="2209630"/>
+            <a:ext cx="2438740" cy="2438740"/>
+          </a:xfrm>
+          <a:prstGeom prst="rect">
+            <a:avLst/>
+          </a:prstGeom>
+        </p:spPr>
+      </p:pic>
+      <p:sp>
+        <p:nvSpPr>
+          <p:cNvPr id="4" name="Elipse 3">
+            <a:extLst>
+              <a:ext uri="{FF2B5EF4-FFF2-40B4-BE49-F238E27FC236}">
+                <a16:creationId xmlns:a16="http://schemas.microsoft.com/office/drawing/2014/main" id="{71AB4EED-C29D-1CA1-341F-98166C2A4C14}"/>
+              </a:ext>
+            </a:extLst>
+          </p:cNvPr>
+          <p:cNvSpPr>
+            <a:spLocks noChangeAspect="1"/>
+          </p:cNvSpPr>
+          <p:nvPr/>
+        </p:nvSpPr>
+        <p:spPr>
+          <a:xfrm>
+            <a:off x="4786630" y="4558370"/>
+            <a:ext cx="180000" cy="180000"/>
+          </a:xfrm>
+          <a:prstGeom prst="ellipse">
+            <a:avLst/>
+          </a:prstGeom>
+          <a:solidFill>
+            <a:srgbClr val="C00000"/>
+          </a:solidFill>
+          <a:ln>
+            <a:noFill/>
+          </a:ln>
+        </p:spPr>
+        <p:style>
+          <a:lnRef idx="2">
+            <a:schemeClr val="accent1">
+              <a:shade val="15000"/>
+            </a:schemeClr>
+          </a:lnRef>
+          <a:fillRef idx="1">
+            <a:schemeClr val="accent1"/>
+          </a:fillRef>
+          <a:effectRef idx="0">
+            <a:schemeClr val="accent1"/>
+          </a:effectRef>
+          <a:fontRef idx="minor">
+            <a:schemeClr val="lt1"/>
+          </a:fontRef>
+        </p:style>
+        <p:txBody>
+          <a:bodyPr rtlCol="0" anchor="ctr"/>
+          <a:lstStyle/>
+          <a:p>
+            <a:pPr algn="ctr"/>
+            <a:endParaRPr lang="pt-BR"/>
+          </a:p>
+        </p:txBody>
+      </p:sp>
+      <p:sp>
+        <p:nvSpPr>
+          <p:cNvPr id="5" name="Elipse 4">
+            <a:extLst>
+              <a:ext uri="{FF2B5EF4-FFF2-40B4-BE49-F238E27FC236}">
+                <a16:creationId xmlns:a16="http://schemas.microsoft.com/office/drawing/2014/main" id="{472D0210-B96B-15B5-A751-75BAB7A661B9}"/>
+              </a:ext>
+            </a:extLst>
+          </p:cNvPr>
+          <p:cNvSpPr>
+            <a:spLocks noChangeAspect="1"/>
+          </p:cNvSpPr>
+          <p:nvPr/>
+        </p:nvSpPr>
+        <p:spPr>
+          <a:xfrm>
+            <a:off x="7225372" y="4558370"/>
+            <a:ext cx="180000" cy="180000"/>
+          </a:xfrm>
+          <a:prstGeom prst="ellipse">
+            <a:avLst/>
+          </a:prstGeom>
+          <a:solidFill>
+            <a:srgbClr val="C00000"/>
+          </a:solidFill>
+          <a:ln>
+            <a:noFill/>
+          </a:ln>
+        </p:spPr>
+        <p:style>
+          <a:lnRef idx="2">
+            <a:schemeClr val="accent1">
+              <a:shade val="15000"/>
+            </a:schemeClr>
+          </a:lnRef>
+          <a:fillRef idx="1">
+            <a:schemeClr val="accent1"/>
+          </a:fillRef>
+          <a:effectRef idx="0">
+            <a:schemeClr val="accent1"/>
+          </a:effectRef>
+          <a:fontRef idx="minor">
+            <a:schemeClr val="lt1"/>
+          </a:fontRef>
+        </p:style>
+        <p:txBody>
+          <a:bodyPr rtlCol="0" anchor="ctr"/>
+          <a:lstStyle/>
+          <a:p>
+            <a:pPr algn="ctr"/>
+            <a:endParaRPr lang="pt-BR"/>
+          </a:p>
+        </p:txBody>
+      </p:sp>
+      <p:sp>
+        <p:nvSpPr>
+          <p:cNvPr id="7" name="Elipse 6">
+            <a:extLst>
+              <a:ext uri="{FF2B5EF4-FFF2-40B4-BE49-F238E27FC236}">
+                <a16:creationId xmlns:a16="http://schemas.microsoft.com/office/drawing/2014/main" id="{6F897EF0-4E93-7849-44F5-FCD96F28A3B6}"/>
+              </a:ext>
+            </a:extLst>
+          </p:cNvPr>
+          <p:cNvSpPr>
+            <a:spLocks noChangeAspect="1"/>
+          </p:cNvSpPr>
+          <p:nvPr/>
+        </p:nvSpPr>
+        <p:spPr>
+          <a:xfrm>
+            <a:off x="4786630" y="2119630"/>
+            <a:ext cx="180000" cy="180000"/>
+          </a:xfrm>
+          <a:prstGeom prst="ellipse">
+            <a:avLst/>
+          </a:prstGeom>
+          <a:solidFill>
+            <a:srgbClr val="C00000"/>
+          </a:solidFill>
+          <a:ln>
+            <a:noFill/>
+          </a:ln>
+        </p:spPr>
+        <p:style>
+          <a:lnRef idx="2">
+            <a:schemeClr val="accent1">
+              <a:shade val="15000"/>
+            </a:schemeClr>
+          </a:lnRef>
+          <a:fillRef idx="1">
+            <a:schemeClr val="accent1"/>
+          </a:fillRef>
+          <a:effectRef idx="0">
+            <a:schemeClr val="accent1"/>
+          </a:effectRef>
+          <a:fontRef idx="minor">
+            <a:schemeClr val="lt1"/>
+          </a:fontRef>
+        </p:style>
+        <p:txBody>
+          <a:bodyPr rtlCol="0" anchor="ctr"/>
+          <a:lstStyle/>
+          <a:p>
+            <a:pPr algn="ctr"/>
+            <a:endParaRPr lang="pt-BR"/>
+          </a:p>
+        </p:txBody>
+      </p:sp>
+      <p:sp>
+        <p:nvSpPr>
+          <p:cNvPr id="8" name="Elipse 7">
+            <a:extLst>
+              <a:ext uri="{FF2B5EF4-FFF2-40B4-BE49-F238E27FC236}">
+                <a16:creationId xmlns:a16="http://schemas.microsoft.com/office/drawing/2014/main" id="{8F61C563-71D9-F685-4248-0E5AF5CE3173}"/>
+              </a:ext>
+            </a:extLst>
+          </p:cNvPr>
+          <p:cNvSpPr>
+            <a:spLocks noChangeAspect="1"/>
+          </p:cNvSpPr>
+          <p:nvPr/>
+        </p:nvSpPr>
+        <p:spPr>
+          <a:xfrm>
+            <a:off x="7225372" y="2119630"/>
+            <a:ext cx="180000" cy="180000"/>
+          </a:xfrm>
+          <a:prstGeom prst="ellipse">
+            <a:avLst/>
+          </a:prstGeom>
+          <a:solidFill>
+            <a:srgbClr val="C00000"/>
+          </a:solidFill>
+          <a:ln>
+            <a:noFill/>
+          </a:ln>
+        </p:spPr>
+        <p:style>
+          <a:lnRef idx="2">
+            <a:schemeClr val="accent1">
+              <a:shade val="15000"/>
+            </a:schemeClr>
+          </a:lnRef>
+          <a:fillRef idx="1">
+            <a:schemeClr val="accent1"/>
+          </a:fillRef>
+          <a:effectRef idx="0">
+            <a:schemeClr val="accent1"/>
+          </a:effectRef>
+          <a:fontRef idx="minor">
+            <a:schemeClr val="lt1"/>
+          </a:fontRef>
+        </p:style>
+        <p:txBody>
+          <a:bodyPr rtlCol="0" anchor="ctr"/>
+          <a:lstStyle/>
+          <a:p>
+            <a:pPr algn="ctr"/>
+            <a:endParaRPr lang="pt-BR"/>
+          </a:p>
+        </p:txBody>
+      </p:sp>
+      <p:sp>
+        <p:nvSpPr>
+          <p:cNvPr id="9" name="CaixaDeTexto 8">
+            <a:extLst>
+              <a:ext uri="{FF2B5EF4-FFF2-40B4-BE49-F238E27FC236}">
+                <a16:creationId xmlns:a16="http://schemas.microsoft.com/office/drawing/2014/main" id="{A264A07F-960E-3BC4-273B-577C8DA6093E}"/>
+              </a:ext>
+            </a:extLst>
+          </p:cNvPr>
+          <p:cNvSpPr txBox="1"/>
+          <p:nvPr/>
+        </p:nvSpPr>
+        <p:spPr>
+          <a:xfrm>
+            <a:off x="3932140" y="4648370"/>
+            <a:ext cx="944490" cy="369332"/>
+          </a:xfrm>
+          <a:prstGeom prst="rect">
+            <a:avLst/>
+          </a:prstGeom>
+          <a:noFill/>
+        </p:spPr>
+        <p:txBody>
+          <a:bodyPr wrap="none" rtlCol="0">
+            <a:spAutoFit/>
+          </a:bodyPr>
+          <a:lstStyle/>
+          <a:p>
+            <a:pPr algn="r"/>
+            <a:r>
+              <a:rPr lang="pt-BR" dirty="0">
+                <a:solidFill>
+                  <a:schemeClr val="bg1"/>
+                </a:solidFill>
+                <a:latin typeface="Consolas" panose="020B0609020204030204" pitchFamily="49" charset="0"/>
+              </a:rPr>
+              <a:t>u0, v0</a:t>
+            </a:r>
+          </a:p>
+        </p:txBody>
+      </p:sp>
+      <p:sp>
+        <p:nvSpPr>
+          <p:cNvPr id="11" name="CaixaDeTexto 10">
+            <a:extLst>
+              <a:ext uri="{FF2B5EF4-FFF2-40B4-BE49-F238E27FC236}">
+                <a16:creationId xmlns:a16="http://schemas.microsoft.com/office/drawing/2014/main" id="{D1A1264D-9142-703D-7BF5-6BF6EF71B39B}"/>
+              </a:ext>
+            </a:extLst>
+          </p:cNvPr>
+          <p:cNvSpPr txBox="1"/>
+          <p:nvPr/>
+        </p:nvSpPr>
+        <p:spPr>
+          <a:xfrm>
+            <a:off x="3932140" y="1840298"/>
+            <a:ext cx="944490" cy="369332"/>
+          </a:xfrm>
+          <a:prstGeom prst="rect">
+            <a:avLst/>
+          </a:prstGeom>
+          <a:noFill/>
+        </p:spPr>
+        <p:txBody>
+          <a:bodyPr wrap="none" rtlCol="0" anchor="b">
+            <a:spAutoFit/>
+          </a:bodyPr>
+          <a:lstStyle/>
+          <a:p>
+            <a:pPr algn="r"/>
+            <a:r>
+              <a:rPr lang="pt-BR" dirty="0">
+                <a:solidFill>
+                  <a:schemeClr val="bg1"/>
+                </a:solidFill>
+                <a:latin typeface="Consolas" panose="020B0609020204030204" pitchFamily="49" charset="0"/>
+              </a:rPr>
+              <a:t>u0, v1</a:t>
+            </a:r>
+          </a:p>
+        </p:txBody>
+      </p:sp>
+      <p:sp>
+        <p:nvSpPr>
+          <p:cNvPr id="14" name="CaixaDeTexto 13">
+            <a:extLst>
+              <a:ext uri="{FF2B5EF4-FFF2-40B4-BE49-F238E27FC236}">
+                <a16:creationId xmlns:a16="http://schemas.microsoft.com/office/drawing/2014/main" id="{0C77F6CB-2B49-54A5-D4AA-542856A90BA0}"/>
+              </a:ext>
+            </a:extLst>
+          </p:cNvPr>
+          <p:cNvSpPr txBox="1"/>
+          <p:nvPr/>
+        </p:nvSpPr>
+        <p:spPr>
+          <a:xfrm>
+            <a:off x="7315370" y="4648370"/>
+            <a:ext cx="944489" cy="369332"/>
+          </a:xfrm>
+          <a:prstGeom prst="rect">
+            <a:avLst/>
+          </a:prstGeom>
+          <a:noFill/>
+        </p:spPr>
+        <p:txBody>
+          <a:bodyPr wrap="none" rtlCol="0">
+            <a:spAutoFit/>
+          </a:bodyPr>
+          <a:lstStyle/>
+          <a:p>
+            <a:r>
+              <a:rPr lang="pt-BR" dirty="0">
+                <a:solidFill>
+                  <a:schemeClr val="bg1"/>
+                </a:solidFill>
+                <a:latin typeface="Consolas" panose="020B0609020204030204" pitchFamily="49" charset="0"/>
+              </a:rPr>
+              <a:t>u1, v0</a:t>
+            </a:r>
+          </a:p>
+        </p:txBody>
+      </p:sp>
+      <p:sp>
+        <p:nvSpPr>
+          <p:cNvPr id="15" name="CaixaDeTexto 14">
+            <a:extLst>
+              <a:ext uri="{FF2B5EF4-FFF2-40B4-BE49-F238E27FC236}">
+                <a16:creationId xmlns:a16="http://schemas.microsoft.com/office/drawing/2014/main" id="{DA9EB336-B857-6921-4514-444AC71A86F2}"/>
+              </a:ext>
+            </a:extLst>
+          </p:cNvPr>
+          <p:cNvSpPr txBox="1"/>
+          <p:nvPr/>
+        </p:nvSpPr>
+        <p:spPr>
+          <a:xfrm>
+            <a:off x="7315370" y="1836538"/>
+            <a:ext cx="944489" cy="369332"/>
+          </a:xfrm>
+          <a:prstGeom prst="rect">
+            <a:avLst/>
+          </a:prstGeom>
+          <a:noFill/>
+        </p:spPr>
+        <p:txBody>
+          <a:bodyPr wrap="none" rtlCol="0" anchor="b">
+            <a:spAutoFit/>
+          </a:bodyPr>
+          <a:lstStyle/>
+          <a:p>
+            <a:r>
+              <a:rPr lang="pt-BR" dirty="0">
+                <a:solidFill>
+                  <a:schemeClr val="bg1"/>
+                </a:solidFill>
+                <a:latin typeface="Consolas" panose="020B0609020204030204" pitchFamily="49" charset="0"/>
+              </a:rPr>
+              <a:t>u1, v1</a:t>
+            </a:r>
+          </a:p>
+        </p:txBody>
+      </p:sp>
+      <p:sp>
+        <p:nvSpPr>
+          <p:cNvPr id="6" name="CaixaDeTexto 5">
+            <a:extLst>
+              <a:ext uri="{FF2B5EF4-FFF2-40B4-BE49-F238E27FC236}">
+                <a16:creationId xmlns:a16="http://schemas.microsoft.com/office/drawing/2014/main" id="{A3FF732F-A42F-896A-3808-42B9ADF08D61}"/>
+              </a:ext>
+            </a:extLst>
+          </p:cNvPr>
+          <p:cNvSpPr txBox="1"/>
+          <p:nvPr/>
+        </p:nvSpPr>
+        <p:spPr>
+          <a:xfrm>
+            <a:off x="0" y="0"/>
+            <a:ext cx="2717411" cy="1754326"/>
+          </a:xfrm>
+          <a:prstGeom prst="rect">
+            <a:avLst/>
+          </a:prstGeom>
+          <a:noFill/>
+        </p:spPr>
+        <p:txBody>
+          <a:bodyPr wrap="none" rtlCol="0">
+            <a:spAutoFit/>
+          </a:bodyPr>
+          <a:lstStyle/>
+          <a:p>
+            <a:r>
+              <a:rPr lang="pt-BR" dirty="0" err="1">
+                <a:solidFill>
+                  <a:schemeClr val="bg1"/>
+                </a:solidFill>
+                <a:latin typeface="Consolas" panose="020B0609020204030204" pitchFamily="49" charset="0"/>
+              </a:rPr>
+              <a:t>float</a:t>
+            </a:r>
+            <a:r>
+              <a:rPr lang="pt-BR" dirty="0">
+                <a:solidFill>
+                  <a:schemeClr val="bg1"/>
+                </a:solidFill>
+                <a:latin typeface="Consolas" panose="020B0609020204030204" pitchFamily="49" charset="0"/>
+              </a:rPr>
+              <a:t>[] </a:t>
+            </a:r>
+            <a:r>
+              <a:rPr lang="pt-BR" dirty="0" err="1">
+                <a:solidFill>
+                  <a:schemeClr val="bg1"/>
+                </a:solidFill>
+                <a:latin typeface="Consolas" panose="020B0609020204030204" pitchFamily="49" charset="0"/>
+              </a:rPr>
+              <a:t>texCoord</a:t>
+            </a:r>
+            <a:r>
+              <a:rPr lang="pt-BR" dirty="0">
+                <a:solidFill>
+                  <a:schemeClr val="bg1"/>
+                </a:solidFill>
+                <a:latin typeface="Consolas" panose="020B0609020204030204" pitchFamily="49" charset="0"/>
+              </a:rPr>
+              <a:t> = {</a:t>
+            </a:r>
+          </a:p>
+          <a:p>
+            <a:r>
+              <a:rPr lang="pt-BR" dirty="0">
+                <a:solidFill>
+                  <a:schemeClr val="bg1"/>
+                </a:solidFill>
+                <a:latin typeface="Consolas" panose="020B0609020204030204" pitchFamily="49" charset="0"/>
+              </a:rPr>
+              <a:t>    u0, v0,</a:t>
+            </a:r>
+            <a:endParaRPr lang="pt-BR" dirty="0">
+              <a:solidFill>
+                <a:schemeClr val="accent3"/>
+              </a:solidFill>
+              <a:latin typeface="Consolas" panose="020B0609020204030204" pitchFamily="49" charset="0"/>
+            </a:endParaRPr>
+          </a:p>
+          <a:p>
+            <a:r>
+              <a:rPr lang="pt-BR" dirty="0">
+                <a:solidFill>
+                  <a:schemeClr val="bg1"/>
+                </a:solidFill>
+                <a:latin typeface="Consolas" panose="020B0609020204030204" pitchFamily="49" charset="0"/>
+              </a:rPr>
+              <a:t>    u1, v0,</a:t>
+            </a:r>
+          </a:p>
+          <a:p>
+            <a:r>
+              <a:rPr lang="pt-BR" dirty="0">
+                <a:solidFill>
+                  <a:schemeClr val="bg1"/>
+                </a:solidFill>
+                <a:latin typeface="Consolas" panose="020B0609020204030204" pitchFamily="49" charset="0"/>
+              </a:rPr>
+              <a:t>    u1, v1,</a:t>
+            </a:r>
+            <a:endParaRPr lang="pt-BR" dirty="0">
+              <a:solidFill>
+                <a:schemeClr val="accent3"/>
+              </a:solidFill>
+              <a:latin typeface="Consolas" panose="020B0609020204030204" pitchFamily="49" charset="0"/>
+            </a:endParaRPr>
+          </a:p>
+          <a:p>
+            <a:r>
+              <a:rPr lang="pt-BR" dirty="0">
+                <a:solidFill>
+                  <a:schemeClr val="bg1"/>
+                </a:solidFill>
+                <a:latin typeface="Consolas" panose="020B0609020204030204" pitchFamily="49" charset="0"/>
+              </a:rPr>
+              <a:t>    u0, v1</a:t>
+            </a:r>
+          </a:p>
+          <a:p>
+            <a:r>
+              <a:rPr lang="pt-BR" dirty="0">
+                <a:solidFill>
+                  <a:schemeClr val="bg1"/>
+                </a:solidFill>
+                <a:latin typeface="Consolas" panose="020B0609020204030204" pitchFamily="49" charset="0"/>
+              </a:rPr>
+              <a:t>};</a:t>
+            </a:r>
+          </a:p>
+        </p:txBody>
+      </p:sp>
+    </p:spTree>
+    <p:extLst>
+      <p:ext uri="{BB962C8B-B14F-4D97-AF65-F5344CB8AC3E}">
+        <p14:creationId xmlns:p14="http://schemas.microsoft.com/office/powerpoint/2010/main" val="2505165393"/>
+      </p:ext>
+    </p:extLst>
+  </p:cSld>
+  <p:clrMapOvr>
+    <a:masterClrMapping/>
+  </p:clrMapOvr>
+</p:sld>
+</file>
+
+<file path=ppt/slides/slide19.xml><?xml version="1.0" encoding="utf-8"?>
+<p:sld xmlns:a="http://schemas.openxmlformats.org/drawingml/2006/main" xmlns:r="http://schemas.openxmlformats.org/officeDocument/2006/relationships" xmlns:p="http://schemas.openxmlformats.org/presentationml/2006/main">
+  <p:cSld>
+    <p:spTree>
+      <p:nvGrpSpPr>
+        <p:cNvPr id="1" name="">
+          <a:extLst>
+            <a:ext uri="{FF2B5EF4-FFF2-40B4-BE49-F238E27FC236}">
+              <a16:creationId xmlns:a16="http://schemas.microsoft.com/office/drawing/2014/main" id="{99052162-7F62-341C-BB74-9B11F2C4F6D1}"/>
+            </a:ext>
+          </a:extLst>
+        </p:cNvPr>
+        <p:cNvGrpSpPr/>
+        <p:nvPr/>
+      </p:nvGrpSpPr>
+      <p:grpSpPr>
+        <a:xfrm>
+          <a:off x="0" y="0"/>
+          <a:ext cx="0" cy="0"/>
+          <a:chOff x="0" y="0"/>
+          <a:chExt cx="0" cy="0"/>
+        </a:xfrm>
+      </p:grpSpPr>
+      <p:sp>
+        <p:nvSpPr>
+          <p:cNvPr id="2" name="Retângulo 1">
+            <a:extLst>
+              <a:ext uri="{FF2B5EF4-FFF2-40B4-BE49-F238E27FC236}">
+                <a16:creationId xmlns:a16="http://schemas.microsoft.com/office/drawing/2014/main" id="{01211219-6E4C-2DE9-1AB0-CFEEF27F8D03}"/>
+              </a:ext>
+            </a:extLst>
+          </p:cNvPr>
+          <p:cNvSpPr/>
+          <p:nvPr/>
+        </p:nvSpPr>
+        <p:spPr>
+          <a:xfrm>
+            <a:off x="0" y="0"/>
+            <a:ext cx="12192000" cy="6858000"/>
+          </a:xfrm>
+          <a:prstGeom prst="rect">
+            <a:avLst/>
+          </a:prstGeom>
+          <a:solidFill>
+            <a:schemeClr val="tx1">
+              <a:lumMod val="95000"/>
+              <a:lumOff val="5000"/>
+            </a:schemeClr>
+          </a:solidFill>
+          <a:ln>
+            <a:noFill/>
+          </a:ln>
+        </p:spPr>
+        <p:style>
+          <a:lnRef idx="2">
+            <a:schemeClr val="accent1">
+              <a:shade val="15000"/>
+            </a:schemeClr>
+          </a:lnRef>
+          <a:fillRef idx="1">
+            <a:schemeClr val="accent1"/>
+          </a:fillRef>
+          <a:effectRef idx="0">
+            <a:schemeClr val="accent1"/>
+          </a:effectRef>
+          <a:fontRef idx="minor">
+            <a:schemeClr val="lt1"/>
+          </a:fontRef>
+        </p:style>
+        <p:txBody>
+          <a:bodyPr rtlCol="0" anchor="ctr"/>
+          <a:lstStyle/>
+          <a:p>
+            <a:pPr algn="ctr"/>
+            <a:endParaRPr lang="pt-BR"/>
+          </a:p>
+        </p:txBody>
+      </p:sp>
+    </p:spTree>
+    <p:extLst>
+      <p:ext uri="{BB962C8B-B14F-4D97-AF65-F5344CB8AC3E}">
+        <p14:creationId xmlns:p14="http://schemas.microsoft.com/office/powerpoint/2010/main" val="3206107953"/>
+      </p:ext>
+    </p:extLst>
+  </p:cSld>
+  <p:clrMapOvr>
+    <a:masterClrMapping/>
+  </p:clrMapOvr>
+</p:sld>
+</file>
+
 <file path=ppt/slides/slide2.xml><?xml version="1.0" encoding="utf-8"?>
 <p:sld xmlns:a="http://schemas.openxmlformats.org/drawingml/2006/main" xmlns:r="http://schemas.openxmlformats.org/officeDocument/2006/relationships" xmlns:p="http://schemas.openxmlformats.org/presentationml/2006/main">
   <p:cSld>
@@ -3444,7 +9873,7 @@
         <p:cNvPr id="1" name="">
           <a:extLst>
             <a:ext uri="{FF2B5EF4-FFF2-40B4-BE49-F238E27FC236}">
-              <a16:creationId xmlns:a16="http://schemas.microsoft.com/office/drawing/2014/main" id="{664CF08E-784F-8871-AB3F-614DA6E7C6C5}"/>
+              <a16:creationId xmlns:a16="http://schemas.microsoft.com/office/drawing/2014/main" id="{CF520BA2-9F54-9CE6-D017-C91570BF3A37}"/>
             </a:ext>
           </a:extLst>
         </p:cNvPr>
@@ -3464,7 +9893,7 @@
           <p:cNvPr id="2" name="Retângulo 1">
             <a:extLst>
               <a:ext uri="{FF2B5EF4-FFF2-40B4-BE49-F238E27FC236}">
-                <a16:creationId xmlns:a16="http://schemas.microsoft.com/office/drawing/2014/main" id="{DF361A6D-6C13-4982-FE7E-F9B750F4D282}"/>
+                <a16:creationId xmlns:a16="http://schemas.microsoft.com/office/drawing/2014/main" id="{624763A1-F65C-91B2-C1B2-EBF6A849C9CD}"/>
               </a:ext>
             </a:extLst>
           </p:cNvPr>
@@ -3519,7 +9948,7 @@
           <p:cNvPr id="3" name="Imagem 2" descr="Forma, Retângulo&#10;&#10;O conteúdo gerado por IA pode estar incorreto.">
             <a:extLst>
               <a:ext uri="{FF2B5EF4-FFF2-40B4-BE49-F238E27FC236}">
-                <a16:creationId xmlns:a16="http://schemas.microsoft.com/office/drawing/2014/main" id="{1DDC6D97-6F0E-4E44-0A1D-BEFF1831F88E}"/>
+                <a16:creationId xmlns:a16="http://schemas.microsoft.com/office/drawing/2014/main" id="{8E16F86A-E9CC-79C5-F7AA-01A4FAB080E4}"/>
               </a:ext>
             </a:extLst>
           </p:cNvPr>
@@ -3555,7 +9984,7 @@
           <p:cNvPr id="5" name="Conector de Seta Reta 4">
             <a:extLst>
               <a:ext uri="{FF2B5EF4-FFF2-40B4-BE49-F238E27FC236}">
-                <a16:creationId xmlns:a16="http://schemas.microsoft.com/office/drawing/2014/main" id="{DC7A1DD8-2C4C-9089-652D-FC040784FD6B}"/>
+                <a16:creationId xmlns:a16="http://schemas.microsoft.com/office/drawing/2014/main" id="{3F7ACA08-D789-8623-0BAF-D9642569E1A1}"/>
               </a:ext>
             </a:extLst>
           </p:cNvPr>
@@ -3599,7 +10028,7 @@
           <p:cNvPr id="7" name="Conector de Seta Reta 6">
             <a:extLst>
               <a:ext uri="{FF2B5EF4-FFF2-40B4-BE49-F238E27FC236}">
-                <a16:creationId xmlns:a16="http://schemas.microsoft.com/office/drawing/2014/main" id="{07E2977E-E10F-E0EB-9870-AB03464FB675}"/>
+                <a16:creationId xmlns:a16="http://schemas.microsoft.com/office/drawing/2014/main" id="{1830CD32-16A5-7A17-6434-73BD272CF14A}"/>
               </a:ext>
             </a:extLst>
           </p:cNvPr>
@@ -3643,7 +10072,7 @@
           <p:cNvPr id="8" name="CaixaDeTexto 7">
             <a:extLst>
               <a:ext uri="{FF2B5EF4-FFF2-40B4-BE49-F238E27FC236}">
-                <a16:creationId xmlns:a16="http://schemas.microsoft.com/office/drawing/2014/main" id="{6624C526-45DF-CE97-B8AF-16893C9B1E01}"/>
+                <a16:creationId xmlns:a16="http://schemas.microsoft.com/office/drawing/2014/main" id="{ED19C516-4EBE-5FD3-FE8C-9F9B3EECBA13}"/>
               </a:ext>
             </a:extLst>
           </p:cNvPr>
@@ -3682,7 +10111,7 @@
           <p:cNvPr id="9" name="CaixaDeTexto 8">
             <a:extLst>
               <a:ext uri="{FF2B5EF4-FFF2-40B4-BE49-F238E27FC236}">
-                <a16:creationId xmlns:a16="http://schemas.microsoft.com/office/drawing/2014/main" id="{F8F72777-B5A2-AC57-F38C-FEE6B58F5089}"/>
+                <a16:creationId xmlns:a16="http://schemas.microsoft.com/office/drawing/2014/main" id="{47F8F439-7866-C96E-C4C9-2FEB30668D71}"/>
               </a:ext>
             </a:extLst>
           </p:cNvPr>
@@ -3719,7 +10148,7 @@
     </p:spTree>
     <p:extLst>
       <p:ext uri="{BB962C8B-B14F-4D97-AF65-F5344CB8AC3E}">
-        <p14:creationId xmlns:p14="http://schemas.microsoft.com/office/powerpoint/2010/main" val="651510363"/>
+        <p14:creationId xmlns:p14="http://schemas.microsoft.com/office/powerpoint/2010/main" val="2830075840"/>
       </p:ext>
     </p:extLst>
   </p:cSld>
@@ -3829,7 +10258,7 @@
             <a:chExt cx="8185859" cy="6635533"/>
           </a:xfrm>
           <a:scene3d>
-            <a:camera prst="isometricLeftDown"/>
+            <a:camera prst="isometricOffAxis2Left"/>
             <a:lightRig rig="threePt" dir="t"/>
           </a:scene3d>
         </p:grpSpPr>
@@ -4052,7 +10481,7 @@
         </p:nvCxnSpPr>
         <p:spPr>
           <a:xfrm flipH="1">
-            <a:off x="3059459" y="4390645"/>
+            <a:off x="2975448" y="5028625"/>
             <a:ext cx="1800000" cy="0"/>
           </a:xfrm>
           <a:prstGeom prst="straightConnector1">
@@ -4065,7 +10494,7 @@
             <a:tailEnd type="triangle"/>
           </a:ln>
           <a:scene3d>
-            <a:camera prst="isometricRightUp"/>
+            <a:camera prst="isometricOffAxis2Right"/>
             <a:lightRig rig="threePt" dir="t"/>
           </a:scene3d>
         </p:spPr>
@@ -4098,7 +10527,7 @@
         </p:nvSpPr>
         <p:spPr>
           <a:xfrm>
-            <a:off x="3026246" y="4593917"/>
+            <a:off x="3115190" y="5147666"/>
             <a:ext cx="303288" cy="369332"/>
           </a:xfrm>
           <a:prstGeom prst="rect">
@@ -4141,6 +10570,97 @@
 </file>
 
 <file path=ppt/slides/slide5.xml><?xml version="1.0" encoding="utf-8"?>
+<p:sld xmlns:a="http://schemas.openxmlformats.org/drawingml/2006/main" xmlns:r="http://schemas.openxmlformats.org/officeDocument/2006/relationships" xmlns:p="http://schemas.openxmlformats.org/presentationml/2006/main">
+  <p:cSld>
+    <p:spTree>
+      <p:nvGrpSpPr>
+        <p:cNvPr id="1" name="">
+          <a:extLst>
+            <a:ext uri="{FF2B5EF4-FFF2-40B4-BE49-F238E27FC236}">
+              <a16:creationId xmlns:a16="http://schemas.microsoft.com/office/drawing/2014/main" id="{26EC1D6F-7A51-AA4E-0974-04D5C4D78371}"/>
+            </a:ext>
+          </a:extLst>
+        </p:cNvPr>
+        <p:cNvGrpSpPr/>
+        <p:nvPr/>
+      </p:nvGrpSpPr>
+      <p:grpSpPr>
+        <a:xfrm>
+          <a:off x="0" y="0"/>
+          <a:ext cx="0" cy="0"/>
+          <a:chOff x="0" y="0"/>
+          <a:chExt cx="0" cy="0"/>
+        </a:xfrm>
+      </p:grpSpPr>
+      <p:sp>
+        <p:nvSpPr>
+          <p:cNvPr id="2" name="Retângulo 1">
+            <a:extLst>
+              <a:ext uri="{FF2B5EF4-FFF2-40B4-BE49-F238E27FC236}">
+                <a16:creationId xmlns:a16="http://schemas.microsoft.com/office/drawing/2014/main" id="{72F68A91-149F-F241-326C-8740E97E0DD8}"/>
+              </a:ext>
+            </a:extLst>
+          </p:cNvPr>
+          <p:cNvSpPr/>
+          <p:nvPr/>
+        </p:nvSpPr>
+        <p:spPr>
+          <a:xfrm>
+            <a:off x="0" y="0"/>
+            <a:ext cx="12192000" cy="6858000"/>
+          </a:xfrm>
+          <a:prstGeom prst="rect">
+            <a:avLst/>
+          </a:prstGeom>
+          <a:solidFill>
+            <a:schemeClr val="tx1">
+              <a:lumMod val="95000"/>
+              <a:lumOff val="5000"/>
+            </a:schemeClr>
+          </a:solidFill>
+          <a:ln>
+            <a:noFill/>
+          </a:ln>
+        </p:spPr>
+        <p:style>
+          <a:lnRef idx="2">
+            <a:schemeClr val="accent1">
+              <a:shade val="15000"/>
+            </a:schemeClr>
+          </a:lnRef>
+          <a:fillRef idx="1">
+            <a:schemeClr val="accent1"/>
+          </a:fillRef>
+          <a:effectRef idx="0">
+            <a:schemeClr val="accent1"/>
+          </a:effectRef>
+          <a:fontRef idx="minor">
+            <a:schemeClr val="lt1"/>
+          </a:fontRef>
+        </p:style>
+        <p:txBody>
+          <a:bodyPr rtlCol="0" anchor="ctr"/>
+          <a:lstStyle/>
+          <a:p>
+            <a:pPr algn="ctr"/>
+            <a:endParaRPr lang="pt-BR"/>
+          </a:p>
+        </p:txBody>
+      </p:sp>
+    </p:spTree>
+    <p:extLst>
+      <p:ext uri="{BB962C8B-B14F-4D97-AF65-F5344CB8AC3E}">
+        <p14:creationId xmlns:p14="http://schemas.microsoft.com/office/powerpoint/2010/main" val="1128459189"/>
+      </p:ext>
+    </p:extLst>
+  </p:cSld>
+  <p:clrMapOvr>
+    <a:masterClrMapping/>
+  </p:clrMapOvr>
+</p:sld>
+</file>
+
+<file path=ppt/slides/slide6.xml><?xml version="1.0" encoding="utf-8"?>
 <p:sld xmlns:a="http://schemas.openxmlformats.org/drawingml/2006/main" xmlns:r="http://schemas.openxmlformats.org/officeDocument/2006/relationships" xmlns:p="http://schemas.openxmlformats.org/presentationml/2006/main">
   <p:cSld>
     <p:spTree>
@@ -4483,8 +11003,8 @@
         </p:nvSpPr>
         <p:spPr>
           <a:xfrm>
-            <a:off x="4126104" y="4648370"/>
-            <a:ext cx="750526" cy="369332"/>
+            <a:off x="3932140" y="4648370"/>
+            <a:ext cx="944490" cy="369332"/>
           </a:xfrm>
           <a:prstGeom prst="rect">
             <a:avLst/>
@@ -4503,6 +11023,7 @@
                 <a:solidFill>
                   <a:schemeClr val="bg1"/>
                 </a:solidFill>
+                <a:latin typeface="Consolas" panose="020B0609020204030204" pitchFamily="49" charset="0"/>
               </a:rPr>
               <a:t>x0, y0</a:t>
             </a:r>
@@ -4523,8 +11044,8 @@
         </p:nvSpPr>
         <p:spPr>
           <a:xfrm>
-            <a:off x="4126104" y="1840298"/>
-            <a:ext cx="750526" cy="369332"/>
+            <a:off x="3932140" y="1840298"/>
+            <a:ext cx="944490" cy="369332"/>
           </a:xfrm>
           <a:prstGeom prst="rect">
             <a:avLst/>
@@ -4543,6 +11064,7 @@
                 <a:solidFill>
                   <a:schemeClr val="bg1"/>
                 </a:solidFill>
+                <a:latin typeface="Consolas" panose="020B0609020204030204" pitchFamily="49" charset="0"/>
               </a:rPr>
               <a:t>x0, y1</a:t>
             </a:r>
@@ -4564,7 +11086,7 @@
         <p:spPr>
           <a:xfrm>
             <a:off x="7315370" y="4648370"/>
-            <a:ext cx="750526" cy="369332"/>
+            <a:ext cx="944489" cy="369332"/>
           </a:xfrm>
           <a:prstGeom prst="rect">
             <a:avLst/>
@@ -4582,6 +11104,7 @@
                 <a:solidFill>
                   <a:schemeClr val="bg1"/>
                 </a:solidFill>
+                <a:latin typeface="Consolas" panose="020B0609020204030204" pitchFamily="49" charset="0"/>
               </a:rPr>
               <a:t>x1, y0</a:t>
             </a:r>
@@ -4603,7 +11126,7 @@
         <p:spPr>
           <a:xfrm>
             <a:off x="7315370" y="1836538"/>
-            <a:ext cx="750526" cy="369332"/>
+            <a:ext cx="944489" cy="369332"/>
           </a:xfrm>
           <a:prstGeom prst="rect">
             <a:avLst/>
@@ -4621,6 +11144,7 @@
                 <a:solidFill>
                   <a:schemeClr val="bg1"/>
                 </a:solidFill>
+                <a:latin typeface="Consolas" panose="020B0609020204030204" pitchFamily="49" charset="0"/>
               </a:rPr>
               <a:t>x1, y1</a:t>
             </a:r>
@@ -4631,898 +11155,6 @@
     <p:extLst>
       <p:ext uri="{BB962C8B-B14F-4D97-AF65-F5344CB8AC3E}">
         <p14:creationId xmlns:p14="http://schemas.microsoft.com/office/powerpoint/2010/main" val="2733591257"/>
-      </p:ext>
-    </p:extLst>
-  </p:cSld>
-  <p:clrMapOvr>
-    <a:masterClrMapping/>
-  </p:clrMapOvr>
-</p:sld>
-</file>
-
-<file path=ppt/slides/slide6.xml><?xml version="1.0" encoding="utf-8"?>
-<p:sld xmlns:a="http://schemas.openxmlformats.org/drawingml/2006/main" xmlns:r="http://schemas.openxmlformats.org/officeDocument/2006/relationships" xmlns:p="http://schemas.openxmlformats.org/presentationml/2006/main">
-  <p:cSld>
-    <p:spTree>
-      <p:nvGrpSpPr>
-        <p:cNvPr id="1" name="">
-          <a:extLst>
-            <a:ext uri="{FF2B5EF4-FFF2-40B4-BE49-F238E27FC236}">
-              <a16:creationId xmlns:a16="http://schemas.microsoft.com/office/drawing/2014/main" id="{AF28524F-21D1-3D22-AA46-D8CD603AD24D}"/>
-            </a:ext>
-          </a:extLst>
-        </p:cNvPr>
-        <p:cNvGrpSpPr/>
-        <p:nvPr/>
-      </p:nvGrpSpPr>
-      <p:grpSpPr>
-        <a:xfrm>
-          <a:off x="0" y="0"/>
-          <a:ext cx="0" cy="0"/>
-          <a:chOff x="0" y="0"/>
-          <a:chExt cx="0" cy="0"/>
-        </a:xfrm>
-      </p:grpSpPr>
-      <p:sp>
-        <p:nvSpPr>
-          <p:cNvPr id="2" name="Retângulo 1">
-            <a:extLst>
-              <a:ext uri="{FF2B5EF4-FFF2-40B4-BE49-F238E27FC236}">
-                <a16:creationId xmlns:a16="http://schemas.microsoft.com/office/drawing/2014/main" id="{DBF5EEA4-21CA-FC9A-C905-E176AD03E38D}"/>
-              </a:ext>
-            </a:extLst>
-          </p:cNvPr>
-          <p:cNvSpPr/>
-          <p:nvPr/>
-        </p:nvSpPr>
-        <p:spPr>
-          <a:xfrm>
-            <a:off x="0" y="0"/>
-            <a:ext cx="12192000" cy="6858000"/>
-          </a:xfrm>
-          <a:prstGeom prst="rect">
-            <a:avLst/>
-          </a:prstGeom>
-          <a:solidFill>
-            <a:schemeClr val="tx1">
-              <a:lumMod val="95000"/>
-              <a:lumOff val="5000"/>
-            </a:schemeClr>
-          </a:solidFill>
-          <a:ln>
-            <a:noFill/>
-          </a:ln>
-        </p:spPr>
-        <p:style>
-          <a:lnRef idx="2">
-            <a:schemeClr val="accent1">
-              <a:shade val="15000"/>
-            </a:schemeClr>
-          </a:lnRef>
-          <a:fillRef idx="1">
-            <a:schemeClr val="accent1"/>
-          </a:fillRef>
-          <a:effectRef idx="0">
-            <a:schemeClr val="accent1"/>
-          </a:effectRef>
-          <a:fontRef idx="minor">
-            <a:schemeClr val="lt1"/>
-          </a:fontRef>
-        </p:style>
-        <p:txBody>
-          <a:bodyPr rtlCol="0" anchor="ctr"/>
-          <a:lstStyle/>
-          <a:p>
-            <a:pPr algn="ctr"/>
-            <a:endParaRPr lang="pt-BR"/>
-          </a:p>
-        </p:txBody>
-      </p:sp>
-      <p:grpSp>
-        <p:nvGrpSpPr>
-          <p:cNvPr id="9" name="Agrupar 8">
-            <a:extLst>
-              <a:ext uri="{FF2B5EF4-FFF2-40B4-BE49-F238E27FC236}">
-                <a16:creationId xmlns:a16="http://schemas.microsoft.com/office/drawing/2014/main" id="{99AFF929-1835-C70D-3A5E-74517AC0791C}"/>
-              </a:ext>
-            </a:extLst>
-          </p:cNvPr>
-          <p:cNvGrpSpPr/>
-          <p:nvPr/>
-        </p:nvGrpSpPr>
-        <p:grpSpPr>
-          <a:xfrm>
-            <a:off x="4314954" y="914141"/>
-            <a:ext cx="4080574" cy="3933844"/>
-            <a:chOff x="3625838" y="1138732"/>
-            <a:chExt cx="4080574" cy="3933844"/>
-          </a:xfrm>
-        </p:grpSpPr>
-        <p:pic>
-          <p:nvPicPr>
-            <p:cNvPr id="10" name="Imagem 9" descr="Uma imagem contendo Código QR&#10;&#10;O conteúdo gerado por IA pode estar incorreto.">
-              <a:extLst>
-                <a:ext uri="{FF2B5EF4-FFF2-40B4-BE49-F238E27FC236}">
-                  <a16:creationId xmlns:a16="http://schemas.microsoft.com/office/drawing/2014/main" id="{91BC7403-CA59-BBE3-954D-D99703710F04}"/>
-                </a:ext>
-              </a:extLst>
-            </p:cNvPr>
-            <p:cNvPicPr>
-              <a:picLocks noChangeAspect="1"/>
-            </p:cNvPicPr>
-            <p:nvPr/>
-          </p:nvPicPr>
-          <p:blipFill>
-            <a:blip r:embed="rId2">
-              <a:extLst>
-                <a:ext uri="{28A0092B-C50C-407E-A947-70E740481C1C}">
-                  <a14:useLocalDpi xmlns:a14="http://schemas.microsoft.com/office/drawing/2010/main" val="0"/>
-                </a:ext>
-              </a:extLst>
-            </a:blip>
-            <a:stretch>
-              <a:fillRect/>
-            </a:stretch>
-          </p:blipFill>
-          <p:spPr>
-            <a:xfrm>
-              <a:off x="3625838" y="2633836"/>
-              <a:ext cx="2438740" cy="2438740"/>
-            </a:xfrm>
-            <a:prstGeom prst="rect">
-              <a:avLst/>
-            </a:prstGeom>
-            <a:scene3d>
-              <a:camera prst="isometricOffAxis2Left"/>
-              <a:lightRig rig="threePt" dir="t"/>
-            </a:scene3d>
-          </p:spPr>
-        </p:pic>
-        <p:pic>
-          <p:nvPicPr>
-            <p:cNvPr id="11" name="Imagem 10" descr="Uma imagem contendo Código QR&#10;&#10;O conteúdo gerado por IA pode estar incorreto.">
-              <a:extLst>
-                <a:ext uri="{FF2B5EF4-FFF2-40B4-BE49-F238E27FC236}">
-                  <a16:creationId xmlns:a16="http://schemas.microsoft.com/office/drawing/2014/main" id="{31B8E787-0977-1D4C-8FFB-D3F91ED19FB9}"/>
-                </a:ext>
-              </a:extLst>
-            </p:cNvPr>
-            <p:cNvPicPr>
-              <a:picLocks noChangeAspect="1"/>
-            </p:cNvPicPr>
-            <p:nvPr/>
-          </p:nvPicPr>
-          <p:blipFill>
-            <a:blip r:embed="rId2">
-              <a:extLst>
-                <a:ext uri="{28A0092B-C50C-407E-A947-70E740481C1C}">
-                  <a14:useLocalDpi xmlns:a14="http://schemas.microsoft.com/office/drawing/2010/main" val="0"/>
-                </a:ext>
-              </a:extLst>
-            </a:blip>
-            <a:stretch>
-              <a:fillRect/>
-            </a:stretch>
-          </p:blipFill>
-          <p:spPr>
-            <a:xfrm>
-              <a:off x="5267672" y="2446871"/>
-              <a:ext cx="2438740" cy="2438740"/>
-            </a:xfrm>
-            <a:prstGeom prst="rect">
-              <a:avLst/>
-            </a:prstGeom>
-            <a:scene3d>
-              <a:camera prst="isometricOffAxis2Right"/>
-              <a:lightRig rig="threePt" dir="t"/>
-            </a:scene3d>
-          </p:spPr>
-        </p:pic>
-        <p:pic>
-          <p:nvPicPr>
-            <p:cNvPr id="12" name="Imagem 11" descr="Padrão do plano de fundo&#10;&#10;O conteúdo gerado por IA pode estar incorreto.">
-              <a:extLst>
-                <a:ext uri="{FF2B5EF4-FFF2-40B4-BE49-F238E27FC236}">
-                  <a16:creationId xmlns:a16="http://schemas.microsoft.com/office/drawing/2014/main" id="{59AFE966-C763-378C-0E47-E2E189788332}"/>
-                </a:ext>
-              </a:extLst>
-            </p:cNvPr>
-            <p:cNvPicPr>
-              <a:picLocks noChangeAspect="1"/>
-            </p:cNvPicPr>
-            <p:nvPr/>
-          </p:nvPicPr>
-          <p:blipFill>
-            <a:blip r:embed="rId3">
-              <a:extLst>
-                <a:ext uri="{28A0092B-C50C-407E-A947-70E740481C1C}">
-                  <a14:useLocalDpi xmlns:a14="http://schemas.microsoft.com/office/drawing/2010/main" val="0"/>
-                </a:ext>
-              </a:extLst>
-            </a:blip>
-            <a:stretch>
-              <a:fillRect/>
-            </a:stretch>
-          </p:blipFill>
-          <p:spPr>
-            <a:xfrm>
-              <a:off x="4160193" y="1138732"/>
-              <a:ext cx="2438740" cy="2438740"/>
-            </a:xfrm>
-            <a:prstGeom prst="rect">
-              <a:avLst/>
-            </a:prstGeom>
-            <a:scene3d>
-              <a:camera prst="isometricOffAxis2Top"/>
-              <a:lightRig rig="threePt" dir="t"/>
-            </a:scene3d>
-          </p:spPr>
-        </p:pic>
-      </p:grpSp>
-      <p:sp>
-        <p:nvSpPr>
-          <p:cNvPr id="13" name="Elipse 12">
-            <a:extLst>
-              <a:ext uri="{FF2B5EF4-FFF2-40B4-BE49-F238E27FC236}">
-                <a16:creationId xmlns:a16="http://schemas.microsoft.com/office/drawing/2014/main" id="{401A8F18-858F-25D0-4669-E3FB98C31338}"/>
-              </a:ext>
-            </a:extLst>
-          </p:cNvPr>
-          <p:cNvSpPr>
-            <a:spLocks noChangeAspect="1"/>
-          </p:cNvSpPr>
-          <p:nvPr/>
-        </p:nvSpPr>
-        <p:spPr>
-          <a:xfrm>
-            <a:off x="4324381" y="4523885"/>
-            <a:ext cx="180000" cy="180000"/>
-          </a:xfrm>
-          <a:prstGeom prst="ellipse">
-            <a:avLst/>
-          </a:prstGeom>
-          <a:solidFill>
-            <a:srgbClr val="C00000"/>
-          </a:solidFill>
-          <a:ln>
-            <a:noFill/>
-          </a:ln>
-        </p:spPr>
-        <p:style>
-          <a:lnRef idx="2">
-            <a:schemeClr val="accent1">
-              <a:shade val="15000"/>
-            </a:schemeClr>
-          </a:lnRef>
-          <a:fillRef idx="1">
-            <a:schemeClr val="accent1"/>
-          </a:fillRef>
-          <a:effectRef idx="0">
-            <a:schemeClr val="accent1"/>
-          </a:effectRef>
-          <a:fontRef idx="minor">
-            <a:schemeClr val="lt1"/>
-          </a:fontRef>
-        </p:style>
-        <p:txBody>
-          <a:bodyPr rtlCol="0" anchor="ctr"/>
-          <a:lstStyle/>
-          <a:p>
-            <a:pPr algn="ctr"/>
-            <a:endParaRPr lang="pt-BR"/>
-          </a:p>
-        </p:txBody>
-      </p:sp>
-      <p:sp>
-        <p:nvSpPr>
-          <p:cNvPr id="14" name="Elipse 13">
-            <a:extLst>
-              <a:ext uri="{FF2B5EF4-FFF2-40B4-BE49-F238E27FC236}">
-                <a16:creationId xmlns:a16="http://schemas.microsoft.com/office/drawing/2014/main" id="{355FE64F-BF2A-CAAA-98CF-26783D5BCA51}"/>
-              </a:ext>
-            </a:extLst>
-          </p:cNvPr>
-          <p:cNvSpPr>
-            <a:spLocks noChangeAspect="1"/>
-          </p:cNvSpPr>
-          <p:nvPr/>
-        </p:nvSpPr>
-        <p:spPr>
-          <a:xfrm>
-            <a:off x="6573694" y="4854950"/>
-            <a:ext cx="180000" cy="180000"/>
-          </a:xfrm>
-          <a:prstGeom prst="ellipse">
-            <a:avLst/>
-          </a:prstGeom>
-          <a:solidFill>
-            <a:srgbClr val="C00000"/>
-          </a:solidFill>
-          <a:ln>
-            <a:noFill/>
-          </a:ln>
-        </p:spPr>
-        <p:style>
-          <a:lnRef idx="2">
-            <a:schemeClr val="accent1">
-              <a:shade val="15000"/>
-            </a:schemeClr>
-          </a:lnRef>
-          <a:fillRef idx="1">
-            <a:schemeClr val="accent1"/>
-          </a:fillRef>
-          <a:effectRef idx="0">
-            <a:schemeClr val="accent1"/>
-          </a:effectRef>
-          <a:fontRef idx="minor">
-            <a:schemeClr val="lt1"/>
-          </a:fontRef>
-        </p:style>
-        <p:txBody>
-          <a:bodyPr rtlCol="0" anchor="ctr"/>
-          <a:lstStyle/>
-          <a:p>
-            <a:pPr algn="ctr"/>
-            <a:endParaRPr lang="pt-BR"/>
-          </a:p>
-        </p:txBody>
-      </p:sp>
-      <p:sp>
-        <p:nvSpPr>
-          <p:cNvPr id="18" name="Elipse 17">
-            <a:extLst>
-              <a:ext uri="{FF2B5EF4-FFF2-40B4-BE49-F238E27FC236}">
-                <a16:creationId xmlns:a16="http://schemas.microsoft.com/office/drawing/2014/main" id="{6A79A0D2-641D-9E89-731F-645D95DB917A}"/>
-              </a:ext>
-            </a:extLst>
-          </p:cNvPr>
-          <p:cNvSpPr>
-            <a:spLocks noChangeAspect="1"/>
-          </p:cNvSpPr>
-          <p:nvPr/>
-        </p:nvSpPr>
-        <p:spPr>
-          <a:xfrm>
-            <a:off x="4314954" y="2213890"/>
-            <a:ext cx="180000" cy="180000"/>
-          </a:xfrm>
-          <a:prstGeom prst="ellipse">
-            <a:avLst/>
-          </a:prstGeom>
-          <a:solidFill>
-            <a:srgbClr val="C00000"/>
-          </a:solidFill>
-          <a:ln>
-            <a:noFill/>
-          </a:ln>
-        </p:spPr>
-        <p:style>
-          <a:lnRef idx="2">
-            <a:schemeClr val="accent1">
-              <a:shade val="15000"/>
-            </a:schemeClr>
-          </a:lnRef>
-          <a:fillRef idx="1">
-            <a:schemeClr val="accent1"/>
-          </a:fillRef>
-          <a:effectRef idx="0">
-            <a:schemeClr val="accent1"/>
-          </a:effectRef>
-          <a:fontRef idx="minor">
-            <a:schemeClr val="lt1"/>
-          </a:fontRef>
-        </p:style>
-        <p:txBody>
-          <a:bodyPr rtlCol="0" anchor="ctr"/>
-          <a:lstStyle/>
-          <a:p>
-            <a:pPr algn="ctr"/>
-            <a:endParaRPr lang="pt-BR"/>
-          </a:p>
-        </p:txBody>
-      </p:sp>
-      <p:sp>
-        <p:nvSpPr>
-          <p:cNvPr id="19" name="Elipse 18">
-            <a:extLst>
-              <a:ext uri="{FF2B5EF4-FFF2-40B4-BE49-F238E27FC236}">
-                <a16:creationId xmlns:a16="http://schemas.microsoft.com/office/drawing/2014/main" id="{F69D45F8-2D88-B8CA-68BF-B7B270BFFD9D}"/>
-              </a:ext>
-            </a:extLst>
-          </p:cNvPr>
-          <p:cNvSpPr>
-            <a:spLocks noChangeAspect="1"/>
-          </p:cNvSpPr>
-          <p:nvPr/>
-        </p:nvSpPr>
-        <p:spPr>
-          <a:xfrm>
-            <a:off x="6564267" y="2544955"/>
-            <a:ext cx="180000" cy="180000"/>
-          </a:xfrm>
-          <a:prstGeom prst="ellipse">
-            <a:avLst/>
-          </a:prstGeom>
-          <a:solidFill>
-            <a:srgbClr val="C00000"/>
-          </a:solidFill>
-          <a:ln>
-            <a:noFill/>
-          </a:ln>
-        </p:spPr>
-        <p:style>
-          <a:lnRef idx="2">
-            <a:schemeClr val="accent1">
-              <a:shade val="15000"/>
-            </a:schemeClr>
-          </a:lnRef>
-          <a:fillRef idx="1">
-            <a:schemeClr val="accent1"/>
-          </a:fillRef>
-          <a:effectRef idx="0">
-            <a:schemeClr val="accent1"/>
-          </a:effectRef>
-          <a:fontRef idx="minor">
-            <a:schemeClr val="lt1"/>
-          </a:fontRef>
-        </p:style>
-        <p:txBody>
-          <a:bodyPr rtlCol="0" anchor="ctr"/>
-          <a:lstStyle/>
-          <a:p>
-            <a:pPr algn="ctr"/>
-            <a:endParaRPr lang="pt-BR"/>
-          </a:p>
-        </p:txBody>
-      </p:sp>
-      <p:sp>
-        <p:nvSpPr>
-          <p:cNvPr id="20" name="Elipse 19">
-            <a:extLst>
-              <a:ext uri="{FF2B5EF4-FFF2-40B4-BE49-F238E27FC236}">
-                <a16:creationId xmlns:a16="http://schemas.microsoft.com/office/drawing/2014/main" id="{349582DA-5837-C733-C6E6-4131BADF3056}"/>
-              </a:ext>
-            </a:extLst>
-          </p:cNvPr>
-          <p:cNvSpPr>
-            <a:spLocks noChangeAspect="1"/>
-          </p:cNvSpPr>
-          <p:nvPr/>
-        </p:nvSpPr>
-        <p:spPr>
-          <a:xfrm>
-            <a:off x="5393091" y="1514869"/>
-            <a:ext cx="180000" cy="180000"/>
-          </a:xfrm>
-          <a:prstGeom prst="ellipse">
-            <a:avLst/>
-          </a:prstGeom>
-          <a:solidFill>
-            <a:srgbClr val="C00000"/>
-          </a:solidFill>
-          <a:ln>
-            <a:noFill/>
-          </a:ln>
-        </p:spPr>
-        <p:style>
-          <a:lnRef idx="2">
-            <a:schemeClr val="accent1">
-              <a:shade val="15000"/>
-            </a:schemeClr>
-          </a:lnRef>
-          <a:fillRef idx="1">
-            <a:schemeClr val="accent1"/>
-          </a:fillRef>
-          <a:effectRef idx="0">
-            <a:schemeClr val="accent1"/>
-          </a:effectRef>
-          <a:fontRef idx="minor">
-            <a:schemeClr val="lt1"/>
-          </a:fontRef>
-        </p:style>
-        <p:txBody>
-          <a:bodyPr rtlCol="0" anchor="ctr"/>
-          <a:lstStyle/>
-          <a:p>
-            <a:pPr algn="ctr"/>
-            <a:endParaRPr lang="pt-BR"/>
-          </a:p>
-        </p:txBody>
-      </p:sp>
-      <p:sp>
-        <p:nvSpPr>
-          <p:cNvPr id="21" name="Elipse 20">
-            <a:extLst>
-              <a:ext uri="{FF2B5EF4-FFF2-40B4-BE49-F238E27FC236}">
-                <a16:creationId xmlns:a16="http://schemas.microsoft.com/office/drawing/2014/main" id="{95D3BA02-B553-9479-9B8A-0FF872BD3A16}"/>
-              </a:ext>
-            </a:extLst>
-          </p:cNvPr>
-          <p:cNvSpPr>
-            <a:spLocks noChangeAspect="1"/>
-          </p:cNvSpPr>
-          <p:nvPr/>
-        </p:nvSpPr>
-        <p:spPr>
-          <a:xfrm>
-            <a:off x="7642404" y="1845934"/>
-            <a:ext cx="180000" cy="180000"/>
-          </a:xfrm>
-          <a:prstGeom prst="ellipse">
-            <a:avLst/>
-          </a:prstGeom>
-          <a:solidFill>
-            <a:srgbClr val="C00000"/>
-          </a:solidFill>
-          <a:ln>
-            <a:noFill/>
-          </a:ln>
-        </p:spPr>
-        <p:style>
-          <a:lnRef idx="2">
-            <a:schemeClr val="accent1">
-              <a:shade val="15000"/>
-            </a:schemeClr>
-          </a:lnRef>
-          <a:fillRef idx="1">
-            <a:schemeClr val="accent1"/>
-          </a:fillRef>
-          <a:effectRef idx="0">
-            <a:schemeClr val="accent1"/>
-          </a:effectRef>
-          <a:fontRef idx="minor">
-            <a:schemeClr val="lt1"/>
-          </a:fontRef>
-        </p:style>
-        <p:txBody>
-          <a:bodyPr rtlCol="0" anchor="ctr"/>
-          <a:lstStyle/>
-          <a:p>
-            <a:pPr algn="ctr"/>
-            <a:endParaRPr lang="pt-BR"/>
-          </a:p>
-        </p:txBody>
-      </p:sp>
-      <p:sp>
-        <p:nvSpPr>
-          <p:cNvPr id="22" name="Elipse 21">
-            <a:extLst>
-              <a:ext uri="{FF2B5EF4-FFF2-40B4-BE49-F238E27FC236}">
-                <a16:creationId xmlns:a16="http://schemas.microsoft.com/office/drawing/2014/main" id="{FC4AA287-9575-6C73-A09B-F3E406AC93B8}"/>
-              </a:ext>
-            </a:extLst>
-          </p:cNvPr>
-          <p:cNvSpPr>
-            <a:spLocks noChangeAspect="1"/>
-          </p:cNvSpPr>
-          <p:nvPr/>
-        </p:nvSpPr>
-        <p:spPr>
-          <a:xfrm>
-            <a:off x="7647568" y="4196645"/>
-            <a:ext cx="180000" cy="180000"/>
-          </a:xfrm>
-          <a:prstGeom prst="ellipse">
-            <a:avLst/>
-          </a:prstGeom>
-          <a:solidFill>
-            <a:srgbClr val="C00000"/>
-          </a:solidFill>
-          <a:ln>
-            <a:noFill/>
-          </a:ln>
-        </p:spPr>
-        <p:style>
-          <a:lnRef idx="2">
-            <a:schemeClr val="accent1">
-              <a:shade val="15000"/>
-            </a:schemeClr>
-          </a:lnRef>
-          <a:fillRef idx="1">
-            <a:schemeClr val="accent1"/>
-          </a:fillRef>
-          <a:effectRef idx="0">
-            <a:schemeClr val="accent1"/>
-          </a:effectRef>
-          <a:fontRef idx="minor">
-            <a:schemeClr val="lt1"/>
-          </a:fontRef>
-        </p:style>
-        <p:txBody>
-          <a:bodyPr rtlCol="0" anchor="ctr"/>
-          <a:lstStyle/>
-          <a:p>
-            <a:pPr algn="ctr"/>
-            <a:endParaRPr lang="pt-BR"/>
-          </a:p>
-        </p:txBody>
-      </p:sp>
-      <p:sp>
-        <p:nvSpPr>
-          <p:cNvPr id="23" name="CaixaDeTexto 22">
-            <a:extLst>
-              <a:ext uri="{FF2B5EF4-FFF2-40B4-BE49-F238E27FC236}">
-                <a16:creationId xmlns:a16="http://schemas.microsoft.com/office/drawing/2014/main" id="{F8B2583E-1C31-4159-C72D-06C7DA9D4E5B}"/>
-              </a:ext>
-            </a:extLst>
-          </p:cNvPr>
-          <p:cNvSpPr txBox="1"/>
-          <p:nvPr/>
-        </p:nvSpPr>
-        <p:spPr>
-          <a:xfrm>
-            <a:off x="3328972" y="4625654"/>
-            <a:ext cx="1087157" cy="369332"/>
-          </a:xfrm>
-          <a:prstGeom prst="rect">
-            <a:avLst/>
-          </a:prstGeom>
-          <a:noFill/>
-        </p:spPr>
-        <p:txBody>
-          <a:bodyPr wrap="none" rtlCol="0">
-            <a:spAutoFit/>
-          </a:bodyPr>
-          <a:lstStyle/>
-          <a:p>
-            <a:pPr algn="r"/>
-            <a:r>
-              <a:rPr lang="pt-BR" dirty="0">
-                <a:solidFill>
-                  <a:schemeClr val="bg1"/>
-                </a:solidFill>
-              </a:rPr>
-              <a:t>x0, y0, z1</a:t>
-            </a:r>
-          </a:p>
-        </p:txBody>
-      </p:sp>
-      <p:sp>
-        <p:nvSpPr>
-          <p:cNvPr id="24" name="CaixaDeTexto 23">
-            <a:extLst>
-              <a:ext uri="{FF2B5EF4-FFF2-40B4-BE49-F238E27FC236}">
-                <a16:creationId xmlns:a16="http://schemas.microsoft.com/office/drawing/2014/main" id="{E377BFF3-6A70-A396-0FB8-F46941B388EC}"/>
-              </a:ext>
-            </a:extLst>
-          </p:cNvPr>
-          <p:cNvSpPr txBox="1"/>
-          <p:nvPr/>
-        </p:nvSpPr>
-        <p:spPr>
-          <a:xfrm>
-            <a:off x="3297683" y="1927550"/>
-            <a:ext cx="1087157" cy="369332"/>
-          </a:xfrm>
-          <a:prstGeom prst="rect">
-            <a:avLst/>
-          </a:prstGeom>
-          <a:noFill/>
-        </p:spPr>
-        <p:txBody>
-          <a:bodyPr wrap="none" rtlCol="0" anchor="b">
-            <a:spAutoFit/>
-          </a:bodyPr>
-          <a:lstStyle/>
-          <a:p>
-            <a:pPr algn="r"/>
-            <a:r>
-              <a:rPr lang="pt-BR" dirty="0">
-                <a:solidFill>
-                  <a:schemeClr val="bg1"/>
-                </a:solidFill>
-              </a:rPr>
-              <a:t>x0, y1, z1</a:t>
-            </a:r>
-          </a:p>
-        </p:txBody>
-      </p:sp>
-      <p:sp>
-        <p:nvSpPr>
-          <p:cNvPr id="25" name="CaixaDeTexto 24">
-            <a:extLst>
-              <a:ext uri="{FF2B5EF4-FFF2-40B4-BE49-F238E27FC236}">
-                <a16:creationId xmlns:a16="http://schemas.microsoft.com/office/drawing/2014/main" id="{8668C6B8-9992-989D-EAAA-59A3EF275203}"/>
-              </a:ext>
-            </a:extLst>
-          </p:cNvPr>
-          <p:cNvSpPr txBox="1"/>
-          <p:nvPr/>
-        </p:nvSpPr>
-        <p:spPr>
-          <a:xfrm>
-            <a:off x="6667315" y="4968356"/>
-            <a:ext cx="1087157" cy="369332"/>
-          </a:xfrm>
-          <a:prstGeom prst="rect">
-            <a:avLst/>
-          </a:prstGeom>
-          <a:noFill/>
-        </p:spPr>
-        <p:txBody>
-          <a:bodyPr wrap="none" rtlCol="0">
-            <a:spAutoFit/>
-          </a:bodyPr>
-          <a:lstStyle/>
-          <a:p>
-            <a:r>
-              <a:rPr lang="pt-BR" dirty="0">
-                <a:solidFill>
-                  <a:schemeClr val="bg1"/>
-                </a:solidFill>
-              </a:rPr>
-              <a:t>x1, y0, z1</a:t>
-            </a:r>
-          </a:p>
-        </p:txBody>
-      </p:sp>
-      <p:sp>
-        <p:nvSpPr>
-          <p:cNvPr id="26" name="CaixaDeTexto 25">
-            <a:extLst>
-              <a:ext uri="{FF2B5EF4-FFF2-40B4-BE49-F238E27FC236}">
-                <a16:creationId xmlns:a16="http://schemas.microsoft.com/office/drawing/2014/main" id="{833AC2D8-ED0A-75F8-940E-A5AF95DAD9EA}"/>
-              </a:ext>
-            </a:extLst>
-          </p:cNvPr>
-          <p:cNvSpPr txBox="1"/>
-          <p:nvPr/>
-        </p:nvSpPr>
-        <p:spPr>
-          <a:xfrm>
-            <a:off x="6663694" y="2252209"/>
-            <a:ext cx="1087157" cy="369332"/>
-          </a:xfrm>
-          <a:prstGeom prst="rect">
-            <a:avLst/>
-          </a:prstGeom>
-          <a:solidFill>
-            <a:schemeClr val="tx1">
-              <a:lumMod val="95000"/>
-              <a:lumOff val="5000"/>
-              <a:alpha val="50000"/>
-            </a:schemeClr>
-          </a:solidFill>
-        </p:spPr>
-        <p:txBody>
-          <a:bodyPr wrap="none" rtlCol="0" anchor="b">
-            <a:spAutoFit/>
-          </a:bodyPr>
-          <a:lstStyle/>
-          <a:p>
-            <a:r>
-              <a:rPr lang="pt-BR" dirty="0">
-                <a:solidFill>
-                  <a:schemeClr val="bg1"/>
-                </a:solidFill>
-              </a:rPr>
-              <a:t>x1, y1, z1</a:t>
-            </a:r>
-          </a:p>
-        </p:txBody>
-      </p:sp>
-      <p:sp>
-        <p:nvSpPr>
-          <p:cNvPr id="27" name="CaixaDeTexto 26">
-            <a:extLst>
-              <a:ext uri="{FF2B5EF4-FFF2-40B4-BE49-F238E27FC236}">
-                <a16:creationId xmlns:a16="http://schemas.microsoft.com/office/drawing/2014/main" id="{96A6282A-9F3E-1B25-CF1A-D2D84197ACC7}"/>
-              </a:ext>
-            </a:extLst>
-          </p:cNvPr>
-          <p:cNvSpPr txBox="1"/>
-          <p:nvPr/>
-        </p:nvSpPr>
-        <p:spPr>
-          <a:xfrm>
-            <a:off x="4384590" y="1227525"/>
-            <a:ext cx="1087157" cy="369332"/>
-          </a:xfrm>
-          <a:prstGeom prst="rect">
-            <a:avLst/>
-          </a:prstGeom>
-          <a:noFill/>
-        </p:spPr>
-        <p:txBody>
-          <a:bodyPr wrap="none" rtlCol="0" anchor="b">
-            <a:spAutoFit/>
-          </a:bodyPr>
-          <a:lstStyle/>
-          <a:p>
-            <a:pPr algn="r"/>
-            <a:r>
-              <a:rPr lang="pt-BR" dirty="0">
-                <a:solidFill>
-                  <a:schemeClr val="bg1"/>
-                </a:solidFill>
-              </a:rPr>
-              <a:t>x0, y1, z0</a:t>
-            </a:r>
-          </a:p>
-        </p:txBody>
-      </p:sp>
-      <p:sp>
-        <p:nvSpPr>
-          <p:cNvPr id="28" name="CaixaDeTexto 27">
-            <a:extLst>
-              <a:ext uri="{FF2B5EF4-FFF2-40B4-BE49-F238E27FC236}">
-                <a16:creationId xmlns:a16="http://schemas.microsoft.com/office/drawing/2014/main" id="{11E24A0D-532E-AC12-3B55-0DE34B7C3636}"/>
-              </a:ext>
-            </a:extLst>
-          </p:cNvPr>
-          <p:cNvSpPr txBox="1"/>
-          <p:nvPr/>
-        </p:nvSpPr>
-        <p:spPr>
-          <a:xfrm>
-            <a:off x="7754222" y="4268331"/>
-            <a:ext cx="1087157" cy="369332"/>
-          </a:xfrm>
-          <a:prstGeom prst="rect">
-            <a:avLst/>
-          </a:prstGeom>
-          <a:noFill/>
-        </p:spPr>
-        <p:txBody>
-          <a:bodyPr wrap="none" rtlCol="0">
-            <a:spAutoFit/>
-          </a:bodyPr>
-          <a:lstStyle/>
-          <a:p>
-            <a:r>
-              <a:rPr lang="pt-BR" dirty="0">
-                <a:solidFill>
-                  <a:schemeClr val="bg1"/>
-                </a:solidFill>
-              </a:rPr>
-              <a:t>x1, y0, z0</a:t>
-            </a:r>
-          </a:p>
-        </p:txBody>
-      </p:sp>
-      <p:sp>
-        <p:nvSpPr>
-          <p:cNvPr id="29" name="CaixaDeTexto 28">
-            <a:extLst>
-              <a:ext uri="{FF2B5EF4-FFF2-40B4-BE49-F238E27FC236}">
-                <a16:creationId xmlns:a16="http://schemas.microsoft.com/office/drawing/2014/main" id="{5BA67BCA-997B-6CE3-63A5-6115359573C7}"/>
-              </a:ext>
-            </a:extLst>
-          </p:cNvPr>
-          <p:cNvSpPr txBox="1"/>
-          <p:nvPr/>
-        </p:nvSpPr>
-        <p:spPr>
-          <a:xfrm>
-            <a:off x="7750601" y="1552184"/>
-            <a:ext cx="1087157" cy="369332"/>
-          </a:xfrm>
-          <a:prstGeom prst="rect">
-            <a:avLst/>
-          </a:prstGeom>
-          <a:noFill/>
-        </p:spPr>
-        <p:txBody>
-          <a:bodyPr wrap="none" rtlCol="0" anchor="b">
-            <a:spAutoFit/>
-          </a:bodyPr>
-          <a:lstStyle/>
-          <a:p>
-            <a:r>
-              <a:rPr lang="pt-BR" dirty="0">
-                <a:solidFill>
-                  <a:schemeClr val="bg1"/>
-                </a:solidFill>
-              </a:rPr>
-              <a:t>x1, y1, z0</a:t>
-            </a:r>
-          </a:p>
-        </p:txBody>
-      </p:sp>
-    </p:spTree>
-    <p:extLst>
-      <p:ext uri="{BB962C8B-B14F-4D97-AF65-F5344CB8AC3E}">
-        <p14:creationId xmlns:p14="http://schemas.microsoft.com/office/powerpoint/2010/main" val="4281992643"/>
       </p:ext>
     </p:extLst>
   </p:cSld>
@@ -5540,7 +11172,7 @@
         <p:cNvPr id="1" name="">
           <a:extLst>
             <a:ext uri="{FF2B5EF4-FFF2-40B4-BE49-F238E27FC236}">
-              <a16:creationId xmlns:a16="http://schemas.microsoft.com/office/drawing/2014/main" id="{99052162-7F62-341C-BB74-9B11F2C4F6D1}"/>
+              <a16:creationId xmlns:a16="http://schemas.microsoft.com/office/drawing/2014/main" id="{B8C63866-6E94-B4E6-A812-BF407BFFFADC}"/>
             </a:ext>
           </a:extLst>
         </p:cNvPr>
@@ -5560,7 +11192,7 @@
           <p:cNvPr id="2" name="Retângulo 1">
             <a:extLst>
               <a:ext uri="{FF2B5EF4-FFF2-40B4-BE49-F238E27FC236}">
-                <a16:creationId xmlns:a16="http://schemas.microsoft.com/office/drawing/2014/main" id="{01211219-6E4C-2DE9-1AB0-CFEEF27F8D03}"/>
+                <a16:creationId xmlns:a16="http://schemas.microsoft.com/office/drawing/2014/main" id="{9B9F2CA1-041C-3F95-05CF-65CB3DB2D095}"/>
               </a:ext>
             </a:extLst>
           </p:cNvPr>
@@ -5610,10 +11242,1862 @@
           </a:p>
         </p:txBody>
       </p:sp>
+      <p:sp>
+        <p:nvSpPr>
+          <p:cNvPr id="3" name="Triângulo Retângulo 2">
+            <a:extLst>
+              <a:ext uri="{FF2B5EF4-FFF2-40B4-BE49-F238E27FC236}">
+                <a16:creationId xmlns:a16="http://schemas.microsoft.com/office/drawing/2014/main" id="{595F7EF9-5EF2-6936-82DD-BFB456645B3F}"/>
+              </a:ext>
+            </a:extLst>
+          </p:cNvPr>
+          <p:cNvSpPr>
+            <a:spLocks noChangeAspect="1"/>
+          </p:cNvSpPr>
+          <p:nvPr/>
+        </p:nvSpPr>
+        <p:spPr>
+          <a:xfrm flipV="1">
+            <a:off x="4406830" y="1781663"/>
+            <a:ext cx="2437200" cy="2437200"/>
+          </a:xfrm>
+          <a:prstGeom prst="rtTriangle">
+            <a:avLst/>
+          </a:prstGeom>
+          <a:blipFill dpi="0" rotWithShape="0">
+            <a:blip r:embed="rId2"/>
+            <a:srcRect/>
+            <a:stretch>
+              <a:fillRect/>
+            </a:stretch>
+          </a:blipFill>
+          <a:ln>
+            <a:solidFill>
+              <a:schemeClr val="tx1"/>
+            </a:solidFill>
+          </a:ln>
+        </p:spPr>
+        <p:style>
+          <a:lnRef idx="2">
+            <a:schemeClr val="accent1">
+              <a:shade val="15000"/>
+            </a:schemeClr>
+          </a:lnRef>
+          <a:fillRef idx="1">
+            <a:schemeClr val="accent1"/>
+          </a:fillRef>
+          <a:effectRef idx="0">
+            <a:schemeClr val="accent1"/>
+          </a:effectRef>
+          <a:fontRef idx="minor">
+            <a:schemeClr val="lt1"/>
+          </a:fontRef>
+        </p:style>
+        <p:txBody>
+          <a:bodyPr rtlCol="0" anchor="ctr"/>
+          <a:lstStyle/>
+          <a:p>
+            <a:pPr algn="ctr"/>
+            <a:endParaRPr lang="pt-BR"/>
+          </a:p>
+        </p:txBody>
+      </p:sp>
+      <p:sp>
+        <p:nvSpPr>
+          <p:cNvPr id="6" name="Elipse 5">
+            <a:extLst>
+              <a:ext uri="{FF2B5EF4-FFF2-40B4-BE49-F238E27FC236}">
+                <a16:creationId xmlns:a16="http://schemas.microsoft.com/office/drawing/2014/main" id="{3A940BA8-BF71-9A1C-1818-7024E796708E}"/>
+              </a:ext>
+            </a:extLst>
+          </p:cNvPr>
+          <p:cNvSpPr>
+            <a:spLocks noChangeAspect="1"/>
+          </p:cNvSpPr>
+          <p:nvPr/>
+        </p:nvSpPr>
+        <p:spPr>
+          <a:xfrm>
+            <a:off x="4315290" y="1685996"/>
+            <a:ext cx="180000" cy="180000"/>
+          </a:xfrm>
+          <a:prstGeom prst="ellipse">
+            <a:avLst/>
+          </a:prstGeom>
+          <a:solidFill>
+            <a:srgbClr val="C00000"/>
+          </a:solidFill>
+          <a:ln>
+            <a:noFill/>
+          </a:ln>
+        </p:spPr>
+        <p:style>
+          <a:lnRef idx="2">
+            <a:schemeClr val="accent1">
+              <a:shade val="15000"/>
+            </a:schemeClr>
+          </a:lnRef>
+          <a:fillRef idx="1">
+            <a:schemeClr val="accent1"/>
+          </a:fillRef>
+          <a:effectRef idx="0">
+            <a:schemeClr val="accent1"/>
+          </a:effectRef>
+          <a:fontRef idx="minor">
+            <a:schemeClr val="lt1"/>
+          </a:fontRef>
+        </p:style>
+        <p:txBody>
+          <a:bodyPr rtlCol="0" anchor="ctr"/>
+          <a:lstStyle/>
+          <a:p>
+            <a:pPr algn="ctr"/>
+            <a:endParaRPr lang="pt-BR"/>
+          </a:p>
+        </p:txBody>
+      </p:sp>
+      <p:sp>
+        <p:nvSpPr>
+          <p:cNvPr id="10" name="Elipse 9">
+            <a:extLst>
+              <a:ext uri="{FF2B5EF4-FFF2-40B4-BE49-F238E27FC236}">
+                <a16:creationId xmlns:a16="http://schemas.microsoft.com/office/drawing/2014/main" id="{04601FD8-88D9-5C54-E56A-9364D3F9542D}"/>
+              </a:ext>
+            </a:extLst>
+          </p:cNvPr>
+          <p:cNvSpPr>
+            <a:spLocks noChangeAspect="1"/>
+          </p:cNvSpPr>
+          <p:nvPr/>
+        </p:nvSpPr>
+        <p:spPr>
+          <a:xfrm>
+            <a:off x="6754032" y="1685996"/>
+            <a:ext cx="180000" cy="180000"/>
+          </a:xfrm>
+          <a:prstGeom prst="ellipse">
+            <a:avLst/>
+          </a:prstGeom>
+          <a:solidFill>
+            <a:srgbClr val="C00000"/>
+          </a:solidFill>
+          <a:ln>
+            <a:noFill/>
+          </a:ln>
+        </p:spPr>
+        <p:style>
+          <a:lnRef idx="2">
+            <a:schemeClr val="accent1">
+              <a:shade val="15000"/>
+            </a:schemeClr>
+          </a:lnRef>
+          <a:fillRef idx="1">
+            <a:schemeClr val="accent1"/>
+          </a:fillRef>
+          <a:effectRef idx="0">
+            <a:schemeClr val="accent1"/>
+          </a:effectRef>
+          <a:fontRef idx="minor">
+            <a:schemeClr val="lt1"/>
+          </a:fontRef>
+        </p:style>
+        <p:txBody>
+          <a:bodyPr rtlCol="0" anchor="ctr"/>
+          <a:lstStyle/>
+          <a:p>
+            <a:pPr algn="ctr"/>
+            <a:endParaRPr lang="pt-BR"/>
+          </a:p>
+        </p:txBody>
+      </p:sp>
+      <p:sp>
+        <p:nvSpPr>
+          <p:cNvPr id="12" name="CaixaDeTexto 11">
+            <a:extLst>
+              <a:ext uri="{FF2B5EF4-FFF2-40B4-BE49-F238E27FC236}">
+                <a16:creationId xmlns:a16="http://schemas.microsoft.com/office/drawing/2014/main" id="{A9278FA8-485C-2381-8501-0038064934C3}"/>
+              </a:ext>
+            </a:extLst>
+          </p:cNvPr>
+          <p:cNvSpPr txBox="1"/>
+          <p:nvPr/>
+        </p:nvSpPr>
+        <p:spPr>
+          <a:xfrm>
+            <a:off x="3460800" y="1406664"/>
+            <a:ext cx="944490" cy="369332"/>
+          </a:xfrm>
+          <a:prstGeom prst="rect">
+            <a:avLst/>
+          </a:prstGeom>
+          <a:noFill/>
+        </p:spPr>
+        <p:txBody>
+          <a:bodyPr wrap="none" rtlCol="0" anchor="b">
+            <a:spAutoFit/>
+          </a:bodyPr>
+          <a:lstStyle/>
+          <a:p>
+            <a:pPr algn="r"/>
+            <a:r>
+              <a:rPr lang="pt-BR" dirty="0">
+                <a:solidFill>
+                  <a:schemeClr val="bg1"/>
+                </a:solidFill>
+                <a:latin typeface="Consolas" panose="020B0609020204030204" pitchFamily="49" charset="0"/>
+              </a:rPr>
+              <a:t>x0, y1</a:t>
+            </a:r>
+          </a:p>
+        </p:txBody>
+      </p:sp>
+      <p:sp>
+        <p:nvSpPr>
+          <p:cNvPr id="13" name="CaixaDeTexto 12">
+            <a:extLst>
+              <a:ext uri="{FF2B5EF4-FFF2-40B4-BE49-F238E27FC236}">
+                <a16:creationId xmlns:a16="http://schemas.microsoft.com/office/drawing/2014/main" id="{D4FE65D7-FC1C-A3CC-80D3-CF5729BB2B0B}"/>
+              </a:ext>
+            </a:extLst>
+          </p:cNvPr>
+          <p:cNvSpPr txBox="1"/>
+          <p:nvPr/>
+        </p:nvSpPr>
+        <p:spPr>
+          <a:xfrm>
+            <a:off x="6844030" y="1402904"/>
+            <a:ext cx="944489" cy="369332"/>
+          </a:xfrm>
+          <a:prstGeom prst="rect">
+            <a:avLst/>
+          </a:prstGeom>
+          <a:noFill/>
+        </p:spPr>
+        <p:txBody>
+          <a:bodyPr wrap="none" rtlCol="0" anchor="b">
+            <a:spAutoFit/>
+          </a:bodyPr>
+          <a:lstStyle/>
+          <a:p>
+            <a:r>
+              <a:rPr lang="pt-BR" dirty="0">
+                <a:solidFill>
+                  <a:schemeClr val="bg1"/>
+                </a:solidFill>
+                <a:latin typeface="Consolas" panose="020B0609020204030204" pitchFamily="49" charset="0"/>
+              </a:rPr>
+              <a:t>x1, y1</a:t>
+            </a:r>
+          </a:p>
+        </p:txBody>
+      </p:sp>
+      <p:sp>
+        <p:nvSpPr>
+          <p:cNvPr id="18" name="Elipse 17">
+            <a:extLst>
+              <a:ext uri="{FF2B5EF4-FFF2-40B4-BE49-F238E27FC236}">
+                <a16:creationId xmlns:a16="http://schemas.microsoft.com/office/drawing/2014/main" id="{0ADEA427-E4C0-FBCD-5A1F-B895DC4554D4}"/>
+              </a:ext>
+            </a:extLst>
+          </p:cNvPr>
+          <p:cNvSpPr>
+            <a:spLocks noChangeAspect="1"/>
+          </p:cNvSpPr>
+          <p:nvPr/>
+        </p:nvSpPr>
+        <p:spPr>
+          <a:xfrm>
+            <a:off x="4315290" y="4124736"/>
+            <a:ext cx="180000" cy="180000"/>
+          </a:xfrm>
+          <a:prstGeom prst="ellipse">
+            <a:avLst/>
+          </a:prstGeom>
+          <a:solidFill>
+            <a:srgbClr val="C00000"/>
+          </a:solidFill>
+          <a:ln>
+            <a:noFill/>
+          </a:ln>
+        </p:spPr>
+        <p:style>
+          <a:lnRef idx="2">
+            <a:schemeClr val="accent1">
+              <a:shade val="15000"/>
+            </a:schemeClr>
+          </a:lnRef>
+          <a:fillRef idx="1">
+            <a:schemeClr val="accent1"/>
+          </a:fillRef>
+          <a:effectRef idx="0">
+            <a:schemeClr val="accent1"/>
+          </a:effectRef>
+          <a:fontRef idx="minor">
+            <a:schemeClr val="lt1"/>
+          </a:fontRef>
+        </p:style>
+        <p:txBody>
+          <a:bodyPr rtlCol="0" anchor="ctr"/>
+          <a:lstStyle/>
+          <a:p>
+            <a:pPr algn="ctr"/>
+            <a:endParaRPr lang="pt-BR"/>
+          </a:p>
+        </p:txBody>
+      </p:sp>
+      <p:sp>
+        <p:nvSpPr>
+          <p:cNvPr id="19" name="CaixaDeTexto 18">
+            <a:extLst>
+              <a:ext uri="{FF2B5EF4-FFF2-40B4-BE49-F238E27FC236}">
+                <a16:creationId xmlns:a16="http://schemas.microsoft.com/office/drawing/2014/main" id="{BCBCFF84-5AC1-1CD3-F953-BFA4F1DFD25A}"/>
+              </a:ext>
+            </a:extLst>
+          </p:cNvPr>
+          <p:cNvSpPr txBox="1"/>
+          <p:nvPr/>
+        </p:nvSpPr>
+        <p:spPr>
+          <a:xfrm>
+            <a:off x="3460800" y="4214736"/>
+            <a:ext cx="944490" cy="369332"/>
+          </a:xfrm>
+          <a:prstGeom prst="rect">
+            <a:avLst/>
+          </a:prstGeom>
+          <a:noFill/>
+        </p:spPr>
+        <p:txBody>
+          <a:bodyPr wrap="none" rtlCol="0">
+            <a:spAutoFit/>
+          </a:bodyPr>
+          <a:lstStyle/>
+          <a:p>
+            <a:pPr algn="r"/>
+            <a:r>
+              <a:rPr lang="pt-BR" dirty="0">
+                <a:solidFill>
+                  <a:schemeClr val="bg1"/>
+                </a:solidFill>
+                <a:latin typeface="Consolas" panose="020B0609020204030204" pitchFamily="49" charset="0"/>
+              </a:rPr>
+              <a:t>x0, y0</a:t>
+            </a:r>
+          </a:p>
+        </p:txBody>
+      </p:sp>
+      <p:sp>
+        <p:nvSpPr>
+          <p:cNvPr id="20" name="Triângulo Retângulo 19">
+            <a:extLst>
+              <a:ext uri="{FF2B5EF4-FFF2-40B4-BE49-F238E27FC236}">
+                <a16:creationId xmlns:a16="http://schemas.microsoft.com/office/drawing/2014/main" id="{D5264DEE-F6D3-41DE-AA8E-8F548A6ED53A}"/>
+              </a:ext>
+            </a:extLst>
+          </p:cNvPr>
+          <p:cNvSpPr>
+            <a:spLocks noChangeAspect="1"/>
+          </p:cNvSpPr>
+          <p:nvPr/>
+        </p:nvSpPr>
+        <p:spPr>
+          <a:xfrm flipH="1">
+            <a:off x="5349510" y="2535441"/>
+            <a:ext cx="2437200" cy="2437200"/>
+          </a:xfrm>
+          <a:prstGeom prst="rtTriangle">
+            <a:avLst/>
+          </a:prstGeom>
+          <a:blipFill dpi="0" rotWithShape="0">
+            <a:blip r:embed="rId2"/>
+            <a:srcRect/>
+            <a:stretch>
+              <a:fillRect/>
+            </a:stretch>
+          </a:blipFill>
+          <a:ln>
+            <a:solidFill>
+              <a:schemeClr val="tx1"/>
+            </a:solidFill>
+          </a:ln>
+        </p:spPr>
+        <p:style>
+          <a:lnRef idx="2">
+            <a:schemeClr val="accent1">
+              <a:shade val="15000"/>
+            </a:schemeClr>
+          </a:lnRef>
+          <a:fillRef idx="1">
+            <a:schemeClr val="accent1"/>
+          </a:fillRef>
+          <a:effectRef idx="0">
+            <a:schemeClr val="accent1"/>
+          </a:effectRef>
+          <a:fontRef idx="minor">
+            <a:schemeClr val="lt1"/>
+          </a:fontRef>
+        </p:style>
+        <p:txBody>
+          <a:bodyPr rtlCol="0" anchor="ctr"/>
+          <a:lstStyle/>
+          <a:p>
+            <a:pPr algn="ctr"/>
+            <a:endParaRPr lang="pt-BR"/>
+          </a:p>
+        </p:txBody>
+      </p:sp>
+      <p:sp>
+        <p:nvSpPr>
+          <p:cNvPr id="21" name="Elipse 20">
+            <a:extLst>
+              <a:ext uri="{FF2B5EF4-FFF2-40B4-BE49-F238E27FC236}">
+                <a16:creationId xmlns:a16="http://schemas.microsoft.com/office/drawing/2014/main" id="{B6CCC7CB-F304-23DF-CC65-CB8911464F5B}"/>
+              </a:ext>
+            </a:extLst>
+          </p:cNvPr>
+          <p:cNvSpPr>
+            <a:spLocks noChangeAspect="1"/>
+          </p:cNvSpPr>
+          <p:nvPr/>
+        </p:nvSpPr>
+        <p:spPr>
+          <a:xfrm>
+            <a:off x="7696712" y="2440141"/>
+            <a:ext cx="180000" cy="180000"/>
+          </a:xfrm>
+          <a:prstGeom prst="ellipse">
+            <a:avLst/>
+          </a:prstGeom>
+          <a:solidFill>
+            <a:srgbClr val="C00000"/>
+          </a:solidFill>
+          <a:ln>
+            <a:noFill/>
+          </a:ln>
+        </p:spPr>
+        <p:style>
+          <a:lnRef idx="2">
+            <a:schemeClr val="accent1">
+              <a:shade val="15000"/>
+            </a:schemeClr>
+          </a:lnRef>
+          <a:fillRef idx="1">
+            <a:schemeClr val="accent1"/>
+          </a:fillRef>
+          <a:effectRef idx="0">
+            <a:schemeClr val="accent1"/>
+          </a:effectRef>
+          <a:fontRef idx="minor">
+            <a:schemeClr val="lt1"/>
+          </a:fontRef>
+        </p:style>
+        <p:txBody>
+          <a:bodyPr rtlCol="0" anchor="ctr"/>
+          <a:lstStyle/>
+          <a:p>
+            <a:pPr algn="ctr"/>
+            <a:endParaRPr lang="pt-BR"/>
+          </a:p>
+        </p:txBody>
+      </p:sp>
+      <p:sp>
+        <p:nvSpPr>
+          <p:cNvPr id="22" name="CaixaDeTexto 21">
+            <a:extLst>
+              <a:ext uri="{FF2B5EF4-FFF2-40B4-BE49-F238E27FC236}">
+                <a16:creationId xmlns:a16="http://schemas.microsoft.com/office/drawing/2014/main" id="{AB70B389-499E-5867-2F8C-68C7A4B75471}"/>
+              </a:ext>
+            </a:extLst>
+          </p:cNvPr>
+          <p:cNvSpPr txBox="1"/>
+          <p:nvPr/>
+        </p:nvSpPr>
+        <p:spPr>
+          <a:xfrm>
+            <a:off x="7786710" y="2157049"/>
+            <a:ext cx="944489" cy="369332"/>
+          </a:xfrm>
+          <a:prstGeom prst="rect">
+            <a:avLst/>
+          </a:prstGeom>
+          <a:noFill/>
+        </p:spPr>
+        <p:txBody>
+          <a:bodyPr wrap="none" rtlCol="0" anchor="b">
+            <a:spAutoFit/>
+          </a:bodyPr>
+          <a:lstStyle/>
+          <a:p>
+            <a:r>
+              <a:rPr lang="pt-BR" dirty="0">
+                <a:solidFill>
+                  <a:schemeClr val="bg1"/>
+                </a:solidFill>
+                <a:latin typeface="Consolas" panose="020B0609020204030204" pitchFamily="49" charset="0"/>
+              </a:rPr>
+              <a:t>x1, y1</a:t>
+            </a:r>
+          </a:p>
+        </p:txBody>
+      </p:sp>
+      <p:sp>
+        <p:nvSpPr>
+          <p:cNvPr id="23" name="Elipse 22">
+            <a:extLst>
+              <a:ext uri="{FF2B5EF4-FFF2-40B4-BE49-F238E27FC236}">
+                <a16:creationId xmlns:a16="http://schemas.microsoft.com/office/drawing/2014/main" id="{C6AC6BC3-374B-066F-FAA8-EA05A2938369}"/>
+              </a:ext>
+            </a:extLst>
+          </p:cNvPr>
+          <p:cNvSpPr>
+            <a:spLocks noChangeAspect="1"/>
+          </p:cNvSpPr>
+          <p:nvPr/>
+        </p:nvSpPr>
+        <p:spPr>
+          <a:xfrm>
+            <a:off x="5257970" y="4878881"/>
+            <a:ext cx="180000" cy="180000"/>
+          </a:xfrm>
+          <a:prstGeom prst="ellipse">
+            <a:avLst/>
+          </a:prstGeom>
+          <a:solidFill>
+            <a:srgbClr val="C00000"/>
+          </a:solidFill>
+          <a:ln>
+            <a:noFill/>
+          </a:ln>
+        </p:spPr>
+        <p:style>
+          <a:lnRef idx="2">
+            <a:schemeClr val="accent1">
+              <a:shade val="15000"/>
+            </a:schemeClr>
+          </a:lnRef>
+          <a:fillRef idx="1">
+            <a:schemeClr val="accent1"/>
+          </a:fillRef>
+          <a:effectRef idx="0">
+            <a:schemeClr val="accent1"/>
+          </a:effectRef>
+          <a:fontRef idx="minor">
+            <a:schemeClr val="lt1"/>
+          </a:fontRef>
+        </p:style>
+        <p:txBody>
+          <a:bodyPr rtlCol="0" anchor="ctr"/>
+          <a:lstStyle/>
+          <a:p>
+            <a:pPr algn="ctr"/>
+            <a:endParaRPr lang="pt-BR"/>
+          </a:p>
+        </p:txBody>
+      </p:sp>
+      <p:sp>
+        <p:nvSpPr>
+          <p:cNvPr id="24" name="Elipse 23">
+            <a:extLst>
+              <a:ext uri="{FF2B5EF4-FFF2-40B4-BE49-F238E27FC236}">
+                <a16:creationId xmlns:a16="http://schemas.microsoft.com/office/drawing/2014/main" id="{D31151EB-A981-354A-1DD6-1B4BD9A27B32}"/>
+              </a:ext>
+            </a:extLst>
+          </p:cNvPr>
+          <p:cNvSpPr>
+            <a:spLocks noChangeAspect="1"/>
+          </p:cNvSpPr>
+          <p:nvPr/>
+        </p:nvSpPr>
+        <p:spPr>
+          <a:xfrm>
+            <a:off x="7696712" y="4878881"/>
+            <a:ext cx="180000" cy="180000"/>
+          </a:xfrm>
+          <a:prstGeom prst="ellipse">
+            <a:avLst/>
+          </a:prstGeom>
+          <a:solidFill>
+            <a:srgbClr val="C00000"/>
+          </a:solidFill>
+          <a:ln>
+            <a:noFill/>
+          </a:ln>
+        </p:spPr>
+        <p:style>
+          <a:lnRef idx="2">
+            <a:schemeClr val="accent1">
+              <a:shade val="15000"/>
+            </a:schemeClr>
+          </a:lnRef>
+          <a:fillRef idx="1">
+            <a:schemeClr val="accent1"/>
+          </a:fillRef>
+          <a:effectRef idx="0">
+            <a:schemeClr val="accent1"/>
+          </a:effectRef>
+          <a:fontRef idx="minor">
+            <a:schemeClr val="lt1"/>
+          </a:fontRef>
+        </p:style>
+        <p:txBody>
+          <a:bodyPr rtlCol="0" anchor="ctr"/>
+          <a:lstStyle/>
+          <a:p>
+            <a:pPr algn="ctr"/>
+            <a:endParaRPr lang="pt-BR"/>
+          </a:p>
+        </p:txBody>
+      </p:sp>
+      <p:sp>
+        <p:nvSpPr>
+          <p:cNvPr id="25" name="CaixaDeTexto 24">
+            <a:extLst>
+              <a:ext uri="{FF2B5EF4-FFF2-40B4-BE49-F238E27FC236}">
+                <a16:creationId xmlns:a16="http://schemas.microsoft.com/office/drawing/2014/main" id="{7C2806A8-CE74-6357-F278-2924B19768DC}"/>
+              </a:ext>
+            </a:extLst>
+          </p:cNvPr>
+          <p:cNvSpPr txBox="1"/>
+          <p:nvPr/>
+        </p:nvSpPr>
+        <p:spPr>
+          <a:xfrm>
+            <a:off x="4403480" y="4968881"/>
+            <a:ext cx="944490" cy="369332"/>
+          </a:xfrm>
+          <a:prstGeom prst="rect">
+            <a:avLst/>
+          </a:prstGeom>
+          <a:noFill/>
+        </p:spPr>
+        <p:txBody>
+          <a:bodyPr wrap="none" rtlCol="0">
+            <a:spAutoFit/>
+          </a:bodyPr>
+          <a:lstStyle/>
+          <a:p>
+            <a:pPr algn="r"/>
+            <a:r>
+              <a:rPr lang="pt-BR" dirty="0">
+                <a:solidFill>
+                  <a:schemeClr val="bg1"/>
+                </a:solidFill>
+                <a:latin typeface="Consolas" panose="020B0609020204030204" pitchFamily="49" charset="0"/>
+              </a:rPr>
+              <a:t>x0, y0</a:t>
+            </a:r>
+          </a:p>
+        </p:txBody>
+      </p:sp>
+      <p:sp>
+        <p:nvSpPr>
+          <p:cNvPr id="26" name="CaixaDeTexto 25">
+            <a:extLst>
+              <a:ext uri="{FF2B5EF4-FFF2-40B4-BE49-F238E27FC236}">
+                <a16:creationId xmlns:a16="http://schemas.microsoft.com/office/drawing/2014/main" id="{F4078488-218D-BBFD-719E-D630359C33F1}"/>
+              </a:ext>
+            </a:extLst>
+          </p:cNvPr>
+          <p:cNvSpPr txBox="1"/>
+          <p:nvPr/>
+        </p:nvSpPr>
+        <p:spPr>
+          <a:xfrm>
+            <a:off x="7786710" y="4968881"/>
+            <a:ext cx="944489" cy="369332"/>
+          </a:xfrm>
+          <a:prstGeom prst="rect">
+            <a:avLst/>
+          </a:prstGeom>
+          <a:noFill/>
+        </p:spPr>
+        <p:txBody>
+          <a:bodyPr wrap="none" rtlCol="0">
+            <a:spAutoFit/>
+          </a:bodyPr>
+          <a:lstStyle/>
+          <a:p>
+            <a:r>
+              <a:rPr lang="pt-BR" dirty="0">
+                <a:solidFill>
+                  <a:schemeClr val="bg1"/>
+                </a:solidFill>
+                <a:latin typeface="Consolas" panose="020B0609020204030204" pitchFamily="49" charset="0"/>
+              </a:rPr>
+              <a:t>x1, y0</a:t>
+            </a:r>
+          </a:p>
+        </p:txBody>
+      </p:sp>
+      <p:sp>
+        <p:nvSpPr>
+          <p:cNvPr id="27" name="CaixaDeTexto 26">
+            <a:extLst>
+              <a:ext uri="{FF2B5EF4-FFF2-40B4-BE49-F238E27FC236}">
+                <a16:creationId xmlns:a16="http://schemas.microsoft.com/office/drawing/2014/main" id="{D894CC09-2D3D-7412-F06B-AECBF720FBF8}"/>
+              </a:ext>
+            </a:extLst>
+          </p:cNvPr>
+          <p:cNvSpPr txBox="1"/>
+          <p:nvPr/>
+        </p:nvSpPr>
+        <p:spPr>
+          <a:xfrm>
+            <a:off x="0" y="0"/>
+            <a:ext cx="2717411" cy="2585323"/>
+          </a:xfrm>
+          <a:prstGeom prst="rect">
+            <a:avLst/>
+          </a:prstGeom>
+          <a:noFill/>
+        </p:spPr>
+        <p:txBody>
+          <a:bodyPr wrap="none" rtlCol="0">
+            <a:spAutoFit/>
+          </a:bodyPr>
+          <a:lstStyle/>
+          <a:p>
+            <a:r>
+              <a:rPr lang="pt-BR" dirty="0" err="1">
+                <a:solidFill>
+                  <a:schemeClr val="bg1"/>
+                </a:solidFill>
+                <a:latin typeface="Consolas" panose="020B0609020204030204" pitchFamily="49" charset="0"/>
+              </a:rPr>
+              <a:t>float</a:t>
+            </a:r>
+            <a:r>
+              <a:rPr lang="pt-BR" dirty="0">
+                <a:solidFill>
+                  <a:schemeClr val="bg1"/>
+                </a:solidFill>
+                <a:latin typeface="Consolas" panose="020B0609020204030204" pitchFamily="49" charset="0"/>
+              </a:rPr>
+              <a:t>[] </a:t>
+            </a:r>
+            <a:r>
+              <a:rPr lang="pt-BR" dirty="0" err="1">
+                <a:solidFill>
+                  <a:schemeClr val="bg1"/>
+                </a:solidFill>
+                <a:latin typeface="Consolas" panose="020B0609020204030204" pitchFamily="49" charset="0"/>
+              </a:rPr>
+              <a:t>vertices</a:t>
+            </a:r>
+            <a:r>
+              <a:rPr lang="pt-BR" dirty="0">
+                <a:solidFill>
+                  <a:schemeClr val="bg1"/>
+                </a:solidFill>
+                <a:latin typeface="Consolas" panose="020B0609020204030204" pitchFamily="49" charset="0"/>
+              </a:rPr>
+              <a:t> = {</a:t>
+            </a:r>
+          </a:p>
+          <a:p>
+            <a:r>
+              <a:rPr lang="pt-BR" dirty="0">
+                <a:solidFill>
+                  <a:schemeClr val="bg1"/>
+                </a:solidFill>
+                <a:latin typeface="Consolas" panose="020B0609020204030204" pitchFamily="49" charset="0"/>
+              </a:rPr>
+              <a:t>    x0, y0, </a:t>
+            </a:r>
+            <a:r>
+              <a:rPr lang="pt-BR" dirty="0">
+                <a:solidFill>
+                  <a:schemeClr val="accent3"/>
+                </a:solidFill>
+                <a:latin typeface="Consolas" panose="020B0609020204030204" pitchFamily="49" charset="0"/>
+              </a:rPr>
+              <a:t>// 0</a:t>
+            </a:r>
+          </a:p>
+          <a:p>
+            <a:r>
+              <a:rPr lang="pt-BR" dirty="0">
+                <a:solidFill>
+                  <a:schemeClr val="bg1"/>
+                </a:solidFill>
+                <a:latin typeface="Consolas" panose="020B0609020204030204" pitchFamily="49" charset="0"/>
+              </a:rPr>
+              <a:t>    x1, y0, </a:t>
+            </a:r>
+            <a:r>
+              <a:rPr lang="pt-BR" dirty="0">
+                <a:solidFill>
+                  <a:schemeClr val="accent3"/>
+                </a:solidFill>
+                <a:latin typeface="Consolas" panose="020B0609020204030204" pitchFamily="49" charset="0"/>
+              </a:rPr>
+              <a:t>// 1</a:t>
+            </a:r>
+            <a:endParaRPr lang="pt-BR" dirty="0">
+              <a:solidFill>
+                <a:schemeClr val="bg1"/>
+              </a:solidFill>
+              <a:latin typeface="Consolas" panose="020B0609020204030204" pitchFamily="49" charset="0"/>
+            </a:endParaRPr>
+          </a:p>
+          <a:p>
+            <a:r>
+              <a:rPr lang="pt-BR" dirty="0">
+                <a:solidFill>
+                  <a:schemeClr val="bg1"/>
+                </a:solidFill>
+                <a:latin typeface="Consolas" panose="020B0609020204030204" pitchFamily="49" charset="0"/>
+              </a:rPr>
+              <a:t>    x1, y1, </a:t>
+            </a:r>
+            <a:r>
+              <a:rPr lang="pt-BR" dirty="0">
+                <a:solidFill>
+                  <a:schemeClr val="accent3"/>
+                </a:solidFill>
+                <a:latin typeface="Consolas" panose="020B0609020204030204" pitchFamily="49" charset="0"/>
+              </a:rPr>
+              <a:t>// 2</a:t>
+            </a:r>
+            <a:endParaRPr lang="pt-BR" dirty="0">
+              <a:solidFill>
+                <a:schemeClr val="bg1"/>
+              </a:solidFill>
+              <a:latin typeface="Consolas" panose="020B0609020204030204" pitchFamily="49" charset="0"/>
+            </a:endParaRPr>
+          </a:p>
+          <a:p>
+            <a:endParaRPr lang="pt-BR" dirty="0">
+              <a:solidFill>
+                <a:schemeClr val="bg1"/>
+              </a:solidFill>
+              <a:latin typeface="Consolas" panose="020B0609020204030204" pitchFamily="49" charset="0"/>
+            </a:endParaRPr>
+          </a:p>
+          <a:p>
+            <a:r>
+              <a:rPr lang="pt-BR" dirty="0">
+                <a:solidFill>
+                  <a:schemeClr val="bg1"/>
+                </a:solidFill>
+                <a:latin typeface="Consolas" panose="020B0609020204030204" pitchFamily="49" charset="0"/>
+              </a:rPr>
+              <a:t>    x0, y0, </a:t>
+            </a:r>
+            <a:r>
+              <a:rPr lang="pt-BR" dirty="0">
+                <a:solidFill>
+                  <a:schemeClr val="accent3"/>
+                </a:solidFill>
+                <a:latin typeface="Consolas" panose="020B0609020204030204" pitchFamily="49" charset="0"/>
+              </a:rPr>
+              <a:t>// 0</a:t>
+            </a:r>
+            <a:endParaRPr lang="pt-BR" dirty="0">
+              <a:solidFill>
+                <a:schemeClr val="bg1"/>
+              </a:solidFill>
+              <a:latin typeface="Consolas" panose="020B0609020204030204" pitchFamily="49" charset="0"/>
+            </a:endParaRPr>
+          </a:p>
+          <a:p>
+            <a:r>
+              <a:rPr lang="pt-BR" dirty="0">
+                <a:solidFill>
+                  <a:schemeClr val="bg1"/>
+                </a:solidFill>
+                <a:latin typeface="Consolas" panose="020B0609020204030204" pitchFamily="49" charset="0"/>
+              </a:rPr>
+              <a:t>    x1, y1, </a:t>
+            </a:r>
+            <a:r>
+              <a:rPr lang="pt-BR" dirty="0">
+                <a:solidFill>
+                  <a:schemeClr val="accent3"/>
+                </a:solidFill>
+                <a:latin typeface="Consolas" panose="020B0609020204030204" pitchFamily="49" charset="0"/>
+              </a:rPr>
+              <a:t>// 2</a:t>
+            </a:r>
+            <a:endParaRPr lang="pt-BR" dirty="0">
+              <a:solidFill>
+                <a:schemeClr val="bg1"/>
+              </a:solidFill>
+              <a:latin typeface="Consolas" panose="020B0609020204030204" pitchFamily="49" charset="0"/>
+            </a:endParaRPr>
+          </a:p>
+          <a:p>
+            <a:r>
+              <a:rPr lang="pt-BR" dirty="0">
+                <a:solidFill>
+                  <a:schemeClr val="bg1"/>
+                </a:solidFill>
+                <a:latin typeface="Consolas" panose="020B0609020204030204" pitchFamily="49" charset="0"/>
+              </a:rPr>
+              <a:t>    x0, y1  </a:t>
+            </a:r>
+            <a:r>
+              <a:rPr lang="pt-BR" dirty="0">
+                <a:solidFill>
+                  <a:schemeClr val="accent3"/>
+                </a:solidFill>
+                <a:latin typeface="Consolas" panose="020B0609020204030204" pitchFamily="49" charset="0"/>
+              </a:rPr>
+              <a:t>// 3</a:t>
+            </a:r>
+            <a:endParaRPr lang="pt-BR" dirty="0">
+              <a:solidFill>
+                <a:schemeClr val="bg1"/>
+              </a:solidFill>
+              <a:latin typeface="Consolas" panose="020B0609020204030204" pitchFamily="49" charset="0"/>
+            </a:endParaRPr>
+          </a:p>
+          <a:p>
+            <a:r>
+              <a:rPr lang="pt-BR" dirty="0">
+                <a:solidFill>
+                  <a:schemeClr val="bg1"/>
+                </a:solidFill>
+                <a:latin typeface="Consolas" panose="020B0609020204030204" pitchFamily="49" charset="0"/>
+              </a:rPr>
+              <a:t>};</a:t>
+            </a:r>
+          </a:p>
+        </p:txBody>
+      </p:sp>
     </p:spTree>
     <p:extLst>
       <p:ext uri="{BB962C8B-B14F-4D97-AF65-F5344CB8AC3E}">
-        <p14:creationId xmlns:p14="http://schemas.microsoft.com/office/powerpoint/2010/main" val="3206107953"/>
+        <p14:creationId xmlns:p14="http://schemas.microsoft.com/office/powerpoint/2010/main" val="2590242631"/>
+      </p:ext>
+    </p:extLst>
+  </p:cSld>
+  <p:clrMapOvr>
+    <a:masterClrMapping/>
+  </p:clrMapOvr>
+</p:sld>
+</file>
+
+<file path=ppt/slides/slide8.xml><?xml version="1.0" encoding="utf-8"?>
+<p:sld xmlns:a="http://schemas.openxmlformats.org/drawingml/2006/main" xmlns:r="http://schemas.openxmlformats.org/officeDocument/2006/relationships" xmlns:p="http://schemas.openxmlformats.org/presentationml/2006/main">
+  <p:cSld>
+    <p:spTree>
+      <p:nvGrpSpPr>
+        <p:cNvPr id="1" name="">
+          <a:extLst>
+            <a:ext uri="{FF2B5EF4-FFF2-40B4-BE49-F238E27FC236}">
+              <a16:creationId xmlns:a16="http://schemas.microsoft.com/office/drawing/2014/main" id="{670B5138-93C5-3532-EB86-01162439279C}"/>
+            </a:ext>
+          </a:extLst>
+        </p:cNvPr>
+        <p:cNvGrpSpPr/>
+        <p:nvPr/>
+      </p:nvGrpSpPr>
+      <p:grpSpPr>
+        <a:xfrm>
+          <a:off x="0" y="0"/>
+          <a:ext cx="0" cy="0"/>
+          <a:chOff x="0" y="0"/>
+          <a:chExt cx="0" cy="0"/>
+        </a:xfrm>
+      </p:grpSpPr>
+      <p:sp>
+        <p:nvSpPr>
+          <p:cNvPr id="2" name="Retângulo 1">
+            <a:extLst>
+              <a:ext uri="{FF2B5EF4-FFF2-40B4-BE49-F238E27FC236}">
+                <a16:creationId xmlns:a16="http://schemas.microsoft.com/office/drawing/2014/main" id="{F4524554-00BA-F07E-B5DB-4CED2D647259}"/>
+              </a:ext>
+            </a:extLst>
+          </p:cNvPr>
+          <p:cNvSpPr/>
+          <p:nvPr/>
+        </p:nvSpPr>
+        <p:spPr>
+          <a:xfrm>
+            <a:off x="0" y="0"/>
+            <a:ext cx="12192000" cy="6858000"/>
+          </a:xfrm>
+          <a:prstGeom prst="rect">
+            <a:avLst/>
+          </a:prstGeom>
+          <a:solidFill>
+            <a:schemeClr val="tx1">
+              <a:lumMod val="95000"/>
+              <a:lumOff val="5000"/>
+            </a:schemeClr>
+          </a:solidFill>
+          <a:ln>
+            <a:noFill/>
+          </a:ln>
+        </p:spPr>
+        <p:style>
+          <a:lnRef idx="2">
+            <a:schemeClr val="accent1">
+              <a:shade val="15000"/>
+            </a:schemeClr>
+          </a:lnRef>
+          <a:fillRef idx="1">
+            <a:schemeClr val="accent1"/>
+          </a:fillRef>
+          <a:effectRef idx="0">
+            <a:schemeClr val="accent1"/>
+          </a:effectRef>
+          <a:fontRef idx="minor">
+            <a:schemeClr val="lt1"/>
+          </a:fontRef>
+        </p:style>
+        <p:txBody>
+          <a:bodyPr rtlCol="0" anchor="ctr"/>
+          <a:lstStyle/>
+          <a:p>
+            <a:pPr algn="ctr"/>
+            <a:endParaRPr lang="pt-BR"/>
+          </a:p>
+        </p:txBody>
+      </p:sp>
+      <p:sp>
+        <p:nvSpPr>
+          <p:cNvPr id="16" name="Triângulo Retângulo 15">
+            <a:extLst>
+              <a:ext uri="{FF2B5EF4-FFF2-40B4-BE49-F238E27FC236}">
+                <a16:creationId xmlns:a16="http://schemas.microsoft.com/office/drawing/2014/main" id="{3DC6DA8B-E39C-DF19-BD74-FC9B6A09A077}"/>
+              </a:ext>
+            </a:extLst>
+          </p:cNvPr>
+          <p:cNvSpPr>
+            <a:spLocks noChangeAspect="1"/>
+          </p:cNvSpPr>
+          <p:nvPr/>
+        </p:nvSpPr>
+        <p:spPr>
+          <a:xfrm flipH="1">
+            <a:off x="4878170" y="2214930"/>
+            <a:ext cx="2437200" cy="2437200"/>
+          </a:xfrm>
+          <a:prstGeom prst="rtTriangle">
+            <a:avLst/>
+          </a:prstGeom>
+          <a:blipFill dpi="0" rotWithShape="0">
+            <a:blip r:embed="rId2"/>
+            <a:srcRect/>
+            <a:stretch>
+              <a:fillRect/>
+            </a:stretch>
+          </a:blipFill>
+          <a:ln>
+            <a:solidFill>
+              <a:schemeClr val="tx1"/>
+            </a:solidFill>
+          </a:ln>
+        </p:spPr>
+        <p:style>
+          <a:lnRef idx="2">
+            <a:schemeClr val="accent1">
+              <a:shade val="15000"/>
+            </a:schemeClr>
+          </a:lnRef>
+          <a:fillRef idx="1">
+            <a:schemeClr val="accent1"/>
+          </a:fillRef>
+          <a:effectRef idx="0">
+            <a:schemeClr val="accent1"/>
+          </a:effectRef>
+          <a:fontRef idx="minor">
+            <a:schemeClr val="lt1"/>
+          </a:fontRef>
+        </p:style>
+        <p:txBody>
+          <a:bodyPr rtlCol="0" anchor="ctr"/>
+          <a:lstStyle/>
+          <a:p>
+            <a:pPr algn="ctr"/>
+            <a:endParaRPr lang="pt-BR"/>
+          </a:p>
+        </p:txBody>
+      </p:sp>
+      <p:sp>
+        <p:nvSpPr>
+          <p:cNvPr id="17" name="Triângulo Retângulo 16">
+            <a:extLst>
+              <a:ext uri="{FF2B5EF4-FFF2-40B4-BE49-F238E27FC236}">
+                <a16:creationId xmlns:a16="http://schemas.microsoft.com/office/drawing/2014/main" id="{ADBD4DBF-5320-6216-95EC-111AD2177048}"/>
+              </a:ext>
+            </a:extLst>
+          </p:cNvPr>
+          <p:cNvSpPr>
+            <a:spLocks noChangeAspect="1"/>
+          </p:cNvSpPr>
+          <p:nvPr/>
+        </p:nvSpPr>
+        <p:spPr>
+          <a:xfrm flipV="1">
+            <a:off x="4878170" y="2215297"/>
+            <a:ext cx="2437200" cy="2437200"/>
+          </a:xfrm>
+          <a:prstGeom prst="rtTriangle">
+            <a:avLst/>
+          </a:prstGeom>
+          <a:blipFill dpi="0" rotWithShape="0">
+            <a:blip r:embed="rId2"/>
+            <a:srcRect/>
+            <a:stretch>
+              <a:fillRect/>
+            </a:stretch>
+          </a:blipFill>
+          <a:ln>
+            <a:solidFill>
+              <a:schemeClr val="tx1"/>
+            </a:solidFill>
+          </a:ln>
+        </p:spPr>
+        <p:style>
+          <a:lnRef idx="2">
+            <a:schemeClr val="accent1">
+              <a:shade val="15000"/>
+            </a:schemeClr>
+          </a:lnRef>
+          <a:fillRef idx="1">
+            <a:schemeClr val="accent1"/>
+          </a:fillRef>
+          <a:effectRef idx="0">
+            <a:schemeClr val="accent1"/>
+          </a:effectRef>
+          <a:fontRef idx="minor">
+            <a:schemeClr val="lt1"/>
+          </a:fontRef>
+        </p:style>
+        <p:txBody>
+          <a:bodyPr rtlCol="0" anchor="ctr"/>
+          <a:lstStyle/>
+          <a:p>
+            <a:pPr algn="ctr"/>
+            <a:endParaRPr lang="pt-BR"/>
+          </a:p>
+        </p:txBody>
+      </p:sp>
+      <p:sp>
+        <p:nvSpPr>
+          <p:cNvPr id="7" name="Elipse 6">
+            <a:extLst>
+              <a:ext uri="{FF2B5EF4-FFF2-40B4-BE49-F238E27FC236}">
+                <a16:creationId xmlns:a16="http://schemas.microsoft.com/office/drawing/2014/main" id="{9923D98D-7DFD-0E33-EB05-D3C9BB63B8C4}"/>
+              </a:ext>
+            </a:extLst>
+          </p:cNvPr>
+          <p:cNvSpPr>
+            <a:spLocks noChangeAspect="1"/>
+          </p:cNvSpPr>
+          <p:nvPr/>
+        </p:nvSpPr>
+        <p:spPr>
+          <a:xfrm>
+            <a:off x="4786630" y="2119630"/>
+            <a:ext cx="180000" cy="180000"/>
+          </a:xfrm>
+          <a:prstGeom prst="ellipse">
+            <a:avLst/>
+          </a:prstGeom>
+          <a:solidFill>
+            <a:srgbClr val="C00000"/>
+          </a:solidFill>
+          <a:ln>
+            <a:noFill/>
+          </a:ln>
+        </p:spPr>
+        <p:style>
+          <a:lnRef idx="2">
+            <a:schemeClr val="accent1">
+              <a:shade val="15000"/>
+            </a:schemeClr>
+          </a:lnRef>
+          <a:fillRef idx="1">
+            <a:schemeClr val="accent1"/>
+          </a:fillRef>
+          <a:effectRef idx="0">
+            <a:schemeClr val="accent1"/>
+          </a:effectRef>
+          <a:fontRef idx="minor">
+            <a:schemeClr val="lt1"/>
+          </a:fontRef>
+        </p:style>
+        <p:txBody>
+          <a:bodyPr rtlCol="0" anchor="ctr"/>
+          <a:lstStyle/>
+          <a:p>
+            <a:pPr algn="ctr"/>
+            <a:endParaRPr lang="pt-BR"/>
+          </a:p>
+        </p:txBody>
+      </p:sp>
+      <p:sp>
+        <p:nvSpPr>
+          <p:cNvPr id="8" name="Elipse 7">
+            <a:extLst>
+              <a:ext uri="{FF2B5EF4-FFF2-40B4-BE49-F238E27FC236}">
+                <a16:creationId xmlns:a16="http://schemas.microsoft.com/office/drawing/2014/main" id="{DCCB50BF-4F8C-08BC-2CFB-C02163A6C51A}"/>
+              </a:ext>
+            </a:extLst>
+          </p:cNvPr>
+          <p:cNvSpPr>
+            <a:spLocks noChangeAspect="1"/>
+          </p:cNvSpPr>
+          <p:nvPr/>
+        </p:nvSpPr>
+        <p:spPr>
+          <a:xfrm>
+            <a:off x="7225372" y="2119630"/>
+            <a:ext cx="180000" cy="180000"/>
+          </a:xfrm>
+          <a:prstGeom prst="ellipse">
+            <a:avLst/>
+          </a:prstGeom>
+          <a:solidFill>
+            <a:srgbClr val="C00000"/>
+          </a:solidFill>
+          <a:ln>
+            <a:noFill/>
+          </a:ln>
+        </p:spPr>
+        <p:style>
+          <a:lnRef idx="2">
+            <a:schemeClr val="accent1">
+              <a:shade val="15000"/>
+            </a:schemeClr>
+          </a:lnRef>
+          <a:fillRef idx="1">
+            <a:schemeClr val="accent1"/>
+          </a:fillRef>
+          <a:effectRef idx="0">
+            <a:schemeClr val="accent1"/>
+          </a:effectRef>
+          <a:fontRef idx="minor">
+            <a:schemeClr val="lt1"/>
+          </a:fontRef>
+        </p:style>
+        <p:txBody>
+          <a:bodyPr rtlCol="0" anchor="ctr"/>
+          <a:lstStyle/>
+          <a:p>
+            <a:pPr algn="ctr"/>
+            <a:endParaRPr lang="pt-BR"/>
+          </a:p>
+        </p:txBody>
+      </p:sp>
+      <p:sp>
+        <p:nvSpPr>
+          <p:cNvPr id="11" name="CaixaDeTexto 10">
+            <a:extLst>
+              <a:ext uri="{FF2B5EF4-FFF2-40B4-BE49-F238E27FC236}">
+                <a16:creationId xmlns:a16="http://schemas.microsoft.com/office/drawing/2014/main" id="{D902BDB7-6828-B33C-DA60-FB74AE0B3524}"/>
+              </a:ext>
+            </a:extLst>
+          </p:cNvPr>
+          <p:cNvSpPr txBox="1"/>
+          <p:nvPr/>
+        </p:nvSpPr>
+        <p:spPr>
+          <a:xfrm>
+            <a:off x="3932140" y="1840298"/>
+            <a:ext cx="944490" cy="369332"/>
+          </a:xfrm>
+          <a:prstGeom prst="rect">
+            <a:avLst/>
+          </a:prstGeom>
+          <a:noFill/>
+        </p:spPr>
+        <p:txBody>
+          <a:bodyPr wrap="none" rtlCol="0" anchor="b">
+            <a:spAutoFit/>
+          </a:bodyPr>
+          <a:lstStyle/>
+          <a:p>
+            <a:pPr algn="r"/>
+            <a:r>
+              <a:rPr lang="pt-BR" dirty="0">
+                <a:solidFill>
+                  <a:schemeClr val="bg1"/>
+                </a:solidFill>
+                <a:latin typeface="Consolas" panose="020B0609020204030204" pitchFamily="49" charset="0"/>
+              </a:rPr>
+              <a:t>x0, y1</a:t>
+            </a:r>
+          </a:p>
+        </p:txBody>
+      </p:sp>
+      <p:sp>
+        <p:nvSpPr>
+          <p:cNvPr id="15" name="CaixaDeTexto 14">
+            <a:extLst>
+              <a:ext uri="{FF2B5EF4-FFF2-40B4-BE49-F238E27FC236}">
+                <a16:creationId xmlns:a16="http://schemas.microsoft.com/office/drawing/2014/main" id="{F5B327D3-8C31-8EBF-7437-A93B438CB423}"/>
+              </a:ext>
+            </a:extLst>
+          </p:cNvPr>
+          <p:cNvSpPr txBox="1"/>
+          <p:nvPr/>
+        </p:nvSpPr>
+        <p:spPr>
+          <a:xfrm>
+            <a:off x="7315370" y="1836538"/>
+            <a:ext cx="944489" cy="369332"/>
+          </a:xfrm>
+          <a:prstGeom prst="rect">
+            <a:avLst/>
+          </a:prstGeom>
+          <a:noFill/>
+        </p:spPr>
+        <p:txBody>
+          <a:bodyPr wrap="none" rtlCol="0" anchor="b">
+            <a:spAutoFit/>
+          </a:bodyPr>
+          <a:lstStyle/>
+          <a:p>
+            <a:r>
+              <a:rPr lang="pt-BR" dirty="0">
+                <a:solidFill>
+                  <a:schemeClr val="bg1"/>
+                </a:solidFill>
+                <a:latin typeface="Consolas" panose="020B0609020204030204" pitchFamily="49" charset="0"/>
+              </a:rPr>
+              <a:t>x1, y1</a:t>
+            </a:r>
+          </a:p>
+        </p:txBody>
+      </p:sp>
+      <p:sp>
+        <p:nvSpPr>
+          <p:cNvPr id="4" name="Elipse 3">
+            <a:extLst>
+              <a:ext uri="{FF2B5EF4-FFF2-40B4-BE49-F238E27FC236}">
+                <a16:creationId xmlns:a16="http://schemas.microsoft.com/office/drawing/2014/main" id="{5DA1BEC2-F67F-3EBA-A555-76F6EC90D50C}"/>
+              </a:ext>
+            </a:extLst>
+          </p:cNvPr>
+          <p:cNvSpPr>
+            <a:spLocks noChangeAspect="1"/>
+          </p:cNvSpPr>
+          <p:nvPr/>
+        </p:nvSpPr>
+        <p:spPr>
+          <a:xfrm>
+            <a:off x="4786630" y="4558370"/>
+            <a:ext cx="180000" cy="180000"/>
+          </a:xfrm>
+          <a:prstGeom prst="ellipse">
+            <a:avLst/>
+          </a:prstGeom>
+          <a:solidFill>
+            <a:srgbClr val="C00000"/>
+          </a:solidFill>
+          <a:ln>
+            <a:noFill/>
+          </a:ln>
+        </p:spPr>
+        <p:style>
+          <a:lnRef idx="2">
+            <a:schemeClr val="accent1">
+              <a:shade val="15000"/>
+            </a:schemeClr>
+          </a:lnRef>
+          <a:fillRef idx="1">
+            <a:schemeClr val="accent1"/>
+          </a:fillRef>
+          <a:effectRef idx="0">
+            <a:schemeClr val="accent1"/>
+          </a:effectRef>
+          <a:fontRef idx="minor">
+            <a:schemeClr val="lt1"/>
+          </a:fontRef>
+        </p:style>
+        <p:txBody>
+          <a:bodyPr rtlCol="0" anchor="ctr"/>
+          <a:lstStyle/>
+          <a:p>
+            <a:pPr algn="ctr"/>
+            <a:endParaRPr lang="pt-BR"/>
+          </a:p>
+        </p:txBody>
+      </p:sp>
+      <p:sp>
+        <p:nvSpPr>
+          <p:cNvPr id="5" name="Elipse 4">
+            <a:extLst>
+              <a:ext uri="{FF2B5EF4-FFF2-40B4-BE49-F238E27FC236}">
+                <a16:creationId xmlns:a16="http://schemas.microsoft.com/office/drawing/2014/main" id="{541A058C-2179-93D4-1F42-12C73DF8977D}"/>
+              </a:ext>
+            </a:extLst>
+          </p:cNvPr>
+          <p:cNvSpPr>
+            <a:spLocks noChangeAspect="1"/>
+          </p:cNvSpPr>
+          <p:nvPr/>
+        </p:nvSpPr>
+        <p:spPr>
+          <a:xfrm>
+            <a:off x="7225372" y="4558370"/>
+            <a:ext cx="180000" cy="180000"/>
+          </a:xfrm>
+          <a:prstGeom prst="ellipse">
+            <a:avLst/>
+          </a:prstGeom>
+          <a:solidFill>
+            <a:srgbClr val="C00000"/>
+          </a:solidFill>
+          <a:ln>
+            <a:noFill/>
+          </a:ln>
+        </p:spPr>
+        <p:style>
+          <a:lnRef idx="2">
+            <a:schemeClr val="accent1">
+              <a:shade val="15000"/>
+            </a:schemeClr>
+          </a:lnRef>
+          <a:fillRef idx="1">
+            <a:schemeClr val="accent1"/>
+          </a:fillRef>
+          <a:effectRef idx="0">
+            <a:schemeClr val="accent1"/>
+          </a:effectRef>
+          <a:fontRef idx="minor">
+            <a:schemeClr val="lt1"/>
+          </a:fontRef>
+        </p:style>
+        <p:txBody>
+          <a:bodyPr rtlCol="0" anchor="ctr"/>
+          <a:lstStyle/>
+          <a:p>
+            <a:pPr algn="ctr"/>
+            <a:endParaRPr lang="pt-BR"/>
+          </a:p>
+        </p:txBody>
+      </p:sp>
+      <p:sp>
+        <p:nvSpPr>
+          <p:cNvPr id="9" name="CaixaDeTexto 8">
+            <a:extLst>
+              <a:ext uri="{FF2B5EF4-FFF2-40B4-BE49-F238E27FC236}">
+                <a16:creationId xmlns:a16="http://schemas.microsoft.com/office/drawing/2014/main" id="{163AFCE0-543A-183B-DBBB-2D3AA27065EA}"/>
+              </a:ext>
+            </a:extLst>
+          </p:cNvPr>
+          <p:cNvSpPr txBox="1"/>
+          <p:nvPr/>
+        </p:nvSpPr>
+        <p:spPr>
+          <a:xfrm>
+            <a:off x="3932140" y="4648370"/>
+            <a:ext cx="944490" cy="369332"/>
+          </a:xfrm>
+          <a:prstGeom prst="rect">
+            <a:avLst/>
+          </a:prstGeom>
+          <a:noFill/>
+        </p:spPr>
+        <p:txBody>
+          <a:bodyPr wrap="none" rtlCol="0">
+            <a:spAutoFit/>
+          </a:bodyPr>
+          <a:lstStyle/>
+          <a:p>
+            <a:pPr algn="r"/>
+            <a:r>
+              <a:rPr lang="pt-BR" dirty="0">
+                <a:solidFill>
+                  <a:schemeClr val="bg1"/>
+                </a:solidFill>
+                <a:latin typeface="Consolas" panose="020B0609020204030204" pitchFamily="49" charset="0"/>
+              </a:rPr>
+              <a:t>x0, y0</a:t>
+            </a:r>
+          </a:p>
+        </p:txBody>
+      </p:sp>
+      <p:sp>
+        <p:nvSpPr>
+          <p:cNvPr id="14" name="CaixaDeTexto 13">
+            <a:extLst>
+              <a:ext uri="{FF2B5EF4-FFF2-40B4-BE49-F238E27FC236}">
+                <a16:creationId xmlns:a16="http://schemas.microsoft.com/office/drawing/2014/main" id="{932DE28A-7686-0F64-4967-1D9B3DF7F717}"/>
+              </a:ext>
+            </a:extLst>
+          </p:cNvPr>
+          <p:cNvSpPr txBox="1"/>
+          <p:nvPr/>
+        </p:nvSpPr>
+        <p:spPr>
+          <a:xfrm>
+            <a:off x="7315370" y="4648370"/>
+            <a:ext cx="944489" cy="369332"/>
+          </a:xfrm>
+          <a:prstGeom prst="rect">
+            <a:avLst/>
+          </a:prstGeom>
+          <a:noFill/>
+        </p:spPr>
+        <p:txBody>
+          <a:bodyPr wrap="none" rtlCol="0">
+            <a:spAutoFit/>
+          </a:bodyPr>
+          <a:lstStyle/>
+          <a:p>
+            <a:r>
+              <a:rPr lang="pt-BR" dirty="0">
+                <a:solidFill>
+                  <a:schemeClr val="bg1"/>
+                </a:solidFill>
+                <a:latin typeface="Consolas" panose="020B0609020204030204" pitchFamily="49" charset="0"/>
+              </a:rPr>
+              <a:t>x1, y0</a:t>
+            </a:r>
+          </a:p>
+        </p:txBody>
+      </p:sp>
+      <p:sp>
+        <p:nvSpPr>
+          <p:cNvPr id="18" name="CaixaDeTexto 17">
+            <a:extLst>
+              <a:ext uri="{FF2B5EF4-FFF2-40B4-BE49-F238E27FC236}">
+                <a16:creationId xmlns:a16="http://schemas.microsoft.com/office/drawing/2014/main" id="{ACA52157-9B44-EB69-60D9-89940FB9665E}"/>
+              </a:ext>
+            </a:extLst>
+          </p:cNvPr>
+          <p:cNvSpPr txBox="1"/>
+          <p:nvPr/>
+        </p:nvSpPr>
+        <p:spPr>
+          <a:xfrm>
+            <a:off x="0" y="0"/>
+            <a:ext cx="2717411" cy="3139321"/>
+          </a:xfrm>
+          <a:prstGeom prst="rect">
+            <a:avLst/>
+          </a:prstGeom>
+          <a:noFill/>
+        </p:spPr>
+        <p:txBody>
+          <a:bodyPr wrap="none" rtlCol="0">
+            <a:spAutoFit/>
+          </a:bodyPr>
+          <a:lstStyle/>
+          <a:p>
+            <a:r>
+              <a:rPr lang="pt-BR" dirty="0" err="1">
+                <a:solidFill>
+                  <a:schemeClr val="bg1"/>
+                </a:solidFill>
+                <a:latin typeface="Consolas" panose="020B0609020204030204" pitchFamily="49" charset="0"/>
+              </a:rPr>
+              <a:t>float</a:t>
+            </a:r>
+            <a:r>
+              <a:rPr lang="pt-BR" dirty="0">
+                <a:solidFill>
+                  <a:schemeClr val="bg1"/>
+                </a:solidFill>
+                <a:latin typeface="Consolas" panose="020B0609020204030204" pitchFamily="49" charset="0"/>
+              </a:rPr>
+              <a:t>[] </a:t>
+            </a:r>
+            <a:r>
+              <a:rPr lang="pt-BR" dirty="0" err="1">
+                <a:solidFill>
+                  <a:schemeClr val="bg1"/>
+                </a:solidFill>
+                <a:latin typeface="Consolas" panose="020B0609020204030204" pitchFamily="49" charset="0"/>
+              </a:rPr>
+              <a:t>vertices</a:t>
+            </a:r>
+            <a:r>
+              <a:rPr lang="pt-BR" dirty="0">
+                <a:solidFill>
+                  <a:schemeClr val="bg1"/>
+                </a:solidFill>
+                <a:latin typeface="Consolas" panose="020B0609020204030204" pitchFamily="49" charset="0"/>
+              </a:rPr>
+              <a:t> = {</a:t>
+            </a:r>
+          </a:p>
+          <a:p>
+            <a:r>
+              <a:rPr lang="pt-BR" dirty="0">
+                <a:solidFill>
+                  <a:schemeClr val="bg1"/>
+                </a:solidFill>
+                <a:latin typeface="Consolas" panose="020B0609020204030204" pitchFamily="49" charset="0"/>
+              </a:rPr>
+              <a:t>    x0, y0, </a:t>
+            </a:r>
+            <a:r>
+              <a:rPr lang="pt-BR" dirty="0">
+                <a:solidFill>
+                  <a:schemeClr val="accent3"/>
+                </a:solidFill>
+                <a:latin typeface="Consolas" panose="020B0609020204030204" pitchFamily="49" charset="0"/>
+              </a:rPr>
+              <a:t>// 0</a:t>
+            </a:r>
+          </a:p>
+          <a:p>
+            <a:r>
+              <a:rPr lang="pt-BR" dirty="0">
+                <a:solidFill>
+                  <a:schemeClr val="bg1"/>
+                </a:solidFill>
+                <a:latin typeface="Consolas" panose="020B0609020204030204" pitchFamily="49" charset="0"/>
+              </a:rPr>
+              <a:t>    x1, y0, </a:t>
+            </a:r>
+            <a:r>
+              <a:rPr lang="pt-BR" dirty="0">
+                <a:solidFill>
+                  <a:schemeClr val="accent3"/>
+                </a:solidFill>
+                <a:latin typeface="Consolas" panose="020B0609020204030204" pitchFamily="49" charset="0"/>
+              </a:rPr>
+              <a:t>// 1</a:t>
+            </a:r>
+            <a:endParaRPr lang="pt-BR" dirty="0">
+              <a:solidFill>
+                <a:schemeClr val="bg1"/>
+              </a:solidFill>
+              <a:latin typeface="Consolas" panose="020B0609020204030204" pitchFamily="49" charset="0"/>
+            </a:endParaRPr>
+          </a:p>
+          <a:p>
+            <a:r>
+              <a:rPr lang="pt-BR" dirty="0">
+                <a:solidFill>
+                  <a:schemeClr val="bg1"/>
+                </a:solidFill>
+                <a:latin typeface="Consolas" panose="020B0609020204030204" pitchFamily="49" charset="0"/>
+              </a:rPr>
+              <a:t>    x1, y1, </a:t>
+            </a:r>
+            <a:r>
+              <a:rPr lang="pt-BR" dirty="0">
+                <a:solidFill>
+                  <a:schemeClr val="accent3"/>
+                </a:solidFill>
+                <a:latin typeface="Consolas" panose="020B0609020204030204" pitchFamily="49" charset="0"/>
+              </a:rPr>
+              <a:t>// 2</a:t>
+            </a:r>
+          </a:p>
+          <a:p>
+            <a:r>
+              <a:rPr lang="pt-BR" dirty="0">
+                <a:solidFill>
+                  <a:schemeClr val="bg1"/>
+                </a:solidFill>
+                <a:latin typeface="Consolas" panose="020B0609020204030204" pitchFamily="49" charset="0"/>
+              </a:rPr>
+              <a:t>    x0, y1  </a:t>
+            </a:r>
+            <a:r>
+              <a:rPr lang="pt-BR" dirty="0">
+                <a:solidFill>
+                  <a:schemeClr val="accent3"/>
+                </a:solidFill>
+                <a:latin typeface="Consolas" panose="020B0609020204030204" pitchFamily="49" charset="0"/>
+              </a:rPr>
+              <a:t>// 3</a:t>
+            </a:r>
+            <a:endParaRPr lang="pt-BR" dirty="0">
+              <a:solidFill>
+                <a:schemeClr val="bg1"/>
+              </a:solidFill>
+              <a:latin typeface="Consolas" panose="020B0609020204030204" pitchFamily="49" charset="0"/>
+            </a:endParaRPr>
+          </a:p>
+          <a:p>
+            <a:r>
+              <a:rPr lang="pt-BR" dirty="0">
+                <a:solidFill>
+                  <a:schemeClr val="bg1"/>
+                </a:solidFill>
+                <a:latin typeface="Consolas" panose="020B0609020204030204" pitchFamily="49" charset="0"/>
+              </a:rPr>
+              <a:t>};</a:t>
+            </a:r>
+          </a:p>
+          <a:p>
+            <a:endParaRPr lang="pt-BR" dirty="0">
+              <a:solidFill>
+                <a:schemeClr val="bg1"/>
+              </a:solidFill>
+              <a:latin typeface="Consolas" panose="020B0609020204030204" pitchFamily="49" charset="0"/>
+            </a:endParaRPr>
+          </a:p>
+          <a:p>
+            <a:r>
+              <a:rPr lang="pt-BR" dirty="0" err="1">
+                <a:solidFill>
+                  <a:schemeClr val="bg1"/>
+                </a:solidFill>
+                <a:latin typeface="Consolas" panose="020B0609020204030204" pitchFamily="49" charset="0"/>
+              </a:rPr>
+              <a:t>int</a:t>
+            </a:r>
+            <a:r>
+              <a:rPr lang="pt-BR" dirty="0">
+                <a:solidFill>
+                  <a:schemeClr val="bg1"/>
+                </a:solidFill>
+                <a:latin typeface="Consolas" panose="020B0609020204030204" pitchFamily="49" charset="0"/>
+              </a:rPr>
+              <a:t>[] </a:t>
+            </a:r>
+            <a:r>
+              <a:rPr lang="pt-BR" dirty="0" err="1">
+                <a:solidFill>
+                  <a:schemeClr val="bg1"/>
+                </a:solidFill>
+                <a:latin typeface="Consolas" panose="020B0609020204030204" pitchFamily="49" charset="0"/>
+              </a:rPr>
+              <a:t>indices</a:t>
+            </a:r>
+            <a:r>
+              <a:rPr lang="pt-BR" dirty="0">
+                <a:solidFill>
+                  <a:schemeClr val="bg1"/>
+                </a:solidFill>
+                <a:latin typeface="Consolas" panose="020B0609020204030204" pitchFamily="49" charset="0"/>
+              </a:rPr>
+              <a:t> = {</a:t>
+            </a:r>
+          </a:p>
+          <a:p>
+            <a:r>
+              <a:rPr lang="pt-BR" dirty="0">
+                <a:solidFill>
+                  <a:schemeClr val="bg1"/>
+                </a:solidFill>
+                <a:latin typeface="Consolas" panose="020B0609020204030204" pitchFamily="49" charset="0"/>
+              </a:rPr>
+              <a:t>    0, 1, 2,</a:t>
+            </a:r>
+          </a:p>
+          <a:p>
+            <a:r>
+              <a:rPr lang="pt-BR" dirty="0">
+                <a:solidFill>
+                  <a:schemeClr val="bg1"/>
+                </a:solidFill>
+                <a:latin typeface="Consolas" panose="020B0609020204030204" pitchFamily="49" charset="0"/>
+              </a:rPr>
+              <a:t>    0, 2, 3</a:t>
+            </a:r>
+          </a:p>
+          <a:p>
+            <a:r>
+              <a:rPr lang="pt-BR" dirty="0">
+                <a:solidFill>
+                  <a:schemeClr val="bg1"/>
+                </a:solidFill>
+                <a:latin typeface="Consolas" panose="020B0609020204030204" pitchFamily="49" charset="0"/>
+              </a:rPr>
+              <a:t>};</a:t>
+            </a:r>
+          </a:p>
+        </p:txBody>
+      </p:sp>
+    </p:spTree>
+    <p:extLst>
+      <p:ext uri="{BB962C8B-B14F-4D97-AF65-F5344CB8AC3E}">
+        <p14:creationId xmlns:p14="http://schemas.microsoft.com/office/powerpoint/2010/main" val="3343171035"/>
+      </p:ext>
+    </p:extLst>
+  </p:cSld>
+  <p:clrMapOvr>
+    <a:masterClrMapping/>
+  </p:clrMapOvr>
+</p:sld>
+</file>
+
+<file path=ppt/slides/slide9.xml><?xml version="1.0" encoding="utf-8"?>
+<p:sld xmlns:a="http://schemas.openxmlformats.org/drawingml/2006/main" xmlns:r="http://schemas.openxmlformats.org/officeDocument/2006/relationships" xmlns:p="http://schemas.openxmlformats.org/presentationml/2006/main">
+  <p:cSld>
+    <p:spTree>
+      <p:nvGrpSpPr>
+        <p:cNvPr id="1" name="">
+          <a:extLst>
+            <a:ext uri="{FF2B5EF4-FFF2-40B4-BE49-F238E27FC236}">
+              <a16:creationId xmlns:a16="http://schemas.microsoft.com/office/drawing/2014/main" id="{C1AF03B4-8C5E-4726-B9E9-7CD36B406F66}"/>
+            </a:ext>
+          </a:extLst>
+        </p:cNvPr>
+        <p:cNvGrpSpPr/>
+        <p:nvPr/>
+      </p:nvGrpSpPr>
+      <p:grpSpPr>
+        <a:xfrm>
+          <a:off x="0" y="0"/>
+          <a:ext cx="0" cy="0"/>
+          <a:chOff x="0" y="0"/>
+          <a:chExt cx="0" cy="0"/>
+        </a:xfrm>
+      </p:grpSpPr>
+      <p:sp>
+        <p:nvSpPr>
+          <p:cNvPr id="2" name="Retângulo 1">
+            <a:extLst>
+              <a:ext uri="{FF2B5EF4-FFF2-40B4-BE49-F238E27FC236}">
+                <a16:creationId xmlns:a16="http://schemas.microsoft.com/office/drawing/2014/main" id="{35264CF1-4FDC-56AA-6C59-4F113C3C6901}"/>
+              </a:ext>
+            </a:extLst>
+          </p:cNvPr>
+          <p:cNvSpPr/>
+          <p:nvPr/>
+        </p:nvSpPr>
+        <p:spPr>
+          <a:xfrm>
+            <a:off x="0" y="0"/>
+            <a:ext cx="12192000" cy="6858000"/>
+          </a:xfrm>
+          <a:prstGeom prst="rect">
+            <a:avLst/>
+          </a:prstGeom>
+          <a:solidFill>
+            <a:schemeClr val="tx1">
+              <a:lumMod val="95000"/>
+              <a:lumOff val="5000"/>
+            </a:schemeClr>
+          </a:solidFill>
+          <a:ln>
+            <a:noFill/>
+          </a:ln>
+        </p:spPr>
+        <p:style>
+          <a:lnRef idx="2">
+            <a:schemeClr val="accent1">
+              <a:shade val="15000"/>
+            </a:schemeClr>
+          </a:lnRef>
+          <a:fillRef idx="1">
+            <a:schemeClr val="accent1"/>
+          </a:fillRef>
+          <a:effectRef idx="0">
+            <a:schemeClr val="accent1"/>
+          </a:effectRef>
+          <a:fontRef idx="minor">
+            <a:schemeClr val="lt1"/>
+          </a:fontRef>
+        </p:style>
+        <p:txBody>
+          <a:bodyPr rtlCol="0" anchor="ctr"/>
+          <a:lstStyle/>
+          <a:p>
+            <a:pPr algn="ctr"/>
+            <a:endParaRPr lang="pt-BR"/>
+          </a:p>
+        </p:txBody>
+      </p:sp>
+    </p:spTree>
+    <p:extLst>
+      <p:ext uri="{BB962C8B-B14F-4D97-AF65-F5344CB8AC3E}">
+        <p14:creationId xmlns:p14="http://schemas.microsoft.com/office/powerpoint/2010/main" val="357961303"/>
       </p:ext>
     </p:extLst>
   </p:cSld>

--- a/teste0/01. Pre-Classic/03. rd-132211/Vertices.pptx
+++ b/teste0/01. Pre-Classic/03. rd-132211/Vertices.pptx
@@ -277,7 +277,7 @@
           <a:p>
             <a:fld id="{B707E8A8-90E3-4A67-A068-63B2F13060B5}" type="datetimeFigureOut">
               <a:rPr lang="pt-BR" smtClean="0"/>
-              <a:t>25/02/2025</a:t>
+              <a:t>28/02/2025</a:t>
             </a:fld>
             <a:endParaRPr lang="pt-BR"/>
           </a:p>
@@ -475,7 +475,7 @@
           <a:p>
             <a:fld id="{B707E8A8-90E3-4A67-A068-63B2F13060B5}" type="datetimeFigureOut">
               <a:rPr lang="pt-BR" smtClean="0"/>
-              <a:t>25/02/2025</a:t>
+              <a:t>28/02/2025</a:t>
             </a:fld>
             <a:endParaRPr lang="pt-BR"/>
           </a:p>
@@ -683,7 +683,7 @@
           <a:p>
             <a:fld id="{B707E8A8-90E3-4A67-A068-63B2F13060B5}" type="datetimeFigureOut">
               <a:rPr lang="pt-BR" smtClean="0"/>
-              <a:t>25/02/2025</a:t>
+              <a:t>28/02/2025</a:t>
             </a:fld>
             <a:endParaRPr lang="pt-BR"/>
           </a:p>
@@ -881,7 +881,7 @@
           <a:p>
             <a:fld id="{B707E8A8-90E3-4A67-A068-63B2F13060B5}" type="datetimeFigureOut">
               <a:rPr lang="pt-BR" smtClean="0"/>
-              <a:t>25/02/2025</a:t>
+              <a:t>28/02/2025</a:t>
             </a:fld>
             <a:endParaRPr lang="pt-BR"/>
           </a:p>
@@ -1156,7 +1156,7 @@
           <a:p>
             <a:fld id="{B707E8A8-90E3-4A67-A068-63B2F13060B5}" type="datetimeFigureOut">
               <a:rPr lang="pt-BR" smtClean="0"/>
-              <a:t>25/02/2025</a:t>
+              <a:t>28/02/2025</a:t>
             </a:fld>
             <a:endParaRPr lang="pt-BR"/>
           </a:p>
@@ -1421,7 +1421,7 @@
           <a:p>
             <a:fld id="{B707E8A8-90E3-4A67-A068-63B2F13060B5}" type="datetimeFigureOut">
               <a:rPr lang="pt-BR" smtClean="0"/>
-              <a:t>25/02/2025</a:t>
+              <a:t>28/02/2025</a:t>
             </a:fld>
             <a:endParaRPr lang="pt-BR"/>
           </a:p>
@@ -1833,7 +1833,7 @@
           <a:p>
             <a:fld id="{B707E8A8-90E3-4A67-A068-63B2F13060B5}" type="datetimeFigureOut">
               <a:rPr lang="pt-BR" smtClean="0"/>
-              <a:t>25/02/2025</a:t>
+              <a:t>28/02/2025</a:t>
             </a:fld>
             <a:endParaRPr lang="pt-BR"/>
           </a:p>
@@ -1974,7 +1974,7 @@
           <a:p>
             <a:fld id="{B707E8A8-90E3-4A67-A068-63B2F13060B5}" type="datetimeFigureOut">
               <a:rPr lang="pt-BR" smtClean="0"/>
-              <a:t>25/02/2025</a:t>
+              <a:t>28/02/2025</a:t>
             </a:fld>
             <a:endParaRPr lang="pt-BR"/>
           </a:p>
@@ -2087,7 +2087,7 @@
           <a:p>
             <a:fld id="{B707E8A8-90E3-4A67-A068-63B2F13060B5}" type="datetimeFigureOut">
               <a:rPr lang="pt-BR" smtClean="0"/>
-              <a:t>25/02/2025</a:t>
+              <a:t>28/02/2025</a:t>
             </a:fld>
             <a:endParaRPr lang="pt-BR"/>
           </a:p>
@@ -2398,7 +2398,7 @@
           <a:p>
             <a:fld id="{B707E8A8-90E3-4A67-A068-63B2F13060B5}" type="datetimeFigureOut">
               <a:rPr lang="pt-BR" smtClean="0"/>
-              <a:t>25/02/2025</a:t>
+              <a:t>28/02/2025</a:t>
             </a:fld>
             <a:endParaRPr lang="pt-BR"/>
           </a:p>
@@ -2686,7 +2686,7 @@
           <a:p>
             <a:fld id="{B707E8A8-90E3-4A67-A068-63B2F13060B5}" type="datetimeFigureOut">
               <a:rPr lang="pt-BR" smtClean="0"/>
-              <a:t>25/02/2025</a:t>
+              <a:t>28/02/2025</a:t>
             </a:fld>
             <a:endParaRPr lang="pt-BR"/>
           </a:p>
@@ -2927,7 +2927,7 @@
           <a:p>
             <a:fld id="{B707E8A8-90E3-4A67-A068-63B2F13060B5}" type="datetimeFigureOut">
               <a:rPr lang="pt-BR" smtClean="0"/>
-              <a:t>25/02/2025</a:t>
+              <a:t>28/02/2025</a:t>
             </a:fld>
             <a:endParaRPr lang="pt-BR"/>
           </a:p>
@@ -11258,7 +11258,7 @@
         </p:nvSpPr>
         <p:spPr>
           <a:xfrm flipV="1">
-            <a:off x="4406830" y="1781663"/>
+            <a:off x="6688117" y="2964082"/>
             <a:ext cx="2437200" cy="2437200"/>
           </a:xfrm>
           <a:prstGeom prst="rtTriangle">
@@ -11318,7 +11318,7 @@
         </p:nvSpPr>
         <p:spPr>
           <a:xfrm>
-            <a:off x="4315290" y="1685996"/>
+            <a:off x="6596577" y="2868415"/>
             <a:ext cx="180000" cy="180000"/>
           </a:xfrm>
           <a:prstGeom prst="ellipse">
@@ -11372,7 +11372,7 @@
         </p:nvSpPr>
         <p:spPr>
           <a:xfrm>
-            <a:off x="6754032" y="1685996"/>
+            <a:off x="9035319" y="2868415"/>
             <a:ext cx="180000" cy="180000"/>
           </a:xfrm>
           <a:prstGeom prst="ellipse">
@@ -11424,7 +11424,7 @@
         </p:nvSpPr>
         <p:spPr>
           <a:xfrm>
-            <a:off x="3460800" y="1406664"/>
+            <a:off x="5742087" y="2589083"/>
             <a:ext cx="944490" cy="369332"/>
           </a:xfrm>
           <a:prstGeom prst="rect">
@@ -11465,7 +11465,7 @@
         </p:nvSpPr>
         <p:spPr>
           <a:xfrm>
-            <a:off x="6844030" y="1402904"/>
+            <a:off x="9125317" y="2585323"/>
             <a:ext cx="944489" cy="369332"/>
           </a:xfrm>
           <a:prstGeom prst="rect">
@@ -11507,7 +11507,7 @@
         </p:nvSpPr>
         <p:spPr>
           <a:xfrm>
-            <a:off x="4315290" y="4124736"/>
+            <a:off x="6596577" y="5307155"/>
             <a:ext cx="180000" cy="180000"/>
           </a:xfrm>
           <a:prstGeom prst="ellipse">
@@ -11559,7 +11559,7 @@
         </p:nvSpPr>
         <p:spPr>
           <a:xfrm>
-            <a:off x="3460800" y="4214736"/>
+            <a:off x="5742087" y="5397155"/>
             <a:ext cx="944490" cy="369332"/>
           </a:xfrm>
           <a:prstGeom prst="rect">
@@ -11602,7 +11602,7 @@
         </p:nvSpPr>
         <p:spPr>
           <a:xfrm flipH="1">
-            <a:off x="5349510" y="2535441"/>
+            <a:off x="7630797" y="3717860"/>
             <a:ext cx="2437200" cy="2437200"/>
           </a:xfrm>
           <a:prstGeom prst="rtTriangle">
@@ -11662,7 +11662,7 @@
         </p:nvSpPr>
         <p:spPr>
           <a:xfrm>
-            <a:off x="7696712" y="2440141"/>
+            <a:off x="9977999" y="3622560"/>
             <a:ext cx="180000" cy="180000"/>
           </a:xfrm>
           <a:prstGeom prst="ellipse">
@@ -11714,7 +11714,7 @@
         </p:nvSpPr>
         <p:spPr>
           <a:xfrm>
-            <a:off x="7786710" y="2157049"/>
+            <a:off x="10067997" y="3339468"/>
             <a:ext cx="944489" cy="369332"/>
           </a:xfrm>
           <a:prstGeom prst="rect">
@@ -11756,7 +11756,7 @@
         </p:nvSpPr>
         <p:spPr>
           <a:xfrm>
-            <a:off x="5257970" y="4878881"/>
+            <a:off x="7539257" y="6061300"/>
             <a:ext cx="180000" cy="180000"/>
           </a:xfrm>
           <a:prstGeom prst="ellipse">
@@ -11810,7 +11810,7 @@
         </p:nvSpPr>
         <p:spPr>
           <a:xfrm>
-            <a:off x="7696712" y="4878881"/>
+            <a:off x="9977999" y="6061300"/>
             <a:ext cx="180000" cy="180000"/>
           </a:xfrm>
           <a:prstGeom prst="ellipse">
@@ -11862,7 +11862,7 @@
         </p:nvSpPr>
         <p:spPr>
           <a:xfrm>
-            <a:off x="4403480" y="4968881"/>
+            <a:off x="6684767" y="6151300"/>
             <a:ext cx="944490" cy="369332"/>
           </a:xfrm>
           <a:prstGeom prst="rect">
@@ -11903,7 +11903,7 @@
         </p:nvSpPr>
         <p:spPr>
           <a:xfrm>
-            <a:off x="7786710" y="4968881"/>
+            <a:off x="10067997" y="6151300"/>
             <a:ext cx="944489" cy="369332"/>
           </a:xfrm>
           <a:prstGeom prst="rect">
@@ -11944,7 +11944,7 @@
         <p:spPr>
           <a:xfrm>
             <a:off x="0" y="0"/>
-            <a:ext cx="2717411" cy="2585323"/>
+            <a:ext cx="5503430" cy="3139321"/>
           </a:xfrm>
           <a:prstGeom prst="rect">
             <a:avLst/>
@@ -12002,7 +12002,7 @@
                 </a:solidFill>
                 <a:latin typeface="Consolas" panose="020B0609020204030204" pitchFamily="49" charset="0"/>
               </a:rPr>
-              <a:t>    x0, y0, </a:t>
+              <a:t>    </a:t>
             </a:r>
             <a:r>
               <a:rPr lang="pt-BR" dirty="0">
@@ -12011,27 +12011,7 @@
                 </a:solidFill>
                 <a:latin typeface="Consolas" panose="020B0609020204030204" pitchFamily="49" charset="0"/>
               </a:rPr>
-              <a:t>// 0</a:t>
-            </a:r>
-          </a:p>
-          <a:p>
-            <a:r>
-              <a:rPr lang="pt-BR" dirty="0">
-                <a:solidFill>
-                  <a:schemeClr val="bg1"/>
-                </a:solidFill>
-                <a:latin typeface="Consolas" panose="020B0609020204030204" pitchFamily="49" charset="0"/>
-              </a:rPr>
-              <a:t>    x1, y0, </a:t>
-            </a:r>
-            <a:r>
-              <a:rPr lang="pt-BR" dirty="0">
-                <a:solidFill>
-                  <a:schemeClr val="accent3"/>
-                </a:solidFill>
-                <a:latin typeface="Consolas" panose="020B0609020204030204" pitchFamily="49" charset="0"/>
-              </a:rPr>
-              <a:t>// 1</a:t>
+              <a:t>// primeiro triangulo</a:t>
             </a:r>
             <a:endParaRPr lang="pt-BR" dirty="0">
               <a:solidFill>
@@ -12048,7 +12028,7 @@
                 </a:solidFill>
                 <a:latin typeface="Consolas" panose="020B0609020204030204" pitchFamily="49" charset="0"/>
               </a:rPr>
-              <a:t>    x1, y1, </a:t>
+              <a:t>    x0, y0, </a:t>
             </a:r>
             <a:r>
               <a:rPr lang="pt-BR" dirty="0">
@@ -12057,7 +12037,27 @@
                 </a:solidFill>
                 <a:latin typeface="Consolas" panose="020B0609020204030204" pitchFamily="49" charset="0"/>
               </a:rPr>
-              <a:t>// 2</a:t>
+              <a:t>// inferior esquerdo; índice 0</a:t>
+            </a:r>
+          </a:p>
+          <a:p>
+            <a:r>
+              <a:rPr lang="pt-BR" dirty="0">
+                <a:solidFill>
+                  <a:schemeClr val="bg1"/>
+                </a:solidFill>
+                <a:latin typeface="Consolas" panose="020B0609020204030204" pitchFamily="49" charset="0"/>
+              </a:rPr>
+              <a:t>    x1, y0, </a:t>
+            </a:r>
+            <a:r>
+              <a:rPr lang="pt-BR" dirty="0">
+                <a:solidFill>
+                  <a:schemeClr val="accent3"/>
+                </a:solidFill>
+                <a:latin typeface="Consolas" panose="020B0609020204030204" pitchFamily="49" charset="0"/>
+              </a:rPr>
+              <a:t>// inferior direito;  índice 1</a:t>
             </a:r>
             <a:endParaRPr lang="pt-BR" dirty="0">
               <a:solidFill>
@@ -12067,6 +12067,24 @@
             </a:endParaRPr>
           </a:p>
           <a:p>
+            <a:r>
+              <a:rPr lang="pt-BR" dirty="0">
+                <a:solidFill>
+                  <a:schemeClr val="bg1"/>
+                </a:solidFill>
+                <a:latin typeface="Consolas" panose="020B0609020204030204" pitchFamily="49" charset="0"/>
+              </a:rPr>
+              <a:t>    x1, y1, </a:t>
+            </a:r>
+            <a:r>
+              <a:rPr lang="pt-BR" dirty="0">
+                <a:solidFill>
+                  <a:schemeClr val="accent3"/>
+                </a:solidFill>
+                <a:latin typeface="Consolas" panose="020B0609020204030204" pitchFamily="49" charset="0"/>
+              </a:rPr>
+              <a:t>// superior direito;  índice 2</a:t>
+            </a:r>
             <a:endParaRPr lang="pt-BR" dirty="0">
               <a:solidFill>
                 <a:schemeClr val="bg1"/>
@@ -12075,24 +12093,6 @@
             </a:endParaRPr>
           </a:p>
           <a:p>
-            <a:r>
-              <a:rPr lang="pt-BR" dirty="0">
-                <a:solidFill>
-                  <a:schemeClr val="bg1"/>
-                </a:solidFill>
-                <a:latin typeface="Consolas" panose="020B0609020204030204" pitchFamily="49" charset="0"/>
-              </a:rPr>
-              <a:t>    x0, y0, </a:t>
-            </a:r>
-            <a:r>
-              <a:rPr lang="pt-BR" dirty="0">
-                <a:solidFill>
-                  <a:schemeClr val="accent3"/>
-                </a:solidFill>
-                <a:latin typeface="Consolas" panose="020B0609020204030204" pitchFamily="49" charset="0"/>
-              </a:rPr>
-              <a:t>// 0</a:t>
-            </a:r>
             <a:endParaRPr lang="pt-BR" dirty="0">
               <a:solidFill>
                 <a:schemeClr val="bg1"/>
@@ -12108,7 +12108,7 @@
                 </a:solidFill>
                 <a:latin typeface="Consolas" panose="020B0609020204030204" pitchFamily="49" charset="0"/>
               </a:rPr>
-              <a:t>    x1, y1, </a:t>
+              <a:t>    </a:t>
             </a:r>
             <a:r>
               <a:rPr lang="pt-BR" dirty="0">
@@ -12117,7 +12117,7 @@
                 </a:solidFill>
                 <a:latin typeface="Consolas" panose="020B0609020204030204" pitchFamily="49" charset="0"/>
               </a:rPr>
-              <a:t>// 2</a:t>
+              <a:t>// segundo triangulo</a:t>
             </a:r>
             <a:endParaRPr lang="pt-BR" dirty="0">
               <a:solidFill>
@@ -12134,6 +12134,58 @@
                 </a:solidFill>
                 <a:latin typeface="Consolas" panose="020B0609020204030204" pitchFamily="49" charset="0"/>
               </a:rPr>
+              <a:t>    x0, y0, </a:t>
+            </a:r>
+            <a:r>
+              <a:rPr lang="pt-BR" dirty="0">
+                <a:solidFill>
+                  <a:schemeClr val="accent3"/>
+                </a:solidFill>
+                <a:latin typeface="Consolas" panose="020B0609020204030204" pitchFamily="49" charset="0"/>
+              </a:rPr>
+              <a:t>// inferior esquerdo; índice 0</a:t>
+            </a:r>
+            <a:endParaRPr lang="pt-BR" dirty="0">
+              <a:solidFill>
+                <a:schemeClr val="bg1"/>
+              </a:solidFill>
+              <a:latin typeface="Consolas" panose="020B0609020204030204" pitchFamily="49" charset="0"/>
+            </a:endParaRPr>
+          </a:p>
+          <a:p>
+            <a:r>
+              <a:rPr lang="pt-BR" dirty="0">
+                <a:solidFill>
+                  <a:schemeClr val="bg1"/>
+                </a:solidFill>
+                <a:latin typeface="Consolas" panose="020B0609020204030204" pitchFamily="49" charset="0"/>
+              </a:rPr>
+              <a:t>    x1, y1, </a:t>
+            </a:r>
+            <a:r>
+              <a:rPr lang="pt-BR" dirty="0">
+                <a:solidFill>
+                  <a:schemeClr val="accent3"/>
+                </a:solidFill>
+                <a:latin typeface="Consolas" panose="020B0609020204030204" pitchFamily="49" charset="0"/>
+              </a:rPr>
+              <a:t>// superior direito;  índice 2</a:t>
+            </a:r>
+            <a:endParaRPr lang="pt-BR" dirty="0">
+              <a:solidFill>
+                <a:schemeClr val="bg1"/>
+              </a:solidFill>
+              <a:latin typeface="Consolas" panose="020B0609020204030204" pitchFamily="49" charset="0"/>
+            </a:endParaRPr>
+          </a:p>
+          <a:p>
+            <a:r>
+              <a:rPr lang="pt-BR" dirty="0">
+                <a:solidFill>
+                  <a:schemeClr val="bg1"/>
+                </a:solidFill>
+                <a:latin typeface="Consolas" panose="020B0609020204030204" pitchFamily="49" charset="0"/>
+              </a:rPr>
               <a:t>    x0, y1  </a:t>
             </a:r>
             <a:r>
@@ -12143,7 +12195,7 @@
                 </a:solidFill>
                 <a:latin typeface="Consolas" panose="020B0609020204030204" pitchFamily="49" charset="0"/>
               </a:rPr>
-              <a:t>// 3</a:t>
+              <a:t>// superior esquerdo; índice 3</a:t>
             </a:r>
             <a:endParaRPr lang="pt-BR" dirty="0">
               <a:solidFill>
@@ -12272,7 +12324,7 @@
         </p:nvSpPr>
         <p:spPr>
           <a:xfrm flipH="1">
-            <a:off x="4878170" y="2214930"/>
+            <a:off x="7042030" y="2940794"/>
             <a:ext cx="2437200" cy="2437200"/>
           </a:xfrm>
           <a:prstGeom prst="rtTriangle">
@@ -12332,7 +12384,7 @@
         </p:nvSpPr>
         <p:spPr>
           <a:xfrm flipV="1">
-            <a:off x="4878170" y="2215297"/>
+            <a:off x="7042030" y="2941161"/>
             <a:ext cx="2437200" cy="2437200"/>
           </a:xfrm>
           <a:prstGeom prst="rtTriangle">
@@ -12392,7 +12444,7 @@
         </p:nvSpPr>
         <p:spPr>
           <a:xfrm>
-            <a:off x="4786630" y="2119630"/>
+            <a:off x="6950490" y="2845494"/>
             <a:ext cx="180000" cy="180000"/>
           </a:xfrm>
           <a:prstGeom prst="ellipse">
@@ -12446,7 +12498,7 @@
         </p:nvSpPr>
         <p:spPr>
           <a:xfrm>
-            <a:off x="7225372" y="2119630"/>
+            <a:off x="9389232" y="2845494"/>
             <a:ext cx="180000" cy="180000"/>
           </a:xfrm>
           <a:prstGeom prst="ellipse">
@@ -12498,7 +12550,7 @@
         </p:nvSpPr>
         <p:spPr>
           <a:xfrm>
-            <a:off x="3932140" y="1840298"/>
+            <a:off x="6096000" y="2566162"/>
             <a:ext cx="944490" cy="369332"/>
           </a:xfrm>
           <a:prstGeom prst="rect">
@@ -12539,7 +12591,7 @@
         </p:nvSpPr>
         <p:spPr>
           <a:xfrm>
-            <a:off x="7315370" y="1836538"/>
+            <a:off x="9479230" y="2562402"/>
             <a:ext cx="944489" cy="369332"/>
           </a:xfrm>
           <a:prstGeom prst="rect">
@@ -12581,7 +12633,7 @@
         </p:nvSpPr>
         <p:spPr>
           <a:xfrm>
-            <a:off x="4786630" y="4558370"/>
+            <a:off x="6950490" y="5284234"/>
             <a:ext cx="180000" cy="180000"/>
           </a:xfrm>
           <a:prstGeom prst="ellipse">
@@ -12635,7 +12687,7 @@
         </p:nvSpPr>
         <p:spPr>
           <a:xfrm>
-            <a:off x="7225372" y="4558370"/>
+            <a:off x="9389232" y="5284234"/>
             <a:ext cx="180000" cy="180000"/>
           </a:xfrm>
           <a:prstGeom prst="ellipse">
@@ -12687,7 +12739,7 @@
         </p:nvSpPr>
         <p:spPr>
           <a:xfrm>
-            <a:off x="3932140" y="4648370"/>
+            <a:off x="6096000" y="5374234"/>
             <a:ext cx="944490" cy="369332"/>
           </a:xfrm>
           <a:prstGeom prst="rect">
@@ -12728,7 +12780,7 @@
         </p:nvSpPr>
         <p:spPr>
           <a:xfrm>
-            <a:off x="7315370" y="4648370"/>
+            <a:off x="9479230" y="5374234"/>
             <a:ext cx="944489" cy="369332"/>
           </a:xfrm>
           <a:prstGeom prst="rect">
@@ -12769,7 +12821,7 @@
         <p:spPr>
           <a:xfrm>
             <a:off x="0" y="0"/>
-            <a:ext cx="2717411" cy="3139321"/>
+            <a:ext cx="5503430" cy="3970318"/>
           </a:xfrm>
           <a:prstGeom prst="rect">
             <a:avLst/>
@@ -12836,7 +12888,7 @@
                 </a:solidFill>
                 <a:latin typeface="Consolas" panose="020B0609020204030204" pitchFamily="49" charset="0"/>
               </a:rPr>
-              <a:t>// 0</a:t>
+              <a:t>// inferior esquerdo; índice 0</a:t>
             </a:r>
           </a:p>
           <a:p>
@@ -12856,7 +12908,7 @@
                 </a:solidFill>
                 <a:latin typeface="Consolas" panose="020B0609020204030204" pitchFamily="49" charset="0"/>
               </a:rPr>
-              <a:t>// 1</a:t>
+              <a:t>// inferior direito;  índice 1</a:t>
             </a:r>
             <a:endParaRPr lang="pt-BR" dirty="0">
               <a:solidFill>
@@ -12882,7 +12934,7 @@
                 </a:solidFill>
                 <a:latin typeface="Consolas" panose="020B0609020204030204" pitchFamily="49" charset="0"/>
               </a:rPr>
-              <a:t>// 2</a:t>
+              <a:t>// superior direito;  índice 2</a:t>
             </a:r>
           </a:p>
           <a:p>
@@ -12902,7 +12954,7 @@
                 </a:solidFill>
                 <a:latin typeface="Consolas" panose="020B0609020204030204" pitchFamily="49" charset="0"/>
               </a:rPr>
-              <a:t>// 3</a:t>
+              <a:t>// superior esquerdo; índice 3</a:t>
             </a:r>
             <a:endParaRPr lang="pt-BR" dirty="0">
               <a:solidFill>
@@ -12976,8 +13028,68 @@
                 </a:solidFill>
                 <a:latin typeface="Consolas" panose="020B0609020204030204" pitchFamily="49" charset="0"/>
               </a:rPr>
+              <a:t>    </a:t>
+            </a:r>
+            <a:r>
+              <a:rPr lang="pt-BR" dirty="0">
+                <a:solidFill>
+                  <a:schemeClr val="accent3"/>
+                </a:solidFill>
+                <a:latin typeface="Consolas" panose="020B0609020204030204" pitchFamily="49" charset="0"/>
+              </a:rPr>
+              <a:t>// primeiro triangulo</a:t>
+            </a:r>
+            <a:endParaRPr lang="pt-BR" dirty="0">
+              <a:solidFill>
+                <a:schemeClr val="bg1"/>
+              </a:solidFill>
+              <a:latin typeface="Consolas" panose="020B0609020204030204" pitchFamily="49" charset="0"/>
+            </a:endParaRPr>
+          </a:p>
+          <a:p>
+            <a:r>
+              <a:rPr lang="pt-BR" dirty="0">
+                <a:solidFill>
+                  <a:schemeClr val="bg1"/>
+                </a:solidFill>
+                <a:latin typeface="Consolas" panose="020B0609020204030204" pitchFamily="49" charset="0"/>
+              </a:rPr>
               <a:t>    0, 1, 2,</a:t>
             </a:r>
+          </a:p>
+          <a:p>
+            <a:endParaRPr lang="pt-BR" dirty="0">
+              <a:solidFill>
+                <a:schemeClr val="bg1"/>
+              </a:solidFill>
+              <a:latin typeface="Consolas" panose="020B0609020204030204" pitchFamily="49" charset="0"/>
+            </a:endParaRPr>
+          </a:p>
+          <a:p>
+            <a:r>
+              <a:rPr lang="pt-BR" dirty="0">
+                <a:solidFill>
+                  <a:schemeClr val="bg1"/>
+                </a:solidFill>
+                <a:latin typeface="Consolas" panose="020B0609020204030204" pitchFamily="49" charset="0"/>
+              </a:rPr>
+              <a:t>    </a:t>
+            </a:r>
+            <a:r>
+              <a:rPr lang="pt-BR" dirty="0">
+                <a:solidFill>
+                  <a:schemeClr val="accent3"/>
+                </a:solidFill>
+                <a:latin typeface="Consolas" panose="020B0609020204030204" pitchFamily="49" charset="0"/>
+              </a:rPr>
+              <a:t>// segundo triangulo</a:t>
+            </a:r>
+            <a:endParaRPr lang="pt-BR" dirty="0">
+              <a:solidFill>
+                <a:schemeClr val="bg1"/>
+              </a:solidFill>
+              <a:latin typeface="Consolas" panose="020B0609020204030204" pitchFamily="49" charset="0"/>
+            </a:endParaRPr>
           </a:p>
           <a:p>
             <a:r>
